--- a/lit_search_template.pptx
+++ b/lit_search_template.pptx
@@ -164,14 +164,6 @@
 </p:presentation>
 </file>
 
-<file path=ppt/revisionInfo.xml><?xml version="1.0" encoding="utf-8"?>
-<p1510:revInfo xmlns:a="http://schemas.openxmlformats.org/drawingml/2006/main" xmlns:r="http://schemas.openxmlformats.org/officeDocument/2006/relationships" xmlns:p1510="http://schemas.microsoft.com/office/powerpoint/2015/10/main">
-  <p1510:revLst>
-    <p1510:client id="{B7AEB441-1FD8-EB4C-961E-45301729B1B1}" v="7" dt="2024-09-27T07:00:56.476"/>
-  </p1510:revLst>
-</p1510:revInfo>
-</file>
-
 <file path=ppt/notesMasters/notesMaster1.xml><?xml version="1.0" encoding="utf-8"?>
 <p:notesMaster xmlns:a="http://schemas.openxmlformats.org/drawingml/2006/main" xmlns:r="http://schemas.openxmlformats.org/officeDocument/2006/relationships" xmlns:p="http://schemas.openxmlformats.org/presentationml/2006/main">
   <p:cSld>
@@ -254,7 +246,7 @@
           <a:p>
             <a:fld id="{77AB6CFA-8C06-A742-9C67-9EB8DDEC067B}" type="datetimeFigureOut">
               <a:rPr lang="en-US" smtClean="0"/>
-              <a:t>9/27/24</a:t>
+              <a:t>10/3/24</a:t>
             </a:fld>
             <a:endParaRPr lang="en-US"/>
           </a:p>
@@ -618,7 +610,7 @@
         <p:cNvPr id="1" name="">
           <a:extLst>
             <a:ext uri="{FF2B5EF4-FFF2-40B4-BE49-F238E27FC236}">
-              <a16:creationId xmlns:a16="http://schemas.microsoft.com/office/drawing/2014/main" id="{94B43DC1-6329-4A04-4D61-D446337A4D2A}"/>
+              <a16:creationId xmlns:a16="http://schemas.microsoft.com/office/drawing/2014/main" id="{C09D3F4D-482D-1DF7-3423-07EE6D5A2F39}"/>
             </a:ext>
           </a:extLst>
         </p:cNvPr>
@@ -638,7 +630,7 @@
           <p:cNvPr id="2" name="Slide Image Placeholder 1">
             <a:extLst>
               <a:ext uri="{FF2B5EF4-FFF2-40B4-BE49-F238E27FC236}">
-                <a16:creationId xmlns:a16="http://schemas.microsoft.com/office/drawing/2014/main" id="{AE853047-2B51-2E0F-6C40-97777CB76108}"/>
+                <a16:creationId xmlns:a16="http://schemas.microsoft.com/office/drawing/2014/main" id="{A5D5EC17-4727-2D51-5DB2-1049A6B52A83}"/>
               </a:ext>
             </a:extLst>
           </p:cNvPr>
@@ -656,7 +648,7 @@
           <p:cNvPr id="3" name="Notes Placeholder 2">
             <a:extLst>
               <a:ext uri="{FF2B5EF4-FFF2-40B4-BE49-F238E27FC236}">
-                <a16:creationId xmlns:a16="http://schemas.microsoft.com/office/drawing/2014/main" id="{FB66777E-0AFB-2990-7B91-9F10C88BB06F}"/>
+                <a16:creationId xmlns:a16="http://schemas.microsoft.com/office/drawing/2014/main" id="{DAC01DCB-3B67-F307-B073-6774BE26AFF1}"/>
               </a:ext>
             </a:extLst>
           </p:cNvPr>
@@ -685,7 +677,7 @@
           <p:cNvPr id="4" name="Slide Number Placeholder 3">
             <a:extLst>
               <a:ext uri="{FF2B5EF4-FFF2-40B4-BE49-F238E27FC236}">
-                <a16:creationId xmlns:a16="http://schemas.microsoft.com/office/drawing/2014/main" id="{79A4C2DF-8B1F-79EF-68B6-5CC626BD08EC}"/>
+                <a16:creationId xmlns:a16="http://schemas.microsoft.com/office/drawing/2014/main" id="{BE296555-1EFC-106C-A033-FA2586A65EBA}"/>
               </a:ext>
             </a:extLst>
           </p:cNvPr>
@@ -712,7 +704,7 @@
     </p:spTree>
     <p:extLst>
       <p:ext uri="{BB962C8B-B14F-4D97-AF65-F5344CB8AC3E}">
-        <p14:creationId xmlns:p14="http://schemas.microsoft.com/office/powerpoint/2010/main" val="2371374419"/>
+        <p14:creationId xmlns:p14="http://schemas.microsoft.com/office/powerpoint/2010/main" val="2460949145"/>
       </p:ext>
     </p:extLst>
   </p:cSld>
@@ -730,7 +722,7 @@
         <p:cNvPr id="1" name="">
           <a:extLst>
             <a:ext uri="{FF2B5EF4-FFF2-40B4-BE49-F238E27FC236}">
-              <a16:creationId xmlns:a16="http://schemas.microsoft.com/office/drawing/2014/main" id="{B0B74393-069A-6EA2-0A96-62B168B39623}"/>
+              <a16:creationId xmlns:a16="http://schemas.microsoft.com/office/drawing/2014/main" id="{DF296BE3-D6A8-0B72-848B-7667E2F40958}"/>
             </a:ext>
           </a:extLst>
         </p:cNvPr>
@@ -750,7 +742,7 @@
           <p:cNvPr id="2" name="Slide Image Placeholder 1">
             <a:extLst>
               <a:ext uri="{FF2B5EF4-FFF2-40B4-BE49-F238E27FC236}">
-                <a16:creationId xmlns:a16="http://schemas.microsoft.com/office/drawing/2014/main" id="{CDB1F814-4232-E154-9DA4-80686C01033A}"/>
+                <a16:creationId xmlns:a16="http://schemas.microsoft.com/office/drawing/2014/main" id="{A5646525-10BA-6B48-B337-153B48EA7728}"/>
               </a:ext>
             </a:extLst>
           </p:cNvPr>
@@ -768,7 +760,7 @@
           <p:cNvPr id="3" name="Notes Placeholder 2">
             <a:extLst>
               <a:ext uri="{FF2B5EF4-FFF2-40B4-BE49-F238E27FC236}">
-                <a16:creationId xmlns:a16="http://schemas.microsoft.com/office/drawing/2014/main" id="{0C7BBA6D-E91E-BA55-519C-99BE88343FA3}"/>
+                <a16:creationId xmlns:a16="http://schemas.microsoft.com/office/drawing/2014/main" id="{A0D53CDE-D573-5FBB-5DFC-A0EE444323CC}"/>
               </a:ext>
             </a:extLst>
           </p:cNvPr>
@@ -797,7 +789,7 @@
           <p:cNvPr id="4" name="Slide Number Placeholder 3">
             <a:extLst>
               <a:ext uri="{FF2B5EF4-FFF2-40B4-BE49-F238E27FC236}">
-                <a16:creationId xmlns:a16="http://schemas.microsoft.com/office/drawing/2014/main" id="{A5A16939-1DD6-3851-881F-25B8CA6D06BB}"/>
+                <a16:creationId xmlns:a16="http://schemas.microsoft.com/office/drawing/2014/main" id="{E8439CE5-87EC-7B83-E02D-3E42FB5F8B3C}"/>
               </a:ext>
             </a:extLst>
           </p:cNvPr>
@@ -824,7 +816,7 @@
     </p:spTree>
     <p:extLst>
       <p:ext uri="{BB962C8B-B14F-4D97-AF65-F5344CB8AC3E}">
-        <p14:creationId xmlns:p14="http://schemas.microsoft.com/office/powerpoint/2010/main" val="2268744694"/>
+        <p14:creationId xmlns:p14="http://schemas.microsoft.com/office/powerpoint/2010/main" val="1399897220"/>
       </p:ext>
     </p:extLst>
   </p:cSld>
@@ -842,7 +834,7 @@
         <p:cNvPr id="1" name="">
           <a:extLst>
             <a:ext uri="{FF2B5EF4-FFF2-40B4-BE49-F238E27FC236}">
-              <a16:creationId xmlns:a16="http://schemas.microsoft.com/office/drawing/2014/main" id="{AD376347-3EF6-4A55-48E9-90A84E8D9378}"/>
+              <a16:creationId xmlns:a16="http://schemas.microsoft.com/office/drawing/2014/main" id="{D0BCE653-459D-EDDB-C204-4631471E0A06}"/>
             </a:ext>
           </a:extLst>
         </p:cNvPr>
@@ -862,7 +854,7 @@
           <p:cNvPr id="2" name="Slide Image Placeholder 1">
             <a:extLst>
               <a:ext uri="{FF2B5EF4-FFF2-40B4-BE49-F238E27FC236}">
-                <a16:creationId xmlns:a16="http://schemas.microsoft.com/office/drawing/2014/main" id="{DE6E5C55-1DD1-0FDD-CB12-B3F93813102C}"/>
+                <a16:creationId xmlns:a16="http://schemas.microsoft.com/office/drawing/2014/main" id="{CDAB6272-59A6-7717-A1E3-35F3A123EE05}"/>
               </a:ext>
             </a:extLst>
           </p:cNvPr>
@@ -880,7 +872,7 @@
           <p:cNvPr id="3" name="Notes Placeholder 2">
             <a:extLst>
               <a:ext uri="{FF2B5EF4-FFF2-40B4-BE49-F238E27FC236}">
-                <a16:creationId xmlns:a16="http://schemas.microsoft.com/office/drawing/2014/main" id="{ACF8B48E-3CCA-4C90-C4A4-5BD970F0D996}"/>
+                <a16:creationId xmlns:a16="http://schemas.microsoft.com/office/drawing/2014/main" id="{DDCD04B9-374F-D909-31D3-33BBDE3E317D}"/>
               </a:ext>
             </a:extLst>
           </p:cNvPr>
@@ -909,7 +901,7 @@
           <p:cNvPr id="4" name="Slide Number Placeholder 3">
             <a:extLst>
               <a:ext uri="{FF2B5EF4-FFF2-40B4-BE49-F238E27FC236}">
-                <a16:creationId xmlns:a16="http://schemas.microsoft.com/office/drawing/2014/main" id="{D746A3BA-DD3F-C1EA-0598-94309A423311}"/>
+                <a16:creationId xmlns:a16="http://schemas.microsoft.com/office/drawing/2014/main" id="{ACDFCE9C-71E5-B8BC-1F68-6F096C2DE68F}"/>
               </a:ext>
             </a:extLst>
           </p:cNvPr>
@@ -936,7 +928,7 @@
     </p:spTree>
     <p:extLst>
       <p:ext uri="{BB962C8B-B14F-4D97-AF65-F5344CB8AC3E}">
-        <p14:creationId xmlns:p14="http://schemas.microsoft.com/office/powerpoint/2010/main" val="2451147364"/>
+        <p14:creationId xmlns:p14="http://schemas.microsoft.com/office/powerpoint/2010/main" val="1139344162"/>
       </p:ext>
     </p:extLst>
   </p:cSld>
@@ -954,7 +946,7 @@
         <p:cNvPr id="1" name="">
           <a:extLst>
             <a:ext uri="{FF2B5EF4-FFF2-40B4-BE49-F238E27FC236}">
-              <a16:creationId xmlns:a16="http://schemas.microsoft.com/office/drawing/2014/main" id="{CB141E78-4A0D-FF4C-C994-111F14BA5DBE}"/>
+              <a16:creationId xmlns:a16="http://schemas.microsoft.com/office/drawing/2014/main" id="{0E62B5ED-15CD-3FC7-12AB-1DAA247A8A35}"/>
             </a:ext>
           </a:extLst>
         </p:cNvPr>
@@ -974,7 +966,7 @@
           <p:cNvPr id="2" name="Slide Image Placeholder 1">
             <a:extLst>
               <a:ext uri="{FF2B5EF4-FFF2-40B4-BE49-F238E27FC236}">
-                <a16:creationId xmlns:a16="http://schemas.microsoft.com/office/drawing/2014/main" id="{4A710EA6-FA8C-8C0E-FE62-01E21AEA85F5}"/>
+                <a16:creationId xmlns:a16="http://schemas.microsoft.com/office/drawing/2014/main" id="{CBDD7778-CF7B-8B41-A227-14F757DFAAAC}"/>
               </a:ext>
             </a:extLst>
           </p:cNvPr>
@@ -992,7 +984,7 @@
           <p:cNvPr id="3" name="Notes Placeholder 2">
             <a:extLst>
               <a:ext uri="{FF2B5EF4-FFF2-40B4-BE49-F238E27FC236}">
-                <a16:creationId xmlns:a16="http://schemas.microsoft.com/office/drawing/2014/main" id="{3CE6546F-C7F7-15E2-71FF-B9C16550BC82}"/>
+                <a16:creationId xmlns:a16="http://schemas.microsoft.com/office/drawing/2014/main" id="{E6103CB3-B33E-BCBD-794C-7B2CDAC2EC65}"/>
               </a:ext>
             </a:extLst>
           </p:cNvPr>
@@ -1021,7 +1013,7 @@
           <p:cNvPr id="4" name="Slide Number Placeholder 3">
             <a:extLst>
               <a:ext uri="{FF2B5EF4-FFF2-40B4-BE49-F238E27FC236}">
-                <a16:creationId xmlns:a16="http://schemas.microsoft.com/office/drawing/2014/main" id="{260E6452-71FE-92E2-6A17-3A85E7CBB979}"/>
+                <a16:creationId xmlns:a16="http://schemas.microsoft.com/office/drawing/2014/main" id="{9A0D9036-036F-2244-9AA6-39770C9D0DA5}"/>
               </a:ext>
             </a:extLst>
           </p:cNvPr>
@@ -1048,7 +1040,7 @@
     </p:spTree>
     <p:extLst>
       <p:ext uri="{BB962C8B-B14F-4D97-AF65-F5344CB8AC3E}">
-        <p14:creationId xmlns:p14="http://schemas.microsoft.com/office/powerpoint/2010/main" val="265211960"/>
+        <p14:creationId xmlns:p14="http://schemas.microsoft.com/office/powerpoint/2010/main" val="1795562405"/>
       </p:ext>
     </p:extLst>
   </p:cSld>
@@ -1066,7 +1058,7 @@
         <p:cNvPr id="1" name="">
           <a:extLst>
             <a:ext uri="{FF2B5EF4-FFF2-40B4-BE49-F238E27FC236}">
-              <a16:creationId xmlns:a16="http://schemas.microsoft.com/office/drawing/2014/main" id="{2A368AC4-6F8D-639C-A766-82363D095876}"/>
+              <a16:creationId xmlns:a16="http://schemas.microsoft.com/office/drawing/2014/main" id="{35515AF1-1CCE-E478-B340-1FE15E5F135C}"/>
             </a:ext>
           </a:extLst>
         </p:cNvPr>
@@ -1086,7 +1078,7 @@
           <p:cNvPr id="2" name="Slide Image Placeholder 1">
             <a:extLst>
               <a:ext uri="{FF2B5EF4-FFF2-40B4-BE49-F238E27FC236}">
-                <a16:creationId xmlns:a16="http://schemas.microsoft.com/office/drawing/2014/main" id="{47BA2DCB-500D-7F21-D7B0-42683CAD594F}"/>
+                <a16:creationId xmlns:a16="http://schemas.microsoft.com/office/drawing/2014/main" id="{D3CA1CFF-86D9-3FC0-77D5-F8759B67F452}"/>
               </a:ext>
             </a:extLst>
           </p:cNvPr>
@@ -1104,7 +1096,7 @@
           <p:cNvPr id="3" name="Notes Placeholder 2">
             <a:extLst>
               <a:ext uri="{FF2B5EF4-FFF2-40B4-BE49-F238E27FC236}">
-                <a16:creationId xmlns:a16="http://schemas.microsoft.com/office/drawing/2014/main" id="{A1EA22CF-E9CE-A51B-E9BF-960AAA7AC97D}"/>
+                <a16:creationId xmlns:a16="http://schemas.microsoft.com/office/drawing/2014/main" id="{1AB327C2-E7C0-3544-6A48-C67A93218D58}"/>
               </a:ext>
             </a:extLst>
           </p:cNvPr>
@@ -1133,7 +1125,7 @@
           <p:cNvPr id="4" name="Slide Number Placeholder 3">
             <a:extLst>
               <a:ext uri="{FF2B5EF4-FFF2-40B4-BE49-F238E27FC236}">
-                <a16:creationId xmlns:a16="http://schemas.microsoft.com/office/drawing/2014/main" id="{405D2625-989E-81D4-9B30-CD7FDDA58604}"/>
+                <a16:creationId xmlns:a16="http://schemas.microsoft.com/office/drawing/2014/main" id="{7621D080-EDB7-DE5B-DB2E-A1DC3FAE3B20}"/>
               </a:ext>
             </a:extLst>
           </p:cNvPr>
@@ -1160,7 +1152,7 @@
     </p:spTree>
     <p:extLst>
       <p:ext uri="{BB962C8B-B14F-4D97-AF65-F5344CB8AC3E}">
-        <p14:creationId xmlns:p14="http://schemas.microsoft.com/office/powerpoint/2010/main" val="3406641869"/>
+        <p14:creationId xmlns:p14="http://schemas.microsoft.com/office/powerpoint/2010/main" val="2518664934"/>
       </p:ext>
     </p:extLst>
   </p:cSld>
@@ -1178,7 +1170,7 @@
         <p:cNvPr id="1" name="">
           <a:extLst>
             <a:ext uri="{FF2B5EF4-FFF2-40B4-BE49-F238E27FC236}">
-              <a16:creationId xmlns:a16="http://schemas.microsoft.com/office/drawing/2014/main" id="{CBF808C5-7555-C540-EF7D-4ED48ACE22C0}"/>
+              <a16:creationId xmlns:a16="http://schemas.microsoft.com/office/drawing/2014/main" id="{3F56804D-A520-9B15-21B2-65A5142A9C4C}"/>
             </a:ext>
           </a:extLst>
         </p:cNvPr>
@@ -1198,7 +1190,7 @@
           <p:cNvPr id="2" name="Slide Image Placeholder 1">
             <a:extLst>
               <a:ext uri="{FF2B5EF4-FFF2-40B4-BE49-F238E27FC236}">
-                <a16:creationId xmlns:a16="http://schemas.microsoft.com/office/drawing/2014/main" id="{9C0D0722-8CDF-D200-9448-7D7A73718D9D}"/>
+                <a16:creationId xmlns:a16="http://schemas.microsoft.com/office/drawing/2014/main" id="{33CE255E-7209-10BF-696A-3D64C80CF859}"/>
               </a:ext>
             </a:extLst>
           </p:cNvPr>
@@ -1216,7 +1208,7 @@
           <p:cNvPr id="3" name="Notes Placeholder 2">
             <a:extLst>
               <a:ext uri="{FF2B5EF4-FFF2-40B4-BE49-F238E27FC236}">
-                <a16:creationId xmlns:a16="http://schemas.microsoft.com/office/drawing/2014/main" id="{09D9483C-85BA-5E70-186E-615A4E952768}"/>
+                <a16:creationId xmlns:a16="http://schemas.microsoft.com/office/drawing/2014/main" id="{BBA870FB-1610-6D98-C4A5-F51FE7A5D826}"/>
               </a:ext>
             </a:extLst>
           </p:cNvPr>
@@ -1245,7 +1237,7 @@
           <p:cNvPr id="4" name="Slide Number Placeholder 3">
             <a:extLst>
               <a:ext uri="{FF2B5EF4-FFF2-40B4-BE49-F238E27FC236}">
-                <a16:creationId xmlns:a16="http://schemas.microsoft.com/office/drawing/2014/main" id="{046E329D-39C6-3EDE-1CE5-F8C7BFF47776}"/>
+                <a16:creationId xmlns:a16="http://schemas.microsoft.com/office/drawing/2014/main" id="{4EB58036-6F10-831C-880E-6F39F534E2E6}"/>
               </a:ext>
             </a:extLst>
           </p:cNvPr>
@@ -1272,7 +1264,7 @@
     </p:spTree>
     <p:extLst>
       <p:ext uri="{BB962C8B-B14F-4D97-AF65-F5344CB8AC3E}">
-        <p14:creationId xmlns:p14="http://schemas.microsoft.com/office/powerpoint/2010/main" val="2525282769"/>
+        <p14:creationId xmlns:p14="http://schemas.microsoft.com/office/powerpoint/2010/main" val="363782291"/>
       </p:ext>
     </p:extLst>
   </p:cSld>
@@ -1290,7 +1282,7 @@
         <p:cNvPr id="1" name="">
           <a:extLst>
             <a:ext uri="{FF2B5EF4-FFF2-40B4-BE49-F238E27FC236}">
-              <a16:creationId xmlns:a16="http://schemas.microsoft.com/office/drawing/2014/main" id="{B3DED5E6-E96E-8EC3-61EF-909DFA17B063}"/>
+              <a16:creationId xmlns:a16="http://schemas.microsoft.com/office/drawing/2014/main" id="{7622A013-3E9A-90DE-8BB6-98B65C9A65F0}"/>
             </a:ext>
           </a:extLst>
         </p:cNvPr>
@@ -1310,7 +1302,7 @@
           <p:cNvPr id="2" name="Slide Image Placeholder 1">
             <a:extLst>
               <a:ext uri="{FF2B5EF4-FFF2-40B4-BE49-F238E27FC236}">
-                <a16:creationId xmlns:a16="http://schemas.microsoft.com/office/drawing/2014/main" id="{04105518-1A29-A2B7-6337-8BE3312247E2}"/>
+                <a16:creationId xmlns:a16="http://schemas.microsoft.com/office/drawing/2014/main" id="{EBCA1145-CEEA-8F13-1BAD-1C8371BE4949}"/>
               </a:ext>
             </a:extLst>
           </p:cNvPr>
@@ -1328,7 +1320,7 @@
           <p:cNvPr id="3" name="Notes Placeholder 2">
             <a:extLst>
               <a:ext uri="{FF2B5EF4-FFF2-40B4-BE49-F238E27FC236}">
-                <a16:creationId xmlns:a16="http://schemas.microsoft.com/office/drawing/2014/main" id="{59D05918-C47A-F582-7E78-645C18172A27}"/>
+                <a16:creationId xmlns:a16="http://schemas.microsoft.com/office/drawing/2014/main" id="{3D01CF33-96C2-BDCD-20F1-141A4170F3DF}"/>
               </a:ext>
             </a:extLst>
           </p:cNvPr>
@@ -1357,7 +1349,7 @@
           <p:cNvPr id="4" name="Slide Number Placeholder 3">
             <a:extLst>
               <a:ext uri="{FF2B5EF4-FFF2-40B4-BE49-F238E27FC236}">
-                <a16:creationId xmlns:a16="http://schemas.microsoft.com/office/drawing/2014/main" id="{D65E7AFA-8744-E193-AB9D-E282ED9B6051}"/>
+                <a16:creationId xmlns:a16="http://schemas.microsoft.com/office/drawing/2014/main" id="{9EDB3EF1-FD53-D30D-847D-A13AD3CDE45C}"/>
               </a:ext>
             </a:extLst>
           </p:cNvPr>
@@ -1384,7 +1376,7 @@
     </p:spTree>
     <p:extLst>
       <p:ext uri="{BB962C8B-B14F-4D97-AF65-F5344CB8AC3E}">
-        <p14:creationId xmlns:p14="http://schemas.microsoft.com/office/powerpoint/2010/main" val="2262167455"/>
+        <p14:creationId xmlns:p14="http://schemas.microsoft.com/office/powerpoint/2010/main" val="1257852949"/>
       </p:ext>
     </p:extLst>
   </p:cSld>
@@ -1402,7 +1394,7 @@
         <p:cNvPr id="1" name="">
           <a:extLst>
             <a:ext uri="{FF2B5EF4-FFF2-40B4-BE49-F238E27FC236}">
-              <a16:creationId xmlns:a16="http://schemas.microsoft.com/office/drawing/2014/main" id="{8267C5AE-368F-1032-E4C4-83EC94E6B0CC}"/>
+              <a16:creationId xmlns:a16="http://schemas.microsoft.com/office/drawing/2014/main" id="{AD72BC7E-7902-CB59-BF56-0A65EAF33A36}"/>
             </a:ext>
           </a:extLst>
         </p:cNvPr>
@@ -1422,7 +1414,7 @@
           <p:cNvPr id="2" name="Slide Image Placeholder 1">
             <a:extLst>
               <a:ext uri="{FF2B5EF4-FFF2-40B4-BE49-F238E27FC236}">
-                <a16:creationId xmlns:a16="http://schemas.microsoft.com/office/drawing/2014/main" id="{841EC06E-B976-1A6B-4F00-307658985F12}"/>
+                <a16:creationId xmlns:a16="http://schemas.microsoft.com/office/drawing/2014/main" id="{F83E5E16-912A-2D11-E156-526298758C59}"/>
               </a:ext>
             </a:extLst>
           </p:cNvPr>
@@ -1440,7 +1432,7 @@
           <p:cNvPr id="3" name="Notes Placeholder 2">
             <a:extLst>
               <a:ext uri="{FF2B5EF4-FFF2-40B4-BE49-F238E27FC236}">
-                <a16:creationId xmlns:a16="http://schemas.microsoft.com/office/drawing/2014/main" id="{3301A080-3A6F-B471-129A-F31287F6595A}"/>
+                <a16:creationId xmlns:a16="http://schemas.microsoft.com/office/drawing/2014/main" id="{28716C7A-B94E-B8B9-A91F-9D104789792A}"/>
               </a:ext>
             </a:extLst>
           </p:cNvPr>
@@ -1469,7 +1461,7 @@
           <p:cNvPr id="4" name="Slide Number Placeholder 3">
             <a:extLst>
               <a:ext uri="{FF2B5EF4-FFF2-40B4-BE49-F238E27FC236}">
-                <a16:creationId xmlns:a16="http://schemas.microsoft.com/office/drawing/2014/main" id="{7682EF05-29AA-3E0E-CD54-15FC3F301602}"/>
+                <a16:creationId xmlns:a16="http://schemas.microsoft.com/office/drawing/2014/main" id="{229B9D22-BACD-E60A-ABF6-53D73BA2B1FF}"/>
               </a:ext>
             </a:extLst>
           </p:cNvPr>
@@ -1496,7 +1488,7 @@
     </p:spTree>
     <p:extLst>
       <p:ext uri="{BB962C8B-B14F-4D97-AF65-F5344CB8AC3E}">
-        <p14:creationId xmlns:p14="http://schemas.microsoft.com/office/powerpoint/2010/main" val="2035717211"/>
+        <p14:creationId xmlns:p14="http://schemas.microsoft.com/office/powerpoint/2010/main" val="926804971"/>
       </p:ext>
     </p:extLst>
   </p:cSld>
@@ -1514,7 +1506,7 @@
         <p:cNvPr id="1" name="">
           <a:extLst>
             <a:ext uri="{FF2B5EF4-FFF2-40B4-BE49-F238E27FC236}">
-              <a16:creationId xmlns:a16="http://schemas.microsoft.com/office/drawing/2014/main" id="{E79E52DF-DC1F-9553-1403-AB41AF5A4554}"/>
+              <a16:creationId xmlns:a16="http://schemas.microsoft.com/office/drawing/2014/main" id="{078BCEF7-8910-774F-ACD6-E047B126C709}"/>
             </a:ext>
           </a:extLst>
         </p:cNvPr>
@@ -1534,7 +1526,7 @@
           <p:cNvPr id="2" name="Slide Image Placeholder 1">
             <a:extLst>
               <a:ext uri="{FF2B5EF4-FFF2-40B4-BE49-F238E27FC236}">
-                <a16:creationId xmlns:a16="http://schemas.microsoft.com/office/drawing/2014/main" id="{DF608526-52F7-9DEC-2AE1-D3C27CDEA3DB}"/>
+                <a16:creationId xmlns:a16="http://schemas.microsoft.com/office/drawing/2014/main" id="{7B58A8E8-F845-09C2-FA8F-09D6003F5106}"/>
               </a:ext>
             </a:extLst>
           </p:cNvPr>
@@ -1552,7 +1544,7 @@
           <p:cNvPr id="3" name="Notes Placeholder 2">
             <a:extLst>
               <a:ext uri="{FF2B5EF4-FFF2-40B4-BE49-F238E27FC236}">
-                <a16:creationId xmlns:a16="http://schemas.microsoft.com/office/drawing/2014/main" id="{CB7D42CD-73E2-9C65-ACF9-1873726B956E}"/>
+                <a16:creationId xmlns:a16="http://schemas.microsoft.com/office/drawing/2014/main" id="{EEEBE625-5395-1377-B6A0-19DD8DEBCBBD}"/>
               </a:ext>
             </a:extLst>
           </p:cNvPr>
@@ -1581,7 +1573,7 @@
           <p:cNvPr id="4" name="Slide Number Placeholder 3">
             <a:extLst>
               <a:ext uri="{FF2B5EF4-FFF2-40B4-BE49-F238E27FC236}">
-                <a16:creationId xmlns:a16="http://schemas.microsoft.com/office/drawing/2014/main" id="{AE42D668-3148-E9A0-20FC-A42BBFBBC61C}"/>
+                <a16:creationId xmlns:a16="http://schemas.microsoft.com/office/drawing/2014/main" id="{5A6BE55C-B2F4-F197-4A9E-6D8D0E4DDF5E}"/>
               </a:ext>
             </a:extLst>
           </p:cNvPr>
@@ -1608,7 +1600,7 @@
     </p:spTree>
     <p:extLst>
       <p:ext uri="{BB962C8B-B14F-4D97-AF65-F5344CB8AC3E}">
-        <p14:creationId xmlns:p14="http://schemas.microsoft.com/office/powerpoint/2010/main" val="633667882"/>
+        <p14:creationId xmlns:p14="http://schemas.microsoft.com/office/powerpoint/2010/main" val="1746309741"/>
       </p:ext>
     </p:extLst>
   </p:cSld>
@@ -1626,7 +1618,7 @@
         <p:cNvPr id="1" name="">
           <a:extLst>
             <a:ext uri="{FF2B5EF4-FFF2-40B4-BE49-F238E27FC236}">
-              <a16:creationId xmlns:a16="http://schemas.microsoft.com/office/drawing/2014/main" id="{9D2E2FCE-BE9C-D218-C03B-0090E7AC8A35}"/>
+              <a16:creationId xmlns:a16="http://schemas.microsoft.com/office/drawing/2014/main" id="{C26BA958-DAB1-1869-947F-6C884E368A8F}"/>
             </a:ext>
           </a:extLst>
         </p:cNvPr>
@@ -1646,7 +1638,7 @@
           <p:cNvPr id="2" name="Slide Image Placeholder 1">
             <a:extLst>
               <a:ext uri="{FF2B5EF4-FFF2-40B4-BE49-F238E27FC236}">
-                <a16:creationId xmlns:a16="http://schemas.microsoft.com/office/drawing/2014/main" id="{79FFD518-51AB-94CE-91D8-654CC9F7F940}"/>
+                <a16:creationId xmlns:a16="http://schemas.microsoft.com/office/drawing/2014/main" id="{EF23CEB2-01FF-84DB-FB2B-46EC065BC5F8}"/>
               </a:ext>
             </a:extLst>
           </p:cNvPr>
@@ -1664,7 +1656,7 @@
           <p:cNvPr id="3" name="Notes Placeholder 2">
             <a:extLst>
               <a:ext uri="{FF2B5EF4-FFF2-40B4-BE49-F238E27FC236}">
-                <a16:creationId xmlns:a16="http://schemas.microsoft.com/office/drawing/2014/main" id="{338031B6-325B-2606-7319-6D329B865252}"/>
+                <a16:creationId xmlns:a16="http://schemas.microsoft.com/office/drawing/2014/main" id="{FB07E462-1D27-4AA2-1DA3-EC0BF636CE5C}"/>
               </a:ext>
             </a:extLst>
           </p:cNvPr>
@@ -1693,7 +1685,7 @@
           <p:cNvPr id="4" name="Slide Number Placeholder 3">
             <a:extLst>
               <a:ext uri="{FF2B5EF4-FFF2-40B4-BE49-F238E27FC236}">
-                <a16:creationId xmlns:a16="http://schemas.microsoft.com/office/drawing/2014/main" id="{31CD8FDA-FC40-2C63-D8C1-2431F3F22033}"/>
+                <a16:creationId xmlns:a16="http://schemas.microsoft.com/office/drawing/2014/main" id="{C212C420-2583-DF99-1CA9-407553B010E1}"/>
               </a:ext>
             </a:extLst>
           </p:cNvPr>
@@ -1720,7 +1712,7 @@
     </p:spTree>
     <p:extLst>
       <p:ext uri="{BB962C8B-B14F-4D97-AF65-F5344CB8AC3E}">
-        <p14:creationId xmlns:p14="http://schemas.microsoft.com/office/powerpoint/2010/main" val="3733124714"/>
+        <p14:creationId xmlns:p14="http://schemas.microsoft.com/office/powerpoint/2010/main" val="2960947400"/>
       </p:ext>
     </p:extLst>
   </p:cSld>
@@ -1738,7 +1730,7 @@
         <p:cNvPr id="1" name="">
           <a:extLst>
             <a:ext uri="{FF2B5EF4-FFF2-40B4-BE49-F238E27FC236}">
-              <a16:creationId xmlns:a16="http://schemas.microsoft.com/office/drawing/2014/main" id="{61E8C3F5-0737-B811-B6C9-F2F964F8A214}"/>
+              <a16:creationId xmlns:a16="http://schemas.microsoft.com/office/drawing/2014/main" id="{49FB8F73-D2F2-5A9A-7DFB-E811151CDEF6}"/>
             </a:ext>
           </a:extLst>
         </p:cNvPr>
@@ -1758,7 +1750,7 @@
           <p:cNvPr id="2" name="Slide Image Placeholder 1">
             <a:extLst>
               <a:ext uri="{FF2B5EF4-FFF2-40B4-BE49-F238E27FC236}">
-                <a16:creationId xmlns:a16="http://schemas.microsoft.com/office/drawing/2014/main" id="{9B4982BE-1B56-6D06-29AA-490B85529108}"/>
+                <a16:creationId xmlns:a16="http://schemas.microsoft.com/office/drawing/2014/main" id="{B895EAA2-4A98-F20D-47C7-7F2E1CEE76A9}"/>
               </a:ext>
             </a:extLst>
           </p:cNvPr>
@@ -1776,7 +1768,7 @@
           <p:cNvPr id="3" name="Notes Placeholder 2">
             <a:extLst>
               <a:ext uri="{FF2B5EF4-FFF2-40B4-BE49-F238E27FC236}">
-                <a16:creationId xmlns:a16="http://schemas.microsoft.com/office/drawing/2014/main" id="{25FE1DBF-6639-0504-D21C-8CE0E066C743}"/>
+                <a16:creationId xmlns:a16="http://schemas.microsoft.com/office/drawing/2014/main" id="{A6DF2B3D-BC37-6D37-2407-5BEF6232BB68}"/>
               </a:ext>
             </a:extLst>
           </p:cNvPr>
@@ -1805,7 +1797,7 @@
           <p:cNvPr id="4" name="Slide Number Placeholder 3">
             <a:extLst>
               <a:ext uri="{FF2B5EF4-FFF2-40B4-BE49-F238E27FC236}">
-                <a16:creationId xmlns:a16="http://schemas.microsoft.com/office/drawing/2014/main" id="{BFDA659C-BD82-B8F1-FA77-79B7136849FE}"/>
+                <a16:creationId xmlns:a16="http://schemas.microsoft.com/office/drawing/2014/main" id="{94026743-284B-C320-ED41-832B7AD6BE23}"/>
               </a:ext>
             </a:extLst>
           </p:cNvPr>
@@ -1832,7 +1824,7 @@
     </p:spTree>
     <p:extLst>
       <p:ext uri="{BB962C8B-B14F-4D97-AF65-F5344CB8AC3E}">
-        <p14:creationId xmlns:p14="http://schemas.microsoft.com/office/powerpoint/2010/main" val="40402900"/>
+        <p14:creationId xmlns:p14="http://schemas.microsoft.com/office/powerpoint/2010/main" val="2226331219"/>
       </p:ext>
     </p:extLst>
   </p:cSld>
@@ -1850,7 +1842,7 @@
         <p:cNvPr id="1" name="">
           <a:extLst>
             <a:ext uri="{FF2B5EF4-FFF2-40B4-BE49-F238E27FC236}">
-              <a16:creationId xmlns:a16="http://schemas.microsoft.com/office/drawing/2014/main" id="{467D49D9-1C75-E124-278D-5FCA44152347}"/>
+              <a16:creationId xmlns:a16="http://schemas.microsoft.com/office/drawing/2014/main" id="{93C72622-61B7-097E-DBE4-405BCF428130}"/>
             </a:ext>
           </a:extLst>
         </p:cNvPr>
@@ -1870,7 +1862,7 @@
           <p:cNvPr id="2" name="Slide Image Placeholder 1">
             <a:extLst>
               <a:ext uri="{FF2B5EF4-FFF2-40B4-BE49-F238E27FC236}">
-                <a16:creationId xmlns:a16="http://schemas.microsoft.com/office/drawing/2014/main" id="{9C5828A5-18B6-5AAF-B67A-FD43D94F411C}"/>
+                <a16:creationId xmlns:a16="http://schemas.microsoft.com/office/drawing/2014/main" id="{6023DED2-52C9-0626-E603-E2EA726E89DA}"/>
               </a:ext>
             </a:extLst>
           </p:cNvPr>
@@ -1888,7 +1880,7 @@
           <p:cNvPr id="3" name="Notes Placeholder 2">
             <a:extLst>
               <a:ext uri="{FF2B5EF4-FFF2-40B4-BE49-F238E27FC236}">
-                <a16:creationId xmlns:a16="http://schemas.microsoft.com/office/drawing/2014/main" id="{774718A0-0428-360A-AE56-131DD228FED4}"/>
+                <a16:creationId xmlns:a16="http://schemas.microsoft.com/office/drawing/2014/main" id="{0EE2531F-46E8-7D87-0B93-C6B852B252D8}"/>
               </a:ext>
             </a:extLst>
           </p:cNvPr>
@@ -1917,7 +1909,7 @@
           <p:cNvPr id="4" name="Slide Number Placeholder 3">
             <a:extLst>
               <a:ext uri="{FF2B5EF4-FFF2-40B4-BE49-F238E27FC236}">
-                <a16:creationId xmlns:a16="http://schemas.microsoft.com/office/drawing/2014/main" id="{93BAE987-90EC-CCCE-0576-3D44A9A40C66}"/>
+                <a16:creationId xmlns:a16="http://schemas.microsoft.com/office/drawing/2014/main" id="{62F6FBF6-58AE-AD50-3B02-F977AEB8AA36}"/>
               </a:ext>
             </a:extLst>
           </p:cNvPr>
@@ -1944,7 +1936,7 @@
     </p:spTree>
     <p:extLst>
       <p:ext uri="{BB962C8B-B14F-4D97-AF65-F5344CB8AC3E}">
-        <p14:creationId xmlns:p14="http://schemas.microsoft.com/office/powerpoint/2010/main" val="2741529352"/>
+        <p14:creationId xmlns:p14="http://schemas.microsoft.com/office/powerpoint/2010/main" val="1617302661"/>
       </p:ext>
     </p:extLst>
   </p:cSld>
@@ -1962,7 +1954,7 @@
         <p:cNvPr id="1" name="">
           <a:extLst>
             <a:ext uri="{FF2B5EF4-FFF2-40B4-BE49-F238E27FC236}">
-              <a16:creationId xmlns:a16="http://schemas.microsoft.com/office/drawing/2014/main" id="{932C8331-C353-774E-8478-B510F6A865CD}"/>
+              <a16:creationId xmlns:a16="http://schemas.microsoft.com/office/drawing/2014/main" id="{E1F83A9B-6A57-FD22-E859-BE9D66C2539A}"/>
             </a:ext>
           </a:extLst>
         </p:cNvPr>
@@ -1982,7 +1974,7 @@
           <p:cNvPr id="2" name="Slide Image Placeholder 1">
             <a:extLst>
               <a:ext uri="{FF2B5EF4-FFF2-40B4-BE49-F238E27FC236}">
-                <a16:creationId xmlns:a16="http://schemas.microsoft.com/office/drawing/2014/main" id="{07ACBCDB-49B7-9E80-1B43-DB817A0BB588}"/>
+                <a16:creationId xmlns:a16="http://schemas.microsoft.com/office/drawing/2014/main" id="{E99A0945-0A2B-1FE3-0CBE-77A7EDC4B382}"/>
               </a:ext>
             </a:extLst>
           </p:cNvPr>
@@ -2000,7 +1992,7 @@
           <p:cNvPr id="3" name="Notes Placeholder 2">
             <a:extLst>
               <a:ext uri="{FF2B5EF4-FFF2-40B4-BE49-F238E27FC236}">
-                <a16:creationId xmlns:a16="http://schemas.microsoft.com/office/drawing/2014/main" id="{E342EB9B-7F93-A854-B5D6-867C7A9139EF}"/>
+                <a16:creationId xmlns:a16="http://schemas.microsoft.com/office/drawing/2014/main" id="{98DB15AC-D087-67A3-D528-65ADD51D6D06}"/>
               </a:ext>
             </a:extLst>
           </p:cNvPr>
@@ -2029,7 +2021,7 @@
           <p:cNvPr id="4" name="Slide Number Placeholder 3">
             <a:extLst>
               <a:ext uri="{FF2B5EF4-FFF2-40B4-BE49-F238E27FC236}">
-                <a16:creationId xmlns:a16="http://schemas.microsoft.com/office/drawing/2014/main" id="{59876DB4-154D-B88F-F869-9202525CBBE5}"/>
+                <a16:creationId xmlns:a16="http://schemas.microsoft.com/office/drawing/2014/main" id="{CB70E138-E0ED-B4A5-3D4C-0D8FE850AF77}"/>
               </a:ext>
             </a:extLst>
           </p:cNvPr>
@@ -2056,7 +2048,7 @@
     </p:spTree>
     <p:extLst>
       <p:ext uri="{BB962C8B-B14F-4D97-AF65-F5344CB8AC3E}">
-        <p14:creationId xmlns:p14="http://schemas.microsoft.com/office/powerpoint/2010/main" val="3901506756"/>
+        <p14:creationId xmlns:p14="http://schemas.microsoft.com/office/powerpoint/2010/main" val="3312499964"/>
       </p:ext>
     </p:extLst>
   </p:cSld>
@@ -2074,7 +2066,7 @@
         <p:cNvPr id="1" name="">
           <a:extLst>
             <a:ext uri="{FF2B5EF4-FFF2-40B4-BE49-F238E27FC236}">
-              <a16:creationId xmlns:a16="http://schemas.microsoft.com/office/drawing/2014/main" id="{47296412-05FD-FCCA-DD93-CD11538A0A09}"/>
+              <a16:creationId xmlns:a16="http://schemas.microsoft.com/office/drawing/2014/main" id="{EA056644-6700-F180-5F21-E9DF0CF4E555}"/>
             </a:ext>
           </a:extLst>
         </p:cNvPr>
@@ -2094,7 +2086,7 @@
           <p:cNvPr id="2" name="Slide Image Placeholder 1">
             <a:extLst>
               <a:ext uri="{FF2B5EF4-FFF2-40B4-BE49-F238E27FC236}">
-                <a16:creationId xmlns:a16="http://schemas.microsoft.com/office/drawing/2014/main" id="{24098B43-6F75-F0BE-65CF-36BA8F3061C0}"/>
+                <a16:creationId xmlns:a16="http://schemas.microsoft.com/office/drawing/2014/main" id="{3ABFA76A-96A3-9A22-2E9F-CB68BE64595E}"/>
               </a:ext>
             </a:extLst>
           </p:cNvPr>
@@ -2112,7 +2104,7 @@
           <p:cNvPr id="3" name="Notes Placeholder 2">
             <a:extLst>
               <a:ext uri="{FF2B5EF4-FFF2-40B4-BE49-F238E27FC236}">
-                <a16:creationId xmlns:a16="http://schemas.microsoft.com/office/drawing/2014/main" id="{94444C77-D559-A41F-3213-E8E840EF350A}"/>
+                <a16:creationId xmlns:a16="http://schemas.microsoft.com/office/drawing/2014/main" id="{9457C064-90F1-0742-F62B-D81989CDDFCB}"/>
               </a:ext>
             </a:extLst>
           </p:cNvPr>
@@ -2141,7 +2133,7 @@
           <p:cNvPr id="4" name="Slide Number Placeholder 3">
             <a:extLst>
               <a:ext uri="{FF2B5EF4-FFF2-40B4-BE49-F238E27FC236}">
-                <a16:creationId xmlns:a16="http://schemas.microsoft.com/office/drawing/2014/main" id="{C67BCD7D-F476-FC66-8EF3-6787492147A4}"/>
+                <a16:creationId xmlns:a16="http://schemas.microsoft.com/office/drawing/2014/main" id="{77A28EC3-28EF-85D4-4A44-3400510A5D2F}"/>
               </a:ext>
             </a:extLst>
           </p:cNvPr>
@@ -2168,7 +2160,7 @@
     </p:spTree>
     <p:extLst>
       <p:ext uri="{BB962C8B-B14F-4D97-AF65-F5344CB8AC3E}">
-        <p14:creationId xmlns:p14="http://schemas.microsoft.com/office/powerpoint/2010/main" val="1312333464"/>
+        <p14:creationId xmlns:p14="http://schemas.microsoft.com/office/powerpoint/2010/main" val="1445053493"/>
       </p:ext>
     </p:extLst>
   </p:cSld>
@@ -2186,7 +2178,7 @@
         <p:cNvPr id="1" name="">
           <a:extLst>
             <a:ext uri="{FF2B5EF4-FFF2-40B4-BE49-F238E27FC236}">
-              <a16:creationId xmlns:a16="http://schemas.microsoft.com/office/drawing/2014/main" id="{22BBA639-65C7-AEB8-5442-54AF13B04B78}"/>
+              <a16:creationId xmlns:a16="http://schemas.microsoft.com/office/drawing/2014/main" id="{938B6E56-4050-77BC-9FDC-FD83D67F765A}"/>
             </a:ext>
           </a:extLst>
         </p:cNvPr>
@@ -2206,7 +2198,7 @@
           <p:cNvPr id="2" name="Slide Image Placeholder 1">
             <a:extLst>
               <a:ext uri="{FF2B5EF4-FFF2-40B4-BE49-F238E27FC236}">
-                <a16:creationId xmlns:a16="http://schemas.microsoft.com/office/drawing/2014/main" id="{BCFE3386-7CB6-8E44-CD32-8DA147A710DB}"/>
+                <a16:creationId xmlns:a16="http://schemas.microsoft.com/office/drawing/2014/main" id="{698FEA8E-D4DB-D229-F540-F672A9183873}"/>
               </a:ext>
             </a:extLst>
           </p:cNvPr>
@@ -2224,7 +2216,7 @@
           <p:cNvPr id="3" name="Notes Placeholder 2">
             <a:extLst>
               <a:ext uri="{FF2B5EF4-FFF2-40B4-BE49-F238E27FC236}">
-                <a16:creationId xmlns:a16="http://schemas.microsoft.com/office/drawing/2014/main" id="{80D3232C-5E4E-EB86-018C-74200E15056D}"/>
+                <a16:creationId xmlns:a16="http://schemas.microsoft.com/office/drawing/2014/main" id="{EE99EFEF-94FE-E4D2-2EFA-2F0639158412}"/>
               </a:ext>
             </a:extLst>
           </p:cNvPr>
@@ -2253,7 +2245,7 @@
           <p:cNvPr id="4" name="Slide Number Placeholder 3">
             <a:extLst>
               <a:ext uri="{FF2B5EF4-FFF2-40B4-BE49-F238E27FC236}">
-                <a16:creationId xmlns:a16="http://schemas.microsoft.com/office/drawing/2014/main" id="{0DCDE5F6-6D9E-6074-ADA4-5E7B80D31E51}"/>
+                <a16:creationId xmlns:a16="http://schemas.microsoft.com/office/drawing/2014/main" id="{0CC71138-7EFC-C76C-1C1E-59B0BE290AA0}"/>
               </a:ext>
             </a:extLst>
           </p:cNvPr>
@@ -2280,7 +2272,7 @@
     </p:spTree>
     <p:extLst>
       <p:ext uri="{BB962C8B-B14F-4D97-AF65-F5344CB8AC3E}">
-        <p14:creationId xmlns:p14="http://schemas.microsoft.com/office/powerpoint/2010/main" val="622224026"/>
+        <p14:creationId xmlns:p14="http://schemas.microsoft.com/office/powerpoint/2010/main" val="1731056790"/>
       </p:ext>
     </p:extLst>
   </p:cSld>
@@ -2298,7 +2290,7 @@
         <p:cNvPr id="1" name="">
           <a:extLst>
             <a:ext uri="{FF2B5EF4-FFF2-40B4-BE49-F238E27FC236}">
-              <a16:creationId xmlns:a16="http://schemas.microsoft.com/office/drawing/2014/main" id="{776C2117-4337-AB3D-1EC3-58E576B753C1}"/>
+              <a16:creationId xmlns:a16="http://schemas.microsoft.com/office/drawing/2014/main" id="{4D3FC727-2257-7AF2-D3D3-DB7D6498F464}"/>
             </a:ext>
           </a:extLst>
         </p:cNvPr>
@@ -2318,7 +2310,7 @@
           <p:cNvPr id="2" name="Slide Image Placeholder 1">
             <a:extLst>
               <a:ext uri="{FF2B5EF4-FFF2-40B4-BE49-F238E27FC236}">
-                <a16:creationId xmlns:a16="http://schemas.microsoft.com/office/drawing/2014/main" id="{8F1089F7-DB82-2C3B-AAE9-1B94ED8AE5BD}"/>
+                <a16:creationId xmlns:a16="http://schemas.microsoft.com/office/drawing/2014/main" id="{A294B98E-CD86-C9B8-D1F6-EC72620FB530}"/>
               </a:ext>
             </a:extLst>
           </p:cNvPr>
@@ -2336,7 +2328,7 @@
           <p:cNvPr id="3" name="Notes Placeholder 2">
             <a:extLst>
               <a:ext uri="{FF2B5EF4-FFF2-40B4-BE49-F238E27FC236}">
-                <a16:creationId xmlns:a16="http://schemas.microsoft.com/office/drawing/2014/main" id="{329CB748-E696-7046-D1E4-BB7D17BF6DE9}"/>
+                <a16:creationId xmlns:a16="http://schemas.microsoft.com/office/drawing/2014/main" id="{8B8AEDEA-846D-75D3-1BE9-28BF5FE45DA9}"/>
               </a:ext>
             </a:extLst>
           </p:cNvPr>
@@ -2365,7 +2357,7 @@
           <p:cNvPr id="4" name="Slide Number Placeholder 3">
             <a:extLst>
               <a:ext uri="{FF2B5EF4-FFF2-40B4-BE49-F238E27FC236}">
-                <a16:creationId xmlns:a16="http://schemas.microsoft.com/office/drawing/2014/main" id="{1DA53FD0-9D29-46CE-EB5E-4EB68930765E}"/>
+                <a16:creationId xmlns:a16="http://schemas.microsoft.com/office/drawing/2014/main" id="{29C5F69C-8454-4D22-CF72-3A7F2CD8F52C}"/>
               </a:ext>
             </a:extLst>
           </p:cNvPr>
@@ -2392,7 +2384,7 @@
     </p:spTree>
     <p:extLst>
       <p:ext uri="{BB962C8B-B14F-4D97-AF65-F5344CB8AC3E}">
-        <p14:creationId xmlns:p14="http://schemas.microsoft.com/office/powerpoint/2010/main" val="4233277922"/>
+        <p14:creationId xmlns:p14="http://schemas.microsoft.com/office/powerpoint/2010/main" val="1767701999"/>
       </p:ext>
     </p:extLst>
   </p:cSld>
@@ -2410,7 +2402,7 @@
         <p:cNvPr id="1" name="">
           <a:extLst>
             <a:ext uri="{FF2B5EF4-FFF2-40B4-BE49-F238E27FC236}">
-              <a16:creationId xmlns:a16="http://schemas.microsoft.com/office/drawing/2014/main" id="{4690B205-BD5F-1811-2E38-171B0D1C7D6F}"/>
+              <a16:creationId xmlns:a16="http://schemas.microsoft.com/office/drawing/2014/main" id="{35CF4898-39CB-E3D0-B68D-5A745C87C868}"/>
             </a:ext>
           </a:extLst>
         </p:cNvPr>
@@ -2430,7 +2422,7 @@
           <p:cNvPr id="2" name="Slide Image Placeholder 1">
             <a:extLst>
               <a:ext uri="{FF2B5EF4-FFF2-40B4-BE49-F238E27FC236}">
-                <a16:creationId xmlns:a16="http://schemas.microsoft.com/office/drawing/2014/main" id="{875BC9D2-D5E1-4C9F-A337-A4D7766013A3}"/>
+                <a16:creationId xmlns:a16="http://schemas.microsoft.com/office/drawing/2014/main" id="{8B43619F-0C27-DC13-461A-30961C387900}"/>
               </a:ext>
             </a:extLst>
           </p:cNvPr>
@@ -2448,7 +2440,7 @@
           <p:cNvPr id="3" name="Notes Placeholder 2">
             <a:extLst>
               <a:ext uri="{FF2B5EF4-FFF2-40B4-BE49-F238E27FC236}">
-                <a16:creationId xmlns:a16="http://schemas.microsoft.com/office/drawing/2014/main" id="{4A8F4A9E-8D6B-4C29-3486-59C1AFCA61CD}"/>
+                <a16:creationId xmlns:a16="http://schemas.microsoft.com/office/drawing/2014/main" id="{46DB18D3-DE43-F1CE-6C0F-EE1ABB610A91}"/>
               </a:ext>
             </a:extLst>
           </p:cNvPr>
@@ -2477,7 +2469,7 @@
           <p:cNvPr id="4" name="Slide Number Placeholder 3">
             <a:extLst>
               <a:ext uri="{FF2B5EF4-FFF2-40B4-BE49-F238E27FC236}">
-                <a16:creationId xmlns:a16="http://schemas.microsoft.com/office/drawing/2014/main" id="{4C8E153F-48E7-3B2F-F36A-90C66ED2B53C}"/>
+                <a16:creationId xmlns:a16="http://schemas.microsoft.com/office/drawing/2014/main" id="{A1B446FF-941F-4ABF-F074-7103B0268FA7}"/>
               </a:ext>
             </a:extLst>
           </p:cNvPr>
@@ -2504,7 +2496,7 @@
     </p:spTree>
     <p:extLst>
       <p:ext uri="{BB962C8B-B14F-4D97-AF65-F5344CB8AC3E}">
-        <p14:creationId xmlns:p14="http://schemas.microsoft.com/office/powerpoint/2010/main" val="713848761"/>
+        <p14:creationId xmlns:p14="http://schemas.microsoft.com/office/powerpoint/2010/main" val="3626770165"/>
       </p:ext>
     </p:extLst>
   </p:cSld>
@@ -2522,7 +2514,7 @@
         <p:cNvPr id="1" name="">
           <a:extLst>
             <a:ext uri="{FF2B5EF4-FFF2-40B4-BE49-F238E27FC236}">
-              <a16:creationId xmlns:a16="http://schemas.microsoft.com/office/drawing/2014/main" id="{09678657-94D1-7215-270E-10C47F6EABC9}"/>
+              <a16:creationId xmlns:a16="http://schemas.microsoft.com/office/drawing/2014/main" id="{465674D9-79E7-06F0-A223-7F3D8CA40679}"/>
             </a:ext>
           </a:extLst>
         </p:cNvPr>
@@ -2542,7 +2534,7 @@
           <p:cNvPr id="2" name="Slide Image Placeholder 1">
             <a:extLst>
               <a:ext uri="{FF2B5EF4-FFF2-40B4-BE49-F238E27FC236}">
-                <a16:creationId xmlns:a16="http://schemas.microsoft.com/office/drawing/2014/main" id="{C706AAB1-B5E0-13BB-38A6-AC2CBA2F732F}"/>
+                <a16:creationId xmlns:a16="http://schemas.microsoft.com/office/drawing/2014/main" id="{F328D8F7-4E59-37BA-706B-85C564F9BFD7}"/>
               </a:ext>
             </a:extLst>
           </p:cNvPr>
@@ -2560,7 +2552,7 @@
           <p:cNvPr id="3" name="Notes Placeholder 2">
             <a:extLst>
               <a:ext uri="{FF2B5EF4-FFF2-40B4-BE49-F238E27FC236}">
-                <a16:creationId xmlns:a16="http://schemas.microsoft.com/office/drawing/2014/main" id="{6D54E884-017F-92BA-7FF6-0526EC447F1A}"/>
+                <a16:creationId xmlns:a16="http://schemas.microsoft.com/office/drawing/2014/main" id="{E8FAA3AA-4A94-2DD4-258C-5EFB9086F1C1}"/>
               </a:ext>
             </a:extLst>
           </p:cNvPr>
@@ -2589,7 +2581,7 @@
           <p:cNvPr id="4" name="Slide Number Placeholder 3">
             <a:extLst>
               <a:ext uri="{FF2B5EF4-FFF2-40B4-BE49-F238E27FC236}">
-                <a16:creationId xmlns:a16="http://schemas.microsoft.com/office/drawing/2014/main" id="{6D6DDE2F-DD67-4397-129C-4FD0F9D848B2}"/>
+                <a16:creationId xmlns:a16="http://schemas.microsoft.com/office/drawing/2014/main" id="{C06C473B-8859-F590-8CAD-3186606B230C}"/>
               </a:ext>
             </a:extLst>
           </p:cNvPr>
@@ -2616,7 +2608,7 @@
     </p:spTree>
     <p:extLst>
       <p:ext uri="{BB962C8B-B14F-4D97-AF65-F5344CB8AC3E}">
-        <p14:creationId xmlns:p14="http://schemas.microsoft.com/office/powerpoint/2010/main" val="1931411955"/>
+        <p14:creationId xmlns:p14="http://schemas.microsoft.com/office/powerpoint/2010/main" val="836301726"/>
       </p:ext>
     </p:extLst>
   </p:cSld>
@@ -2634,7 +2626,7 @@
         <p:cNvPr id="1" name="">
           <a:extLst>
             <a:ext uri="{FF2B5EF4-FFF2-40B4-BE49-F238E27FC236}">
-              <a16:creationId xmlns:a16="http://schemas.microsoft.com/office/drawing/2014/main" id="{BEB083D6-AA51-85E3-E9A2-6F1987BA04E6}"/>
+              <a16:creationId xmlns:a16="http://schemas.microsoft.com/office/drawing/2014/main" id="{5049E99A-C109-645F-4104-577E449300E3}"/>
             </a:ext>
           </a:extLst>
         </p:cNvPr>
@@ -2654,7 +2646,7 @@
           <p:cNvPr id="2" name="Slide Image Placeholder 1">
             <a:extLst>
               <a:ext uri="{FF2B5EF4-FFF2-40B4-BE49-F238E27FC236}">
-                <a16:creationId xmlns:a16="http://schemas.microsoft.com/office/drawing/2014/main" id="{A9A9303B-9DA1-A76B-CF9C-CAF9667EE915}"/>
+                <a16:creationId xmlns:a16="http://schemas.microsoft.com/office/drawing/2014/main" id="{8E9A248D-6CC1-52DA-9DD8-5798279DA59C}"/>
               </a:ext>
             </a:extLst>
           </p:cNvPr>
@@ -2672,7 +2664,7 @@
           <p:cNvPr id="3" name="Notes Placeholder 2">
             <a:extLst>
               <a:ext uri="{FF2B5EF4-FFF2-40B4-BE49-F238E27FC236}">
-                <a16:creationId xmlns:a16="http://schemas.microsoft.com/office/drawing/2014/main" id="{5B30C74F-ED77-CBD5-A331-9CE02A1C4C15}"/>
+                <a16:creationId xmlns:a16="http://schemas.microsoft.com/office/drawing/2014/main" id="{4916F725-954A-10E3-C29F-93FA2D829E9C}"/>
               </a:ext>
             </a:extLst>
           </p:cNvPr>
@@ -2701,7 +2693,7 @@
           <p:cNvPr id="4" name="Slide Number Placeholder 3">
             <a:extLst>
               <a:ext uri="{FF2B5EF4-FFF2-40B4-BE49-F238E27FC236}">
-                <a16:creationId xmlns:a16="http://schemas.microsoft.com/office/drawing/2014/main" id="{7036C2BE-652A-4094-2FE1-01682A0D7D59}"/>
+                <a16:creationId xmlns:a16="http://schemas.microsoft.com/office/drawing/2014/main" id="{AD9697C7-590A-3C1C-46EC-6876F08496BF}"/>
               </a:ext>
             </a:extLst>
           </p:cNvPr>
@@ -2728,7 +2720,7 @@
     </p:spTree>
     <p:extLst>
       <p:ext uri="{BB962C8B-B14F-4D97-AF65-F5344CB8AC3E}">
-        <p14:creationId xmlns:p14="http://schemas.microsoft.com/office/powerpoint/2010/main" val="251279514"/>
+        <p14:creationId xmlns:p14="http://schemas.microsoft.com/office/powerpoint/2010/main" val="4251754563"/>
       </p:ext>
     </p:extLst>
   </p:cSld>
@@ -2746,7 +2738,7 @@
         <p:cNvPr id="1" name="">
           <a:extLst>
             <a:ext uri="{FF2B5EF4-FFF2-40B4-BE49-F238E27FC236}">
-              <a16:creationId xmlns:a16="http://schemas.microsoft.com/office/drawing/2014/main" id="{18A02DAC-12D8-BBE0-D904-A988A359BE60}"/>
+              <a16:creationId xmlns:a16="http://schemas.microsoft.com/office/drawing/2014/main" id="{07A4A5FB-17F5-7E1C-A795-2FD19D4E75FB}"/>
             </a:ext>
           </a:extLst>
         </p:cNvPr>
@@ -2766,7 +2758,7 @@
           <p:cNvPr id="2" name="Slide Image Placeholder 1">
             <a:extLst>
               <a:ext uri="{FF2B5EF4-FFF2-40B4-BE49-F238E27FC236}">
-                <a16:creationId xmlns:a16="http://schemas.microsoft.com/office/drawing/2014/main" id="{859F266B-170B-16C8-9AFA-07617D321674}"/>
+                <a16:creationId xmlns:a16="http://schemas.microsoft.com/office/drawing/2014/main" id="{2C2AE656-51F0-3F13-A7B7-C1CEC6BBEC8C}"/>
               </a:ext>
             </a:extLst>
           </p:cNvPr>
@@ -2784,7 +2776,7 @@
           <p:cNvPr id="3" name="Notes Placeholder 2">
             <a:extLst>
               <a:ext uri="{FF2B5EF4-FFF2-40B4-BE49-F238E27FC236}">
-                <a16:creationId xmlns:a16="http://schemas.microsoft.com/office/drawing/2014/main" id="{1A52071F-5ED3-903C-4D38-8A17640582BA}"/>
+                <a16:creationId xmlns:a16="http://schemas.microsoft.com/office/drawing/2014/main" id="{EE2BC0D3-F99E-727A-30BD-9C81F6667DDE}"/>
               </a:ext>
             </a:extLst>
           </p:cNvPr>
@@ -2813,7 +2805,7 @@
           <p:cNvPr id="4" name="Slide Number Placeholder 3">
             <a:extLst>
               <a:ext uri="{FF2B5EF4-FFF2-40B4-BE49-F238E27FC236}">
-                <a16:creationId xmlns:a16="http://schemas.microsoft.com/office/drawing/2014/main" id="{831F9702-639A-EA29-295E-B86F2058F4B9}"/>
+                <a16:creationId xmlns:a16="http://schemas.microsoft.com/office/drawing/2014/main" id="{8693ADF1-168D-1C62-1817-6593001654B8}"/>
               </a:ext>
             </a:extLst>
           </p:cNvPr>
@@ -2840,7 +2832,7 @@
     </p:spTree>
     <p:extLst>
       <p:ext uri="{BB962C8B-B14F-4D97-AF65-F5344CB8AC3E}">
-        <p14:creationId xmlns:p14="http://schemas.microsoft.com/office/powerpoint/2010/main" val="2278438835"/>
+        <p14:creationId xmlns:p14="http://schemas.microsoft.com/office/powerpoint/2010/main" val="761923815"/>
       </p:ext>
     </p:extLst>
   </p:cSld>
@@ -2858,7 +2850,7 @@
         <p:cNvPr id="1" name="">
           <a:extLst>
             <a:ext uri="{FF2B5EF4-FFF2-40B4-BE49-F238E27FC236}">
-              <a16:creationId xmlns:a16="http://schemas.microsoft.com/office/drawing/2014/main" id="{7B7A7F0D-9613-538C-81D3-2DAB31B7BC41}"/>
+              <a16:creationId xmlns:a16="http://schemas.microsoft.com/office/drawing/2014/main" id="{6A212921-DAEE-0339-F5A7-169B648A1A7D}"/>
             </a:ext>
           </a:extLst>
         </p:cNvPr>
@@ -2878,7 +2870,7 @@
           <p:cNvPr id="2" name="Slide Image Placeholder 1">
             <a:extLst>
               <a:ext uri="{FF2B5EF4-FFF2-40B4-BE49-F238E27FC236}">
-                <a16:creationId xmlns:a16="http://schemas.microsoft.com/office/drawing/2014/main" id="{043B47BC-5277-0C3E-89EE-20A2E0EF9CB0}"/>
+                <a16:creationId xmlns:a16="http://schemas.microsoft.com/office/drawing/2014/main" id="{36F18D39-93A1-AE57-B1B3-38C8C120190C}"/>
               </a:ext>
             </a:extLst>
           </p:cNvPr>
@@ -2896,7 +2888,7 @@
           <p:cNvPr id="3" name="Notes Placeholder 2">
             <a:extLst>
               <a:ext uri="{FF2B5EF4-FFF2-40B4-BE49-F238E27FC236}">
-                <a16:creationId xmlns:a16="http://schemas.microsoft.com/office/drawing/2014/main" id="{D84BF8AB-B5D6-A32F-1955-B081B3857A24}"/>
+                <a16:creationId xmlns:a16="http://schemas.microsoft.com/office/drawing/2014/main" id="{23F8827F-C5BD-C0FF-F0C3-7E67DD93893C}"/>
               </a:ext>
             </a:extLst>
           </p:cNvPr>
@@ -2925,7 +2917,7 @@
           <p:cNvPr id="4" name="Slide Number Placeholder 3">
             <a:extLst>
               <a:ext uri="{FF2B5EF4-FFF2-40B4-BE49-F238E27FC236}">
-                <a16:creationId xmlns:a16="http://schemas.microsoft.com/office/drawing/2014/main" id="{EB046D00-DE74-8453-7700-636EA352EFDA}"/>
+                <a16:creationId xmlns:a16="http://schemas.microsoft.com/office/drawing/2014/main" id="{6320AA85-63C4-3B30-4CE6-AD628DEDD83B}"/>
               </a:ext>
             </a:extLst>
           </p:cNvPr>
@@ -2952,7 +2944,7 @@
     </p:spTree>
     <p:extLst>
       <p:ext uri="{BB962C8B-B14F-4D97-AF65-F5344CB8AC3E}">
-        <p14:creationId xmlns:p14="http://schemas.microsoft.com/office/powerpoint/2010/main" val="671071973"/>
+        <p14:creationId xmlns:p14="http://schemas.microsoft.com/office/powerpoint/2010/main" val="2335952902"/>
       </p:ext>
     </p:extLst>
   </p:cSld>
@@ -2970,7 +2962,7 @@
         <p:cNvPr id="1" name="">
           <a:extLst>
             <a:ext uri="{FF2B5EF4-FFF2-40B4-BE49-F238E27FC236}">
-              <a16:creationId xmlns:a16="http://schemas.microsoft.com/office/drawing/2014/main" id="{B662A5F3-4EDC-64AB-7281-CF25A61F462B}"/>
+              <a16:creationId xmlns:a16="http://schemas.microsoft.com/office/drawing/2014/main" id="{EFB797C7-20B5-E92B-1719-ED7D1AE93231}"/>
             </a:ext>
           </a:extLst>
         </p:cNvPr>
@@ -2990,7 +2982,7 @@
           <p:cNvPr id="2" name="Slide Image Placeholder 1">
             <a:extLst>
               <a:ext uri="{FF2B5EF4-FFF2-40B4-BE49-F238E27FC236}">
-                <a16:creationId xmlns:a16="http://schemas.microsoft.com/office/drawing/2014/main" id="{BEB7AE95-1638-BE66-DD53-296A661E02D0}"/>
+                <a16:creationId xmlns:a16="http://schemas.microsoft.com/office/drawing/2014/main" id="{2849D430-F601-9FAB-0F83-A69C6AB64ED0}"/>
               </a:ext>
             </a:extLst>
           </p:cNvPr>
@@ -3008,7 +3000,7 @@
           <p:cNvPr id="3" name="Notes Placeholder 2">
             <a:extLst>
               <a:ext uri="{FF2B5EF4-FFF2-40B4-BE49-F238E27FC236}">
-                <a16:creationId xmlns:a16="http://schemas.microsoft.com/office/drawing/2014/main" id="{4B97CEEC-29B5-2614-0F37-9731DB6EC09B}"/>
+                <a16:creationId xmlns:a16="http://schemas.microsoft.com/office/drawing/2014/main" id="{170D111E-635D-7200-E9FB-4879FEED512D}"/>
               </a:ext>
             </a:extLst>
           </p:cNvPr>
@@ -3037,7 +3029,7 @@
           <p:cNvPr id="4" name="Slide Number Placeholder 3">
             <a:extLst>
               <a:ext uri="{FF2B5EF4-FFF2-40B4-BE49-F238E27FC236}">
-                <a16:creationId xmlns:a16="http://schemas.microsoft.com/office/drawing/2014/main" id="{90A86FEE-B36B-0B9E-4B6F-751B1837359D}"/>
+                <a16:creationId xmlns:a16="http://schemas.microsoft.com/office/drawing/2014/main" id="{FFC62E6C-8943-EE73-3427-E7C915881EB6}"/>
               </a:ext>
             </a:extLst>
           </p:cNvPr>
@@ -3064,7 +3056,7 @@
     </p:spTree>
     <p:extLst>
       <p:ext uri="{BB962C8B-B14F-4D97-AF65-F5344CB8AC3E}">
-        <p14:creationId xmlns:p14="http://schemas.microsoft.com/office/powerpoint/2010/main" val="874319276"/>
+        <p14:creationId xmlns:p14="http://schemas.microsoft.com/office/powerpoint/2010/main" val="1082220451"/>
       </p:ext>
     </p:extLst>
   </p:cSld>
@@ -3082,7 +3074,7 @@
         <p:cNvPr id="1" name="">
           <a:extLst>
             <a:ext uri="{FF2B5EF4-FFF2-40B4-BE49-F238E27FC236}">
-              <a16:creationId xmlns:a16="http://schemas.microsoft.com/office/drawing/2014/main" id="{401B4D5B-07CE-C959-3DBD-B4E9191F9391}"/>
+              <a16:creationId xmlns:a16="http://schemas.microsoft.com/office/drawing/2014/main" id="{10B93979-DD8C-C39C-9CA0-EBC7B9D63DDB}"/>
             </a:ext>
           </a:extLst>
         </p:cNvPr>
@@ -3102,7 +3094,7 @@
           <p:cNvPr id="2" name="Slide Image Placeholder 1">
             <a:extLst>
               <a:ext uri="{FF2B5EF4-FFF2-40B4-BE49-F238E27FC236}">
-                <a16:creationId xmlns:a16="http://schemas.microsoft.com/office/drawing/2014/main" id="{D89C8E1E-E858-CC43-AC47-68B07BE77CEF}"/>
+                <a16:creationId xmlns:a16="http://schemas.microsoft.com/office/drawing/2014/main" id="{7227E233-863A-50E0-5B40-CB7ECD22E83C}"/>
               </a:ext>
             </a:extLst>
           </p:cNvPr>
@@ -3120,7 +3112,7 @@
           <p:cNvPr id="3" name="Notes Placeholder 2">
             <a:extLst>
               <a:ext uri="{FF2B5EF4-FFF2-40B4-BE49-F238E27FC236}">
-                <a16:creationId xmlns:a16="http://schemas.microsoft.com/office/drawing/2014/main" id="{2CCD7DFE-443B-4272-7E6F-8EDED8F37C86}"/>
+                <a16:creationId xmlns:a16="http://schemas.microsoft.com/office/drawing/2014/main" id="{64D66A3A-6DA4-0D26-5E5D-512D248ED278}"/>
               </a:ext>
             </a:extLst>
           </p:cNvPr>
@@ -3149,7 +3141,7 @@
           <p:cNvPr id="4" name="Slide Number Placeholder 3">
             <a:extLst>
               <a:ext uri="{FF2B5EF4-FFF2-40B4-BE49-F238E27FC236}">
-                <a16:creationId xmlns:a16="http://schemas.microsoft.com/office/drawing/2014/main" id="{B291B237-4C29-389B-DE3A-DA22789F213C}"/>
+                <a16:creationId xmlns:a16="http://schemas.microsoft.com/office/drawing/2014/main" id="{35C59887-44F3-E2C1-AC08-1557874D1828}"/>
               </a:ext>
             </a:extLst>
           </p:cNvPr>
@@ -3176,7 +3168,7 @@
     </p:spTree>
     <p:extLst>
       <p:ext uri="{BB962C8B-B14F-4D97-AF65-F5344CB8AC3E}">
-        <p14:creationId xmlns:p14="http://schemas.microsoft.com/office/powerpoint/2010/main" val="2863554999"/>
+        <p14:creationId xmlns:p14="http://schemas.microsoft.com/office/powerpoint/2010/main" val="2470746599"/>
       </p:ext>
     </p:extLst>
   </p:cSld>
@@ -3194,7 +3186,7 @@
         <p:cNvPr id="1" name="">
           <a:extLst>
             <a:ext uri="{FF2B5EF4-FFF2-40B4-BE49-F238E27FC236}">
-              <a16:creationId xmlns:a16="http://schemas.microsoft.com/office/drawing/2014/main" id="{2A6C64DA-0029-0774-5500-47283E92B248}"/>
+              <a16:creationId xmlns:a16="http://schemas.microsoft.com/office/drawing/2014/main" id="{E4C410F1-D0C8-AB31-1326-519270C648D1}"/>
             </a:ext>
           </a:extLst>
         </p:cNvPr>
@@ -3214,7 +3206,7 @@
           <p:cNvPr id="2" name="Slide Image Placeholder 1">
             <a:extLst>
               <a:ext uri="{FF2B5EF4-FFF2-40B4-BE49-F238E27FC236}">
-                <a16:creationId xmlns:a16="http://schemas.microsoft.com/office/drawing/2014/main" id="{86FBA172-EB30-EB82-DE09-B88906692B11}"/>
+                <a16:creationId xmlns:a16="http://schemas.microsoft.com/office/drawing/2014/main" id="{DC23C24E-4184-B7F5-DD47-51B33EB0CF5B}"/>
               </a:ext>
             </a:extLst>
           </p:cNvPr>
@@ -3232,7 +3224,7 @@
           <p:cNvPr id="3" name="Notes Placeholder 2">
             <a:extLst>
               <a:ext uri="{FF2B5EF4-FFF2-40B4-BE49-F238E27FC236}">
-                <a16:creationId xmlns:a16="http://schemas.microsoft.com/office/drawing/2014/main" id="{A1FFDBA7-0B70-049C-CDA9-C305DC662046}"/>
+                <a16:creationId xmlns:a16="http://schemas.microsoft.com/office/drawing/2014/main" id="{5855F0B2-D451-1E73-797D-B1BA07D453A8}"/>
               </a:ext>
             </a:extLst>
           </p:cNvPr>
@@ -3261,7 +3253,7 @@
           <p:cNvPr id="4" name="Slide Number Placeholder 3">
             <a:extLst>
               <a:ext uri="{FF2B5EF4-FFF2-40B4-BE49-F238E27FC236}">
-                <a16:creationId xmlns:a16="http://schemas.microsoft.com/office/drawing/2014/main" id="{7BCA4BBA-92BA-4C2A-CF72-721F50B4BCDA}"/>
+                <a16:creationId xmlns:a16="http://schemas.microsoft.com/office/drawing/2014/main" id="{E0A0402E-4A94-B89F-85EB-985FDE821602}"/>
               </a:ext>
             </a:extLst>
           </p:cNvPr>
@@ -3288,7 +3280,7 @@
     </p:spTree>
     <p:extLst>
       <p:ext uri="{BB962C8B-B14F-4D97-AF65-F5344CB8AC3E}">
-        <p14:creationId xmlns:p14="http://schemas.microsoft.com/office/powerpoint/2010/main" val="1445342885"/>
+        <p14:creationId xmlns:p14="http://schemas.microsoft.com/office/powerpoint/2010/main" val="133372398"/>
       </p:ext>
     </p:extLst>
   </p:cSld>
@@ -3306,7 +3298,7 @@
         <p:cNvPr id="1" name="">
           <a:extLst>
             <a:ext uri="{FF2B5EF4-FFF2-40B4-BE49-F238E27FC236}">
-              <a16:creationId xmlns:a16="http://schemas.microsoft.com/office/drawing/2014/main" id="{8DFEF0BE-06A8-A520-EA0D-C1F3A9FE050D}"/>
+              <a16:creationId xmlns:a16="http://schemas.microsoft.com/office/drawing/2014/main" id="{5E50C60A-FDB7-489F-291C-6947FA0C3DBA}"/>
             </a:ext>
           </a:extLst>
         </p:cNvPr>
@@ -3326,7 +3318,7 @@
           <p:cNvPr id="2" name="Slide Image Placeholder 1">
             <a:extLst>
               <a:ext uri="{FF2B5EF4-FFF2-40B4-BE49-F238E27FC236}">
-                <a16:creationId xmlns:a16="http://schemas.microsoft.com/office/drawing/2014/main" id="{09A7EAFD-F3E7-72B2-8E0C-A6B8C3D92621}"/>
+                <a16:creationId xmlns:a16="http://schemas.microsoft.com/office/drawing/2014/main" id="{2EF208C3-6816-4E1D-8B70-52C60E09A82A}"/>
               </a:ext>
             </a:extLst>
           </p:cNvPr>
@@ -3344,7 +3336,7 @@
           <p:cNvPr id="3" name="Notes Placeholder 2">
             <a:extLst>
               <a:ext uri="{FF2B5EF4-FFF2-40B4-BE49-F238E27FC236}">
-                <a16:creationId xmlns:a16="http://schemas.microsoft.com/office/drawing/2014/main" id="{A9586910-13E0-C60A-5755-263502E8D52D}"/>
+                <a16:creationId xmlns:a16="http://schemas.microsoft.com/office/drawing/2014/main" id="{AEB59CD9-8140-4D16-9CEC-0363FBC3229F}"/>
               </a:ext>
             </a:extLst>
           </p:cNvPr>
@@ -3373,7 +3365,7 @@
           <p:cNvPr id="4" name="Slide Number Placeholder 3">
             <a:extLst>
               <a:ext uri="{FF2B5EF4-FFF2-40B4-BE49-F238E27FC236}">
-                <a16:creationId xmlns:a16="http://schemas.microsoft.com/office/drawing/2014/main" id="{32E6F509-65AA-AF8E-AC09-03CBBB2AD711}"/>
+                <a16:creationId xmlns:a16="http://schemas.microsoft.com/office/drawing/2014/main" id="{C98B2754-5892-F65E-1395-55EFBC5A8EA3}"/>
               </a:ext>
             </a:extLst>
           </p:cNvPr>
@@ -3400,7 +3392,7 @@
     </p:spTree>
     <p:extLst>
       <p:ext uri="{BB962C8B-B14F-4D97-AF65-F5344CB8AC3E}">
-        <p14:creationId xmlns:p14="http://schemas.microsoft.com/office/powerpoint/2010/main" val="3391998729"/>
+        <p14:creationId xmlns:p14="http://schemas.microsoft.com/office/powerpoint/2010/main" val="3303995013"/>
       </p:ext>
     </p:extLst>
   </p:cSld>
@@ -3418,7 +3410,7 @@
         <p:cNvPr id="1" name="">
           <a:extLst>
             <a:ext uri="{FF2B5EF4-FFF2-40B4-BE49-F238E27FC236}">
-              <a16:creationId xmlns:a16="http://schemas.microsoft.com/office/drawing/2014/main" id="{9E288213-83A7-9F79-E343-718A0F3114CF}"/>
+              <a16:creationId xmlns:a16="http://schemas.microsoft.com/office/drawing/2014/main" id="{128B0786-EDD5-449B-062B-E754E5A3CB7D}"/>
             </a:ext>
           </a:extLst>
         </p:cNvPr>
@@ -3438,7 +3430,7 @@
           <p:cNvPr id="2" name="Slide Image Placeholder 1">
             <a:extLst>
               <a:ext uri="{FF2B5EF4-FFF2-40B4-BE49-F238E27FC236}">
-                <a16:creationId xmlns:a16="http://schemas.microsoft.com/office/drawing/2014/main" id="{293DDEAA-261C-5C4F-0A6A-619EEA6F97DD}"/>
+                <a16:creationId xmlns:a16="http://schemas.microsoft.com/office/drawing/2014/main" id="{E9D37A6D-B85B-DE02-A0F1-7086D09EE7F2}"/>
               </a:ext>
             </a:extLst>
           </p:cNvPr>
@@ -3456,7 +3448,7 @@
           <p:cNvPr id="3" name="Notes Placeholder 2">
             <a:extLst>
               <a:ext uri="{FF2B5EF4-FFF2-40B4-BE49-F238E27FC236}">
-                <a16:creationId xmlns:a16="http://schemas.microsoft.com/office/drawing/2014/main" id="{DF9CAF5B-5BF8-B9D7-B7A2-70FF6E85BD19}"/>
+                <a16:creationId xmlns:a16="http://schemas.microsoft.com/office/drawing/2014/main" id="{9C512A93-9A69-6A7F-79E6-59DB9E8543CD}"/>
               </a:ext>
             </a:extLst>
           </p:cNvPr>
@@ -3485,7 +3477,7 @@
           <p:cNvPr id="4" name="Slide Number Placeholder 3">
             <a:extLst>
               <a:ext uri="{FF2B5EF4-FFF2-40B4-BE49-F238E27FC236}">
-                <a16:creationId xmlns:a16="http://schemas.microsoft.com/office/drawing/2014/main" id="{B6D78232-D5EA-6920-829E-76CB26CF212D}"/>
+                <a16:creationId xmlns:a16="http://schemas.microsoft.com/office/drawing/2014/main" id="{39702B19-6344-F832-8E6E-162053E00E5F}"/>
               </a:ext>
             </a:extLst>
           </p:cNvPr>
@@ -3512,7 +3504,7 @@
     </p:spTree>
     <p:extLst>
       <p:ext uri="{BB962C8B-B14F-4D97-AF65-F5344CB8AC3E}">
-        <p14:creationId xmlns:p14="http://schemas.microsoft.com/office/powerpoint/2010/main" val="1118424578"/>
+        <p14:creationId xmlns:p14="http://schemas.microsoft.com/office/powerpoint/2010/main" val="2451077341"/>
       </p:ext>
     </p:extLst>
   </p:cSld>
@@ -3530,7 +3522,7 @@
         <p:cNvPr id="1" name="">
           <a:extLst>
             <a:ext uri="{FF2B5EF4-FFF2-40B4-BE49-F238E27FC236}">
-              <a16:creationId xmlns:a16="http://schemas.microsoft.com/office/drawing/2014/main" id="{3ED74414-A7A1-9730-DF57-1A03D7C145A1}"/>
+              <a16:creationId xmlns:a16="http://schemas.microsoft.com/office/drawing/2014/main" id="{FBD28DB0-C0D4-ABE0-F63F-5B5223428F86}"/>
             </a:ext>
           </a:extLst>
         </p:cNvPr>
@@ -3550,7 +3542,7 @@
           <p:cNvPr id="2" name="Slide Image Placeholder 1">
             <a:extLst>
               <a:ext uri="{FF2B5EF4-FFF2-40B4-BE49-F238E27FC236}">
-                <a16:creationId xmlns:a16="http://schemas.microsoft.com/office/drawing/2014/main" id="{87C8B8CE-50B2-A736-9019-D7B8F75A5DF9}"/>
+                <a16:creationId xmlns:a16="http://schemas.microsoft.com/office/drawing/2014/main" id="{7C606C68-89C6-2857-63BB-443FAA8215F2}"/>
               </a:ext>
             </a:extLst>
           </p:cNvPr>
@@ -3568,7 +3560,7 @@
           <p:cNvPr id="3" name="Notes Placeholder 2">
             <a:extLst>
               <a:ext uri="{FF2B5EF4-FFF2-40B4-BE49-F238E27FC236}">
-                <a16:creationId xmlns:a16="http://schemas.microsoft.com/office/drawing/2014/main" id="{259750AC-D5A3-BAF3-3668-1212A3DEE272}"/>
+                <a16:creationId xmlns:a16="http://schemas.microsoft.com/office/drawing/2014/main" id="{860A8D22-257C-7D7A-7BB2-EA467EE23259}"/>
               </a:ext>
             </a:extLst>
           </p:cNvPr>
@@ -3597,7 +3589,7 @@
           <p:cNvPr id="4" name="Slide Number Placeholder 3">
             <a:extLst>
               <a:ext uri="{FF2B5EF4-FFF2-40B4-BE49-F238E27FC236}">
-                <a16:creationId xmlns:a16="http://schemas.microsoft.com/office/drawing/2014/main" id="{C4C9A300-8977-2642-8B4A-D4C8FB0B58E7}"/>
+                <a16:creationId xmlns:a16="http://schemas.microsoft.com/office/drawing/2014/main" id="{4C2D9844-F5C2-EE0F-BAD8-5042AEE35DA8}"/>
               </a:ext>
             </a:extLst>
           </p:cNvPr>
@@ -3624,7 +3616,7 @@
     </p:spTree>
     <p:extLst>
       <p:ext uri="{BB962C8B-B14F-4D97-AF65-F5344CB8AC3E}">
-        <p14:creationId xmlns:p14="http://schemas.microsoft.com/office/powerpoint/2010/main" val="454767794"/>
+        <p14:creationId xmlns:p14="http://schemas.microsoft.com/office/powerpoint/2010/main" val="886559268"/>
       </p:ext>
     </p:extLst>
   </p:cSld>
@@ -3642,7 +3634,7 @@
         <p:cNvPr id="1" name="">
           <a:extLst>
             <a:ext uri="{FF2B5EF4-FFF2-40B4-BE49-F238E27FC236}">
-              <a16:creationId xmlns:a16="http://schemas.microsoft.com/office/drawing/2014/main" id="{1D8E5B5A-BB5D-A674-66AD-96F50538C9CB}"/>
+              <a16:creationId xmlns:a16="http://schemas.microsoft.com/office/drawing/2014/main" id="{2BAC1CA0-8727-C64C-FBB1-CAF8B7D84B24}"/>
             </a:ext>
           </a:extLst>
         </p:cNvPr>
@@ -3662,7 +3654,7 @@
           <p:cNvPr id="2" name="Slide Image Placeholder 1">
             <a:extLst>
               <a:ext uri="{FF2B5EF4-FFF2-40B4-BE49-F238E27FC236}">
-                <a16:creationId xmlns:a16="http://schemas.microsoft.com/office/drawing/2014/main" id="{E71B0619-314A-C3F7-48A2-A71887E2AEEE}"/>
+                <a16:creationId xmlns:a16="http://schemas.microsoft.com/office/drawing/2014/main" id="{20567C4C-B728-4474-32D9-58062D79EF43}"/>
               </a:ext>
             </a:extLst>
           </p:cNvPr>
@@ -3680,7 +3672,7 @@
           <p:cNvPr id="3" name="Notes Placeholder 2">
             <a:extLst>
               <a:ext uri="{FF2B5EF4-FFF2-40B4-BE49-F238E27FC236}">
-                <a16:creationId xmlns:a16="http://schemas.microsoft.com/office/drawing/2014/main" id="{6F1A301C-1696-DB02-40FE-7EB69330E19E}"/>
+                <a16:creationId xmlns:a16="http://schemas.microsoft.com/office/drawing/2014/main" id="{9EB61504-8102-1390-0FF3-0FC25BF6B8E2}"/>
               </a:ext>
             </a:extLst>
           </p:cNvPr>
@@ -3709,7 +3701,7 @@
           <p:cNvPr id="4" name="Slide Number Placeholder 3">
             <a:extLst>
               <a:ext uri="{FF2B5EF4-FFF2-40B4-BE49-F238E27FC236}">
-                <a16:creationId xmlns:a16="http://schemas.microsoft.com/office/drawing/2014/main" id="{20D0F3AD-4E64-A683-4D04-3D6A701DF1BC}"/>
+                <a16:creationId xmlns:a16="http://schemas.microsoft.com/office/drawing/2014/main" id="{1306A760-3F5C-A5DF-5383-2766FA992D9C}"/>
               </a:ext>
             </a:extLst>
           </p:cNvPr>
@@ -3736,7 +3728,7 @@
     </p:spTree>
     <p:extLst>
       <p:ext uri="{BB962C8B-B14F-4D97-AF65-F5344CB8AC3E}">
-        <p14:creationId xmlns:p14="http://schemas.microsoft.com/office/powerpoint/2010/main" val="2013359834"/>
+        <p14:creationId xmlns:p14="http://schemas.microsoft.com/office/powerpoint/2010/main" val="3956381273"/>
       </p:ext>
     </p:extLst>
   </p:cSld>
@@ -3754,7 +3746,7 @@
         <p:cNvPr id="1" name="">
           <a:extLst>
             <a:ext uri="{FF2B5EF4-FFF2-40B4-BE49-F238E27FC236}">
-              <a16:creationId xmlns:a16="http://schemas.microsoft.com/office/drawing/2014/main" id="{89A9DD63-34B1-565A-B4E7-23C6BD972C8E}"/>
+              <a16:creationId xmlns:a16="http://schemas.microsoft.com/office/drawing/2014/main" id="{448554AB-7451-5198-F011-D25F8D847B05}"/>
             </a:ext>
           </a:extLst>
         </p:cNvPr>
@@ -3774,7 +3766,7 @@
           <p:cNvPr id="2" name="Slide Image Placeholder 1">
             <a:extLst>
               <a:ext uri="{FF2B5EF4-FFF2-40B4-BE49-F238E27FC236}">
-                <a16:creationId xmlns:a16="http://schemas.microsoft.com/office/drawing/2014/main" id="{B7E5EEC0-0E78-582A-3747-306849635042}"/>
+                <a16:creationId xmlns:a16="http://schemas.microsoft.com/office/drawing/2014/main" id="{5E263DE4-4FCE-AE6B-B2F7-B2590857449C}"/>
               </a:ext>
             </a:extLst>
           </p:cNvPr>
@@ -3792,7 +3784,7 @@
           <p:cNvPr id="3" name="Notes Placeholder 2">
             <a:extLst>
               <a:ext uri="{FF2B5EF4-FFF2-40B4-BE49-F238E27FC236}">
-                <a16:creationId xmlns:a16="http://schemas.microsoft.com/office/drawing/2014/main" id="{19ADDC22-21CC-ED7F-A021-7350F4F99ED8}"/>
+                <a16:creationId xmlns:a16="http://schemas.microsoft.com/office/drawing/2014/main" id="{56478E4D-4718-4CEC-4987-BDB05CE43F86}"/>
               </a:ext>
             </a:extLst>
           </p:cNvPr>
@@ -3821,7 +3813,7 @@
           <p:cNvPr id="4" name="Slide Number Placeholder 3">
             <a:extLst>
               <a:ext uri="{FF2B5EF4-FFF2-40B4-BE49-F238E27FC236}">
-                <a16:creationId xmlns:a16="http://schemas.microsoft.com/office/drawing/2014/main" id="{F3E24BD5-378B-B8B4-F407-61D82D9CA7BC}"/>
+                <a16:creationId xmlns:a16="http://schemas.microsoft.com/office/drawing/2014/main" id="{C3537C7A-7D10-4F6B-51BB-A81717252629}"/>
               </a:ext>
             </a:extLst>
           </p:cNvPr>
@@ -3848,7 +3840,7 @@
     </p:spTree>
     <p:extLst>
       <p:ext uri="{BB962C8B-B14F-4D97-AF65-F5344CB8AC3E}">
-        <p14:creationId xmlns:p14="http://schemas.microsoft.com/office/powerpoint/2010/main" val="2850773013"/>
+        <p14:creationId xmlns:p14="http://schemas.microsoft.com/office/powerpoint/2010/main" val="1147422439"/>
       </p:ext>
     </p:extLst>
   </p:cSld>
@@ -3866,7 +3858,7 @@
         <p:cNvPr id="1" name="">
           <a:extLst>
             <a:ext uri="{FF2B5EF4-FFF2-40B4-BE49-F238E27FC236}">
-              <a16:creationId xmlns:a16="http://schemas.microsoft.com/office/drawing/2014/main" id="{2AF864A6-CDB0-CDCC-6D44-1DF139368377}"/>
+              <a16:creationId xmlns:a16="http://schemas.microsoft.com/office/drawing/2014/main" id="{AF33B686-322A-2F9E-9E6E-5918015BD968}"/>
             </a:ext>
           </a:extLst>
         </p:cNvPr>
@@ -3886,7 +3878,7 @@
           <p:cNvPr id="2" name="Slide Image Placeholder 1">
             <a:extLst>
               <a:ext uri="{FF2B5EF4-FFF2-40B4-BE49-F238E27FC236}">
-                <a16:creationId xmlns:a16="http://schemas.microsoft.com/office/drawing/2014/main" id="{71EDC0B9-E445-BB5D-5FA5-28C28AE47071}"/>
+                <a16:creationId xmlns:a16="http://schemas.microsoft.com/office/drawing/2014/main" id="{63937B45-9CC3-ECB0-190E-527AD7C1E192}"/>
               </a:ext>
             </a:extLst>
           </p:cNvPr>
@@ -3904,7 +3896,7 @@
           <p:cNvPr id="3" name="Notes Placeholder 2">
             <a:extLst>
               <a:ext uri="{FF2B5EF4-FFF2-40B4-BE49-F238E27FC236}">
-                <a16:creationId xmlns:a16="http://schemas.microsoft.com/office/drawing/2014/main" id="{5FAA57A2-F4E9-BF57-4979-59C09892A2D8}"/>
+                <a16:creationId xmlns:a16="http://schemas.microsoft.com/office/drawing/2014/main" id="{D5E8ECBF-C7EA-65CE-FE3B-5B209619B1D2}"/>
               </a:ext>
             </a:extLst>
           </p:cNvPr>
@@ -3933,7 +3925,7 @@
           <p:cNvPr id="4" name="Slide Number Placeholder 3">
             <a:extLst>
               <a:ext uri="{FF2B5EF4-FFF2-40B4-BE49-F238E27FC236}">
-                <a16:creationId xmlns:a16="http://schemas.microsoft.com/office/drawing/2014/main" id="{45B391B5-AD01-310F-A7F1-70E1ADA338B1}"/>
+                <a16:creationId xmlns:a16="http://schemas.microsoft.com/office/drawing/2014/main" id="{06D142BA-3848-3A32-FC30-C638B08E3B4F}"/>
               </a:ext>
             </a:extLst>
           </p:cNvPr>
@@ -3960,7 +3952,7 @@
     </p:spTree>
     <p:extLst>
       <p:ext uri="{BB962C8B-B14F-4D97-AF65-F5344CB8AC3E}">
-        <p14:creationId xmlns:p14="http://schemas.microsoft.com/office/powerpoint/2010/main" val="2646440327"/>
+        <p14:creationId xmlns:p14="http://schemas.microsoft.com/office/powerpoint/2010/main" val="3038571891"/>
       </p:ext>
     </p:extLst>
   </p:cSld>
@@ -3978,7 +3970,7 @@
         <p:cNvPr id="1" name="">
           <a:extLst>
             <a:ext uri="{FF2B5EF4-FFF2-40B4-BE49-F238E27FC236}">
-              <a16:creationId xmlns:a16="http://schemas.microsoft.com/office/drawing/2014/main" id="{75D6E7FD-5058-A1CF-397A-166041E25674}"/>
+              <a16:creationId xmlns:a16="http://schemas.microsoft.com/office/drawing/2014/main" id="{84B82B2E-5009-B633-7098-738552E3CE13}"/>
             </a:ext>
           </a:extLst>
         </p:cNvPr>
@@ -3998,7 +3990,7 @@
           <p:cNvPr id="2" name="Slide Image Placeholder 1">
             <a:extLst>
               <a:ext uri="{FF2B5EF4-FFF2-40B4-BE49-F238E27FC236}">
-                <a16:creationId xmlns:a16="http://schemas.microsoft.com/office/drawing/2014/main" id="{6FC93B26-E62F-F51B-3CD8-59C690E0742F}"/>
+                <a16:creationId xmlns:a16="http://schemas.microsoft.com/office/drawing/2014/main" id="{11E03D66-2011-0634-6625-C1B2CE4CA965}"/>
               </a:ext>
             </a:extLst>
           </p:cNvPr>
@@ -4016,7 +4008,7 @@
           <p:cNvPr id="3" name="Notes Placeholder 2">
             <a:extLst>
               <a:ext uri="{FF2B5EF4-FFF2-40B4-BE49-F238E27FC236}">
-                <a16:creationId xmlns:a16="http://schemas.microsoft.com/office/drawing/2014/main" id="{374B16FC-34C9-D0AB-6C2C-C05B6C90E5F5}"/>
+                <a16:creationId xmlns:a16="http://schemas.microsoft.com/office/drawing/2014/main" id="{71705D22-B638-02DF-3230-3E04A0210A95}"/>
               </a:ext>
             </a:extLst>
           </p:cNvPr>
@@ -4045,7 +4037,7 @@
           <p:cNvPr id="4" name="Slide Number Placeholder 3">
             <a:extLst>
               <a:ext uri="{FF2B5EF4-FFF2-40B4-BE49-F238E27FC236}">
-                <a16:creationId xmlns:a16="http://schemas.microsoft.com/office/drawing/2014/main" id="{770C0327-CFC9-BF50-0A39-5DA2E5CF6685}"/>
+                <a16:creationId xmlns:a16="http://schemas.microsoft.com/office/drawing/2014/main" id="{6DCBF3BC-900D-F243-065F-66D05B9D0412}"/>
               </a:ext>
             </a:extLst>
           </p:cNvPr>
@@ -4072,7 +4064,7 @@
     </p:spTree>
     <p:extLst>
       <p:ext uri="{BB962C8B-B14F-4D97-AF65-F5344CB8AC3E}">
-        <p14:creationId xmlns:p14="http://schemas.microsoft.com/office/powerpoint/2010/main" val="2691188369"/>
+        <p14:creationId xmlns:p14="http://schemas.microsoft.com/office/powerpoint/2010/main" val="3387963396"/>
       </p:ext>
     </p:extLst>
   </p:cSld>
@@ -4090,7 +4082,7 @@
         <p:cNvPr id="1" name="">
           <a:extLst>
             <a:ext uri="{FF2B5EF4-FFF2-40B4-BE49-F238E27FC236}">
-              <a16:creationId xmlns:a16="http://schemas.microsoft.com/office/drawing/2014/main" id="{E27BF6D6-0411-8390-AB81-EEA6DD623600}"/>
+              <a16:creationId xmlns:a16="http://schemas.microsoft.com/office/drawing/2014/main" id="{DFE62E81-8909-AF91-8A33-84909F678E96}"/>
             </a:ext>
           </a:extLst>
         </p:cNvPr>
@@ -4110,7 +4102,7 @@
           <p:cNvPr id="2" name="Slide Image Placeholder 1">
             <a:extLst>
               <a:ext uri="{FF2B5EF4-FFF2-40B4-BE49-F238E27FC236}">
-                <a16:creationId xmlns:a16="http://schemas.microsoft.com/office/drawing/2014/main" id="{FD80BDC3-891C-D359-F2BA-29AD0740A56C}"/>
+                <a16:creationId xmlns:a16="http://schemas.microsoft.com/office/drawing/2014/main" id="{DFC1E4E0-899B-2D2F-CFD0-DC9254724FFC}"/>
               </a:ext>
             </a:extLst>
           </p:cNvPr>
@@ -4128,7 +4120,7 @@
           <p:cNvPr id="3" name="Notes Placeholder 2">
             <a:extLst>
               <a:ext uri="{FF2B5EF4-FFF2-40B4-BE49-F238E27FC236}">
-                <a16:creationId xmlns:a16="http://schemas.microsoft.com/office/drawing/2014/main" id="{C1D7617C-C0C1-4FE7-0D66-12687B977B61}"/>
+                <a16:creationId xmlns:a16="http://schemas.microsoft.com/office/drawing/2014/main" id="{1F558C1F-6179-8F43-5F47-7A2794832C0D}"/>
               </a:ext>
             </a:extLst>
           </p:cNvPr>
@@ -4157,7 +4149,7 @@
           <p:cNvPr id="4" name="Slide Number Placeholder 3">
             <a:extLst>
               <a:ext uri="{FF2B5EF4-FFF2-40B4-BE49-F238E27FC236}">
-                <a16:creationId xmlns:a16="http://schemas.microsoft.com/office/drawing/2014/main" id="{5823C10E-178C-2ACD-EF68-5F341FDC6B57}"/>
+                <a16:creationId xmlns:a16="http://schemas.microsoft.com/office/drawing/2014/main" id="{84BE255F-40B9-4BD6-EBCE-6AD7707AA92C}"/>
               </a:ext>
             </a:extLst>
           </p:cNvPr>
@@ -4184,7 +4176,7 @@
     </p:spTree>
     <p:extLst>
       <p:ext uri="{BB962C8B-B14F-4D97-AF65-F5344CB8AC3E}">
-        <p14:creationId xmlns:p14="http://schemas.microsoft.com/office/powerpoint/2010/main" val="3382826278"/>
+        <p14:creationId xmlns:p14="http://schemas.microsoft.com/office/powerpoint/2010/main" val="295360896"/>
       </p:ext>
     </p:extLst>
   </p:cSld>
@@ -4202,7 +4194,7 @@
         <p:cNvPr id="1" name="">
           <a:extLst>
             <a:ext uri="{FF2B5EF4-FFF2-40B4-BE49-F238E27FC236}">
-              <a16:creationId xmlns:a16="http://schemas.microsoft.com/office/drawing/2014/main" id="{D5468D2F-4ED5-1CAC-C33F-3892195019CE}"/>
+              <a16:creationId xmlns:a16="http://schemas.microsoft.com/office/drawing/2014/main" id="{59175E06-8025-CF14-2D1B-C5037B8A425A}"/>
             </a:ext>
           </a:extLst>
         </p:cNvPr>
@@ -4222,7 +4214,7 @@
           <p:cNvPr id="2" name="Slide Image Placeholder 1">
             <a:extLst>
               <a:ext uri="{FF2B5EF4-FFF2-40B4-BE49-F238E27FC236}">
-                <a16:creationId xmlns:a16="http://schemas.microsoft.com/office/drawing/2014/main" id="{626D79B8-4F2C-A7C4-CBA0-FBCF6C7CF225}"/>
+                <a16:creationId xmlns:a16="http://schemas.microsoft.com/office/drawing/2014/main" id="{1C239AAA-CAB9-D22D-B6FF-79CCF2D8384D}"/>
               </a:ext>
             </a:extLst>
           </p:cNvPr>
@@ -4240,7 +4232,7 @@
           <p:cNvPr id="3" name="Notes Placeholder 2">
             <a:extLst>
               <a:ext uri="{FF2B5EF4-FFF2-40B4-BE49-F238E27FC236}">
-                <a16:creationId xmlns:a16="http://schemas.microsoft.com/office/drawing/2014/main" id="{1E37450B-8392-10F2-1C18-B0539C225086}"/>
+                <a16:creationId xmlns:a16="http://schemas.microsoft.com/office/drawing/2014/main" id="{BF6425BA-C182-B39F-33EC-7EEFB0B7DD2D}"/>
               </a:ext>
             </a:extLst>
           </p:cNvPr>
@@ -4269,7 +4261,7 @@
           <p:cNvPr id="4" name="Slide Number Placeholder 3">
             <a:extLst>
               <a:ext uri="{FF2B5EF4-FFF2-40B4-BE49-F238E27FC236}">
-                <a16:creationId xmlns:a16="http://schemas.microsoft.com/office/drawing/2014/main" id="{E9325E6F-8567-B15B-3B7E-7D42EFA4D56B}"/>
+                <a16:creationId xmlns:a16="http://schemas.microsoft.com/office/drawing/2014/main" id="{EF9793C5-CED6-2517-EB0D-035211B9664C}"/>
               </a:ext>
             </a:extLst>
           </p:cNvPr>
@@ -4296,7 +4288,7 @@
     </p:spTree>
     <p:extLst>
       <p:ext uri="{BB962C8B-B14F-4D97-AF65-F5344CB8AC3E}">
-        <p14:creationId xmlns:p14="http://schemas.microsoft.com/office/powerpoint/2010/main" val="2209521737"/>
+        <p14:creationId xmlns:p14="http://schemas.microsoft.com/office/powerpoint/2010/main" val="840287380"/>
       </p:ext>
     </p:extLst>
   </p:cSld>
@@ -4314,7 +4306,7 @@
         <p:cNvPr id="1" name="">
           <a:extLst>
             <a:ext uri="{FF2B5EF4-FFF2-40B4-BE49-F238E27FC236}">
-              <a16:creationId xmlns:a16="http://schemas.microsoft.com/office/drawing/2014/main" id="{8E243A7B-C4BE-617F-DFA3-38A5F54B5281}"/>
+              <a16:creationId xmlns:a16="http://schemas.microsoft.com/office/drawing/2014/main" id="{57A73B33-A5C5-16AA-6A28-671D998F11DA}"/>
             </a:ext>
           </a:extLst>
         </p:cNvPr>
@@ -4334,7 +4326,7 @@
           <p:cNvPr id="2" name="Slide Image Placeholder 1">
             <a:extLst>
               <a:ext uri="{FF2B5EF4-FFF2-40B4-BE49-F238E27FC236}">
-                <a16:creationId xmlns:a16="http://schemas.microsoft.com/office/drawing/2014/main" id="{8DF552C6-CA26-1B64-F6CF-B8AF9B6D48C9}"/>
+                <a16:creationId xmlns:a16="http://schemas.microsoft.com/office/drawing/2014/main" id="{D72D6DF0-BDD6-8D91-78CA-A7520144F886}"/>
               </a:ext>
             </a:extLst>
           </p:cNvPr>
@@ -4352,7 +4344,7 @@
           <p:cNvPr id="3" name="Notes Placeholder 2">
             <a:extLst>
               <a:ext uri="{FF2B5EF4-FFF2-40B4-BE49-F238E27FC236}">
-                <a16:creationId xmlns:a16="http://schemas.microsoft.com/office/drawing/2014/main" id="{D1AF4592-8ABC-95C2-B046-E5C58403A160}"/>
+                <a16:creationId xmlns:a16="http://schemas.microsoft.com/office/drawing/2014/main" id="{63735609-E063-3943-CFFA-D548A3AA8EA3}"/>
               </a:ext>
             </a:extLst>
           </p:cNvPr>
@@ -4381,7 +4373,7 @@
           <p:cNvPr id="4" name="Slide Number Placeholder 3">
             <a:extLst>
               <a:ext uri="{FF2B5EF4-FFF2-40B4-BE49-F238E27FC236}">
-                <a16:creationId xmlns:a16="http://schemas.microsoft.com/office/drawing/2014/main" id="{D86806F4-D58F-2FC5-A42C-18B63AE91269}"/>
+                <a16:creationId xmlns:a16="http://schemas.microsoft.com/office/drawing/2014/main" id="{F26F11B0-A956-43FC-AE04-9E71B10FC885}"/>
               </a:ext>
             </a:extLst>
           </p:cNvPr>
@@ -4408,7 +4400,7 @@
     </p:spTree>
     <p:extLst>
       <p:ext uri="{BB962C8B-B14F-4D97-AF65-F5344CB8AC3E}">
-        <p14:creationId xmlns:p14="http://schemas.microsoft.com/office/powerpoint/2010/main" val="2474550479"/>
+        <p14:creationId xmlns:p14="http://schemas.microsoft.com/office/powerpoint/2010/main" val="3057245822"/>
       </p:ext>
     </p:extLst>
   </p:cSld>
@@ -4426,7 +4418,7 @@
         <p:cNvPr id="1" name="">
           <a:extLst>
             <a:ext uri="{FF2B5EF4-FFF2-40B4-BE49-F238E27FC236}">
-              <a16:creationId xmlns:a16="http://schemas.microsoft.com/office/drawing/2014/main" id="{F0EBC8E8-35C0-76B8-F95A-FA559A1CE0E4}"/>
+              <a16:creationId xmlns:a16="http://schemas.microsoft.com/office/drawing/2014/main" id="{80092CBF-5CDD-DF59-EB21-51D9309243A2}"/>
             </a:ext>
           </a:extLst>
         </p:cNvPr>
@@ -4446,7 +4438,7 @@
           <p:cNvPr id="2" name="Slide Image Placeholder 1">
             <a:extLst>
               <a:ext uri="{FF2B5EF4-FFF2-40B4-BE49-F238E27FC236}">
-                <a16:creationId xmlns:a16="http://schemas.microsoft.com/office/drawing/2014/main" id="{12D25BD1-30C0-F818-5ACC-DFDC7AC28EAF}"/>
+                <a16:creationId xmlns:a16="http://schemas.microsoft.com/office/drawing/2014/main" id="{7F610876-9E8F-8E00-D970-622568FDDBDA}"/>
               </a:ext>
             </a:extLst>
           </p:cNvPr>
@@ -4464,7 +4456,7 @@
           <p:cNvPr id="3" name="Notes Placeholder 2">
             <a:extLst>
               <a:ext uri="{FF2B5EF4-FFF2-40B4-BE49-F238E27FC236}">
-                <a16:creationId xmlns:a16="http://schemas.microsoft.com/office/drawing/2014/main" id="{D25B63EE-5F8D-001A-0381-4A062949A7BD}"/>
+                <a16:creationId xmlns:a16="http://schemas.microsoft.com/office/drawing/2014/main" id="{F39A089A-B63A-0582-1040-6232DE6C453E}"/>
               </a:ext>
             </a:extLst>
           </p:cNvPr>
@@ -4493,7 +4485,7 @@
           <p:cNvPr id="4" name="Slide Number Placeholder 3">
             <a:extLst>
               <a:ext uri="{FF2B5EF4-FFF2-40B4-BE49-F238E27FC236}">
-                <a16:creationId xmlns:a16="http://schemas.microsoft.com/office/drawing/2014/main" id="{0D03C621-FB01-D7F4-3B09-94C8D45E14A8}"/>
+                <a16:creationId xmlns:a16="http://schemas.microsoft.com/office/drawing/2014/main" id="{09D68780-4928-7753-725C-0013FE56A845}"/>
               </a:ext>
             </a:extLst>
           </p:cNvPr>
@@ -4520,7 +4512,7 @@
     </p:spTree>
     <p:extLst>
       <p:ext uri="{BB962C8B-B14F-4D97-AF65-F5344CB8AC3E}">
-        <p14:creationId xmlns:p14="http://schemas.microsoft.com/office/powerpoint/2010/main" val="3501836674"/>
+        <p14:creationId xmlns:p14="http://schemas.microsoft.com/office/powerpoint/2010/main" val="1982790913"/>
       </p:ext>
     </p:extLst>
   </p:cSld>
@@ -4538,7 +4530,7 @@
         <p:cNvPr id="1" name="">
           <a:extLst>
             <a:ext uri="{FF2B5EF4-FFF2-40B4-BE49-F238E27FC236}">
-              <a16:creationId xmlns:a16="http://schemas.microsoft.com/office/drawing/2014/main" id="{48F37930-C36B-8DB9-1955-737D9EC7082B}"/>
+              <a16:creationId xmlns:a16="http://schemas.microsoft.com/office/drawing/2014/main" id="{4E4EE1B1-7ED4-C66F-0D5A-ED7C8B1AB1D6}"/>
             </a:ext>
           </a:extLst>
         </p:cNvPr>
@@ -4558,7 +4550,7 @@
           <p:cNvPr id="2" name="Slide Image Placeholder 1">
             <a:extLst>
               <a:ext uri="{FF2B5EF4-FFF2-40B4-BE49-F238E27FC236}">
-                <a16:creationId xmlns:a16="http://schemas.microsoft.com/office/drawing/2014/main" id="{C7C06E93-8AD2-B287-5E70-061C33E86C7A}"/>
+                <a16:creationId xmlns:a16="http://schemas.microsoft.com/office/drawing/2014/main" id="{4568A1E5-ED58-A627-7E76-8A6A18C4F154}"/>
               </a:ext>
             </a:extLst>
           </p:cNvPr>
@@ -4576,7 +4568,7 @@
           <p:cNvPr id="3" name="Notes Placeholder 2">
             <a:extLst>
               <a:ext uri="{FF2B5EF4-FFF2-40B4-BE49-F238E27FC236}">
-                <a16:creationId xmlns:a16="http://schemas.microsoft.com/office/drawing/2014/main" id="{020E8ABC-6176-F66A-1ED8-42681BD09DB8}"/>
+                <a16:creationId xmlns:a16="http://schemas.microsoft.com/office/drawing/2014/main" id="{D19321FF-27D3-9D87-9226-EA1826F33B47}"/>
               </a:ext>
             </a:extLst>
           </p:cNvPr>
@@ -4605,7 +4597,7 @@
           <p:cNvPr id="4" name="Slide Number Placeholder 3">
             <a:extLst>
               <a:ext uri="{FF2B5EF4-FFF2-40B4-BE49-F238E27FC236}">
-                <a16:creationId xmlns:a16="http://schemas.microsoft.com/office/drawing/2014/main" id="{541D7EB6-ED53-F0D8-17C5-AD4B63E9456F}"/>
+                <a16:creationId xmlns:a16="http://schemas.microsoft.com/office/drawing/2014/main" id="{7E60E888-E1A7-B162-C720-000D18D77E86}"/>
               </a:ext>
             </a:extLst>
           </p:cNvPr>
@@ -4632,7 +4624,7 @@
     </p:spTree>
     <p:extLst>
       <p:ext uri="{BB962C8B-B14F-4D97-AF65-F5344CB8AC3E}">
-        <p14:creationId xmlns:p14="http://schemas.microsoft.com/office/powerpoint/2010/main" val="1449863317"/>
+        <p14:creationId xmlns:p14="http://schemas.microsoft.com/office/powerpoint/2010/main" val="1400396985"/>
       </p:ext>
     </p:extLst>
   </p:cSld>
@@ -4650,7 +4642,7 @@
         <p:cNvPr id="1" name="">
           <a:extLst>
             <a:ext uri="{FF2B5EF4-FFF2-40B4-BE49-F238E27FC236}">
-              <a16:creationId xmlns:a16="http://schemas.microsoft.com/office/drawing/2014/main" id="{F7D4E7D6-30E0-3E7D-D43D-69F6D8E64A21}"/>
+              <a16:creationId xmlns:a16="http://schemas.microsoft.com/office/drawing/2014/main" id="{031A6E8F-CC54-0AFC-A291-527277DEC9D0}"/>
             </a:ext>
           </a:extLst>
         </p:cNvPr>
@@ -4670,7 +4662,7 @@
           <p:cNvPr id="2" name="Slide Image Placeholder 1">
             <a:extLst>
               <a:ext uri="{FF2B5EF4-FFF2-40B4-BE49-F238E27FC236}">
-                <a16:creationId xmlns:a16="http://schemas.microsoft.com/office/drawing/2014/main" id="{86E9449D-640F-6A63-0476-78BE654D6B13}"/>
+                <a16:creationId xmlns:a16="http://schemas.microsoft.com/office/drawing/2014/main" id="{9642FA01-24B0-CF8D-8C25-E198CA3B129E}"/>
               </a:ext>
             </a:extLst>
           </p:cNvPr>
@@ -4688,7 +4680,7 @@
           <p:cNvPr id="3" name="Notes Placeholder 2">
             <a:extLst>
               <a:ext uri="{FF2B5EF4-FFF2-40B4-BE49-F238E27FC236}">
-                <a16:creationId xmlns:a16="http://schemas.microsoft.com/office/drawing/2014/main" id="{A4083173-4EF7-0338-A663-8862C0A7C0A4}"/>
+                <a16:creationId xmlns:a16="http://schemas.microsoft.com/office/drawing/2014/main" id="{3D390112-CD31-A031-C2CF-6A16538704A5}"/>
               </a:ext>
             </a:extLst>
           </p:cNvPr>
@@ -4717,7 +4709,7 @@
           <p:cNvPr id="4" name="Slide Number Placeholder 3">
             <a:extLst>
               <a:ext uri="{FF2B5EF4-FFF2-40B4-BE49-F238E27FC236}">
-                <a16:creationId xmlns:a16="http://schemas.microsoft.com/office/drawing/2014/main" id="{0AB0021A-1BF4-9460-A5C1-78415B09331C}"/>
+                <a16:creationId xmlns:a16="http://schemas.microsoft.com/office/drawing/2014/main" id="{EE1E9A08-B3DA-7D20-4B8F-E4625300DAE0}"/>
               </a:ext>
             </a:extLst>
           </p:cNvPr>
@@ -4744,7 +4736,7 @@
     </p:spTree>
     <p:extLst>
       <p:ext uri="{BB962C8B-B14F-4D97-AF65-F5344CB8AC3E}">
-        <p14:creationId xmlns:p14="http://schemas.microsoft.com/office/powerpoint/2010/main" val="3751239011"/>
+        <p14:creationId xmlns:p14="http://schemas.microsoft.com/office/powerpoint/2010/main" val="1119741996"/>
       </p:ext>
     </p:extLst>
   </p:cSld>
@@ -4762,7 +4754,7 @@
         <p:cNvPr id="1" name="">
           <a:extLst>
             <a:ext uri="{FF2B5EF4-FFF2-40B4-BE49-F238E27FC236}">
-              <a16:creationId xmlns:a16="http://schemas.microsoft.com/office/drawing/2014/main" id="{BFDF261D-979D-2270-9C58-0F88128B1C71}"/>
+              <a16:creationId xmlns:a16="http://schemas.microsoft.com/office/drawing/2014/main" id="{8E1FA93E-BAD1-CA59-9813-BC255C4B8841}"/>
             </a:ext>
           </a:extLst>
         </p:cNvPr>
@@ -4782,7 +4774,7 @@
           <p:cNvPr id="2" name="Slide Image Placeholder 1">
             <a:extLst>
               <a:ext uri="{FF2B5EF4-FFF2-40B4-BE49-F238E27FC236}">
-                <a16:creationId xmlns:a16="http://schemas.microsoft.com/office/drawing/2014/main" id="{F74D7855-7111-B90E-029E-470C9962F28A}"/>
+                <a16:creationId xmlns:a16="http://schemas.microsoft.com/office/drawing/2014/main" id="{253162F3-543F-A8D9-68EF-FF3C57C90CC0}"/>
               </a:ext>
             </a:extLst>
           </p:cNvPr>
@@ -4800,7 +4792,7 @@
           <p:cNvPr id="3" name="Notes Placeholder 2">
             <a:extLst>
               <a:ext uri="{FF2B5EF4-FFF2-40B4-BE49-F238E27FC236}">
-                <a16:creationId xmlns:a16="http://schemas.microsoft.com/office/drawing/2014/main" id="{67FBE3F6-8828-0C0A-2F23-3792AE71F79E}"/>
+                <a16:creationId xmlns:a16="http://schemas.microsoft.com/office/drawing/2014/main" id="{52C773B7-1068-4F58-F60E-A504BFEE2924}"/>
               </a:ext>
             </a:extLst>
           </p:cNvPr>
@@ -4829,7 +4821,7 @@
           <p:cNvPr id="4" name="Slide Number Placeholder 3">
             <a:extLst>
               <a:ext uri="{FF2B5EF4-FFF2-40B4-BE49-F238E27FC236}">
-                <a16:creationId xmlns:a16="http://schemas.microsoft.com/office/drawing/2014/main" id="{F58B4890-C75B-BA11-5805-C7DEB64EFAD9}"/>
+                <a16:creationId xmlns:a16="http://schemas.microsoft.com/office/drawing/2014/main" id="{93859A24-3E78-296F-088F-84DC3E4B092A}"/>
               </a:ext>
             </a:extLst>
           </p:cNvPr>
@@ -4856,7 +4848,7 @@
     </p:spTree>
     <p:extLst>
       <p:ext uri="{BB962C8B-B14F-4D97-AF65-F5344CB8AC3E}">
-        <p14:creationId xmlns:p14="http://schemas.microsoft.com/office/powerpoint/2010/main" val="2718784865"/>
+        <p14:creationId xmlns:p14="http://schemas.microsoft.com/office/powerpoint/2010/main" val="1009299314"/>
       </p:ext>
     </p:extLst>
   </p:cSld>
@@ -4874,7 +4866,7 @@
         <p:cNvPr id="1" name="">
           <a:extLst>
             <a:ext uri="{FF2B5EF4-FFF2-40B4-BE49-F238E27FC236}">
-              <a16:creationId xmlns:a16="http://schemas.microsoft.com/office/drawing/2014/main" id="{5BD7D3F5-293D-64E2-18F9-CBDF31D8F307}"/>
+              <a16:creationId xmlns:a16="http://schemas.microsoft.com/office/drawing/2014/main" id="{0C580492-177E-63B8-9A99-F22628A65869}"/>
             </a:ext>
           </a:extLst>
         </p:cNvPr>
@@ -4894,7 +4886,7 @@
           <p:cNvPr id="2" name="Slide Image Placeholder 1">
             <a:extLst>
               <a:ext uri="{FF2B5EF4-FFF2-40B4-BE49-F238E27FC236}">
-                <a16:creationId xmlns:a16="http://schemas.microsoft.com/office/drawing/2014/main" id="{7595AAC8-D01D-FC84-B4C4-FF0B8A880544}"/>
+                <a16:creationId xmlns:a16="http://schemas.microsoft.com/office/drawing/2014/main" id="{ED971F62-93E4-B2A9-9A11-9DE9EF9D4290}"/>
               </a:ext>
             </a:extLst>
           </p:cNvPr>
@@ -4912,7 +4904,7 @@
           <p:cNvPr id="3" name="Notes Placeholder 2">
             <a:extLst>
               <a:ext uri="{FF2B5EF4-FFF2-40B4-BE49-F238E27FC236}">
-                <a16:creationId xmlns:a16="http://schemas.microsoft.com/office/drawing/2014/main" id="{08518370-DE9A-6707-3FFD-68AB8D8CABAF}"/>
+                <a16:creationId xmlns:a16="http://schemas.microsoft.com/office/drawing/2014/main" id="{68FBD1A1-220E-C0C3-8C14-7DA4ED8D0FC5}"/>
               </a:ext>
             </a:extLst>
           </p:cNvPr>
@@ -4941,7 +4933,7 @@
           <p:cNvPr id="4" name="Slide Number Placeholder 3">
             <a:extLst>
               <a:ext uri="{FF2B5EF4-FFF2-40B4-BE49-F238E27FC236}">
-                <a16:creationId xmlns:a16="http://schemas.microsoft.com/office/drawing/2014/main" id="{5C590E4A-73AE-281B-7AC2-C45DD3A07789}"/>
+                <a16:creationId xmlns:a16="http://schemas.microsoft.com/office/drawing/2014/main" id="{7977510D-4589-6003-D443-2EBC15414764}"/>
               </a:ext>
             </a:extLst>
           </p:cNvPr>
@@ -4968,7 +4960,7 @@
     </p:spTree>
     <p:extLst>
       <p:ext uri="{BB962C8B-B14F-4D97-AF65-F5344CB8AC3E}">
-        <p14:creationId xmlns:p14="http://schemas.microsoft.com/office/powerpoint/2010/main" val="540677094"/>
+        <p14:creationId xmlns:p14="http://schemas.microsoft.com/office/powerpoint/2010/main" val="72400893"/>
       </p:ext>
     </p:extLst>
   </p:cSld>
@@ -4986,7 +4978,7 @@
         <p:cNvPr id="1" name="">
           <a:extLst>
             <a:ext uri="{FF2B5EF4-FFF2-40B4-BE49-F238E27FC236}">
-              <a16:creationId xmlns:a16="http://schemas.microsoft.com/office/drawing/2014/main" id="{3FF636B7-6601-6F47-1C51-A280A11616BB}"/>
+              <a16:creationId xmlns:a16="http://schemas.microsoft.com/office/drawing/2014/main" id="{801E2E39-5A24-4E6F-F8AF-6D87B3586947}"/>
             </a:ext>
           </a:extLst>
         </p:cNvPr>
@@ -5006,7 +4998,7 @@
           <p:cNvPr id="2" name="Slide Image Placeholder 1">
             <a:extLst>
               <a:ext uri="{FF2B5EF4-FFF2-40B4-BE49-F238E27FC236}">
-                <a16:creationId xmlns:a16="http://schemas.microsoft.com/office/drawing/2014/main" id="{B7D09F2F-BCFC-FC3D-57B9-6C505B872172}"/>
+                <a16:creationId xmlns:a16="http://schemas.microsoft.com/office/drawing/2014/main" id="{7DA1D2F0-5028-CE97-2793-8A2D9758BF95}"/>
               </a:ext>
             </a:extLst>
           </p:cNvPr>
@@ -5024,7 +5016,7 @@
           <p:cNvPr id="3" name="Notes Placeholder 2">
             <a:extLst>
               <a:ext uri="{FF2B5EF4-FFF2-40B4-BE49-F238E27FC236}">
-                <a16:creationId xmlns:a16="http://schemas.microsoft.com/office/drawing/2014/main" id="{EEAFD786-5802-B5AA-9A26-B3E88FFD3BCD}"/>
+                <a16:creationId xmlns:a16="http://schemas.microsoft.com/office/drawing/2014/main" id="{5F1A5E20-EA16-582E-C63C-DB4516CCF317}"/>
               </a:ext>
             </a:extLst>
           </p:cNvPr>
@@ -5053,7 +5045,7 @@
           <p:cNvPr id="4" name="Slide Number Placeholder 3">
             <a:extLst>
               <a:ext uri="{FF2B5EF4-FFF2-40B4-BE49-F238E27FC236}">
-                <a16:creationId xmlns:a16="http://schemas.microsoft.com/office/drawing/2014/main" id="{845C03BD-AE0A-157A-BC60-4BFB79307077}"/>
+                <a16:creationId xmlns:a16="http://schemas.microsoft.com/office/drawing/2014/main" id="{23E80CEE-F5DB-2822-584F-5245C2F86C79}"/>
               </a:ext>
             </a:extLst>
           </p:cNvPr>
@@ -5080,7 +5072,7 @@
     </p:spTree>
     <p:extLst>
       <p:ext uri="{BB962C8B-B14F-4D97-AF65-F5344CB8AC3E}">
-        <p14:creationId xmlns:p14="http://schemas.microsoft.com/office/powerpoint/2010/main" val="3919846920"/>
+        <p14:creationId xmlns:p14="http://schemas.microsoft.com/office/powerpoint/2010/main" val="3067904742"/>
       </p:ext>
     </p:extLst>
   </p:cSld>
@@ -5098,7 +5090,7 @@
         <p:cNvPr id="1" name="">
           <a:extLst>
             <a:ext uri="{FF2B5EF4-FFF2-40B4-BE49-F238E27FC236}">
-              <a16:creationId xmlns:a16="http://schemas.microsoft.com/office/drawing/2014/main" id="{71F18760-F6CA-79D2-8093-FE6F45CBC70B}"/>
+              <a16:creationId xmlns:a16="http://schemas.microsoft.com/office/drawing/2014/main" id="{AE265DC3-E7C6-C73F-5F03-6BB93631514F}"/>
             </a:ext>
           </a:extLst>
         </p:cNvPr>
@@ -5118,7 +5110,7 @@
           <p:cNvPr id="2" name="Slide Image Placeholder 1">
             <a:extLst>
               <a:ext uri="{FF2B5EF4-FFF2-40B4-BE49-F238E27FC236}">
-                <a16:creationId xmlns:a16="http://schemas.microsoft.com/office/drawing/2014/main" id="{CD8FE124-77A1-392D-3BD2-22920136F18C}"/>
+                <a16:creationId xmlns:a16="http://schemas.microsoft.com/office/drawing/2014/main" id="{7C9440A1-6852-0DFD-3686-F42D2FCDB35C}"/>
               </a:ext>
             </a:extLst>
           </p:cNvPr>
@@ -5136,7 +5128,7 @@
           <p:cNvPr id="3" name="Notes Placeholder 2">
             <a:extLst>
               <a:ext uri="{FF2B5EF4-FFF2-40B4-BE49-F238E27FC236}">
-                <a16:creationId xmlns:a16="http://schemas.microsoft.com/office/drawing/2014/main" id="{A4A0A34E-03D9-D924-E2D2-739600F39871}"/>
+                <a16:creationId xmlns:a16="http://schemas.microsoft.com/office/drawing/2014/main" id="{D04974E5-CC8D-7601-1D42-180DC8ECEE67}"/>
               </a:ext>
             </a:extLst>
           </p:cNvPr>
@@ -5165,7 +5157,7 @@
           <p:cNvPr id="4" name="Slide Number Placeholder 3">
             <a:extLst>
               <a:ext uri="{FF2B5EF4-FFF2-40B4-BE49-F238E27FC236}">
-                <a16:creationId xmlns:a16="http://schemas.microsoft.com/office/drawing/2014/main" id="{DD62DDD0-D968-21C8-9F77-F5CE2AAE962D}"/>
+                <a16:creationId xmlns:a16="http://schemas.microsoft.com/office/drawing/2014/main" id="{DE208656-1326-9511-7F5D-40ABC398F406}"/>
               </a:ext>
             </a:extLst>
           </p:cNvPr>
@@ -5192,7 +5184,7 @@
     </p:spTree>
     <p:extLst>
       <p:ext uri="{BB962C8B-B14F-4D97-AF65-F5344CB8AC3E}">
-        <p14:creationId xmlns:p14="http://schemas.microsoft.com/office/powerpoint/2010/main" val="3575792965"/>
+        <p14:creationId xmlns:p14="http://schemas.microsoft.com/office/powerpoint/2010/main" val="848045704"/>
       </p:ext>
     </p:extLst>
   </p:cSld>
@@ -5210,7 +5202,7 @@
         <p:cNvPr id="1" name="">
           <a:extLst>
             <a:ext uri="{FF2B5EF4-FFF2-40B4-BE49-F238E27FC236}">
-              <a16:creationId xmlns:a16="http://schemas.microsoft.com/office/drawing/2014/main" id="{A56BD0F2-3AD6-9376-4644-413440B4A2FF}"/>
+              <a16:creationId xmlns:a16="http://schemas.microsoft.com/office/drawing/2014/main" id="{CDDBE8E3-5FA2-2C1F-AA05-12023652AEC5}"/>
             </a:ext>
           </a:extLst>
         </p:cNvPr>
@@ -5230,7 +5222,7 @@
           <p:cNvPr id="2" name="Slide Image Placeholder 1">
             <a:extLst>
               <a:ext uri="{FF2B5EF4-FFF2-40B4-BE49-F238E27FC236}">
-                <a16:creationId xmlns:a16="http://schemas.microsoft.com/office/drawing/2014/main" id="{E08AA044-ACE1-B505-D36A-76A88C061702}"/>
+                <a16:creationId xmlns:a16="http://schemas.microsoft.com/office/drawing/2014/main" id="{11BA875B-C753-3F49-7938-53A8B8F643C5}"/>
               </a:ext>
             </a:extLst>
           </p:cNvPr>
@@ -5248,7 +5240,7 @@
           <p:cNvPr id="3" name="Notes Placeholder 2">
             <a:extLst>
               <a:ext uri="{FF2B5EF4-FFF2-40B4-BE49-F238E27FC236}">
-                <a16:creationId xmlns:a16="http://schemas.microsoft.com/office/drawing/2014/main" id="{C61A001E-C34E-A323-F4BD-E41DDBF4F71F}"/>
+                <a16:creationId xmlns:a16="http://schemas.microsoft.com/office/drawing/2014/main" id="{1AA4C305-AAE5-4A3D-DF98-B9B4F90A33CF}"/>
               </a:ext>
             </a:extLst>
           </p:cNvPr>
@@ -5277,7 +5269,7 @@
           <p:cNvPr id="4" name="Slide Number Placeholder 3">
             <a:extLst>
               <a:ext uri="{FF2B5EF4-FFF2-40B4-BE49-F238E27FC236}">
-                <a16:creationId xmlns:a16="http://schemas.microsoft.com/office/drawing/2014/main" id="{FBC284CC-DBB0-1BCE-C8B0-4D8CF24AA323}"/>
+                <a16:creationId xmlns:a16="http://schemas.microsoft.com/office/drawing/2014/main" id="{761BDBEC-4EDA-9C5F-2C0F-BB5550771E33}"/>
               </a:ext>
             </a:extLst>
           </p:cNvPr>
@@ -5304,7 +5296,7 @@
     </p:spTree>
     <p:extLst>
       <p:ext uri="{BB962C8B-B14F-4D97-AF65-F5344CB8AC3E}">
-        <p14:creationId xmlns:p14="http://schemas.microsoft.com/office/powerpoint/2010/main" val="2938222398"/>
+        <p14:creationId xmlns:p14="http://schemas.microsoft.com/office/powerpoint/2010/main" val="2430937418"/>
       </p:ext>
     </p:extLst>
   </p:cSld>
@@ -5322,7 +5314,7 @@
         <p:cNvPr id="1" name="">
           <a:extLst>
             <a:ext uri="{FF2B5EF4-FFF2-40B4-BE49-F238E27FC236}">
-              <a16:creationId xmlns:a16="http://schemas.microsoft.com/office/drawing/2014/main" id="{6CCEAF03-309A-143F-65A2-6B8AC0E11AB2}"/>
+              <a16:creationId xmlns:a16="http://schemas.microsoft.com/office/drawing/2014/main" id="{B1439866-C197-92F6-8C7A-3CFD1AB81435}"/>
             </a:ext>
           </a:extLst>
         </p:cNvPr>
@@ -5342,7 +5334,7 @@
           <p:cNvPr id="2" name="Slide Image Placeholder 1">
             <a:extLst>
               <a:ext uri="{FF2B5EF4-FFF2-40B4-BE49-F238E27FC236}">
-                <a16:creationId xmlns:a16="http://schemas.microsoft.com/office/drawing/2014/main" id="{EEE66ADB-9DE2-56FC-8568-F2F66C700DA6}"/>
+                <a16:creationId xmlns:a16="http://schemas.microsoft.com/office/drawing/2014/main" id="{F5BDBB96-5506-E604-AC64-53BA1824AC78}"/>
               </a:ext>
             </a:extLst>
           </p:cNvPr>
@@ -5360,7 +5352,7 @@
           <p:cNvPr id="3" name="Notes Placeholder 2">
             <a:extLst>
               <a:ext uri="{FF2B5EF4-FFF2-40B4-BE49-F238E27FC236}">
-                <a16:creationId xmlns:a16="http://schemas.microsoft.com/office/drawing/2014/main" id="{AA9444EC-D368-89F5-B4DE-D0D2BC198A16}"/>
+                <a16:creationId xmlns:a16="http://schemas.microsoft.com/office/drawing/2014/main" id="{F290B17D-C9AC-8ACB-4BC3-B9BFC26AAEBE}"/>
               </a:ext>
             </a:extLst>
           </p:cNvPr>
@@ -5389,7 +5381,7 @@
           <p:cNvPr id="4" name="Slide Number Placeholder 3">
             <a:extLst>
               <a:ext uri="{FF2B5EF4-FFF2-40B4-BE49-F238E27FC236}">
-                <a16:creationId xmlns:a16="http://schemas.microsoft.com/office/drawing/2014/main" id="{B0B7476D-B41E-EAFC-4544-814538693062}"/>
+                <a16:creationId xmlns:a16="http://schemas.microsoft.com/office/drawing/2014/main" id="{42967643-D243-AC4E-44F3-4D337913F15F}"/>
               </a:ext>
             </a:extLst>
           </p:cNvPr>
@@ -5416,7 +5408,7 @@
     </p:spTree>
     <p:extLst>
       <p:ext uri="{BB962C8B-B14F-4D97-AF65-F5344CB8AC3E}">
-        <p14:creationId xmlns:p14="http://schemas.microsoft.com/office/powerpoint/2010/main" val="3866001296"/>
+        <p14:creationId xmlns:p14="http://schemas.microsoft.com/office/powerpoint/2010/main" val="1136241409"/>
       </p:ext>
     </p:extLst>
   </p:cSld>
@@ -5434,7 +5426,7 @@
         <p:cNvPr id="1" name="">
           <a:extLst>
             <a:ext uri="{FF2B5EF4-FFF2-40B4-BE49-F238E27FC236}">
-              <a16:creationId xmlns:a16="http://schemas.microsoft.com/office/drawing/2014/main" id="{16E5087E-6FB1-11CE-3600-2C94A57EF324}"/>
+              <a16:creationId xmlns:a16="http://schemas.microsoft.com/office/drawing/2014/main" id="{771563B2-20B9-BD31-CBAC-B31E78298839}"/>
             </a:ext>
           </a:extLst>
         </p:cNvPr>
@@ -5454,7 +5446,7 @@
           <p:cNvPr id="2" name="Slide Image Placeholder 1">
             <a:extLst>
               <a:ext uri="{FF2B5EF4-FFF2-40B4-BE49-F238E27FC236}">
-                <a16:creationId xmlns:a16="http://schemas.microsoft.com/office/drawing/2014/main" id="{76EFD4D0-2EDF-FB2A-EA90-F15B0B53BF6F}"/>
+                <a16:creationId xmlns:a16="http://schemas.microsoft.com/office/drawing/2014/main" id="{4D10EE09-7DFE-89D7-243E-23173E93D14C}"/>
               </a:ext>
             </a:extLst>
           </p:cNvPr>
@@ -5472,7 +5464,7 @@
           <p:cNvPr id="3" name="Notes Placeholder 2">
             <a:extLst>
               <a:ext uri="{FF2B5EF4-FFF2-40B4-BE49-F238E27FC236}">
-                <a16:creationId xmlns:a16="http://schemas.microsoft.com/office/drawing/2014/main" id="{9AFE805B-B6F8-124C-BD1B-25EA96A156DC}"/>
+                <a16:creationId xmlns:a16="http://schemas.microsoft.com/office/drawing/2014/main" id="{EB18CBDA-3FE6-E368-073D-ED990D585269}"/>
               </a:ext>
             </a:extLst>
           </p:cNvPr>
@@ -5501,7 +5493,7 @@
           <p:cNvPr id="4" name="Slide Number Placeholder 3">
             <a:extLst>
               <a:ext uri="{FF2B5EF4-FFF2-40B4-BE49-F238E27FC236}">
-                <a16:creationId xmlns:a16="http://schemas.microsoft.com/office/drawing/2014/main" id="{1D41DC55-494C-D590-C19D-373B429EC68B}"/>
+                <a16:creationId xmlns:a16="http://schemas.microsoft.com/office/drawing/2014/main" id="{8980516D-A4E1-322B-CE1F-C6A53752377E}"/>
               </a:ext>
             </a:extLst>
           </p:cNvPr>
@@ -5528,7 +5520,7 @@
     </p:spTree>
     <p:extLst>
       <p:ext uri="{BB962C8B-B14F-4D97-AF65-F5344CB8AC3E}">
-        <p14:creationId xmlns:p14="http://schemas.microsoft.com/office/powerpoint/2010/main" val="215833640"/>
+        <p14:creationId xmlns:p14="http://schemas.microsoft.com/office/powerpoint/2010/main" val="2035172802"/>
       </p:ext>
     </p:extLst>
   </p:cSld>
@@ -5546,7 +5538,7 @@
         <p:cNvPr id="1" name="">
           <a:extLst>
             <a:ext uri="{FF2B5EF4-FFF2-40B4-BE49-F238E27FC236}">
-              <a16:creationId xmlns:a16="http://schemas.microsoft.com/office/drawing/2014/main" id="{0141D02B-EAB8-F684-6778-297A277DF493}"/>
+              <a16:creationId xmlns:a16="http://schemas.microsoft.com/office/drawing/2014/main" id="{083D4BF3-4080-EDD9-EE27-B52105B5BEF9}"/>
             </a:ext>
           </a:extLst>
         </p:cNvPr>
@@ -5566,7 +5558,7 @@
           <p:cNvPr id="2" name="Slide Image Placeholder 1">
             <a:extLst>
               <a:ext uri="{FF2B5EF4-FFF2-40B4-BE49-F238E27FC236}">
-                <a16:creationId xmlns:a16="http://schemas.microsoft.com/office/drawing/2014/main" id="{F832F6AD-BA09-6F15-113C-736D0B559F1B}"/>
+                <a16:creationId xmlns:a16="http://schemas.microsoft.com/office/drawing/2014/main" id="{2465E745-D8D5-C4C0-EB9C-BB346E690D42}"/>
               </a:ext>
             </a:extLst>
           </p:cNvPr>
@@ -5584,7 +5576,7 @@
           <p:cNvPr id="3" name="Notes Placeholder 2">
             <a:extLst>
               <a:ext uri="{FF2B5EF4-FFF2-40B4-BE49-F238E27FC236}">
-                <a16:creationId xmlns:a16="http://schemas.microsoft.com/office/drawing/2014/main" id="{B7105F4A-3A52-5CED-DA82-E6D4F4AF683D}"/>
+                <a16:creationId xmlns:a16="http://schemas.microsoft.com/office/drawing/2014/main" id="{9D333224-4F40-37F2-AE31-87210A6B60B1}"/>
               </a:ext>
             </a:extLst>
           </p:cNvPr>
@@ -5613,7 +5605,7 @@
           <p:cNvPr id="4" name="Slide Number Placeholder 3">
             <a:extLst>
               <a:ext uri="{FF2B5EF4-FFF2-40B4-BE49-F238E27FC236}">
-                <a16:creationId xmlns:a16="http://schemas.microsoft.com/office/drawing/2014/main" id="{58E5F304-A34A-6403-D5BE-D7AEEA48DC7D}"/>
+                <a16:creationId xmlns:a16="http://schemas.microsoft.com/office/drawing/2014/main" id="{020E441C-45DF-59E4-AD68-EF2704D13B58}"/>
               </a:ext>
             </a:extLst>
           </p:cNvPr>
@@ -5640,7 +5632,7 @@
     </p:spTree>
     <p:extLst>
       <p:ext uri="{BB962C8B-B14F-4D97-AF65-F5344CB8AC3E}">
-        <p14:creationId xmlns:p14="http://schemas.microsoft.com/office/powerpoint/2010/main" val="2506974472"/>
+        <p14:creationId xmlns:p14="http://schemas.microsoft.com/office/powerpoint/2010/main" val="4130985927"/>
       </p:ext>
     </p:extLst>
   </p:cSld>
@@ -5658,7 +5650,7 @@
         <p:cNvPr id="1" name="">
           <a:extLst>
             <a:ext uri="{FF2B5EF4-FFF2-40B4-BE49-F238E27FC236}">
-              <a16:creationId xmlns:a16="http://schemas.microsoft.com/office/drawing/2014/main" id="{BE66A984-9A22-CA46-9C46-5EABAD833543}"/>
+              <a16:creationId xmlns:a16="http://schemas.microsoft.com/office/drawing/2014/main" id="{449BF435-5336-4648-00FE-C7747C0B18F6}"/>
             </a:ext>
           </a:extLst>
         </p:cNvPr>
@@ -5678,7 +5670,7 @@
           <p:cNvPr id="2" name="Slide Image Placeholder 1">
             <a:extLst>
               <a:ext uri="{FF2B5EF4-FFF2-40B4-BE49-F238E27FC236}">
-                <a16:creationId xmlns:a16="http://schemas.microsoft.com/office/drawing/2014/main" id="{A6A2A42A-2D24-DE04-230F-B4828192FCA1}"/>
+                <a16:creationId xmlns:a16="http://schemas.microsoft.com/office/drawing/2014/main" id="{DAA2BCC8-C0D1-D009-C753-E702AA670E00}"/>
               </a:ext>
             </a:extLst>
           </p:cNvPr>
@@ -5696,7 +5688,7 @@
           <p:cNvPr id="3" name="Notes Placeholder 2">
             <a:extLst>
               <a:ext uri="{FF2B5EF4-FFF2-40B4-BE49-F238E27FC236}">
-                <a16:creationId xmlns:a16="http://schemas.microsoft.com/office/drawing/2014/main" id="{01F7E844-CEBD-2A5D-3B3E-953363B53A22}"/>
+                <a16:creationId xmlns:a16="http://schemas.microsoft.com/office/drawing/2014/main" id="{B8762C12-E5F6-8464-24B9-1F58EE6655FB}"/>
               </a:ext>
             </a:extLst>
           </p:cNvPr>
@@ -5725,7 +5717,7 @@
           <p:cNvPr id="4" name="Slide Number Placeholder 3">
             <a:extLst>
               <a:ext uri="{FF2B5EF4-FFF2-40B4-BE49-F238E27FC236}">
-                <a16:creationId xmlns:a16="http://schemas.microsoft.com/office/drawing/2014/main" id="{9B454254-6CD4-18D2-5EF3-7A845BE1EDCD}"/>
+                <a16:creationId xmlns:a16="http://schemas.microsoft.com/office/drawing/2014/main" id="{18166A22-3E9E-758D-9A3F-777EBD29CFB0}"/>
               </a:ext>
             </a:extLst>
           </p:cNvPr>
@@ -5752,7 +5744,7 @@
     </p:spTree>
     <p:extLst>
       <p:ext uri="{BB962C8B-B14F-4D97-AF65-F5344CB8AC3E}">
-        <p14:creationId xmlns:p14="http://schemas.microsoft.com/office/powerpoint/2010/main" val="4165547613"/>
+        <p14:creationId xmlns:p14="http://schemas.microsoft.com/office/powerpoint/2010/main" val="3230847035"/>
       </p:ext>
     </p:extLst>
   </p:cSld>
@@ -5770,7 +5762,7 @@
         <p:cNvPr id="1" name="">
           <a:extLst>
             <a:ext uri="{FF2B5EF4-FFF2-40B4-BE49-F238E27FC236}">
-              <a16:creationId xmlns:a16="http://schemas.microsoft.com/office/drawing/2014/main" id="{3B669AB9-E9E5-277C-573C-85DD89D79D24}"/>
+              <a16:creationId xmlns:a16="http://schemas.microsoft.com/office/drawing/2014/main" id="{DE61A87C-0DFE-E64C-7497-2BA68F8D5A30}"/>
             </a:ext>
           </a:extLst>
         </p:cNvPr>
@@ -5790,7 +5782,7 @@
           <p:cNvPr id="2" name="Slide Image Placeholder 1">
             <a:extLst>
               <a:ext uri="{FF2B5EF4-FFF2-40B4-BE49-F238E27FC236}">
-                <a16:creationId xmlns:a16="http://schemas.microsoft.com/office/drawing/2014/main" id="{14B76E6A-E7DA-54D7-E975-8CEEF6A21A7E}"/>
+                <a16:creationId xmlns:a16="http://schemas.microsoft.com/office/drawing/2014/main" id="{10F82585-631E-F704-73E0-1F7E62494B33}"/>
               </a:ext>
             </a:extLst>
           </p:cNvPr>
@@ -5808,7 +5800,7 @@
           <p:cNvPr id="3" name="Notes Placeholder 2">
             <a:extLst>
               <a:ext uri="{FF2B5EF4-FFF2-40B4-BE49-F238E27FC236}">
-                <a16:creationId xmlns:a16="http://schemas.microsoft.com/office/drawing/2014/main" id="{564A2FF2-567B-20B9-9D0D-947CA792FFA8}"/>
+                <a16:creationId xmlns:a16="http://schemas.microsoft.com/office/drawing/2014/main" id="{3D1E520F-75A1-C3E4-8B37-CB153E6F2F95}"/>
               </a:ext>
             </a:extLst>
           </p:cNvPr>
@@ -5837,7 +5829,7 @@
           <p:cNvPr id="4" name="Slide Number Placeholder 3">
             <a:extLst>
               <a:ext uri="{FF2B5EF4-FFF2-40B4-BE49-F238E27FC236}">
-                <a16:creationId xmlns:a16="http://schemas.microsoft.com/office/drawing/2014/main" id="{A48E94CA-3092-649A-FAD3-68A0261530EA}"/>
+                <a16:creationId xmlns:a16="http://schemas.microsoft.com/office/drawing/2014/main" id="{1B795597-0E3C-6665-5C9A-BFA4E7D29D2A}"/>
               </a:ext>
             </a:extLst>
           </p:cNvPr>
@@ -5864,7 +5856,7 @@
     </p:spTree>
     <p:extLst>
       <p:ext uri="{BB962C8B-B14F-4D97-AF65-F5344CB8AC3E}">
-        <p14:creationId xmlns:p14="http://schemas.microsoft.com/office/powerpoint/2010/main" val="1655760601"/>
+        <p14:creationId xmlns:p14="http://schemas.microsoft.com/office/powerpoint/2010/main" val="828677663"/>
       </p:ext>
     </p:extLst>
   </p:cSld>
@@ -5882,7 +5874,7 @@
         <p:cNvPr id="1" name="">
           <a:extLst>
             <a:ext uri="{FF2B5EF4-FFF2-40B4-BE49-F238E27FC236}">
-              <a16:creationId xmlns:a16="http://schemas.microsoft.com/office/drawing/2014/main" id="{ECE3CD60-3828-6DDE-7F5B-4F7D81DC1004}"/>
+              <a16:creationId xmlns:a16="http://schemas.microsoft.com/office/drawing/2014/main" id="{27A10D66-65F1-F8DE-F7FD-D5F151CF4E6C}"/>
             </a:ext>
           </a:extLst>
         </p:cNvPr>
@@ -5902,7 +5894,7 @@
           <p:cNvPr id="2" name="Slide Image Placeholder 1">
             <a:extLst>
               <a:ext uri="{FF2B5EF4-FFF2-40B4-BE49-F238E27FC236}">
-                <a16:creationId xmlns:a16="http://schemas.microsoft.com/office/drawing/2014/main" id="{8688C0C4-37D9-CB38-F46E-1FB6482D26C5}"/>
+                <a16:creationId xmlns:a16="http://schemas.microsoft.com/office/drawing/2014/main" id="{FD2DC508-053F-B2FF-7B8C-7F094387C9CB}"/>
               </a:ext>
             </a:extLst>
           </p:cNvPr>
@@ -5920,7 +5912,7 @@
           <p:cNvPr id="3" name="Notes Placeholder 2">
             <a:extLst>
               <a:ext uri="{FF2B5EF4-FFF2-40B4-BE49-F238E27FC236}">
-                <a16:creationId xmlns:a16="http://schemas.microsoft.com/office/drawing/2014/main" id="{04753BC3-DAF0-8931-F894-D8326C5EC264}"/>
+                <a16:creationId xmlns:a16="http://schemas.microsoft.com/office/drawing/2014/main" id="{AEF03793-FE7C-6AE9-1436-2354814A6949}"/>
               </a:ext>
             </a:extLst>
           </p:cNvPr>
@@ -5949,7 +5941,7 @@
           <p:cNvPr id="4" name="Slide Number Placeholder 3">
             <a:extLst>
               <a:ext uri="{FF2B5EF4-FFF2-40B4-BE49-F238E27FC236}">
-                <a16:creationId xmlns:a16="http://schemas.microsoft.com/office/drawing/2014/main" id="{BD5E4118-EAA9-3BB4-71A8-B0082050DFE0}"/>
+                <a16:creationId xmlns:a16="http://schemas.microsoft.com/office/drawing/2014/main" id="{12A418C4-E3A2-778B-3EBD-57EAA467A9CA}"/>
               </a:ext>
             </a:extLst>
           </p:cNvPr>
@@ -5976,7 +5968,7 @@
     </p:spTree>
     <p:extLst>
       <p:ext uri="{BB962C8B-B14F-4D97-AF65-F5344CB8AC3E}">
-        <p14:creationId xmlns:p14="http://schemas.microsoft.com/office/powerpoint/2010/main" val="3646190413"/>
+        <p14:creationId xmlns:p14="http://schemas.microsoft.com/office/powerpoint/2010/main" val="2978622385"/>
       </p:ext>
     </p:extLst>
   </p:cSld>
@@ -5994,7 +5986,7 @@
         <p:cNvPr id="1" name="">
           <a:extLst>
             <a:ext uri="{FF2B5EF4-FFF2-40B4-BE49-F238E27FC236}">
-              <a16:creationId xmlns:a16="http://schemas.microsoft.com/office/drawing/2014/main" id="{32E151A0-05BD-4218-B873-EDF564032C88}"/>
+              <a16:creationId xmlns:a16="http://schemas.microsoft.com/office/drawing/2014/main" id="{F6513356-7A89-FA8A-CAC8-E0A48BE8BAB5}"/>
             </a:ext>
           </a:extLst>
         </p:cNvPr>
@@ -6014,7 +6006,7 @@
           <p:cNvPr id="2" name="Slide Image Placeholder 1">
             <a:extLst>
               <a:ext uri="{FF2B5EF4-FFF2-40B4-BE49-F238E27FC236}">
-                <a16:creationId xmlns:a16="http://schemas.microsoft.com/office/drawing/2014/main" id="{0D29E4AD-B255-FE39-2C4C-07BA7C4BDCCC}"/>
+                <a16:creationId xmlns:a16="http://schemas.microsoft.com/office/drawing/2014/main" id="{B9398F9A-FAB8-98E9-8065-FB7B95AE4A02}"/>
               </a:ext>
             </a:extLst>
           </p:cNvPr>
@@ -6032,7 +6024,7 @@
           <p:cNvPr id="3" name="Notes Placeholder 2">
             <a:extLst>
               <a:ext uri="{FF2B5EF4-FFF2-40B4-BE49-F238E27FC236}">
-                <a16:creationId xmlns:a16="http://schemas.microsoft.com/office/drawing/2014/main" id="{AC58D8EA-36FC-2515-308C-B1058F859228}"/>
+                <a16:creationId xmlns:a16="http://schemas.microsoft.com/office/drawing/2014/main" id="{5FD961BB-038A-EB69-04AE-8254CE06604E}"/>
               </a:ext>
             </a:extLst>
           </p:cNvPr>
@@ -6061,7 +6053,7 @@
           <p:cNvPr id="4" name="Slide Number Placeholder 3">
             <a:extLst>
               <a:ext uri="{FF2B5EF4-FFF2-40B4-BE49-F238E27FC236}">
-                <a16:creationId xmlns:a16="http://schemas.microsoft.com/office/drawing/2014/main" id="{89FEF0BF-1D6E-912E-E5C9-564E1FB30F32}"/>
+                <a16:creationId xmlns:a16="http://schemas.microsoft.com/office/drawing/2014/main" id="{1385F50C-7E16-744B-7892-984FBB943EF0}"/>
               </a:ext>
             </a:extLst>
           </p:cNvPr>
@@ -6088,7 +6080,7 @@
     </p:spTree>
     <p:extLst>
       <p:ext uri="{BB962C8B-B14F-4D97-AF65-F5344CB8AC3E}">
-        <p14:creationId xmlns:p14="http://schemas.microsoft.com/office/powerpoint/2010/main" val="2321781702"/>
+        <p14:creationId xmlns:p14="http://schemas.microsoft.com/office/powerpoint/2010/main" val="1313838409"/>
       </p:ext>
     </p:extLst>
   </p:cSld>
@@ -7034,7 +7026,7 @@
         <p:spPr>
           <a:xfrm>
             <a:off x="632460" y="1086679"/>
-            <a:ext cx="8074218" cy="2849218"/>
+            <a:ext cx="8074218" cy="1809423"/>
           </a:xfrm>
           <a:prstGeom prst="rect">
             <a:avLst/>
@@ -7091,8 +7083,8 @@
         </p:nvSpPr>
         <p:spPr>
           <a:xfrm>
-            <a:off x="632460" y="4267201"/>
-            <a:ext cx="8074218" cy="2010664"/>
+            <a:off x="632460" y="3193774"/>
+            <a:ext cx="8074218" cy="3084091"/>
           </a:xfrm>
           <a:prstGeom prst="rect">
             <a:avLst/>
@@ -7304,7 +7296,7 @@
         </p:nvSpPr>
         <p:spPr>
           <a:xfrm>
-            <a:off x="735498" y="4662800"/>
+            <a:off x="735498" y="3602626"/>
             <a:ext cx="7871789" cy="138499"/>
           </a:xfrm>
           <a:prstGeom prst="rect">
@@ -7390,7 +7382,7 @@
         </p:nvSpPr>
         <p:spPr>
           <a:xfrm>
-            <a:off x="735498" y="4372668"/>
+            <a:off x="735498" y="3312494"/>
             <a:ext cx="3081128" cy="184666"/>
           </a:xfrm>
           <a:prstGeom prst="rect">
@@ -7448,7 +7440,7 @@
         <p:cNvPr id="1" name="">
           <a:extLst>
             <a:ext uri="{FF2B5EF4-FFF2-40B4-BE49-F238E27FC236}">
-              <a16:creationId xmlns:a16="http://schemas.microsoft.com/office/drawing/2014/main" id="{74D6D6CD-8950-B264-A881-F114E0B26EDB}"/>
+              <a16:creationId xmlns:a16="http://schemas.microsoft.com/office/drawing/2014/main" id="{A51B6498-372F-CBC2-2028-82AA796443C3}"/>
             </a:ext>
           </a:extLst>
         </p:cNvPr>
@@ -7468,7 +7460,7 @@
           <p:cNvPr id="7" name="Title 6">
             <a:extLst>
               <a:ext uri="{FF2B5EF4-FFF2-40B4-BE49-F238E27FC236}">
-                <a16:creationId xmlns:a16="http://schemas.microsoft.com/office/drawing/2014/main" id="{51A10B27-8C2B-ECF6-6A0B-4E7AA6943E88}"/>
+                <a16:creationId xmlns:a16="http://schemas.microsoft.com/office/drawing/2014/main" id="{FBC3727C-9418-EB9B-EE41-C733D53DFE1F}"/>
               </a:ext>
             </a:extLst>
           </p:cNvPr>
@@ -7507,7 +7499,7 @@
           <p:cNvPr id="4" name="Rectangle 3">
             <a:extLst>
               <a:ext uri="{FF2B5EF4-FFF2-40B4-BE49-F238E27FC236}">
-                <a16:creationId xmlns:a16="http://schemas.microsoft.com/office/drawing/2014/main" id="{E5B6B54E-F0BA-EC76-D12C-55E0D7D6A491}"/>
+                <a16:creationId xmlns:a16="http://schemas.microsoft.com/office/drawing/2014/main" id="{94B5BD78-F29B-4884-0865-83F607CF4AD9}"/>
               </a:ext>
             </a:extLst>
           </p:cNvPr>
@@ -7517,7 +7509,7 @@
         <p:spPr>
           <a:xfrm>
             <a:off x="632460" y="1086679"/>
-            <a:ext cx="8074218" cy="2849218"/>
+            <a:ext cx="8074218" cy="1809423"/>
           </a:xfrm>
           <a:prstGeom prst="rect">
             <a:avLst/>
@@ -7565,7 +7557,7 @@
           <p:cNvPr id="5" name="Rectangle 4">
             <a:extLst>
               <a:ext uri="{FF2B5EF4-FFF2-40B4-BE49-F238E27FC236}">
-                <a16:creationId xmlns:a16="http://schemas.microsoft.com/office/drawing/2014/main" id="{77D117FF-DBEF-9E33-1904-48CA26DEF82D}"/>
+                <a16:creationId xmlns:a16="http://schemas.microsoft.com/office/drawing/2014/main" id="{FB11F444-2B27-D6A3-F32F-DB50C87B0F9E}"/>
               </a:ext>
             </a:extLst>
           </p:cNvPr>
@@ -7574,8 +7566,8 @@
         </p:nvSpPr>
         <p:spPr>
           <a:xfrm>
-            <a:off x="632460" y="4267201"/>
-            <a:ext cx="8074218" cy="2010664"/>
+            <a:off x="632460" y="3193774"/>
+            <a:ext cx="8074218" cy="3084091"/>
           </a:xfrm>
           <a:prstGeom prst="rect">
             <a:avLst/>
@@ -7632,7 +7624,7 @@
           <p:cNvPr id="6" name="Rectangle 5">
             <a:extLst>
               <a:ext uri="{FF2B5EF4-FFF2-40B4-BE49-F238E27FC236}">
-                <a16:creationId xmlns:a16="http://schemas.microsoft.com/office/drawing/2014/main" id="{C500424B-E717-0C7F-200E-785AA8624FF6}"/>
+                <a16:creationId xmlns:a16="http://schemas.microsoft.com/office/drawing/2014/main" id="{C5976EF9-C307-6D42-DE24-0A401F72D5E8}"/>
               </a:ext>
             </a:extLst>
           </p:cNvPr>
@@ -7690,7 +7682,7 @@
           <p:cNvPr id="12" name="TextBox 11">
             <a:extLst>
               <a:ext uri="{FF2B5EF4-FFF2-40B4-BE49-F238E27FC236}">
-                <a16:creationId xmlns:a16="http://schemas.microsoft.com/office/drawing/2014/main" id="{22318442-A3AF-D930-CC3F-999ACE82FF6C}"/>
+                <a16:creationId xmlns:a16="http://schemas.microsoft.com/office/drawing/2014/main" id="{59198B47-335F-1E0B-0D0E-ED445029FE82}"/>
               </a:ext>
             </a:extLst>
           </p:cNvPr>
@@ -7734,7 +7726,7 @@
           <p:cNvPr id="13" name="TextBox 12">
             <a:extLst>
               <a:ext uri="{FF2B5EF4-FFF2-40B4-BE49-F238E27FC236}">
-                <a16:creationId xmlns:a16="http://schemas.microsoft.com/office/drawing/2014/main" id="{92436674-5C5F-F74A-D6FF-52788907028D}"/>
+                <a16:creationId xmlns:a16="http://schemas.microsoft.com/office/drawing/2014/main" id="{A5DF8EF5-7DD9-1402-4A93-43BEE5B65807}"/>
               </a:ext>
             </a:extLst>
           </p:cNvPr>
@@ -7778,7 +7770,7 @@
           <p:cNvPr id="14" name="TextBox 13">
             <a:extLst>
               <a:ext uri="{FF2B5EF4-FFF2-40B4-BE49-F238E27FC236}">
-                <a16:creationId xmlns:a16="http://schemas.microsoft.com/office/drawing/2014/main" id="{084DAA4C-DD15-79EA-2DF5-5C30133CFEAA}"/>
+                <a16:creationId xmlns:a16="http://schemas.microsoft.com/office/drawing/2014/main" id="{6507F33C-3CD5-D3AE-A03F-4464580958FD}"/>
               </a:ext>
             </a:extLst>
           </p:cNvPr>
@@ -7787,7 +7779,7 @@
         </p:nvSpPr>
         <p:spPr>
           <a:xfrm>
-            <a:off x="735498" y="4662800"/>
+            <a:off x="735498" y="3602626"/>
             <a:ext cx="7871789" cy="138499"/>
           </a:xfrm>
           <a:prstGeom prst="rect">
@@ -7825,7 +7817,7 @@
           <p:cNvPr id="15" name="TextBox 14">
             <a:extLst>
               <a:ext uri="{FF2B5EF4-FFF2-40B4-BE49-F238E27FC236}">
-                <a16:creationId xmlns:a16="http://schemas.microsoft.com/office/drawing/2014/main" id="{C671BC80-31F1-C1D4-3C87-2EFBA97D33AF}"/>
+                <a16:creationId xmlns:a16="http://schemas.microsoft.com/office/drawing/2014/main" id="{BD0133B3-008B-DC0B-A8BB-4A04B66F322C}"/>
               </a:ext>
             </a:extLst>
           </p:cNvPr>
@@ -7864,7 +7856,7 @@
           <p:cNvPr id="16" name="TextBox 15">
             <a:extLst>
               <a:ext uri="{FF2B5EF4-FFF2-40B4-BE49-F238E27FC236}">
-                <a16:creationId xmlns:a16="http://schemas.microsoft.com/office/drawing/2014/main" id="{7E7E4B7D-7D3B-1A9E-4A5B-A6CB8C16166A}"/>
+                <a16:creationId xmlns:a16="http://schemas.microsoft.com/office/drawing/2014/main" id="{57EEAE3B-A4EE-3AE4-1FA6-59BA59C4F52A}"/>
               </a:ext>
             </a:extLst>
           </p:cNvPr>
@@ -7873,7 +7865,7 @@
         </p:nvSpPr>
         <p:spPr>
           <a:xfrm>
-            <a:off x="735498" y="4372668"/>
+            <a:off x="735498" y="3312494"/>
             <a:ext cx="3081128" cy="184666"/>
           </a:xfrm>
           <a:prstGeom prst="rect">
@@ -7901,7 +7893,7 @@
     </p:spTree>
     <p:extLst>
       <p:ext uri="{BB962C8B-B14F-4D97-AF65-F5344CB8AC3E}">
-        <p14:creationId xmlns:p14="http://schemas.microsoft.com/office/powerpoint/2010/main" val="4082736082"/>
+        <p14:creationId xmlns:p14="http://schemas.microsoft.com/office/powerpoint/2010/main" val="1654003915"/>
       </p:ext>
     </p:extLst>
   </p:cSld>
@@ -7931,7 +7923,7 @@
         <p:cNvPr id="1" name="">
           <a:extLst>
             <a:ext uri="{FF2B5EF4-FFF2-40B4-BE49-F238E27FC236}">
-              <a16:creationId xmlns:a16="http://schemas.microsoft.com/office/drawing/2014/main" id="{D42AFD9A-E9D8-9B25-B52F-C388FF524BF7}"/>
+              <a16:creationId xmlns:a16="http://schemas.microsoft.com/office/drawing/2014/main" id="{CF561FDE-9440-E972-D1BB-0AAD91E11219}"/>
             </a:ext>
           </a:extLst>
         </p:cNvPr>
@@ -7951,7 +7943,7 @@
           <p:cNvPr id="7" name="Title 6">
             <a:extLst>
               <a:ext uri="{FF2B5EF4-FFF2-40B4-BE49-F238E27FC236}">
-                <a16:creationId xmlns:a16="http://schemas.microsoft.com/office/drawing/2014/main" id="{ED857A48-3CC6-DF94-ACE1-B1A58D81A548}"/>
+                <a16:creationId xmlns:a16="http://schemas.microsoft.com/office/drawing/2014/main" id="{8827D36B-AAE1-1AF2-AABC-01B2D81E11B7}"/>
               </a:ext>
             </a:extLst>
           </p:cNvPr>
@@ -7990,7 +7982,7 @@
           <p:cNvPr id="4" name="Rectangle 3">
             <a:extLst>
               <a:ext uri="{FF2B5EF4-FFF2-40B4-BE49-F238E27FC236}">
-                <a16:creationId xmlns:a16="http://schemas.microsoft.com/office/drawing/2014/main" id="{90D3AC6C-A58A-B967-B67D-B4B0756BD278}"/>
+                <a16:creationId xmlns:a16="http://schemas.microsoft.com/office/drawing/2014/main" id="{42EC3622-1CEB-E910-BE54-BD3D49DDE600}"/>
               </a:ext>
             </a:extLst>
           </p:cNvPr>
@@ -8000,7 +7992,7 @@
         <p:spPr>
           <a:xfrm>
             <a:off x="632460" y="1086679"/>
-            <a:ext cx="8074218" cy="2849218"/>
+            <a:ext cx="8074218" cy="1809423"/>
           </a:xfrm>
           <a:prstGeom prst="rect">
             <a:avLst/>
@@ -8048,7 +8040,7 @@
           <p:cNvPr id="5" name="Rectangle 4">
             <a:extLst>
               <a:ext uri="{FF2B5EF4-FFF2-40B4-BE49-F238E27FC236}">
-                <a16:creationId xmlns:a16="http://schemas.microsoft.com/office/drawing/2014/main" id="{B21E93B8-7FEB-FA40-0550-B34201B1C78D}"/>
+                <a16:creationId xmlns:a16="http://schemas.microsoft.com/office/drawing/2014/main" id="{022B6607-83F6-D73A-0D8D-C63966B691BD}"/>
               </a:ext>
             </a:extLst>
           </p:cNvPr>
@@ -8057,8 +8049,8 @@
         </p:nvSpPr>
         <p:spPr>
           <a:xfrm>
-            <a:off x="632460" y="4267201"/>
-            <a:ext cx="8074218" cy="2010664"/>
+            <a:off x="632460" y="3193774"/>
+            <a:ext cx="8074218" cy="3084091"/>
           </a:xfrm>
           <a:prstGeom prst="rect">
             <a:avLst/>
@@ -8115,7 +8107,7 @@
           <p:cNvPr id="6" name="Rectangle 5">
             <a:extLst>
               <a:ext uri="{FF2B5EF4-FFF2-40B4-BE49-F238E27FC236}">
-                <a16:creationId xmlns:a16="http://schemas.microsoft.com/office/drawing/2014/main" id="{9AB50F1A-8178-C5E2-0FEF-3B562B5E599C}"/>
+                <a16:creationId xmlns:a16="http://schemas.microsoft.com/office/drawing/2014/main" id="{D9B03A99-FAFC-9DC1-57D2-92733A4578A1}"/>
               </a:ext>
             </a:extLst>
           </p:cNvPr>
@@ -8173,7 +8165,7 @@
           <p:cNvPr id="12" name="TextBox 11">
             <a:extLst>
               <a:ext uri="{FF2B5EF4-FFF2-40B4-BE49-F238E27FC236}">
-                <a16:creationId xmlns:a16="http://schemas.microsoft.com/office/drawing/2014/main" id="{AC73488D-DF8D-22D2-EDE7-74D95E51A768}"/>
+                <a16:creationId xmlns:a16="http://schemas.microsoft.com/office/drawing/2014/main" id="{FBF0EA93-F608-9688-B573-C383D92EE9F3}"/>
               </a:ext>
             </a:extLst>
           </p:cNvPr>
@@ -8217,7 +8209,7 @@
           <p:cNvPr id="13" name="TextBox 12">
             <a:extLst>
               <a:ext uri="{FF2B5EF4-FFF2-40B4-BE49-F238E27FC236}">
-                <a16:creationId xmlns:a16="http://schemas.microsoft.com/office/drawing/2014/main" id="{8897417B-FE69-BF72-C200-64865B5FED73}"/>
+                <a16:creationId xmlns:a16="http://schemas.microsoft.com/office/drawing/2014/main" id="{7A6D8E28-D551-BE4D-6202-FA5109473F0E}"/>
               </a:ext>
             </a:extLst>
           </p:cNvPr>
@@ -8261,7 +8253,7 @@
           <p:cNvPr id="14" name="TextBox 13">
             <a:extLst>
               <a:ext uri="{FF2B5EF4-FFF2-40B4-BE49-F238E27FC236}">
-                <a16:creationId xmlns:a16="http://schemas.microsoft.com/office/drawing/2014/main" id="{7EEBB8AD-1C81-E7F3-6E71-C155B8342B77}"/>
+                <a16:creationId xmlns:a16="http://schemas.microsoft.com/office/drawing/2014/main" id="{4A350168-64C8-5E86-4E52-E6339A7867DE}"/>
               </a:ext>
             </a:extLst>
           </p:cNvPr>
@@ -8270,7 +8262,7 @@
         </p:nvSpPr>
         <p:spPr>
           <a:xfrm>
-            <a:off x="735498" y="4662800"/>
+            <a:off x="735498" y="3602626"/>
             <a:ext cx="7871789" cy="138499"/>
           </a:xfrm>
           <a:prstGeom prst="rect">
@@ -8308,7 +8300,7 @@
           <p:cNvPr id="15" name="TextBox 14">
             <a:extLst>
               <a:ext uri="{FF2B5EF4-FFF2-40B4-BE49-F238E27FC236}">
-                <a16:creationId xmlns:a16="http://schemas.microsoft.com/office/drawing/2014/main" id="{60494479-F7D9-655F-EFF1-8FD306EDAC64}"/>
+                <a16:creationId xmlns:a16="http://schemas.microsoft.com/office/drawing/2014/main" id="{55AFB7A3-CE1D-5555-0860-265CFE576E06}"/>
               </a:ext>
             </a:extLst>
           </p:cNvPr>
@@ -8347,7 +8339,7 @@
           <p:cNvPr id="16" name="TextBox 15">
             <a:extLst>
               <a:ext uri="{FF2B5EF4-FFF2-40B4-BE49-F238E27FC236}">
-                <a16:creationId xmlns:a16="http://schemas.microsoft.com/office/drawing/2014/main" id="{C3D1CA90-F860-5BAF-F961-B0EE682185C3}"/>
+                <a16:creationId xmlns:a16="http://schemas.microsoft.com/office/drawing/2014/main" id="{89CE58F7-59FE-CB09-974D-54739B6EC9DF}"/>
               </a:ext>
             </a:extLst>
           </p:cNvPr>
@@ -8356,7 +8348,7 @@
         </p:nvSpPr>
         <p:spPr>
           <a:xfrm>
-            <a:off x="735498" y="4372668"/>
+            <a:off x="735498" y="3312494"/>
             <a:ext cx="3081128" cy="184666"/>
           </a:xfrm>
           <a:prstGeom prst="rect">
@@ -8384,7 +8376,7 @@
     </p:spTree>
     <p:extLst>
       <p:ext uri="{BB962C8B-B14F-4D97-AF65-F5344CB8AC3E}">
-        <p14:creationId xmlns:p14="http://schemas.microsoft.com/office/powerpoint/2010/main" val="3035077570"/>
+        <p14:creationId xmlns:p14="http://schemas.microsoft.com/office/powerpoint/2010/main" val="1733851878"/>
       </p:ext>
     </p:extLst>
   </p:cSld>
@@ -8414,7 +8406,7 @@
         <p:cNvPr id="1" name="">
           <a:extLst>
             <a:ext uri="{FF2B5EF4-FFF2-40B4-BE49-F238E27FC236}">
-              <a16:creationId xmlns:a16="http://schemas.microsoft.com/office/drawing/2014/main" id="{BC33C08B-3DBA-D0C7-417E-61107BE2988B}"/>
+              <a16:creationId xmlns:a16="http://schemas.microsoft.com/office/drawing/2014/main" id="{807F7175-3228-A2CA-D508-271AD4644DAC}"/>
             </a:ext>
           </a:extLst>
         </p:cNvPr>
@@ -8434,7 +8426,7 @@
           <p:cNvPr id="7" name="Title 6">
             <a:extLst>
               <a:ext uri="{FF2B5EF4-FFF2-40B4-BE49-F238E27FC236}">
-                <a16:creationId xmlns:a16="http://schemas.microsoft.com/office/drawing/2014/main" id="{5854B358-E475-A4A8-CD96-C7B6BBB0C4A2}"/>
+                <a16:creationId xmlns:a16="http://schemas.microsoft.com/office/drawing/2014/main" id="{A2034F23-82D5-C387-8302-C54362988F42}"/>
               </a:ext>
             </a:extLst>
           </p:cNvPr>
@@ -8473,7 +8465,7 @@
           <p:cNvPr id="4" name="Rectangle 3">
             <a:extLst>
               <a:ext uri="{FF2B5EF4-FFF2-40B4-BE49-F238E27FC236}">
-                <a16:creationId xmlns:a16="http://schemas.microsoft.com/office/drawing/2014/main" id="{2FD566E0-DB4A-64BB-1598-C97AC5038AF7}"/>
+                <a16:creationId xmlns:a16="http://schemas.microsoft.com/office/drawing/2014/main" id="{77A7917F-AECE-D142-C0AB-E87F6A68AB7D}"/>
               </a:ext>
             </a:extLst>
           </p:cNvPr>
@@ -8483,7 +8475,7 @@
         <p:spPr>
           <a:xfrm>
             <a:off x="632460" y="1086679"/>
-            <a:ext cx="8074218" cy="2849218"/>
+            <a:ext cx="8074218" cy="1809423"/>
           </a:xfrm>
           <a:prstGeom prst="rect">
             <a:avLst/>
@@ -8531,7 +8523,7 @@
           <p:cNvPr id="5" name="Rectangle 4">
             <a:extLst>
               <a:ext uri="{FF2B5EF4-FFF2-40B4-BE49-F238E27FC236}">
-                <a16:creationId xmlns:a16="http://schemas.microsoft.com/office/drawing/2014/main" id="{009A820C-46BB-75E8-EB0F-C178085D6F8A}"/>
+                <a16:creationId xmlns:a16="http://schemas.microsoft.com/office/drawing/2014/main" id="{327EBF95-252C-420A-40EF-866E1B0DE679}"/>
               </a:ext>
             </a:extLst>
           </p:cNvPr>
@@ -8540,8 +8532,8 @@
         </p:nvSpPr>
         <p:spPr>
           <a:xfrm>
-            <a:off x="632460" y="4267201"/>
-            <a:ext cx="8074218" cy="2010664"/>
+            <a:off x="632460" y="3193774"/>
+            <a:ext cx="8074218" cy="3084091"/>
           </a:xfrm>
           <a:prstGeom prst="rect">
             <a:avLst/>
@@ -8598,7 +8590,7 @@
           <p:cNvPr id="6" name="Rectangle 5">
             <a:extLst>
               <a:ext uri="{FF2B5EF4-FFF2-40B4-BE49-F238E27FC236}">
-                <a16:creationId xmlns:a16="http://schemas.microsoft.com/office/drawing/2014/main" id="{B6FB57E3-C7A8-C025-512F-538467BA8109}"/>
+                <a16:creationId xmlns:a16="http://schemas.microsoft.com/office/drawing/2014/main" id="{FF1F3949-EF23-3838-5A9C-313A807363AA}"/>
               </a:ext>
             </a:extLst>
           </p:cNvPr>
@@ -8656,7 +8648,7 @@
           <p:cNvPr id="12" name="TextBox 11">
             <a:extLst>
               <a:ext uri="{FF2B5EF4-FFF2-40B4-BE49-F238E27FC236}">
-                <a16:creationId xmlns:a16="http://schemas.microsoft.com/office/drawing/2014/main" id="{745C3485-CA59-B529-B681-D200220EDD01}"/>
+                <a16:creationId xmlns:a16="http://schemas.microsoft.com/office/drawing/2014/main" id="{8E09E157-49F5-915C-4293-E5DD3186CFAD}"/>
               </a:ext>
             </a:extLst>
           </p:cNvPr>
@@ -8700,7 +8692,7 @@
           <p:cNvPr id="13" name="TextBox 12">
             <a:extLst>
               <a:ext uri="{FF2B5EF4-FFF2-40B4-BE49-F238E27FC236}">
-                <a16:creationId xmlns:a16="http://schemas.microsoft.com/office/drawing/2014/main" id="{8DA7045D-5381-4DBA-59D0-AFD10CB205EA}"/>
+                <a16:creationId xmlns:a16="http://schemas.microsoft.com/office/drawing/2014/main" id="{DC00AA9C-8B77-B6F7-D4DD-C3CB9CABE968}"/>
               </a:ext>
             </a:extLst>
           </p:cNvPr>
@@ -8744,7 +8736,7 @@
           <p:cNvPr id="14" name="TextBox 13">
             <a:extLst>
               <a:ext uri="{FF2B5EF4-FFF2-40B4-BE49-F238E27FC236}">
-                <a16:creationId xmlns:a16="http://schemas.microsoft.com/office/drawing/2014/main" id="{2472DA76-7952-4E63-8837-35EAAA3A82B6}"/>
+                <a16:creationId xmlns:a16="http://schemas.microsoft.com/office/drawing/2014/main" id="{E579BBA2-5E3D-36ED-EF6D-ACE0A56C7E7F}"/>
               </a:ext>
             </a:extLst>
           </p:cNvPr>
@@ -8753,7 +8745,7 @@
         </p:nvSpPr>
         <p:spPr>
           <a:xfrm>
-            <a:off x="735498" y="4662800"/>
+            <a:off x="735498" y="3602626"/>
             <a:ext cx="7871789" cy="138499"/>
           </a:xfrm>
           <a:prstGeom prst="rect">
@@ -8791,7 +8783,7 @@
           <p:cNvPr id="15" name="TextBox 14">
             <a:extLst>
               <a:ext uri="{FF2B5EF4-FFF2-40B4-BE49-F238E27FC236}">
-                <a16:creationId xmlns:a16="http://schemas.microsoft.com/office/drawing/2014/main" id="{E8C49879-57CC-0A22-5A6E-F764C286AB1B}"/>
+                <a16:creationId xmlns:a16="http://schemas.microsoft.com/office/drawing/2014/main" id="{762721AE-241E-AA00-17E4-903966EB55CF}"/>
               </a:ext>
             </a:extLst>
           </p:cNvPr>
@@ -8830,7 +8822,7 @@
           <p:cNvPr id="16" name="TextBox 15">
             <a:extLst>
               <a:ext uri="{FF2B5EF4-FFF2-40B4-BE49-F238E27FC236}">
-                <a16:creationId xmlns:a16="http://schemas.microsoft.com/office/drawing/2014/main" id="{6D991586-3E27-3628-113C-1EEE22EC1B0A}"/>
+                <a16:creationId xmlns:a16="http://schemas.microsoft.com/office/drawing/2014/main" id="{DAC68E0B-7234-5998-D79C-98016CD97939}"/>
               </a:ext>
             </a:extLst>
           </p:cNvPr>
@@ -8839,7 +8831,7 @@
         </p:nvSpPr>
         <p:spPr>
           <a:xfrm>
-            <a:off x="735498" y="4372668"/>
+            <a:off x="735498" y="3312494"/>
             <a:ext cx="3081128" cy="184666"/>
           </a:xfrm>
           <a:prstGeom prst="rect">
@@ -8867,7 +8859,7 @@
     </p:spTree>
     <p:extLst>
       <p:ext uri="{BB962C8B-B14F-4D97-AF65-F5344CB8AC3E}">
-        <p14:creationId xmlns:p14="http://schemas.microsoft.com/office/powerpoint/2010/main" val="1602318336"/>
+        <p14:creationId xmlns:p14="http://schemas.microsoft.com/office/powerpoint/2010/main" val="965775851"/>
       </p:ext>
     </p:extLst>
   </p:cSld>
@@ -8897,7 +8889,7 @@
         <p:cNvPr id="1" name="">
           <a:extLst>
             <a:ext uri="{FF2B5EF4-FFF2-40B4-BE49-F238E27FC236}">
-              <a16:creationId xmlns:a16="http://schemas.microsoft.com/office/drawing/2014/main" id="{57205388-75A2-A70F-1935-D8750E74BF0A}"/>
+              <a16:creationId xmlns:a16="http://schemas.microsoft.com/office/drawing/2014/main" id="{3B979CAF-CCEA-44AA-2193-B869C5F43CD1}"/>
             </a:ext>
           </a:extLst>
         </p:cNvPr>
@@ -8917,7 +8909,7 @@
           <p:cNvPr id="7" name="Title 6">
             <a:extLst>
               <a:ext uri="{FF2B5EF4-FFF2-40B4-BE49-F238E27FC236}">
-                <a16:creationId xmlns:a16="http://schemas.microsoft.com/office/drawing/2014/main" id="{6FCFEAE8-D3D0-0474-E80E-DB2A097223C9}"/>
+                <a16:creationId xmlns:a16="http://schemas.microsoft.com/office/drawing/2014/main" id="{90D4E4D7-78C1-0636-E5EB-0BD7613D685B}"/>
               </a:ext>
             </a:extLst>
           </p:cNvPr>
@@ -8956,7 +8948,7 @@
           <p:cNvPr id="4" name="Rectangle 3">
             <a:extLst>
               <a:ext uri="{FF2B5EF4-FFF2-40B4-BE49-F238E27FC236}">
-                <a16:creationId xmlns:a16="http://schemas.microsoft.com/office/drawing/2014/main" id="{D4B660D3-8929-9F4B-7B09-1F265365A6A5}"/>
+                <a16:creationId xmlns:a16="http://schemas.microsoft.com/office/drawing/2014/main" id="{048AED05-A180-7125-132B-7E620FC6A480}"/>
               </a:ext>
             </a:extLst>
           </p:cNvPr>
@@ -8966,7 +8958,7 @@
         <p:spPr>
           <a:xfrm>
             <a:off x="632460" y="1086679"/>
-            <a:ext cx="8074218" cy="2849218"/>
+            <a:ext cx="8074218" cy="1809423"/>
           </a:xfrm>
           <a:prstGeom prst="rect">
             <a:avLst/>
@@ -9014,7 +9006,7 @@
           <p:cNvPr id="5" name="Rectangle 4">
             <a:extLst>
               <a:ext uri="{FF2B5EF4-FFF2-40B4-BE49-F238E27FC236}">
-                <a16:creationId xmlns:a16="http://schemas.microsoft.com/office/drawing/2014/main" id="{970A0293-D3B4-844F-7839-54C800811E3E}"/>
+                <a16:creationId xmlns:a16="http://schemas.microsoft.com/office/drawing/2014/main" id="{3A2E8110-FDBA-A06E-4DE5-7CD23E0CAB64}"/>
               </a:ext>
             </a:extLst>
           </p:cNvPr>
@@ -9023,8 +9015,8 @@
         </p:nvSpPr>
         <p:spPr>
           <a:xfrm>
-            <a:off x="632460" y="4267201"/>
-            <a:ext cx="8074218" cy="2010664"/>
+            <a:off x="632460" y="3193774"/>
+            <a:ext cx="8074218" cy="3084091"/>
           </a:xfrm>
           <a:prstGeom prst="rect">
             <a:avLst/>
@@ -9081,7 +9073,7 @@
           <p:cNvPr id="6" name="Rectangle 5">
             <a:extLst>
               <a:ext uri="{FF2B5EF4-FFF2-40B4-BE49-F238E27FC236}">
-                <a16:creationId xmlns:a16="http://schemas.microsoft.com/office/drawing/2014/main" id="{3F601C98-2BB2-3173-BA3F-C677E658B5CE}"/>
+                <a16:creationId xmlns:a16="http://schemas.microsoft.com/office/drawing/2014/main" id="{EE270AFC-D437-6871-2D96-D0E25A3569A4}"/>
               </a:ext>
             </a:extLst>
           </p:cNvPr>
@@ -9139,7 +9131,7 @@
           <p:cNvPr id="12" name="TextBox 11">
             <a:extLst>
               <a:ext uri="{FF2B5EF4-FFF2-40B4-BE49-F238E27FC236}">
-                <a16:creationId xmlns:a16="http://schemas.microsoft.com/office/drawing/2014/main" id="{E9E6F812-62AB-7035-08EB-C36D3E069179}"/>
+                <a16:creationId xmlns:a16="http://schemas.microsoft.com/office/drawing/2014/main" id="{039B1DAA-84C5-BC47-EC7C-FA516176BE0F}"/>
               </a:ext>
             </a:extLst>
           </p:cNvPr>
@@ -9183,7 +9175,7 @@
           <p:cNvPr id="13" name="TextBox 12">
             <a:extLst>
               <a:ext uri="{FF2B5EF4-FFF2-40B4-BE49-F238E27FC236}">
-                <a16:creationId xmlns:a16="http://schemas.microsoft.com/office/drawing/2014/main" id="{53B7369D-560C-C477-EF0E-6DB703A9B5D9}"/>
+                <a16:creationId xmlns:a16="http://schemas.microsoft.com/office/drawing/2014/main" id="{38F5C523-50B3-329E-A80A-DF6EE9444E9A}"/>
               </a:ext>
             </a:extLst>
           </p:cNvPr>
@@ -9227,7 +9219,7 @@
           <p:cNvPr id="14" name="TextBox 13">
             <a:extLst>
               <a:ext uri="{FF2B5EF4-FFF2-40B4-BE49-F238E27FC236}">
-                <a16:creationId xmlns:a16="http://schemas.microsoft.com/office/drawing/2014/main" id="{745E4780-365F-BACC-96E4-B4D929A08F11}"/>
+                <a16:creationId xmlns:a16="http://schemas.microsoft.com/office/drawing/2014/main" id="{6C6558B3-6350-2426-F92C-B23314BFF00F}"/>
               </a:ext>
             </a:extLst>
           </p:cNvPr>
@@ -9236,7 +9228,7 @@
         </p:nvSpPr>
         <p:spPr>
           <a:xfrm>
-            <a:off x="735498" y="4662800"/>
+            <a:off x="735498" y="3602626"/>
             <a:ext cx="7871789" cy="138499"/>
           </a:xfrm>
           <a:prstGeom prst="rect">
@@ -9274,7 +9266,7 @@
           <p:cNvPr id="15" name="TextBox 14">
             <a:extLst>
               <a:ext uri="{FF2B5EF4-FFF2-40B4-BE49-F238E27FC236}">
-                <a16:creationId xmlns:a16="http://schemas.microsoft.com/office/drawing/2014/main" id="{737134E4-5655-7381-6B8D-4A303307D0EB}"/>
+                <a16:creationId xmlns:a16="http://schemas.microsoft.com/office/drawing/2014/main" id="{185CA38F-2740-1ECF-CAC0-2016E17140DC}"/>
               </a:ext>
             </a:extLst>
           </p:cNvPr>
@@ -9313,7 +9305,7 @@
           <p:cNvPr id="16" name="TextBox 15">
             <a:extLst>
               <a:ext uri="{FF2B5EF4-FFF2-40B4-BE49-F238E27FC236}">
-                <a16:creationId xmlns:a16="http://schemas.microsoft.com/office/drawing/2014/main" id="{84FD928A-6BD2-FA79-4C42-9DBB8BE7E4EF}"/>
+                <a16:creationId xmlns:a16="http://schemas.microsoft.com/office/drawing/2014/main" id="{8A026285-BFEC-8FE5-BF4F-D6EF74CF2A0D}"/>
               </a:ext>
             </a:extLst>
           </p:cNvPr>
@@ -9322,7 +9314,7 @@
         </p:nvSpPr>
         <p:spPr>
           <a:xfrm>
-            <a:off x="735498" y="4372668"/>
+            <a:off x="735498" y="3312494"/>
             <a:ext cx="3081128" cy="184666"/>
           </a:xfrm>
           <a:prstGeom prst="rect">
@@ -9350,7 +9342,7 @@
     </p:spTree>
     <p:extLst>
       <p:ext uri="{BB962C8B-B14F-4D97-AF65-F5344CB8AC3E}">
-        <p14:creationId xmlns:p14="http://schemas.microsoft.com/office/powerpoint/2010/main" val="674683623"/>
+        <p14:creationId xmlns:p14="http://schemas.microsoft.com/office/powerpoint/2010/main" val="1426069372"/>
       </p:ext>
     </p:extLst>
   </p:cSld>
@@ -9380,7 +9372,7 @@
         <p:cNvPr id="1" name="">
           <a:extLst>
             <a:ext uri="{FF2B5EF4-FFF2-40B4-BE49-F238E27FC236}">
-              <a16:creationId xmlns:a16="http://schemas.microsoft.com/office/drawing/2014/main" id="{74EEF6BF-F4E7-4759-958F-E07C227BEB2B}"/>
+              <a16:creationId xmlns:a16="http://schemas.microsoft.com/office/drawing/2014/main" id="{F07BE3E0-0AFA-B279-14E1-32A188303F84}"/>
             </a:ext>
           </a:extLst>
         </p:cNvPr>
@@ -9400,7 +9392,7 @@
           <p:cNvPr id="7" name="Title 6">
             <a:extLst>
               <a:ext uri="{FF2B5EF4-FFF2-40B4-BE49-F238E27FC236}">
-                <a16:creationId xmlns:a16="http://schemas.microsoft.com/office/drawing/2014/main" id="{C7D05164-3797-7954-BAEE-BC9FE224BFED}"/>
+                <a16:creationId xmlns:a16="http://schemas.microsoft.com/office/drawing/2014/main" id="{9AD97E66-ACC5-DF57-D217-ECAEEC0D88AB}"/>
               </a:ext>
             </a:extLst>
           </p:cNvPr>
@@ -9439,7 +9431,7 @@
           <p:cNvPr id="4" name="Rectangle 3">
             <a:extLst>
               <a:ext uri="{FF2B5EF4-FFF2-40B4-BE49-F238E27FC236}">
-                <a16:creationId xmlns:a16="http://schemas.microsoft.com/office/drawing/2014/main" id="{C3382CD3-B6DE-8D4E-9924-4028C12C56D4}"/>
+                <a16:creationId xmlns:a16="http://schemas.microsoft.com/office/drawing/2014/main" id="{C7E70C1E-F5CF-6830-DB96-7E801A1EB0E7}"/>
               </a:ext>
             </a:extLst>
           </p:cNvPr>
@@ -9449,7 +9441,7 @@
         <p:spPr>
           <a:xfrm>
             <a:off x="632460" y="1086679"/>
-            <a:ext cx="8074218" cy="2849218"/>
+            <a:ext cx="8074218" cy="1809423"/>
           </a:xfrm>
           <a:prstGeom prst="rect">
             <a:avLst/>
@@ -9497,7 +9489,7 @@
           <p:cNvPr id="5" name="Rectangle 4">
             <a:extLst>
               <a:ext uri="{FF2B5EF4-FFF2-40B4-BE49-F238E27FC236}">
-                <a16:creationId xmlns:a16="http://schemas.microsoft.com/office/drawing/2014/main" id="{F0F85FE7-E826-6B47-C055-38AF40305FA3}"/>
+                <a16:creationId xmlns:a16="http://schemas.microsoft.com/office/drawing/2014/main" id="{42A59E34-411B-E61A-6663-12C91173F78E}"/>
               </a:ext>
             </a:extLst>
           </p:cNvPr>
@@ -9506,8 +9498,8 @@
         </p:nvSpPr>
         <p:spPr>
           <a:xfrm>
-            <a:off x="632460" y="4267201"/>
-            <a:ext cx="8074218" cy="2010664"/>
+            <a:off x="632460" y="3193774"/>
+            <a:ext cx="8074218" cy="3084091"/>
           </a:xfrm>
           <a:prstGeom prst="rect">
             <a:avLst/>
@@ -9564,7 +9556,7 @@
           <p:cNvPr id="6" name="Rectangle 5">
             <a:extLst>
               <a:ext uri="{FF2B5EF4-FFF2-40B4-BE49-F238E27FC236}">
-                <a16:creationId xmlns:a16="http://schemas.microsoft.com/office/drawing/2014/main" id="{5F45A34F-78B9-022F-7814-45E8181F6DFF}"/>
+                <a16:creationId xmlns:a16="http://schemas.microsoft.com/office/drawing/2014/main" id="{24E25CD0-BC25-8F56-3BAC-741C25833EC5}"/>
               </a:ext>
             </a:extLst>
           </p:cNvPr>
@@ -9622,7 +9614,7 @@
           <p:cNvPr id="12" name="TextBox 11">
             <a:extLst>
               <a:ext uri="{FF2B5EF4-FFF2-40B4-BE49-F238E27FC236}">
-                <a16:creationId xmlns:a16="http://schemas.microsoft.com/office/drawing/2014/main" id="{C5A26917-571B-3F86-CE6C-6AC3BC23A191}"/>
+                <a16:creationId xmlns:a16="http://schemas.microsoft.com/office/drawing/2014/main" id="{1C057529-C31B-AC92-FFD7-769695565197}"/>
               </a:ext>
             </a:extLst>
           </p:cNvPr>
@@ -9666,7 +9658,7 @@
           <p:cNvPr id="13" name="TextBox 12">
             <a:extLst>
               <a:ext uri="{FF2B5EF4-FFF2-40B4-BE49-F238E27FC236}">
-                <a16:creationId xmlns:a16="http://schemas.microsoft.com/office/drawing/2014/main" id="{7CEA7997-7C04-B778-8CD1-074349802F54}"/>
+                <a16:creationId xmlns:a16="http://schemas.microsoft.com/office/drawing/2014/main" id="{211E5A06-7464-5836-E6FC-992D8A33B45E}"/>
               </a:ext>
             </a:extLst>
           </p:cNvPr>
@@ -9710,7 +9702,7 @@
           <p:cNvPr id="14" name="TextBox 13">
             <a:extLst>
               <a:ext uri="{FF2B5EF4-FFF2-40B4-BE49-F238E27FC236}">
-                <a16:creationId xmlns:a16="http://schemas.microsoft.com/office/drawing/2014/main" id="{C6439DC8-9240-0907-FA90-1F053A24AA41}"/>
+                <a16:creationId xmlns:a16="http://schemas.microsoft.com/office/drawing/2014/main" id="{669BE014-3C26-9B95-0968-E08611BA4A11}"/>
               </a:ext>
             </a:extLst>
           </p:cNvPr>
@@ -9719,7 +9711,7 @@
         </p:nvSpPr>
         <p:spPr>
           <a:xfrm>
-            <a:off x="735498" y="4662800"/>
+            <a:off x="735498" y="3602626"/>
             <a:ext cx="7871789" cy="138499"/>
           </a:xfrm>
           <a:prstGeom prst="rect">
@@ -9757,7 +9749,7 @@
           <p:cNvPr id="15" name="TextBox 14">
             <a:extLst>
               <a:ext uri="{FF2B5EF4-FFF2-40B4-BE49-F238E27FC236}">
-                <a16:creationId xmlns:a16="http://schemas.microsoft.com/office/drawing/2014/main" id="{962177D8-95FC-1D7B-EB0E-B787A22C43FD}"/>
+                <a16:creationId xmlns:a16="http://schemas.microsoft.com/office/drawing/2014/main" id="{D4F29E2A-9F38-ACE2-1A1C-45C4B6D6002F}"/>
               </a:ext>
             </a:extLst>
           </p:cNvPr>
@@ -9796,7 +9788,7 @@
           <p:cNvPr id="16" name="TextBox 15">
             <a:extLst>
               <a:ext uri="{FF2B5EF4-FFF2-40B4-BE49-F238E27FC236}">
-                <a16:creationId xmlns:a16="http://schemas.microsoft.com/office/drawing/2014/main" id="{5393B176-C29B-FBA9-1705-3FF28835A94E}"/>
+                <a16:creationId xmlns:a16="http://schemas.microsoft.com/office/drawing/2014/main" id="{6775A1D5-76FC-93CE-B922-3D70D043CAC5}"/>
               </a:ext>
             </a:extLst>
           </p:cNvPr>
@@ -9805,7 +9797,7 @@
         </p:nvSpPr>
         <p:spPr>
           <a:xfrm>
-            <a:off x="735498" y="4372668"/>
+            <a:off x="735498" y="3312494"/>
             <a:ext cx="3081128" cy="184666"/>
           </a:xfrm>
           <a:prstGeom prst="rect">
@@ -9833,7 +9825,7 @@
     </p:spTree>
     <p:extLst>
       <p:ext uri="{BB962C8B-B14F-4D97-AF65-F5344CB8AC3E}">
-        <p14:creationId xmlns:p14="http://schemas.microsoft.com/office/powerpoint/2010/main" val="3240613826"/>
+        <p14:creationId xmlns:p14="http://schemas.microsoft.com/office/powerpoint/2010/main" val="560789528"/>
       </p:ext>
     </p:extLst>
   </p:cSld>
@@ -9863,7 +9855,7 @@
         <p:cNvPr id="1" name="">
           <a:extLst>
             <a:ext uri="{FF2B5EF4-FFF2-40B4-BE49-F238E27FC236}">
-              <a16:creationId xmlns:a16="http://schemas.microsoft.com/office/drawing/2014/main" id="{D8D5E8D9-1E71-48F8-052D-751CC1A63774}"/>
+              <a16:creationId xmlns:a16="http://schemas.microsoft.com/office/drawing/2014/main" id="{4CEAA876-D2BA-4621-7FAD-8AAC5C279795}"/>
             </a:ext>
           </a:extLst>
         </p:cNvPr>
@@ -9883,7 +9875,7 @@
           <p:cNvPr id="7" name="Title 6">
             <a:extLst>
               <a:ext uri="{FF2B5EF4-FFF2-40B4-BE49-F238E27FC236}">
-                <a16:creationId xmlns:a16="http://schemas.microsoft.com/office/drawing/2014/main" id="{2491B6DE-D974-DEB0-D018-1B05537A898A}"/>
+                <a16:creationId xmlns:a16="http://schemas.microsoft.com/office/drawing/2014/main" id="{8A962DCF-338A-6F11-92C0-53DC54967A50}"/>
               </a:ext>
             </a:extLst>
           </p:cNvPr>
@@ -9922,7 +9914,7 @@
           <p:cNvPr id="4" name="Rectangle 3">
             <a:extLst>
               <a:ext uri="{FF2B5EF4-FFF2-40B4-BE49-F238E27FC236}">
-                <a16:creationId xmlns:a16="http://schemas.microsoft.com/office/drawing/2014/main" id="{F3B817D1-C7C9-B16A-88EE-D027C5FE7E3E}"/>
+                <a16:creationId xmlns:a16="http://schemas.microsoft.com/office/drawing/2014/main" id="{42EFDD96-D97A-485C-DF39-FBE900E8ACDC}"/>
               </a:ext>
             </a:extLst>
           </p:cNvPr>
@@ -9932,7 +9924,7 @@
         <p:spPr>
           <a:xfrm>
             <a:off x="632460" y="1086679"/>
-            <a:ext cx="8074218" cy="2849218"/>
+            <a:ext cx="8074218" cy="1809423"/>
           </a:xfrm>
           <a:prstGeom prst="rect">
             <a:avLst/>
@@ -9980,7 +9972,7 @@
           <p:cNvPr id="5" name="Rectangle 4">
             <a:extLst>
               <a:ext uri="{FF2B5EF4-FFF2-40B4-BE49-F238E27FC236}">
-                <a16:creationId xmlns:a16="http://schemas.microsoft.com/office/drawing/2014/main" id="{376FA862-C867-D5CF-E434-85CFFBE2043B}"/>
+                <a16:creationId xmlns:a16="http://schemas.microsoft.com/office/drawing/2014/main" id="{8CF9E50A-157F-DF28-0EF9-43AF0B132851}"/>
               </a:ext>
             </a:extLst>
           </p:cNvPr>
@@ -9989,8 +9981,8 @@
         </p:nvSpPr>
         <p:spPr>
           <a:xfrm>
-            <a:off x="632460" y="4267201"/>
-            <a:ext cx="8074218" cy="2010664"/>
+            <a:off x="632460" y="3193774"/>
+            <a:ext cx="8074218" cy="3084091"/>
           </a:xfrm>
           <a:prstGeom prst="rect">
             <a:avLst/>
@@ -10047,7 +10039,7 @@
           <p:cNvPr id="6" name="Rectangle 5">
             <a:extLst>
               <a:ext uri="{FF2B5EF4-FFF2-40B4-BE49-F238E27FC236}">
-                <a16:creationId xmlns:a16="http://schemas.microsoft.com/office/drawing/2014/main" id="{F953B2A4-385F-F965-F437-645DDABCB64F}"/>
+                <a16:creationId xmlns:a16="http://schemas.microsoft.com/office/drawing/2014/main" id="{2D69EDEF-5FAA-F33E-6F1F-34CD4D1E051B}"/>
               </a:ext>
             </a:extLst>
           </p:cNvPr>
@@ -10105,7 +10097,7 @@
           <p:cNvPr id="12" name="TextBox 11">
             <a:extLst>
               <a:ext uri="{FF2B5EF4-FFF2-40B4-BE49-F238E27FC236}">
-                <a16:creationId xmlns:a16="http://schemas.microsoft.com/office/drawing/2014/main" id="{516D6BA1-2724-1471-79FE-55863F447B26}"/>
+                <a16:creationId xmlns:a16="http://schemas.microsoft.com/office/drawing/2014/main" id="{62D8673C-61A3-7458-F927-5ED13BE0F62E}"/>
               </a:ext>
             </a:extLst>
           </p:cNvPr>
@@ -10149,7 +10141,7 @@
           <p:cNvPr id="13" name="TextBox 12">
             <a:extLst>
               <a:ext uri="{FF2B5EF4-FFF2-40B4-BE49-F238E27FC236}">
-                <a16:creationId xmlns:a16="http://schemas.microsoft.com/office/drawing/2014/main" id="{9D464D4A-7C66-B70E-1724-C99F1437202A}"/>
+                <a16:creationId xmlns:a16="http://schemas.microsoft.com/office/drawing/2014/main" id="{69B809E9-CE7B-001B-B79D-DC7458A54762}"/>
               </a:ext>
             </a:extLst>
           </p:cNvPr>
@@ -10193,7 +10185,7 @@
           <p:cNvPr id="14" name="TextBox 13">
             <a:extLst>
               <a:ext uri="{FF2B5EF4-FFF2-40B4-BE49-F238E27FC236}">
-                <a16:creationId xmlns:a16="http://schemas.microsoft.com/office/drawing/2014/main" id="{972AFE29-8F80-6E78-2152-50565D2B767A}"/>
+                <a16:creationId xmlns:a16="http://schemas.microsoft.com/office/drawing/2014/main" id="{C0B33FA4-3932-F1FA-CCC3-E4BE96F0EF8A}"/>
               </a:ext>
             </a:extLst>
           </p:cNvPr>
@@ -10202,7 +10194,7 @@
         </p:nvSpPr>
         <p:spPr>
           <a:xfrm>
-            <a:off x="735498" y="4662800"/>
+            <a:off x="735498" y="3602626"/>
             <a:ext cx="7871789" cy="138499"/>
           </a:xfrm>
           <a:prstGeom prst="rect">
@@ -10240,7 +10232,7 @@
           <p:cNvPr id="15" name="TextBox 14">
             <a:extLst>
               <a:ext uri="{FF2B5EF4-FFF2-40B4-BE49-F238E27FC236}">
-                <a16:creationId xmlns:a16="http://schemas.microsoft.com/office/drawing/2014/main" id="{2BF7DA68-0811-D160-5C36-B2D355C6C147}"/>
+                <a16:creationId xmlns:a16="http://schemas.microsoft.com/office/drawing/2014/main" id="{37B90EC1-06A2-6779-D1AF-E0122C9A4612}"/>
               </a:ext>
             </a:extLst>
           </p:cNvPr>
@@ -10279,7 +10271,7 @@
           <p:cNvPr id="16" name="TextBox 15">
             <a:extLst>
               <a:ext uri="{FF2B5EF4-FFF2-40B4-BE49-F238E27FC236}">
-                <a16:creationId xmlns:a16="http://schemas.microsoft.com/office/drawing/2014/main" id="{F80A187A-0ABF-03AC-06FF-1CBE8C65F5EA}"/>
+                <a16:creationId xmlns:a16="http://schemas.microsoft.com/office/drawing/2014/main" id="{C3C784FD-6DB4-917E-74FC-4DED8B77E015}"/>
               </a:ext>
             </a:extLst>
           </p:cNvPr>
@@ -10288,7 +10280,7 @@
         </p:nvSpPr>
         <p:spPr>
           <a:xfrm>
-            <a:off x="735498" y="4372668"/>
+            <a:off x="735498" y="3312494"/>
             <a:ext cx="3081128" cy="184666"/>
           </a:xfrm>
           <a:prstGeom prst="rect">
@@ -10316,7 +10308,7 @@
     </p:spTree>
     <p:extLst>
       <p:ext uri="{BB962C8B-B14F-4D97-AF65-F5344CB8AC3E}">
-        <p14:creationId xmlns:p14="http://schemas.microsoft.com/office/powerpoint/2010/main" val="125661920"/>
+        <p14:creationId xmlns:p14="http://schemas.microsoft.com/office/powerpoint/2010/main" val="2230544323"/>
       </p:ext>
     </p:extLst>
   </p:cSld>
@@ -10346,7 +10338,7 @@
         <p:cNvPr id="1" name="">
           <a:extLst>
             <a:ext uri="{FF2B5EF4-FFF2-40B4-BE49-F238E27FC236}">
-              <a16:creationId xmlns:a16="http://schemas.microsoft.com/office/drawing/2014/main" id="{4C61C052-173B-B48A-B1CF-91FD8D4E1C0F}"/>
+              <a16:creationId xmlns:a16="http://schemas.microsoft.com/office/drawing/2014/main" id="{223C23D1-5528-BA82-6DE7-62A5AF1CD699}"/>
             </a:ext>
           </a:extLst>
         </p:cNvPr>
@@ -10366,7 +10358,7 @@
           <p:cNvPr id="7" name="Title 6">
             <a:extLst>
               <a:ext uri="{FF2B5EF4-FFF2-40B4-BE49-F238E27FC236}">
-                <a16:creationId xmlns:a16="http://schemas.microsoft.com/office/drawing/2014/main" id="{604EB51C-6CA1-0D1D-8929-E3FD3B7E8242}"/>
+                <a16:creationId xmlns:a16="http://schemas.microsoft.com/office/drawing/2014/main" id="{9286227C-1F98-6A44-EA59-22533305B71B}"/>
               </a:ext>
             </a:extLst>
           </p:cNvPr>
@@ -10405,7 +10397,7 @@
           <p:cNvPr id="4" name="Rectangle 3">
             <a:extLst>
               <a:ext uri="{FF2B5EF4-FFF2-40B4-BE49-F238E27FC236}">
-                <a16:creationId xmlns:a16="http://schemas.microsoft.com/office/drawing/2014/main" id="{C5B5908D-28E1-2049-2889-A9D4BFBBAC51}"/>
+                <a16:creationId xmlns:a16="http://schemas.microsoft.com/office/drawing/2014/main" id="{5654F94E-143B-639D-0CCD-F82556B3E39B}"/>
               </a:ext>
             </a:extLst>
           </p:cNvPr>
@@ -10415,7 +10407,7 @@
         <p:spPr>
           <a:xfrm>
             <a:off x="632460" y="1086679"/>
-            <a:ext cx="8074218" cy="2849218"/>
+            <a:ext cx="8074218" cy="1809423"/>
           </a:xfrm>
           <a:prstGeom prst="rect">
             <a:avLst/>
@@ -10463,7 +10455,7 @@
           <p:cNvPr id="5" name="Rectangle 4">
             <a:extLst>
               <a:ext uri="{FF2B5EF4-FFF2-40B4-BE49-F238E27FC236}">
-                <a16:creationId xmlns:a16="http://schemas.microsoft.com/office/drawing/2014/main" id="{759006D6-63FF-C62E-8F0B-BCA01D22116A}"/>
+                <a16:creationId xmlns:a16="http://schemas.microsoft.com/office/drawing/2014/main" id="{FF833AA1-32DD-0EB1-BE7A-A22F0CC72711}"/>
               </a:ext>
             </a:extLst>
           </p:cNvPr>
@@ -10472,8 +10464,8 @@
         </p:nvSpPr>
         <p:spPr>
           <a:xfrm>
-            <a:off x="632460" y="4267201"/>
-            <a:ext cx="8074218" cy="2010664"/>
+            <a:off x="632460" y="3193774"/>
+            <a:ext cx="8074218" cy="3084091"/>
           </a:xfrm>
           <a:prstGeom prst="rect">
             <a:avLst/>
@@ -10530,7 +10522,7 @@
           <p:cNvPr id="6" name="Rectangle 5">
             <a:extLst>
               <a:ext uri="{FF2B5EF4-FFF2-40B4-BE49-F238E27FC236}">
-                <a16:creationId xmlns:a16="http://schemas.microsoft.com/office/drawing/2014/main" id="{EDD137DF-F0E0-8909-A7F0-36BCB58789CD}"/>
+                <a16:creationId xmlns:a16="http://schemas.microsoft.com/office/drawing/2014/main" id="{AB1BB1AD-97D5-3662-8C0B-5EC3DA7A121C}"/>
               </a:ext>
             </a:extLst>
           </p:cNvPr>
@@ -10588,7 +10580,7 @@
           <p:cNvPr id="12" name="TextBox 11">
             <a:extLst>
               <a:ext uri="{FF2B5EF4-FFF2-40B4-BE49-F238E27FC236}">
-                <a16:creationId xmlns:a16="http://schemas.microsoft.com/office/drawing/2014/main" id="{65DBB4A9-BFAE-9B67-BC6D-1EA0E7FEBDDD}"/>
+                <a16:creationId xmlns:a16="http://schemas.microsoft.com/office/drawing/2014/main" id="{7B6FE86B-588B-33EF-0FA5-032C7A474008}"/>
               </a:ext>
             </a:extLst>
           </p:cNvPr>
@@ -10632,7 +10624,7 @@
           <p:cNvPr id="13" name="TextBox 12">
             <a:extLst>
               <a:ext uri="{FF2B5EF4-FFF2-40B4-BE49-F238E27FC236}">
-                <a16:creationId xmlns:a16="http://schemas.microsoft.com/office/drawing/2014/main" id="{E7C9A42D-B590-E89B-95A8-BA5794ED9F53}"/>
+                <a16:creationId xmlns:a16="http://schemas.microsoft.com/office/drawing/2014/main" id="{17FFD8EF-9DFE-12B0-369F-852F1C840E75}"/>
               </a:ext>
             </a:extLst>
           </p:cNvPr>
@@ -10676,7 +10668,7 @@
           <p:cNvPr id="14" name="TextBox 13">
             <a:extLst>
               <a:ext uri="{FF2B5EF4-FFF2-40B4-BE49-F238E27FC236}">
-                <a16:creationId xmlns:a16="http://schemas.microsoft.com/office/drawing/2014/main" id="{C97A2657-15BC-036B-8D0C-3ABB0DD4A18E}"/>
+                <a16:creationId xmlns:a16="http://schemas.microsoft.com/office/drawing/2014/main" id="{DD9B3E35-0233-936D-333D-6EE7408EB907}"/>
               </a:ext>
             </a:extLst>
           </p:cNvPr>
@@ -10685,7 +10677,7 @@
         </p:nvSpPr>
         <p:spPr>
           <a:xfrm>
-            <a:off x="735498" y="4662800"/>
+            <a:off x="735498" y="3602626"/>
             <a:ext cx="7871789" cy="138499"/>
           </a:xfrm>
           <a:prstGeom prst="rect">
@@ -10723,7 +10715,7 @@
           <p:cNvPr id="15" name="TextBox 14">
             <a:extLst>
               <a:ext uri="{FF2B5EF4-FFF2-40B4-BE49-F238E27FC236}">
-                <a16:creationId xmlns:a16="http://schemas.microsoft.com/office/drawing/2014/main" id="{5FADCD70-7671-2D56-E2B1-52E901471F03}"/>
+                <a16:creationId xmlns:a16="http://schemas.microsoft.com/office/drawing/2014/main" id="{437C45E9-C453-BBB1-7CFB-44436491B7C9}"/>
               </a:ext>
             </a:extLst>
           </p:cNvPr>
@@ -10762,7 +10754,7 @@
           <p:cNvPr id="16" name="TextBox 15">
             <a:extLst>
               <a:ext uri="{FF2B5EF4-FFF2-40B4-BE49-F238E27FC236}">
-                <a16:creationId xmlns:a16="http://schemas.microsoft.com/office/drawing/2014/main" id="{2BA998FB-4C60-A6E4-88D6-DF83CC934443}"/>
+                <a16:creationId xmlns:a16="http://schemas.microsoft.com/office/drawing/2014/main" id="{5BAF7534-CFDA-50E5-7037-CDFF7E207112}"/>
               </a:ext>
             </a:extLst>
           </p:cNvPr>
@@ -10771,7 +10763,7 @@
         </p:nvSpPr>
         <p:spPr>
           <a:xfrm>
-            <a:off x="735498" y="4372668"/>
+            <a:off x="735498" y="3312494"/>
             <a:ext cx="3081128" cy="184666"/>
           </a:xfrm>
           <a:prstGeom prst="rect">
@@ -10799,7 +10791,7 @@
     </p:spTree>
     <p:extLst>
       <p:ext uri="{BB962C8B-B14F-4D97-AF65-F5344CB8AC3E}">
-        <p14:creationId xmlns:p14="http://schemas.microsoft.com/office/powerpoint/2010/main" val="2916864124"/>
+        <p14:creationId xmlns:p14="http://schemas.microsoft.com/office/powerpoint/2010/main" val="941389725"/>
       </p:ext>
     </p:extLst>
   </p:cSld>
@@ -10829,7 +10821,7 @@
         <p:cNvPr id="1" name="">
           <a:extLst>
             <a:ext uri="{FF2B5EF4-FFF2-40B4-BE49-F238E27FC236}">
-              <a16:creationId xmlns:a16="http://schemas.microsoft.com/office/drawing/2014/main" id="{1C34AA8F-CB95-6433-59CD-1E5C5266B503}"/>
+              <a16:creationId xmlns:a16="http://schemas.microsoft.com/office/drawing/2014/main" id="{2E83A810-3C19-EF26-FBBF-18B1BE1A1B46}"/>
             </a:ext>
           </a:extLst>
         </p:cNvPr>
@@ -10849,7 +10841,7 @@
           <p:cNvPr id="7" name="Title 6">
             <a:extLst>
               <a:ext uri="{FF2B5EF4-FFF2-40B4-BE49-F238E27FC236}">
-                <a16:creationId xmlns:a16="http://schemas.microsoft.com/office/drawing/2014/main" id="{83294490-C1F7-321F-1F61-1BFF0EE7D731}"/>
+                <a16:creationId xmlns:a16="http://schemas.microsoft.com/office/drawing/2014/main" id="{96205437-2C35-3729-4D64-E9FBEDEB7BCC}"/>
               </a:ext>
             </a:extLst>
           </p:cNvPr>
@@ -10888,7 +10880,7 @@
           <p:cNvPr id="4" name="Rectangle 3">
             <a:extLst>
               <a:ext uri="{FF2B5EF4-FFF2-40B4-BE49-F238E27FC236}">
-                <a16:creationId xmlns:a16="http://schemas.microsoft.com/office/drawing/2014/main" id="{874609A3-270C-06FF-E0A6-35A543014F0E}"/>
+                <a16:creationId xmlns:a16="http://schemas.microsoft.com/office/drawing/2014/main" id="{09D1A0CF-DB6E-2CB7-AC2D-4F82C5E6EC51}"/>
               </a:ext>
             </a:extLst>
           </p:cNvPr>
@@ -10898,7 +10890,7 @@
         <p:spPr>
           <a:xfrm>
             <a:off x="632460" y="1086679"/>
-            <a:ext cx="8074218" cy="2849218"/>
+            <a:ext cx="8074218" cy="1809423"/>
           </a:xfrm>
           <a:prstGeom prst="rect">
             <a:avLst/>
@@ -10946,7 +10938,7 @@
           <p:cNvPr id="5" name="Rectangle 4">
             <a:extLst>
               <a:ext uri="{FF2B5EF4-FFF2-40B4-BE49-F238E27FC236}">
-                <a16:creationId xmlns:a16="http://schemas.microsoft.com/office/drawing/2014/main" id="{68BF63E3-4299-214F-A37D-C21090AA1604}"/>
+                <a16:creationId xmlns:a16="http://schemas.microsoft.com/office/drawing/2014/main" id="{3380A2BC-3CD4-D32E-3119-BFFD79A9F3D9}"/>
               </a:ext>
             </a:extLst>
           </p:cNvPr>
@@ -10955,8 +10947,8 @@
         </p:nvSpPr>
         <p:spPr>
           <a:xfrm>
-            <a:off x="632460" y="4267201"/>
-            <a:ext cx="8074218" cy="2010664"/>
+            <a:off x="632460" y="3193774"/>
+            <a:ext cx="8074218" cy="3084091"/>
           </a:xfrm>
           <a:prstGeom prst="rect">
             <a:avLst/>
@@ -11013,7 +11005,7 @@
           <p:cNvPr id="6" name="Rectangle 5">
             <a:extLst>
               <a:ext uri="{FF2B5EF4-FFF2-40B4-BE49-F238E27FC236}">
-                <a16:creationId xmlns:a16="http://schemas.microsoft.com/office/drawing/2014/main" id="{C4A49322-60F4-1495-0994-12DC59D880B9}"/>
+                <a16:creationId xmlns:a16="http://schemas.microsoft.com/office/drawing/2014/main" id="{05A518D9-9174-B802-4018-3B69A3D487F7}"/>
               </a:ext>
             </a:extLst>
           </p:cNvPr>
@@ -11071,7 +11063,7 @@
           <p:cNvPr id="12" name="TextBox 11">
             <a:extLst>
               <a:ext uri="{FF2B5EF4-FFF2-40B4-BE49-F238E27FC236}">
-                <a16:creationId xmlns:a16="http://schemas.microsoft.com/office/drawing/2014/main" id="{C8BB8FD9-06D3-6F70-A945-5137A12835D6}"/>
+                <a16:creationId xmlns:a16="http://schemas.microsoft.com/office/drawing/2014/main" id="{41B2FF30-D089-B238-9454-569BD42E7C42}"/>
               </a:ext>
             </a:extLst>
           </p:cNvPr>
@@ -11115,7 +11107,7 @@
           <p:cNvPr id="13" name="TextBox 12">
             <a:extLst>
               <a:ext uri="{FF2B5EF4-FFF2-40B4-BE49-F238E27FC236}">
-                <a16:creationId xmlns:a16="http://schemas.microsoft.com/office/drawing/2014/main" id="{FF68150E-DCAB-A7B9-23D2-57BA99F7C794}"/>
+                <a16:creationId xmlns:a16="http://schemas.microsoft.com/office/drawing/2014/main" id="{AA259B08-C69F-E1BB-6295-9E5DF20A083D}"/>
               </a:ext>
             </a:extLst>
           </p:cNvPr>
@@ -11159,7 +11151,7 @@
           <p:cNvPr id="14" name="TextBox 13">
             <a:extLst>
               <a:ext uri="{FF2B5EF4-FFF2-40B4-BE49-F238E27FC236}">
-                <a16:creationId xmlns:a16="http://schemas.microsoft.com/office/drawing/2014/main" id="{9F0B37C3-AAC2-64A2-065E-D90E6CB6745E}"/>
+                <a16:creationId xmlns:a16="http://schemas.microsoft.com/office/drawing/2014/main" id="{2F9AD4CF-AE39-B7B9-492E-3338A15F34AE}"/>
               </a:ext>
             </a:extLst>
           </p:cNvPr>
@@ -11168,7 +11160,7 @@
         </p:nvSpPr>
         <p:spPr>
           <a:xfrm>
-            <a:off x="735498" y="4662800"/>
+            <a:off x="735498" y="3602626"/>
             <a:ext cx="7871789" cy="138499"/>
           </a:xfrm>
           <a:prstGeom prst="rect">
@@ -11206,7 +11198,7 @@
           <p:cNvPr id="15" name="TextBox 14">
             <a:extLst>
               <a:ext uri="{FF2B5EF4-FFF2-40B4-BE49-F238E27FC236}">
-                <a16:creationId xmlns:a16="http://schemas.microsoft.com/office/drawing/2014/main" id="{3363A013-F871-7CCF-E838-1845C03B3AF2}"/>
+                <a16:creationId xmlns:a16="http://schemas.microsoft.com/office/drawing/2014/main" id="{411C8F45-D762-87A5-8A9A-29ADE1675817}"/>
               </a:ext>
             </a:extLst>
           </p:cNvPr>
@@ -11245,7 +11237,7 @@
           <p:cNvPr id="16" name="TextBox 15">
             <a:extLst>
               <a:ext uri="{FF2B5EF4-FFF2-40B4-BE49-F238E27FC236}">
-                <a16:creationId xmlns:a16="http://schemas.microsoft.com/office/drawing/2014/main" id="{B0665C74-738F-A510-B73F-EE3075100AF8}"/>
+                <a16:creationId xmlns:a16="http://schemas.microsoft.com/office/drawing/2014/main" id="{E9512B3F-F357-1CA0-A001-ACC8CC576C8D}"/>
               </a:ext>
             </a:extLst>
           </p:cNvPr>
@@ -11254,7 +11246,7 @@
         </p:nvSpPr>
         <p:spPr>
           <a:xfrm>
-            <a:off x="735498" y="4372668"/>
+            <a:off x="735498" y="3312494"/>
             <a:ext cx="3081128" cy="184666"/>
           </a:xfrm>
           <a:prstGeom prst="rect">
@@ -11282,7 +11274,7 @@
     </p:spTree>
     <p:extLst>
       <p:ext uri="{BB962C8B-B14F-4D97-AF65-F5344CB8AC3E}">
-        <p14:creationId xmlns:p14="http://schemas.microsoft.com/office/powerpoint/2010/main" val="2606758485"/>
+        <p14:creationId xmlns:p14="http://schemas.microsoft.com/office/powerpoint/2010/main" val="1525024283"/>
       </p:ext>
     </p:extLst>
   </p:cSld>
@@ -11312,7 +11304,7 @@
         <p:cNvPr id="1" name="">
           <a:extLst>
             <a:ext uri="{FF2B5EF4-FFF2-40B4-BE49-F238E27FC236}">
-              <a16:creationId xmlns:a16="http://schemas.microsoft.com/office/drawing/2014/main" id="{8090A2D1-84FE-6CAE-5F8C-FC6B7BAE699A}"/>
+              <a16:creationId xmlns:a16="http://schemas.microsoft.com/office/drawing/2014/main" id="{1B44BBE2-E068-BB20-CA1C-F9B069D93C7B}"/>
             </a:ext>
           </a:extLst>
         </p:cNvPr>
@@ -11332,7 +11324,7 @@
           <p:cNvPr id="7" name="Title 6">
             <a:extLst>
               <a:ext uri="{FF2B5EF4-FFF2-40B4-BE49-F238E27FC236}">
-                <a16:creationId xmlns:a16="http://schemas.microsoft.com/office/drawing/2014/main" id="{0FC3D079-423D-4A38-58CE-DE85FE554C75}"/>
+                <a16:creationId xmlns:a16="http://schemas.microsoft.com/office/drawing/2014/main" id="{C3B8D170-A7A9-E41A-35E1-C08BEFE2C15D}"/>
               </a:ext>
             </a:extLst>
           </p:cNvPr>
@@ -11371,7 +11363,7 @@
           <p:cNvPr id="4" name="Rectangle 3">
             <a:extLst>
               <a:ext uri="{FF2B5EF4-FFF2-40B4-BE49-F238E27FC236}">
-                <a16:creationId xmlns:a16="http://schemas.microsoft.com/office/drawing/2014/main" id="{AF2AA0DB-1ABD-60FE-5D5A-A1A219B23322}"/>
+                <a16:creationId xmlns:a16="http://schemas.microsoft.com/office/drawing/2014/main" id="{013D9A6F-0B77-F400-81E3-87D4FF70B5ED}"/>
               </a:ext>
             </a:extLst>
           </p:cNvPr>
@@ -11381,7 +11373,7 @@
         <p:spPr>
           <a:xfrm>
             <a:off x="632460" y="1086679"/>
-            <a:ext cx="8074218" cy="2849218"/>
+            <a:ext cx="8074218" cy="1809423"/>
           </a:xfrm>
           <a:prstGeom prst="rect">
             <a:avLst/>
@@ -11429,7 +11421,7 @@
           <p:cNvPr id="5" name="Rectangle 4">
             <a:extLst>
               <a:ext uri="{FF2B5EF4-FFF2-40B4-BE49-F238E27FC236}">
-                <a16:creationId xmlns:a16="http://schemas.microsoft.com/office/drawing/2014/main" id="{7E0D85CE-5993-9A37-5603-C84BD2A93284}"/>
+                <a16:creationId xmlns:a16="http://schemas.microsoft.com/office/drawing/2014/main" id="{451341DC-5471-24B3-FAA0-93D410D23CC2}"/>
               </a:ext>
             </a:extLst>
           </p:cNvPr>
@@ -11438,8 +11430,8 @@
         </p:nvSpPr>
         <p:spPr>
           <a:xfrm>
-            <a:off x="632460" y="4267201"/>
-            <a:ext cx="8074218" cy="2010664"/>
+            <a:off x="632460" y="3193774"/>
+            <a:ext cx="8074218" cy="3084091"/>
           </a:xfrm>
           <a:prstGeom prst="rect">
             <a:avLst/>
@@ -11496,7 +11488,7 @@
           <p:cNvPr id="6" name="Rectangle 5">
             <a:extLst>
               <a:ext uri="{FF2B5EF4-FFF2-40B4-BE49-F238E27FC236}">
-                <a16:creationId xmlns:a16="http://schemas.microsoft.com/office/drawing/2014/main" id="{F421AEAC-0568-1684-3355-F73A7F0C150A}"/>
+                <a16:creationId xmlns:a16="http://schemas.microsoft.com/office/drawing/2014/main" id="{CBFB14CC-B374-B05A-CCDB-C76F97AE1E4C}"/>
               </a:ext>
             </a:extLst>
           </p:cNvPr>
@@ -11554,7 +11546,7 @@
           <p:cNvPr id="12" name="TextBox 11">
             <a:extLst>
               <a:ext uri="{FF2B5EF4-FFF2-40B4-BE49-F238E27FC236}">
-                <a16:creationId xmlns:a16="http://schemas.microsoft.com/office/drawing/2014/main" id="{E9C05259-DFF8-0E03-F0EC-4A54FA7A82D2}"/>
+                <a16:creationId xmlns:a16="http://schemas.microsoft.com/office/drawing/2014/main" id="{981A4532-0ABF-9EA9-6FE4-B0CFD4A96DE8}"/>
               </a:ext>
             </a:extLst>
           </p:cNvPr>
@@ -11598,7 +11590,7 @@
           <p:cNvPr id="13" name="TextBox 12">
             <a:extLst>
               <a:ext uri="{FF2B5EF4-FFF2-40B4-BE49-F238E27FC236}">
-                <a16:creationId xmlns:a16="http://schemas.microsoft.com/office/drawing/2014/main" id="{F386F65F-A34F-4DFA-A3DF-97B5174FCE14}"/>
+                <a16:creationId xmlns:a16="http://schemas.microsoft.com/office/drawing/2014/main" id="{8642A62A-52F6-372E-A423-6AEECABD6B35}"/>
               </a:ext>
             </a:extLst>
           </p:cNvPr>
@@ -11642,7 +11634,7 @@
           <p:cNvPr id="14" name="TextBox 13">
             <a:extLst>
               <a:ext uri="{FF2B5EF4-FFF2-40B4-BE49-F238E27FC236}">
-                <a16:creationId xmlns:a16="http://schemas.microsoft.com/office/drawing/2014/main" id="{74B58758-E6BE-F6EC-1ABE-34A6025861C0}"/>
+                <a16:creationId xmlns:a16="http://schemas.microsoft.com/office/drawing/2014/main" id="{70F66C5D-1131-08D3-D95A-54CEA9BCB5B0}"/>
               </a:ext>
             </a:extLst>
           </p:cNvPr>
@@ -11651,7 +11643,7 @@
         </p:nvSpPr>
         <p:spPr>
           <a:xfrm>
-            <a:off x="735498" y="4662800"/>
+            <a:off x="735498" y="3602626"/>
             <a:ext cx="7871789" cy="138499"/>
           </a:xfrm>
           <a:prstGeom prst="rect">
@@ -11689,7 +11681,7 @@
           <p:cNvPr id="15" name="TextBox 14">
             <a:extLst>
               <a:ext uri="{FF2B5EF4-FFF2-40B4-BE49-F238E27FC236}">
-                <a16:creationId xmlns:a16="http://schemas.microsoft.com/office/drawing/2014/main" id="{69A94690-9B47-A20E-5712-6B1D139CD32B}"/>
+                <a16:creationId xmlns:a16="http://schemas.microsoft.com/office/drawing/2014/main" id="{05C0A17E-E73B-FED8-E42E-552CCE6F1044}"/>
               </a:ext>
             </a:extLst>
           </p:cNvPr>
@@ -11728,7 +11720,7 @@
           <p:cNvPr id="16" name="TextBox 15">
             <a:extLst>
               <a:ext uri="{FF2B5EF4-FFF2-40B4-BE49-F238E27FC236}">
-                <a16:creationId xmlns:a16="http://schemas.microsoft.com/office/drawing/2014/main" id="{F34BEDBE-E76B-15CA-BDCA-C5E0A63E88A2}"/>
+                <a16:creationId xmlns:a16="http://schemas.microsoft.com/office/drawing/2014/main" id="{BBF4327D-187B-7425-97DE-669C06DEAC77}"/>
               </a:ext>
             </a:extLst>
           </p:cNvPr>
@@ -11737,7 +11729,7 @@
         </p:nvSpPr>
         <p:spPr>
           <a:xfrm>
-            <a:off x="735498" y="4372668"/>
+            <a:off x="735498" y="3312494"/>
             <a:ext cx="3081128" cy="184666"/>
           </a:xfrm>
           <a:prstGeom prst="rect">
@@ -11765,7 +11757,7 @@
     </p:spTree>
     <p:extLst>
       <p:ext uri="{BB962C8B-B14F-4D97-AF65-F5344CB8AC3E}">
-        <p14:creationId xmlns:p14="http://schemas.microsoft.com/office/powerpoint/2010/main" val="1513349290"/>
+        <p14:creationId xmlns:p14="http://schemas.microsoft.com/office/powerpoint/2010/main" val="2199261623"/>
       </p:ext>
     </p:extLst>
   </p:cSld>
@@ -11795,7 +11787,7 @@
         <p:cNvPr id="1" name="">
           <a:extLst>
             <a:ext uri="{FF2B5EF4-FFF2-40B4-BE49-F238E27FC236}">
-              <a16:creationId xmlns:a16="http://schemas.microsoft.com/office/drawing/2014/main" id="{C6105050-E7FD-175A-57F8-485D057C14FB}"/>
+              <a16:creationId xmlns:a16="http://schemas.microsoft.com/office/drawing/2014/main" id="{B04D36D6-9360-3367-D6FC-AA5DDD124EC4}"/>
             </a:ext>
           </a:extLst>
         </p:cNvPr>
@@ -11815,7 +11807,7 @@
           <p:cNvPr id="7" name="Title 6">
             <a:extLst>
               <a:ext uri="{FF2B5EF4-FFF2-40B4-BE49-F238E27FC236}">
-                <a16:creationId xmlns:a16="http://schemas.microsoft.com/office/drawing/2014/main" id="{981A2080-E913-F77A-5446-5A122F9B651F}"/>
+                <a16:creationId xmlns:a16="http://schemas.microsoft.com/office/drawing/2014/main" id="{4893F265-8E38-E804-62AB-5D6FF0ADED01}"/>
               </a:ext>
             </a:extLst>
           </p:cNvPr>
@@ -11854,7 +11846,7 @@
           <p:cNvPr id="4" name="Rectangle 3">
             <a:extLst>
               <a:ext uri="{FF2B5EF4-FFF2-40B4-BE49-F238E27FC236}">
-                <a16:creationId xmlns:a16="http://schemas.microsoft.com/office/drawing/2014/main" id="{0D59683D-0F25-9748-C798-3AAE70F23A97}"/>
+                <a16:creationId xmlns:a16="http://schemas.microsoft.com/office/drawing/2014/main" id="{98D92B9B-9515-FC2B-510A-8DE4885A6D01}"/>
               </a:ext>
             </a:extLst>
           </p:cNvPr>
@@ -11864,7 +11856,7 @@
         <p:spPr>
           <a:xfrm>
             <a:off x="632460" y="1086679"/>
-            <a:ext cx="8074218" cy="2849218"/>
+            <a:ext cx="8074218" cy="1809423"/>
           </a:xfrm>
           <a:prstGeom prst="rect">
             <a:avLst/>
@@ -11912,7 +11904,7 @@
           <p:cNvPr id="5" name="Rectangle 4">
             <a:extLst>
               <a:ext uri="{FF2B5EF4-FFF2-40B4-BE49-F238E27FC236}">
-                <a16:creationId xmlns:a16="http://schemas.microsoft.com/office/drawing/2014/main" id="{79F7AF95-2109-993B-6AEF-BDEE568F0EA5}"/>
+                <a16:creationId xmlns:a16="http://schemas.microsoft.com/office/drawing/2014/main" id="{DABC708C-6604-1418-521C-8E739400F994}"/>
               </a:ext>
             </a:extLst>
           </p:cNvPr>
@@ -11921,8 +11913,8 @@
         </p:nvSpPr>
         <p:spPr>
           <a:xfrm>
-            <a:off x="632460" y="4267201"/>
-            <a:ext cx="8074218" cy="2010664"/>
+            <a:off x="632460" y="3193774"/>
+            <a:ext cx="8074218" cy="3084091"/>
           </a:xfrm>
           <a:prstGeom prst="rect">
             <a:avLst/>
@@ -11979,7 +11971,7 @@
           <p:cNvPr id="6" name="Rectangle 5">
             <a:extLst>
               <a:ext uri="{FF2B5EF4-FFF2-40B4-BE49-F238E27FC236}">
-                <a16:creationId xmlns:a16="http://schemas.microsoft.com/office/drawing/2014/main" id="{93FE4F6D-88D5-3477-2BDE-844DB093193F}"/>
+                <a16:creationId xmlns:a16="http://schemas.microsoft.com/office/drawing/2014/main" id="{9DAADDBF-35C5-55C9-B483-DD3D50BD6544}"/>
               </a:ext>
             </a:extLst>
           </p:cNvPr>
@@ -12037,7 +12029,7 @@
           <p:cNvPr id="12" name="TextBox 11">
             <a:extLst>
               <a:ext uri="{FF2B5EF4-FFF2-40B4-BE49-F238E27FC236}">
-                <a16:creationId xmlns:a16="http://schemas.microsoft.com/office/drawing/2014/main" id="{6836BE23-D379-A9EB-F38F-91C4399A4477}"/>
+                <a16:creationId xmlns:a16="http://schemas.microsoft.com/office/drawing/2014/main" id="{35763CD7-CC10-71CE-838F-31B1E7087E94}"/>
               </a:ext>
             </a:extLst>
           </p:cNvPr>
@@ -12081,7 +12073,7 @@
           <p:cNvPr id="13" name="TextBox 12">
             <a:extLst>
               <a:ext uri="{FF2B5EF4-FFF2-40B4-BE49-F238E27FC236}">
-                <a16:creationId xmlns:a16="http://schemas.microsoft.com/office/drawing/2014/main" id="{477D5DA0-FF3D-6F85-8C8E-0E1F5A443437}"/>
+                <a16:creationId xmlns:a16="http://schemas.microsoft.com/office/drawing/2014/main" id="{A5511906-9B02-F125-8FB0-9B8C77F3E316}"/>
               </a:ext>
             </a:extLst>
           </p:cNvPr>
@@ -12125,7 +12117,7 @@
           <p:cNvPr id="14" name="TextBox 13">
             <a:extLst>
               <a:ext uri="{FF2B5EF4-FFF2-40B4-BE49-F238E27FC236}">
-                <a16:creationId xmlns:a16="http://schemas.microsoft.com/office/drawing/2014/main" id="{AB7CBD91-6DC2-13C3-0A9B-66515B06E98D}"/>
+                <a16:creationId xmlns:a16="http://schemas.microsoft.com/office/drawing/2014/main" id="{7087C6BA-C97E-A755-C0BE-343FE2997FB2}"/>
               </a:ext>
             </a:extLst>
           </p:cNvPr>
@@ -12134,7 +12126,7 @@
         </p:nvSpPr>
         <p:spPr>
           <a:xfrm>
-            <a:off x="735498" y="4662800"/>
+            <a:off x="735498" y="3602626"/>
             <a:ext cx="7871789" cy="138499"/>
           </a:xfrm>
           <a:prstGeom prst="rect">
@@ -12172,7 +12164,7 @@
           <p:cNvPr id="15" name="TextBox 14">
             <a:extLst>
               <a:ext uri="{FF2B5EF4-FFF2-40B4-BE49-F238E27FC236}">
-                <a16:creationId xmlns:a16="http://schemas.microsoft.com/office/drawing/2014/main" id="{846A1CF4-6BFA-C1C8-CAF7-CD73C7AF3BF9}"/>
+                <a16:creationId xmlns:a16="http://schemas.microsoft.com/office/drawing/2014/main" id="{32A7074A-03FA-1697-7000-448B44EF5CD0}"/>
               </a:ext>
             </a:extLst>
           </p:cNvPr>
@@ -12211,7 +12203,7 @@
           <p:cNvPr id="16" name="TextBox 15">
             <a:extLst>
               <a:ext uri="{FF2B5EF4-FFF2-40B4-BE49-F238E27FC236}">
-                <a16:creationId xmlns:a16="http://schemas.microsoft.com/office/drawing/2014/main" id="{2F43AA5E-161C-E23D-D9C1-F9A418884DD9}"/>
+                <a16:creationId xmlns:a16="http://schemas.microsoft.com/office/drawing/2014/main" id="{89EA93F3-ACB6-E4EE-C051-F951D6A1C871}"/>
               </a:ext>
             </a:extLst>
           </p:cNvPr>
@@ -12220,7 +12212,7 @@
         </p:nvSpPr>
         <p:spPr>
           <a:xfrm>
-            <a:off x="735498" y="4372668"/>
+            <a:off x="735498" y="3312494"/>
             <a:ext cx="3081128" cy="184666"/>
           </a:xfrm>
           <a:prstGeom prst="rect">
@@ -12248,7 +12240,7 @@
     </p:spTree>
     <p:extLst>
       <p:ext uri="{BB962C8B-B14F-4D97-AF65-F5344CB8AC3E}">
-        <p14:creationId xmlns:p14="http://schemas.microsoft.com/office/powerpoint/2010/main" val="680976939"/>
+        <p14:creationId xmlns:p14="http://schemas.microsoft.com/office/powerpoint/2010/main" val="622523081"/>
       </p:ext>
     </p:extLst>
   </p:cSld>
@@ -12278,7 +12270,7 @@
         <p:cNvPr id="1" name="">
           <a:extLst>
             <a:ext uri="{FF2B5EF4-FFF2-40B4-BE49-F238E27FC236}">
-              <a16:creationId xmlns:a16="http://schemas.microsoft.com/office/drawing/2014/main" id="{5FE05751-A962-AA0E-C266-24223D92ECF8}"/>
+              <a16:creationId xmlns:a16="http://schemas.microsoft.com/office/drawing/2014/main" id="{2EC95A56-D7FD-D80F-D34A-BDC7B935E0D2}"/>
             </a:ext>
           </a:extLst>
         </p:cNvPr>
@@ -12298,7 +12290,7 @@
           <p:cNvPr id="7" name="Title 6">
             <a:extLst>
               <a:ext uri="{FF2B5EF4-FFF2-40B4-BE49-F238E27FC236}">
-                <a16:creationId xmlns:a16="http://schemas.microsoft.com/office/drawing/2014/main" id="{39E21621-CA80-E490-2B36-38D93170C616}"/>
+                <a16:creationId xmlns:a16="http://schemas.microsoft.com/office/drawing/2014/main" id="{18E5D8B0-8204-E824-612F-BC7181DFCE84}"/>
               </a:ext>
             </a:extLst>
           </p:cNvPr>
@@ -12337,7 +12329,7 @@
           <p:cNvPr id="4" name="Rectangle 3">
             <a:extLst>
               <a:ext uri="{FF2B5EF4-FFF2-40B4-BE49-F238E27FC236}">
-                <a16:creationId xmlns:a16="http://schemas.microsoft.com/office/drawing/2014/main" id="{FCFC4367-FAD3-3563-915A-9B3FB311BAA8}"/>
+                <a16:creationId xmlns:a16="http://schemas.microsoft.com/office/drawing/2014/main" id="{8479DDCE-D19A-B4E6-D62C-1C1F13EBEFEF}"/>
               </a:ext>
             </a:extLst>
           </p:cNvPr>
@@ -12347,7 +12339,7 @@
         <p:spPr>
           <a:xfrm>
             <a:off x="632460" y="1086679"/>
-            <a:ext cx="8074218" cy="2849218"/>
+            <a:ext cx="8074218" cy="1809423"/>
           </a:xfrm>
           <a:prstGeom prst="rect">
             <a:avLst/>
@@ -12395,7 +12387,7 @@
           <p:cNvPr id="5" name="Rectangle 4">
             <a:extLst>
               <a:ext uri="{FF2B5EF4-FFF2-40B4-BE49-F238E27FC236}">
-                <a16:creationId xmlns:a16="http://schemas.microsoft.com/office/drawing/2014/main" id="{268BD0BA-1DED-82A6-A19D-F0711781437C}"/>
+                <a16:creationId xmlns:a16="http://schemas.microsoft.com/office/drawing/2014/main" id="{4B39A7DD-2708-EA11-8906-BBDCB326C703}"/>
               </a:ext>
             </a:extLst>
           </p:cNvPr>
@@ -12404,8 +12396,8 @@
         </p:nvSpPr>
         <p:spPr>
           <a:xfrm>
-            <a:off x="632460" y="4267201"/>
-            <a:ext cx="8074218" cy="2010664"/>
+            <a:off x="632460" y="3193774"/>
+            <a:ext cx="8074218" cy="3084091"/>
           </a:xfrm>
           <a:prstGeom prst="rect">
             <a:avLst/>
@@ -12462,7 +12454,7 @@
           <p:cNvPr id="6" name="Rectangle 5">
             <a:extLst>
               <a:ext uri="{FF2B5EF4-FFF2-40B4-BE49-F238E27FC236}">
-                <a16:creationId xmlns:a16="http://schemas.microsoft.com/office/drawing/2014/main" id="{CCB2401D-5685-CBE9-BE66-3D1F235993ED}"/>
+                <a16:creationId xmlns:a16="http://schemas.microsoft.com/office/drawing/2014/main" id="{FCB84156-0395-EBC2-86E8-AAC6C75AFBC3}"/>
               </a:ext>
             </a:extLst>
           </p:cNvPr>
@@ -12520,7 +12512,7 @@
           <p:cNvPr id="12" name="TextBox 11">
             <a:extLst>
               <a:ext uri="{FF2B5EF4-FFF2-40B4-BE49-F238E27FC236}">
-                <a16:creationId xmlns:a16="http://schemas.microsoft.com/office/drawing/2014/main" id="{23F2BD2C-8F8A-E1A7-1DE0-6A82D73750A5}"/>
+                <a16:creationId xmlns:a16="http://schemas.microsoft.com/office/drawing/2014/main" id="{40025DC9-EE44-7708-C0B0-B2A92BCF12B9}"/>
               </a:ext>
             </a:extLst>
           </p:cNvPr>
@@ -12564,7 +12556,7 @@
           <p:cNvPr id="13" name="TextBox 12">
             <a:extLst>
               <a:ext uri="{FF2B5EF4-FFF2-40B4-BE49-F238E27FC236}">
-                <a16:creationId xmlns:a16="http://schemas.microsoft.com/office/drawing/2014/main" id="{3F371E03-B0DF-DEF6-503E-939E86539903}"/>
+                <a16:creationId xmlns:a16="http://schemas.microsoft.com/office/drawing/2014/main" id="{F858B556-4F11-78B2-60D3-808971A440CE}"/>
               </a:ext>
             </a:extLst>
           </p:cNvPr>
@@ -12608,7 +12600,7 @@
           <p:cNvPr id="14" name="TextBox 13">
             <a:extLst>
               <a:ext uri="{FF2B5EF4-FFF2-40B4-BE49-F238E27FC236}">
-                <a16:creationId xmlns:a16="http://schemas.microsoft.com/office/drawing/2014/main" id="{1D3DE5B3-9F3A-19BD-0F65-4C68D1CB523A}"/>
+                <a16:creationId xmlns:a16="http://schemas.microsoft.com/office/drawing/2014/main" id="{C4DDC6BF-BE53-0EA3-F3AD-5646DBDEFD29}"/>
               </a:ext>
             </a:extLst>
           </p:cNvPr>
@@ -12617,7 +12609,7 @@
         </p:nvSpPr>
         <p:spPr>
           <a:xfrm>
-            <a:off x="735498" y="4662800"/>
+            <a:off x="735498" y="3602626"/>
             <a:ext cx="7871789" cy="138499"/>
           </a:xfrm>
           <a:prstGeom prst="rect">
@@ -12655,7 +12647,7 @@
           <p:cNvPr id="15" name="TextBox 14">
             <a:extLst>
               <a:ext uri="{FF2B5EF4-FFF2-40B4-BE49-F238E27FC236}">
-                <a16:creationId xmlns:a16="http://schemas.microsoft.com/office/drawing/2014/main" id="{30C79645-C338-D8BC-89DC-AB4E6D5578C6}"/>
+                <a16:creationId xmlns:a16="http://schemas.microsoft.com/office/drawing/2014/main" id="{03563884-321A-9A82-0E2B-8110CB2109B3}"/>
               </a:ext>
             </a:extLst>
           </p:cNvPr>
@@ -12694,7 +12686,7 @@
           <p:cNvPr id="16" name="TextBox 15">
             <a:extLst>
               <a:ext uri="{FF2B5EF4-FFF2-40B4-BE49-F238E27FC236}">
-                <a16:creationId xmlns:a16="http://schemas.microsoft.com/office/drawing/2014/main" id="{00E13796-1492-7BC1-CD8D-670B3C74801F}"/>
+                <a16:creationId xmlns:a16="http://schemas.microsoft.com/office/drawing/2014/main" id="{CEA3C65C-155D-BABB-49D7-CD72A9E1E365}"/>
               </a:ext>
             </a:extLst>
           </p:cNvPr>
@@ -12703,7 +12695,7 @@
         </p:nvSpPr>
         <p:spPr>
           <a:xfrm>
-            <a:off x="735498" y="4372668"/>
+            <a:off x="735498" y="3312494"/>
             <a:ext cx="3081128" cy="184666"/>
           </a:xfrm>
           <a:prstGeom prst="rect">
@@ -12731,7 +12723,7 @@
     </p:spTree>
     <p:extLst>
       <p:ext uri="{BB962C8B-B14F-4D97-AF65-F5344CB8AC3E}">
-        <p14:creationId xmlns:p14="http://schemas.microsoft.com/office/powerpoint/2010/main" val="1589967788"/>
+        <p14:creationId xmlns:p14="http://schemas.microsoft.com/office/powerpoint/2010/main" val="3744710466"/>
       </p:ext>
     </p:extLst>
   </p:cSld>
@@ -12761,7 +12753,7 @@
         <p:cNvPr id="1" name="">
           <a:extLst>
             <a:ext uri="{FF2B5EF4-FFF2-40B4-BE49-F238E27FC236}">
-              <a16:creationId xmlns:a16="http://schemas.microsoft.com/office/drawing/2014/main" id="{E5250C5C-1B37-64B7-D038-D616AE018FB9}"/>
+              <a16:creationId xmlns:a16="http://schemas.microsoft.com/office/drawing/2014/main" id="{FFB8B282-A9F5-C75F-4D56-88C56251E57F}"/>
             </a:ext>
           </a:extLst>
         </p:cNvPr>
@@ -12781,7 +12773,7 @@
           <p:cNvPr id="7" name="Title 6">
             <a:extLst>
               <a:ext uri="{FF2B5EF4-FFF2-40B4-BE49-F238E27FC236}">
-                <a16:creationId xmlns:a16="http://schemas.microsoft.com/office/drawing/2014/main" id="{A6546026-1BAB-4AA2-93FE-14643C935693}"/>
+                <a16:creationId xmlns:a16="http://schemas.microsoft.com/office/drawing/2014/main" id="{DA95B19F-A830-E419-DC3A-EF6EBB626B8A}"/>
               </a:ext>
             </a:extLst>
           </p:cNvPr>
@@ -12820,7 +12812,7 @@
           <p:cNvPr id="4" name="Rectangle 3">
             <a:extLst>
               <a:ext uri="{FF2B5EF4-FFF2-40B4-BE49-F238E27FC236}">
-                <a16:creationId xmlns:a16="http://schemas.microsoft.com/office/drawing/2014/main" id="{26CEF6DB-7D57-81B3-13F7-0222B6DA8247}"/>
+                <a16:creationId xmlns:a16="http://schemas.microsoft.com/office/drawing/2014/main" id="{16CE04C9-1097-5DE9-291F-B57C027A911E}"/>
               </a:ext>
             </a:extLst>
           </p:cNvPr>
@@ -12830,7 +12822,7 @@
         <p:spPr>
           <a:xfrm>
             <a:off x="632460" y="1086679"/>
-            <a:ext cx="8074218" cy="2849218"/>
+            <a:ext cx="8074218" cy="1809423"/>
           </a:xfrm>
           <a:prstGeom prst="rect">
             <a:avLst/>
@@ -12878,7 +12870,7 @@
           <p:cNvPr id="5" name="Rectangle 4">
             <a:extLst>
               <a:ext uri="{FF2B5EF4-FFF2-40B4-BE49-F238E27FC236}">
-                <a16:creationId xmlns:a16="http://schemas.microsoft.com/office/drawing/2014/main" id="{CCD6B89C-AE4B-99CC-3305-51E0F9FF451D}"/>
+                <a16:creationId xmlns:a16="http://schemas.microsoft.com/office/drawing/2014/main" id="{2D40CE61-6B33-DD19-161A-2675BD65F643}"/>
               </a:ext>
             </a:extLst>
           </p:cNvPr>
@@ -12887,8 +12879,8 @@
         </p:nvSpPr>
         <p:spPr>
           <a:xfrm>
-            <a:off x="632460" y="4267201"/>
-            <a:ext cx="8074218" cy="2010664"/>
+            <a:off x="632460" y="3193774"/>
+            <a:ext cx="8074218" cy="3084091"/>
           </a:xfrm>
           <a:prstGeom prst="rect">
             <a:avLst/>
@@ -12945,7 +12937,7 @@
           <p:cNvPr id="6" name="Rectangle 5">
             <a:extLst>
               <a:ext uri="{FF2B5EF4-FFF2-40B4-BE49-F238E27FC236}">
-                <a16:creationId xmlns:a16="http://schemas.microsoft.com/office/drawing/2014/main" id="{8556BCA6-2615-16F2-A615-5FC9836C088C}"/>
+                <a16:creationId xmlns:a16="http://schemas.microsoft.com/office/drawing/2014/main" id="{B10C7764-9FB9-123B-B213-43B88E614A18}"/>
               </a:ext>
             </a:extLst>
           </p:cNvPr>
@@ -13003,7 +12995,7 @@
           <p:cNvPr id="12" name="TextBox 11">
             <a:extLst>
               <a:ext uri="{FF2B5EF4-FFF2-40B4-BE49-F238E27FC236}">
-                <a16:creationId xmlns:a16="http://schemas.microsoft.com/office/drawing/2014/main" id="{229C5FA6-DF6A-F26E-4797-48C4DFE6DED7}"/>
+                <a16:creationId xmlns:a16="http://schemas.microsoft.com/office/drawing/2014/main" id="{412D4C4C-3BFC-4CBD-A18F-3DC5202787DF}"/>
               </a:ext>
             </a:extLst>
           </p:cNvPr>
@@ -13047,7 +13039,7 @@
           <p:cNvPr id="13" name="TextBox 12">
             <a:extLst>
               <a:ext uri="{FF2B5EF4-FFF2-40B4-BE49-F238E27FC236}">
-                <a16:creationId xmlns:a16="http://schemas.microsoft.com/office/drawing/2014/main" id="{D4AAECDB-1E86-E0D7-948D-02077E39A90A}"/>
+                <a16:creationId xmlns:a16="http://schemas.microsoft.com/office/drawing/2014/main" id="{25F88CAA-0E39-E9BF-A64E-742F33014A71}"/>
               </a:ext>
             </a:extLst>
           </p:cNvPr>
@@ -13091,7 +13083,7 @@
           <p:cNvPr id="14" name="TextBox 13">
             <a:extLst>
               <a:ext uri="{FF2B5EF4-FFF2-40B4-BE49-F238E27FC236}">
-                <a16:creationId xmlns:a16="http://schemas.microsoft.com/office/drawing/2014/main" id="{FE6340B1-08FE-72AA-BA88-D076FFA2D161}"/>
+                <a16:creationId xmlns:a16="http://schemas.microsoft.com/office/drawing/2014/main" id="{30AE4D8F-EA24-C95E-1616-33A5FEA52E60}"/>
               </a:ext>
             </a:extLst>
           </p:cNvPr>
@@ -13100,7 +13092,7 @@
         </p:nvSpPr>
         <p:spPr>
           <a:xfrm>
-            <a:off x="735498" y="4662800"/>
+            <a:off x="735498" y="3602626"/>
             <a:ext cx="7871789" cy="138499"/>
           </a:xfrm>
           <a:prstGeom prst="rect">
@@ -13138,7 +13130,7 @@
           <p:cNvPr id="15" name="TextBox 14">
             <a:extLst>
               <a:ext uri="{FF2B5EF4-FFF2-40B4-BE49-F238E27FC236}">
-                <a16:creationId xmlns:a16="http://schemas.microsoft.com/office/drawing/2014/main" id="{51017227-2F9C-6A93-D434-EAC552FDFBD1}"/>
+                <a16:creationId xmlns:a16="http://schemas.microsoft.com/office/drawing/2014/main" id="{925FFCF2-8248-A075-92F1-70B09C469BA7}"/>
               </a:ext>
             </a:extLst>
           </p:cNvPr>
@@ -13177,7 +13169,7 @@
           <p:cNvPr id="16" name="TextBox 15">
             <a:extLst>
               <a:ext uri="{FF2B5EF4-FFF2-40B4-BE49-F238E27FC236}">
-                <a16:creationId xmlns:a16="http://schemas.microsoft.com/office/drawing/2014/main" id="{1EBD4E59-0050-019E-AA08-A8CAB8E9294F}"/>
+                <a16:creationId xmlns:a16="http://schemas.microsoft.com/office/drawing/2014/main" id="{EB0FE37C-1147-FC54-A34B-CA0A3214BE82}"/>
               </a:ext>
             </a:extLst>
           </p:cNvPr>
@@ -13186,7 +13178,7 @@
         </p:nvSpPr>
         <p:spPr>
           <a:xfrm>
-            <a:off x="735498" y="4372668"/>
+            <a:off x="735498" y="3312494"/>
             <a:ext cx="3081128" cy="184666"/>
           </a:xfrm>
           <a:prstGeom prst="rect">
@@ -13214,7 +13206,7 @@
     </p:spTree>
     <p:extLst>
       <p:ext uri="{BB962C8B-B14F-4D97-AF65-F5344CB8AC3E}">
-        <p14:creationId xmlns:p14="http://schemas.microsoft.com/office/powerpoint/2010/main" val="683940386"/>
+        <p14:creationId xmlns:p14="http://schemas.microsoft.com/office/powerpoint/2010/main" val="3630037456"/>
       </p:ext>
     </p:extLst>
   </p:cSld>
@@ -13244,7 +13236,7 @@
         <p:cNvPr id="1" name="">
           <a:extLst>
             <a:ext uri="{FF2B5EF4-FFF2-40B4-BE49-F238E27FC236}">
-              <a16:creationId xmlns:a16="http://schemas.microsoft.com/office/drawing/2014/main" id="{5AEA0F31-03E8-F9E1-A0EC-6A7E21C164C8}"/>
+              <a16:creationId xmlns:a16="http://schemas.microsoft.com/office/drawing/2014/main" id="{0A547AAB-FE73-2CCE-4EA9-4E7210C56325}"/>
             </a:ext>
           </a:extLst>
         </p:cNvPr>
@@ -13264,7 +13256,7 @@
           <p:cNvPr id="7" name="Title 6">
             <a:extLst>
               <a:ext uri="{FF2B5EF4-FFF2-40B4-BE49-F238E27FC236}">
-                <a16:creationId xmlns:a16="http://schemas.microsoft.com/office/drawing/2014/main" id="{FF75A9DC-AFA2-E6F3-49FB-F2CB19C9FA05}"/>
+                <a16:creationId xmlns:a16="http://schemas.microsoft.com/office/drawing/2014/main" id="{A1794CA3-1416-357A-3A18-0627F8E510BB}"/>
               </a:ext>
             </a:extLst>
           </p:cNvPr>
@@ -13303,7 +13295,7 @@
           <p:cNvPr id="4" name="Rectangle 3">
             <a:extLst>
               <a:ext uri="{FF2B5EF4-FFF2-40B4-BE49-F238E27FC236}">
-                <a16:creationId xmlns:a16="http://schemas.microsoft.com/office/drawing/2014/main" id="{68418BC2-8ABA-E378-BB55-58622556F774}"/>
+                <a16:creationId xmlns:a16="http://schemas.microsoft.com/office/drawing/2014/main" id="{6B17B740-A652-F164-B4D9-525F47E41B16}"/>
               </a:ext>
             </a:extLst>
           </p:cNvPr>
@@ -13313,7 +13305,7 @@
         <p:spPr>
           <a:xfrm>
             <a:off x="632460" y="1086679"/>
-            <a:ext cx="8074218" cy="2849218"/>
+            <a:ext cx="8074218" cy="1809423"/>
           </a:xfrm>
           <a:prstGeom prst="rect">
             <a:avLst/>
@@ -13361,7 +13353,7 @@
           <p:cNvPr id="5" name="Rectangle 4">
             <a:extLst>
               <a:ext uri="{FF2B5EF4-FFF2-40B4-BE49-F238E27FC236}">
-                <a16:creationId xmlns:a16="http://schemas.microsoft.com/office/drawing/2014/main" id="{BBA494D6-9EB2-5B8A-22B4-31ED7D8AC749}"/>
+                <a16:creationId xmlns:a16="http://schemas.microsoft.com/office/drawing/2014/main" id="{1DC75F08-DB2D-E795-114E-B4D54BCB4BA4}"/>
               </a:ext>
             </a:extLst>
           </p:cNvPr>
@@ -13370,8 +13362,8 @@
         </p:nvSpPr>
         <p:spPr>
           <a:xfrm>
-            <a:off x="632460" y="4267201"/>
-            <a:ext cx="8074218" cy="2010664"/>
+            <a:off x="632460" y="3193774"/>
+            <a:ext cx="8074218" cy="3084091"/>
           </a:xfrm>
           <a:prstGeom prst="rect">
             <a:avLst/>
@@ -13428,7 +13420,7 @@
           <p:cNvPr id="6" name="Rectangle 5">
             <a:extLst>
               <a:ext uri="{FF2B5EF4-FFF2-40B4-BE49-F238E27FC236}">
-                <a16:creationId xmlns:a16="http://schemas.microsoft.com/office/drawing/2014/main" id="{C0501B63-350B-34C8-32BA-13D7CFA14DA6}"/>
+                <a16:creationId xmlns:a16="http://schemas.microsoft.com/office/drawing/2014/main" id="{0D5895B4-43FB-504E-3983-4B5BDB9DDA57}"/>
               </a:ext>
             </a:extLst>
           </p:cNvPr>
@@ -13486,7 +13478,7 @@
           <p:cNvPr id="12" name="TextBox 11">
             <a:extLst>
               <a:ext uri="{FF2B5EF4-FFF2-40B4-BE49-F238E27FC236}">
-                <a16:creationId xmlns:a16="http://schemas.microsoft.com/office/drawing/2014/main" id="{D3C0A7CB-ABB6-3640-1208-46E10075EC23}"/>
+                <a16:creationId xmlns:a16="http://schemas.microsoft.com/office/drawing/2014/main" id="{70E063E3-4873-56F5-B9AC-BC39FBE54568}"/>
               </a:ext>
             </a:extLst>
           </p:cNvPr>
@@ -13530,7 +13522,7 @@
           <p:cNvPr id="13" name="TextBox 12">
             <a:extLst>
               <a:ext uri="{FF2B5EF4-FFF2-40B4-BE49-F238E27FC236}">
-                <a16:creationId xmlns:a16="http://schemas.microsoft.com/office/drawing/2014/main" id="{712F1FA4-8B1D-C333-8DFD-8075C0FF61FD}"/>
+                <a16:creationId xmlns:a16="http://schemas.microsoft.com/office/drawing/2014/main" id="{6F7925B4-0E9D-7B88-B236-0B0F0E921830}"/>
               </a:ext>
             </a:extLst>
           </p:cNvPr>
@@ -13574,7 +13566,7 @@
           <p:cNvPr id="14" name="TextBox 13">
             <a:extLst>
               <a:ext uri="{FF2B5EF4-FFF2-40B4-BE49-F238E27FC236}">
-                <a16:creationId xmlns:a16="http://schemas.microsoft.com/office/drawing/2014/main" id="{B0F235DE-B0B7-70F3-BADF-C03F2E612AAF}"/>
+                <a16:creationId xmlns:a16="http://schemas.microsoft.com/office/drawing/2014/main" id="{6640E88E-11DD-6DF7-0696-1BB093F3166B}"/>
               </a:ext>
             </a:extLst>
           </p:cNvPr>
@@ -13583,7 +13575,7 @@
         </p:nvSpPr>
         <p:spPr>
           <a:xfrm>
-            <a:off x="735498" y="4662800"/>
+            <a:off x="735498" y="3602626"/>
             <a:ext cx="7871789" cy="138499"/>
           </a:xfrm>
           <a:prstGeom prst="rect">
@@ -13621,7 +13613,7 @@
           <p:cNvPr id="15" name="TextBox 14">
             <a:extLst>
               <a:ext uri="{FF2B5EF4-FFF2-40B4-BE49-F238E27FC236}">
-                <a16:creationId xmlns:a16="http://schemas.microsoft.com/office/drawing/2014/main" id="{85F57ACC-7060-4D43-1C1D-79C57E7FE135}"/>
+                <a16:creationId xmlns:a16="http://schemas.microsoft.com/office/drawing/2014/main" id="{D1405FD8-2488-5D90-9CA1-E3F8258C2BAA}"/>
               </a:ext>
             </a:extLst>
           </p:cNvPr>
@@ -13660,7 +13652,7 @@
           <p:cNvPr id="16" name="TextBox 15">
             <a:extLst>
               <a:ext uri="{FF2B5EF4-FFF2-40B4-BE49-F238E27FC236}">
-                <a16:creationId xmlns:a16="http://schemas.microsoft.com/office/drawing/2014/main" id="{0FE452E1-4E51-49A4-A1F4-CC8A46728EF8}"/>
+                <a16:creationId xmlns:a16="http://schemas.microsoft.com/office/drawing/2014/main" id="{7E9B75E3-508C-30CB-7A0B-ACF833516A3A}"/>
               </a:ext>
             </a:extLst>
           </p:cNvPr>
@@ -13669,7 +13661,7 @@
         </p:nvSpPr>
         <p:spPr>
           <a:xfrm>
-            <a:off x="735498" y="4372668"/>
+            <a:off x="735498" y="3312494"/>
             <a:ext cx="3081128" cy="184666"/>
           </a:xfrm>
           <a:prstGeom prst="rect">
@@ -13697,7 +13689,7 @@
     </p:spTree>
     <p:extLst>
       <p:ext uri="{BB962C8B-B14F-4D97-AF65-F5344CB8AC3E}">
-        <p14:creationId xmlns:p14="http://schemas.microsoft.com/office/powerpoint/2010/main" val="1831545784"/>
+        <p14:creationId xmlns:p14="http://schemas.microsoft.com/office/powerpoint/2010/main" val="3793876728"/>
       </p:ext>
     </p:extLst>
   </p:cSld>
@@ -13727,7 +13719,7 @@
         <p:cNvPr id="1" name="">
           <a:extLst>
             <a:ext uri="{FF2B5EF4-FFF2-40B4-BE49-F238E27FC236}">
-              <a16:creationId xmlns:a16="http://schemas.microsoft.com/office/drawing/2014/main" id="{8D5D472D-2DDB-6390-76CF-192DE4CE700E}"/>
+              <a16:creationId xmlns:a16="http://schemas.microsoft.com/office/drawing/2014/main" id="{0190BD26-3B4B-48EA-ADA7-4FF3E9DD3A7C}"/>
             </a:ext>
           </a:extLst>
         </p:cNvPr>
@@ -13747,7 +13739,7 @@
           <p:cNvPr id="7" name="Title 6">
             <a:extLst>
               <a:ext uri="{FF2B5EF4-FFF2-40B4-BE49-F238E27FC236}">
-                <a16:creationId xmlns:a16="http://schemas.microsoft.com/office/drawing/2014/main" id="{6119328B-5373-BC4C-DEAF-8BA3CCDE2F26}"/>
+                <a16:creationId xmlns:a16="http://schemas.microsoft.com/office/drawing/2014/main" id="{84C00D58-02E0-A362-D456-D41EF9ADC87E}"/>
               </a:ext>
             </a:extLst>
           </p:cNvPr>
@@ -13786,7 +13778,7 @@
           <p:cNvPr id="4" name="Rectangle 3">
             <a:extLst>
               <a:ext uri="{FF2B5EF4-FFF2-40B4-BE49-F238E27FC236}">
-                <a16:creationId xmlns:a16="http://schemas.microsoft.com/office/drawing/2014/main" id="{1CE52817-0B93-2A3C-B389-1E0EA6EDB2C9}"/>
+                <a16:creationId xmlns:a16="http://schemas.microsoft.com/office/drawing/2014/main" id="{83B6BC16-316E-FD27-B9B3-4C8A5054CB68}"/>
               </a:ext>
             </a:extLst>
           </p:cNvPr>
@@ -13796,7 +13788,7 @@
         <p:spPr>
           <a:xfrm>
             <a:off x="632460" y="1086679"/>
-            <a:ext cx="8074218" cy="2849218"/>
+            <a:ext cx="8074218" cy="1809423"/>
           </a:xfrm>
           <a:prstGeom prst="rect">
             <a:avLst/>
@@ -13844,7 +13836,7 @@
           <p:cNvPr id="5" name="Rectangle 4">
             <a:extLst>
               <a:ext uri="{FF2B5EF4-FFF2-40B4-BE49-F238E27FC236}">
-                <a16:creationId xmlns:a16="http://schemas.microsoft.com/office/drawing/2014/main" id="{AD567EC1-77BF-B1ED-0A07-B83ABD14B9FC}"/>
+                <a16:creationId xmlns:a16="http://schemas.microsoft.com/office/drawing/2014/main" id="{98A10FF5-C665-B26B-2BAF-092FAC01FDE9}"/>
               </a:ext>
             </a:extLst>
           </p:cNvPr>
@@ -13853,8 +13845,8 @@
         </p:nvSpPr>
         <p:spPr>
           <a:xfrm>
-            <a:off x="632460" y="4267201"/>
-            <a:ext cx="8074218" cy="2010664"/>
+            <a:off x="632460" y="3193774"/>
+            <a:ext cx="8074218" cy="3084091"/>
           </a:xfrm>
           <a:prstGeom prst="rect">
             <a:avLst/>
@@ -13911,7 +13903,7 @@
           <p:cNvPr id="6" name="Rectangle 5">
             <a:extLst>
               <a:ext uri="{FF2B5EF4-FFF2-40B4-BE49-F238E27FC236}">
-                <a16:creationId xmlns:a16="http://schemas.microsoft.com/office/drawing/2014/main" id="{9597FA0A-7803-AAD5-CE08-37D964515BA4}"/>
+                <a16:creationId xmlns:a16="http://schemas.microsoft.com/office/drawing/2014/main" id="{A3EF5D15-EEED-BA94-03AA-213A3B4B847B}"/>
               </a:ext>
             </a:extLst>
           </p:cNvPr>
@@ -13969,7 +13961,7 @@
           <p:cNvPr id="12" name="TextBox 11">
             <a:extLst>
               <a:ext uri="{FF2B5EF4-FFF2-40B4-BE49-F238E27FC236}">
-                <a16:creationId xmlns:a16="http://schemas.microsoft.com/office/drawing/2014/main" id="{395BF4B2-61A7-1073-A30F-0E06621B248B}"/>
+                <a16:creationId xmlns:a16="http://schemas.microsoft.com/office/drawing/2014/main" id="{0EA2F56B-0543-AF11-5CEC-4446CA35D927}"/>
               </a:ext>
             </a:extLst>
           </p:cNvPr>
@@ -14013,7 +14005,7 @@
           <p:cNvPr id="13" name="TextBox 12">
             <a:extLst>
               <a:ext uri="{FF2B5EF4-FFF2-40B4-BE49-F238E27FC236}">
-                <a16:creationId xmlns:a16="http://schemas.microsoft.com/office/drawing/2014/main" id="{D3BA66FC-E0C6-8193-F5AD-7A1BF5A87B08}"/>
+                <a16:creationId xmlns:a16="http://schemas.microsoft.com/office/drawing/2014/main" id="{8FD637E2-01E8-F417-09F3-62D6D7716167}"/>
               </a:ext>
             </a:extLst>
           </p:cNvPr>
@@ -14057,7 +14049,7 @@
           <p:cNvPr id="14" name="TextBox 13">
             <a:extLst>
               <a:ext uri="{FF2B5EF4-FFF2-40B4-BE49-F238E27FC236}">
-                <a16:creationId xmlns:a16="http://schemas.microsoft.com/office/drawing/2014/main" id="{73EA7F05-8797-E950-4D1C-981666BF53FC}"/>
+                <a16:creationId xmlns:a16="http://schemas.microsoft.com/office/drawing/2014/main" id="{0AD269FC-B220-7AC3-2B4B-DCEF6F5B4483}"/>
               </a:ext>
             </a:extLst>
           </p:cNvPr>
@@ -14066,7 +14058,7 @@
         </p:nvSpPr>
         <p:spPr>
           <a:xfrm>
-            <a:off x="735498" y="4662800"/>
+            <a:off x="735498" y="3602626"/>
             <a:ext cx="7871789" cy="138499"/>
           </a:xfrm>
           <a:prstGeom prst="rect">
@@ -14104,7 +14096,7 @@
           <p:cNvPr id="15" name="TextBox 14">
             <a:extLst>
               <a:ext uri="{FF2B5EF4-FFF2-40B4-BE49-F238E27FC236}">
-                <a16:creationId xmlns:a16="http://schemas.microsoft.com/office/drawing/2014/main" id="{6A92B98C-5F32-CAE2-F338-88AFE9A31F5C}"/>
+                <a16:creationId xmlns:a16="http://schemas.microsoft.com/office/drawing/2014/main" id="{9003B697-8138-3F38-630F-FD87B67597DA}"/>
               </a:ext>
             </a:extLst>
           </p:cNvPr>
@@ -14143,7 +14135,7 @@
           <p:cNvPr id="16" name="TextBox 15">
             <a:extLst>
               <a:ext uri="{FF2B5EF4-FFF2-40B4-BE49-F238E27FC236}">
-                <a16:creationId xmlns:a16="http://schemas.microsoft.com/office/drawing/2014/main" id="{8AFB0B67-9FD1-2157-3FC8-77226D545F80}"/>
+                <a16:creationId xmlns:a16="http://schemas.microsoft.com/office/drawing/2014/main" id="{800AB61C-5C46-A2E5-B3D4-548D567D4038}"/>
               </a:ext>
             </a:extLst>
           </p:cNvPr>
@@ -14152,7 +14144,7 @@
         </p:nvSpPr>
         <p:spPr>
           <a:xfrm>
-            <a:off x="735498" y="4372668"/>
+            <a:off x="735498" y="3312494"/>
             <a:ext cx="3081128" cy="184666"/>
           </a:xfrm>
           <a:prstGeom prst="rect">
@@ -14180,7 +14172,7 @@
     </p:spTree>
     <p:extLst>
       <p:ext uri="{BB962C8B-B14F-4D97-AF65-F5344CB8AC3E}">
-        <p14:creationId xmlns:p14="http://schemas.microsoft.com/office/powerpoint/2010/main" val="1537008804"/>
+        <p14:creationId xmlns:p14="http://schemas.microsoft.com/office/powerpoint/2010/main" val="2756848529"/>
       </p:ext>
     </p:extLst>
   </p:cSld>
@@ -14210,7 +14202,7 @@
         <p:cNvPr id="1" name="">
           <a:extLst>
             <a:ext uri="{FF2B5EF4-FFF2-40B4-BE49-F238E27FC236}">
-              <a16:creationId xmlns:a16="http://schemas.microsoft.com/office/drawing/2014/main" id="{0F5B0761-94F2-FABA-CBDF-4C9583E3122D}"/>
+              <a16:creationId xmlns:a16="http://schemas.microsoft.com/office/drawing/2014/main" id="{D5B5C63D-B3B4-392A-F399-E44F0336B849}"/>
             </a:ext>
           </a:extLst>
         </p:cNvPr>
@@ -14230,7 +14222,7 @@
           <p:cNvPr id="7" name="Title 6">
             <a:extLst>
               <a:ext uri="{FF2B5EF4-FFF2-40B4-BE49-F238E27FC236}">
-                <a16:creationId xmlns:a16="http://schemas.microsoft.com/office/drawing/2014/main" id="{51D561F4-661F-AB2D-B209-DBAD05080212}"/>
+                <a16:creationId xmlns:a16="http://schemas.microsoft.com/office/drawing/2014/main" id="{7DFE274A-F3D2-7DE3-AABE-CC98D825C1A6}"/>
               </a:ext>
             </a:extLst>
           </p:cNvPr>
@@ -14269,7 +14261,7 @@
           <p:cNvPr id="4" name="Rectangle 3">
             <a:extLst>
               <a:ext uri="{FF2B5EF4-FFF2-40B4-BE49-F238E27FC236}">
-                <a16:creationId xmlns:a16="http://schemas.microsoft.com/office/drawing/2014/main" id="{F69CAA57-4B16-0642-27E8-C5F56E0119B7}"/>
+                <a16:creationId xmlns:a16="http://schemas.microsoft.com/office/drawing/2014/main" id="{F0417450-C18C-4750-8480-0F7E190DF5C0}"/>
               </a:ext>
             </a:extLst>
           </p:cNvPr>
@@ -14279,7 +14271,7 @@
         <p:spPr>
           <a:xfrm>
             <a:off x="632460" y="1086679"/>
-            <a:ext cx="8074218" cy="2849218"/>
+            <a:ext cx="8074218" cy="1809423"/>
           </a:xfrm>
           <a:prstGeom prst="rect">
             <a:avLst/>
@@ -14327,7 +14319,7 @@
           <p:cNvPr id="5" name="Rectangle 4">
             <a:extLst>
               <a:ext uri="{FF2B5EF4-FFF2-40B4-BE49-F238E27FC236}">
-                <a16:creationId xmlns:a16="http://schemas.microsoft.com/office/drawing/2014/main" id="{F6B9DE1A-A94B-8D8B-53DE-9B9A108C3575}"/>
+                <a16:creationId xmlns:a16="http://schemas.microsoft.com/office/drawing/2014/main" id="{BAF9CE3D-22FD-5D13-466B-65F3DF2B789F}"/>
               </a:ext>
             </a:extLst>
           </p:cNvPr>
@@ -14336,8 +14328,8 @@
         </p:nvSpPr>
         <p:spPr>
           <a:xfrm>
-            <a:off x="632460" y="4267201"/>
-            <a:ext cx="8074218" cy="2010664"/>
+            <a:off x="632460" y="3193774"/>
+            <a:ext cx="8074218" cy="3084091"/>
           </a:xfrm>
           <a:prstGeom prst="rect">
             <a:avLst/>
@@ -14394,7 +14386,7 @@
           <p:cNvPr id="6" name="Rectangle 5">
             <a:extLst>
               <a:ext uri="{FF2B5EF4-FFF2-40B4-BE49-F238E27FC236}">
-                <a16:creationId xmlns:a16="http://schemas.microsoft.com/office/drawing/2014/main" id="{B7F64DE1-1A24-5278-3AE1-B7F2EF7FD988}"/>
+                <a16:creationId xmlns:a16="http://schemas.microsoft.com/office/drawing/2014/main" id="{A8BCE828-B816-C6FE-453D-45319A8AF53A}"/>
               </a:ext>
             </a:extLst>
           </p:cNvPr>
@@ -14452,7 +14444,7 @@
           <p:cNvPr id="12" name="TextBox 11">
             <a:extLst>
               <a:ext uri="{FF2B5EF4-FFF2-40B4-BE49-F238E27FC236}">
-                <a16:creationId xmlns:a16="http://schemas.microsoft.com/office/drawing/2014/main" id="{B0E24993-DCCD-21CB-7044-B99285829C13}"/>
+                <a16:creationId xmlns:a16="http://schemas.microsoft.com/office/drawing/2014/main" id="{625D508F-58D2-E176-485A-DAECE88579CF}"/>
               </a:ext>
             </a:extLst>
           </p:cNvPr>
@@ -14496,7 +14488,7 @@
           <p:cNvPr id="13" name="TextBox 12">
             <a:extLst>
               <a:ext uri="{FF2B5EF4-FFF2-40B4-BE49-F238E27FC236}">
-                <a16:creationId xmlns:a16="http://schemas.microsoft.com/office/drawing/2014/main" id="{6B7A30BA-7CBE-E839-CC12-793D3EA29411}"/>
+                <a16:creationId xmlns:a16="http://schemas.microsoft.com/office/drawing/2014/main" id="{85FF34CE-5BAE-B335-8C5D-9E5359464129}"/>
               </a:ext>
             </a:extLst>
           </p:cNvPr>
@@ -14540,7 +14532,7 @@
           <p:cNvPr id="14" name="TextBox 13">
             <a:extLst>
               <a:ext uri="{FF2B5EF4-FFF2-40B4-BE49-F238E27FC236}">
-                <a16:creationId xmlns:a16="http://schemas.microsoft.com/office/drawing/2014/main" id="{BCA0BB89-E07E-8EDB-1A5D-20DD50B6333A}"/>
+                <a16:creationId xmlns:a16="http://schemas.microsoft.com/office/drawing/2014/main" id="{ACC3D035-C3BD-892D-9266-9F3A34F26317}"/>
               </a:ext>
             </a:extLst>
           </p:cNvPr>
@@ -14549,7 +14541,7 @@
         </p:nvSpPr>
         <p:spPr>
           <a:xfrm>
-            <a:off x="735498" y="4662800"/>
+            <a:off x="735498" y="3602626"/>
             <a:ext cx="7871789" cy="138499"/>
           </a:xfrm>
           <a:prstGeom prst="rect">
@@ -14587,7 +14579,7 @@
           <p:cNvPr id="15" name="TextBox 14">
             <a:extLst>
               <a:ext uri="{FF2B5EF4-FFF2-40B4-BE49-F238E27FC236}">
-                <a16:creationId xmlns:a16="http://schemas.microsoft.com/office/drawing/2014/main" id="{B8BB850F-AB2B-FA2E-D9A6-24DC75080D5E}"/>
+                <a16:creationId xmlns:a16="http://schemas.microsoft.com/office/drawing/2014/main" id="{377672E3-DB34-EB48-A11E-22F4D8EAFC04}"/>
               </a:ext>
             </a:extLst>
           </p:cNvPr>
@@ -14626,7 +14618,7 @@
           <p:cNvPr id="16" name="TextBox 15">
             <a:extLst>
               <a:ext uri="{FF2B5EF4-FFF2-40B4-BE49-F238E27FC236}">
-                <a16:creationId xmlns:a16="http://schemas.microsoft.com/office/drawing/2014/main" id="{F9734351-48B0-8783-B524-F869EB8DE7E2}"/>
+                <a16:creationId xmlns:a16="http://schemas.microsoft.com/office/drawing/2014/main" id="{C3542D6C-7B69-F8F6-CD06-C4286B1F2B0B}"/>
               </a:ext>
             </a:extLst>
           </p:cNvPr>
@@ -14635,7 +14627,7 @@
         </p:nvSpPr>
         <p:spPr>
           <a:xfrm>
-            <a:off x="735498" y="4372668"/>
+            <a:off x="735498" y="3312494"/>
             <a:ext cx="3081128" cy="184666"/>
           </a:xfrm>
           <a:prstGeom prst="rect">
@@ -14663,7 +14655,7 @@
     </p:spTree>
     <p:extLst>
       <p:ext uri="{BB962C8B-B14F-4D97-AF65-F5344CB8AC3E}">
-        <p14:creationId xmlns:p14="http://schemas.microsoft.com/office/powerpoint/2010/main" val="2067858854"/>
+        <p14:creationId xmlns:p14="http://schemas.microsoft.com/office/powerpoint/2010/main" val="1900921294"/>
       </p:ext>
     </p:extLst>
   </p:cSld>
@@ -14693,7 +14685,7 @@
         <p:cNvPr id="1" name="">
           <a:extLst>
             <a:ext uri="{FF2B5EF4-FFF2-40B4-BE49-F238E27FC236}">
-              <a16:creationId xmlns:a16="http://schemas.microsoft.com/office/drawing/2014/main" id="{27FB7584-1371-E92D-4787-D6FFB40E5D54}"/>
+              <a16:creationId xmlns:a16="http://schemas.microsoft.com/office/drawing/2014/main" id="{DA3E3BB4-41FF-F504-5C21-9905ABFDBA66}"/>
             </a:ext>
           </a:extLst>
         </p:cNvPr>
@@ -14713,7 +14705,7 @@
           <p:cNvPr id="7" name="Title 6">
             <a:extLst>
               <a:ext uri="{FF2B5EF4-FFF2-40B4-BE49-F238E27FC236}">
-                <a16:creationId xmlns:a16="http://schemas.microsoft.com/office/drawing/2014/main" id="{089D8BD2-B493-AA1B-911B-61350A97DE13}"/>
+                <a16:creationId xmlns:a16="http://schemas.microsoft.com/office/drawing/2014/main" id="{75CCFD2D-498C-FBAC-9DB0-0B8FCD4E8835}"/>
               </a:ext>
             </a:extLst>
           </p:cNvPr>
@@ -14752,7 +14744,7 @@
           <p:cNvPr id="4" name="Rectangle 3">
             <a:extLst>
               <a:ext uri="{FF2B5EF4-FFF2-40B4-BE49-F238E27FC236}">
-                <a16:creationId xmlns:a16="http://schemas.microsoft.com/office/drawing/2014/main" id="{7978EC62-EE60-E424-BB7B-6D94C8858830}"/>
+                <a16:creationId xmlns:a16="http://schemas.microsoft.com/office/drawing/2014/main" id="{4E0003DA-B93A-0BC9-A8EE-B234DF910439}"/>
               </a:ext>
             </a:extLst>
           </p:cNvPr>
@@ -14762,7 +14754,7 @@
         <p:spPr>
           <a:xfrm>
             <a:off x="632460" y="1086679"/>
-            <a:ext cx="8074218" cy="2849218"/>
+            <a:ext cx="8074218" cy="1809423"/>
           </a:xfrm>
           <a:prstGeom prst="rect">
             <a:avLst/>
@@ -14810,7 +14802,7 @@
           <p:cNvPr id="5" name="Rectangle 4">
             <a:extLst>
               <a:ext uri="{FF2B5EF4-FFF2-40B4-BE49-F238E27FC236}">
-                <a16:creationId xmlns:a16="http://schemas.microsoft.com/office/drawing/2014/main" id="{1F5A282D-B1AD-51C6-D0C2-863964F91E4B}"/>
+                <a16:creationId xmlns:a16="http://schemas.microsoft.com/office/drawing/2014/main" id="{CF805C88-0D2A-C60F-CF6D-2B0C4E3A2F32}"/>
               </a:ext>
             </a:extLst>
           </p:cNvPr>
@@ -14819,8 +14811,8 @@
         </p:nvSpPr>
         <p:spPr>
           <a:xfrm>
-            <a:off x="632460" y="4267201"/>
-            <a:ext cx="8074218" cy="2010664"/>
+            <a:off x="632460" y="3193774"/>
+            <a:ext cx="8074218" cy="3084091"/>
           </a:xfrm>
           <a:prstGeom prst="rect">
             <a:avLst/>
@@ -14877,7 +14869,7 @@
           <p:cNvPr id="6" name="Rectangle 5">
             <a:extLst>
               <a:ext uri="{FF2B5EF4-FFF2-40B4-BE49-F238E27FC236}">
-                <a16:creationId xmlns:a16="http://schemas.microsoft.com/office/drawing/2014/main" id="{C076D77F-F70B-571D-263A-450CC3815FFB}"/>
+                <a16:creationId xmlns:a16="http://schemas.microsoft.com/office/drawing/2014/main" id="{92369305-5492-4D06-95AA-A5A28EE54C8B}"/>
               </a:ext>
             </a:extLst>
           </p:cNvPr>
@@ -14935,7 +14927,7 @@
           <p:cNvPr id="12" name="TextBox 11">
             <a:extLst>
               <a:ext uri="{FF2B5EF4-FFF2-40B4-BE49-F238E27FC236}">
-                <a16:creationId xmlns:a16="http://schemas.microsoft.com/office/drawing/2014/main" id="{EBE5C2B8-45F3-2C01-40D7-D192A7E55CF4}"/>
+                <a16:creationId xmlns:a16="http://schemas.microsoft.com/office/drawing/2014/main" id="{E310027B-51C0-A517-3EA2-AF48D257BFF9}"/>
               </a:ext>
             </a:extLst>
           </p:cNvPr>
@@ -14979,7 +14971,7 @@
           <p:cNvPr id="13" name="TextBox 12">
             <a:extLst>
               <a:ext uri="{FF2B5EF4-FFF2-40B4-BE49-F238E27FC236}">
-                <a16:creationId xmlns:a16="http://schemas.microsoft.com/office/drawing/2014/main" id="{A1D5DE5C-41B6-DB11-E448-F0AF4F3FDD18}"/>
+                <a16:creationId xmlns:a16="http://schemas.microsoft.com/office/drawing/2014/main" id="{F63877E5-323B-C8C3-6FB3-A30558BB5C5B}"/>
               </a:ext>
             </a:extLst>
           </p:cNvPr>
@@ -15023,7 +15015,7 @@
           <p:cNvPr id="14" name="TextBox 13">
             <a:extLst>
               <a:ext uri="{FF2B5EF4-FFF2-40B4-BE49-F238E27FC236}">
-                <a16:creationId xmlns:a16="http://schemas.microsoft.com/office/drawing/2014/main" id="{B48F1312-32FE-818D-95FD-37F47A0E81E7}"/>
+                <a16:creationId xmlns:a16="http://schemas.microsoft.com/office/drawing/2014/main" id="{AE69E352-4917-5294-8E6C-E25F9CEB8144}"/>
               </a:ext>
             </a:extLst>
           </p:cNvPr>
@@ -15032,7 +15024,7 @@
         </p:nvSpPr>
         <p:spPr>
           <a:xfrm>
-            <a:off x="735498" y="4662800"/>
+            <a:off x="735498" y="3602626"/>
             <a:ext cx="7871789" cy="138499"/>
           </a:xfrm>
           <a:prstGeom prst="rect">
@@ -15070,7 +15062,7 @@
           <p:cNvPr id="15" name="TextBox 14">
             <a:extLst>
               <a:ext uri="{FF2B5EF4-FFF2-40B4-BE49-F238E27FC236}">
-                <a16:creationId xmlns:a16="http://schemas.microsoft.com/office/drawing/2014/main" id="{138E8637-3B40-9335-1AA4-F12C4E79CBEA}"/>
+                <a16:creationId xmlns:a16="http://schemas.microsoft.com/office/drawing/2014/main" id="{1A5695DD-E47F-E093-1D5B-1A551CCF89C4}"/>
               </a:ext>
             </a:extLst>
           </p:cNvPr>
@@ -15109,7 +15101,7 @@
           <p:cNvPr id="16" name="TextBox 15">
             <a:extLst>
               <a:ext uri="{FF2B5EF4-FFF2-40B4-BE49-F238E27FC236}">
-                <a16:creationId xmlns:a16="http://schemas.microsoft.com/office/drawing/2014/main" id="{460F2297-814D-403D-D334-37DF31AF5EB6}"/>
+                <a16:creationId xmlns:a16="http://schemas.microsoft.com/office/drawing/2014/main" id="{705CCF41-35A1-7BA1-A72D-6CC839F1B3D2}"/>
               </a:ext>
             </a:extLst>
           </p:cNvPr>
@@ -15118,7 +15110,7 @@
         </p:nvSpPr>
         <p:spPr>
           <a:xfrm>
-            <a:off x="735498" y="4372668"/>
+            <a:off x="735498" y="3312494"/>
             <a:ext cx="3081128" cy="184666"/>
           </a:xfrm>
           <a:prstGeom prst="rect">
@@ -15146,7 +15138,7 @@
     </p:spTree>
     <p:extLst>
       <p:ext uri="{BB962C8B-B14F-4D97-AF65-F5344CB8AC3E}">
-        <p14:creationId xmlns:p14="http://schemas.microsoft.com/office/powerpoint/2010/main" val="1964195811"/>
+        <p14:creationId xmlns:p14="http://schemas.microsoft.com/office/powerpoint/2010/main" val="1085957296"/>
       </p:ext>
     </p:extLst>
   </p:cSld>
@@ -15176,7 +15168,7 @@
         <p:cNvPr id="1" name="">
           <a:extLst>
             <a:ext uri="{FF2B5EF4-FFF2-40B4-BE49-F238E27FC236}">
-              <a16:creationId xmlns:a16="http://schemas.microsoft.com/office/drawing/2014/main" id="{58D4F817-957E-7874-1DDC-EABC0FB652C6}"/>
+              <a16:creationId xmlns:a16="http://schemas.microsoft.com/office/drawing/2014/main" id="{ED86ED08-6BB0-4E5A-849A-7B6CFDEDF613}"/>
             </a:ext>
           </a:extLst>
         </p:cNvPr>
@@ -15196,7 +15188,7 @@
           <p:cNvPr id="7" name="Title 6">
             <a:extLst>
               <a:ext uri="{FF2B5EF4-FFF2-40B4-BE49-F238E27FC236}">
-                <a16:creationId xmlns:a16="http://schemas.microsoft.com/office/drawing/2014/main" id="{4823AAFF-67FF-EF58-70DE-C53835388C4F}"/>
+                <a16:creationId xmlns:a16="http://schemas.microsoft.com/office/drawing/2014/main" id="{B2934DBE-C861-0FC9-8CBC-98FB8BE11936}"/>
               </a:ext>
             </a:extLst>
           </p:cNvPr>
@@ -15235,7 +15227,7 @@
           <p:cNvPr id="4" name="Rectangle 3">
             <a:extLst>
               <a:ext uri="{FF2B5EF4-FFF2-40B4-BE49-F238E27FC236}">
-                <a16:creationId xmlns:a16="http://schemas.microsoft.com/office/drawing/2014/main" id="{2C4AC0DA-5002-E8A7-78A0-08FFBFE664E2}"/>
+                <a16:creationId xmlns:a16="http://schemas.microsoft.com/office/drawing/2014/main" id="{DEB72D99-D908-9079-B0E8-73196626174D}"/>
               </a:ext>
             </a:extLst>
           </p:cNvPr>
@@ -15245,7 +15237,7 @@
         <p:spPr>
           <a:xfrm>
             <a:off x="632460" y="1086679"/>
-            <a:ext cx="8074218" cy="2849218"/>
+            <a:ext cx="8074218" cy="1809423"/>
           </a:xfrm>
           <a:prstGeom prst="rect">
             <a:avLst/>
@@ -15293,7 +15285,7 @@
           <p:cNvPr id="5" name="Rectangle 4">
             <a:extLst>
               <a:ext uri="{FF2B5EF4-FFF2-40B4-BE49-F238E27FC236}">
-                <a16:creationId xmlns:a16="http://schemas.microsoft.com/office/drawing/2014/main" id="{0786586B-CF4E-B97C-C0A8-7C555628E256}"/>
+                <a16:creationId xmlns:a16="http://schemas.microsoft.com/office/drawing/2014/main" id="{DDB07493-0A16-AA25-4B9D-F8323F91DE73}"/>
               </a:ext>
             </a:extLst>
           </p:cNvPr>
@@ -15302,8 +15294,8 @@
         </p:nvSpPr>
         <p:spPr>
           <a:xfrm>
-            <a:off x="632460" y="4267201"/>
-            <a:ext cx="8074218" cy="2010664"/>
+            <a:off x="632460" y="3193774"/>
+            <a:ext cx="8074218" cy="3084091"/>
           </a:xfrm>
           <a:prstGeom prst="rect">
             <a:avLst/>
@@ -15360,7 +15352,7 @@
           <p:cNvPr id="6" name="Rectangle 5">
             <a:extLst>
               <a:ext uri="{FF2B5EF4-FFF2-40B4-BE49-F238E27FC236}">
-                <a16:creationId xmlns:a16="http://schemas.microsoft.com/office/drawing/2014/main" id="{25CA51A6-0DB4-9C53-14C8-D180780AE5EA}"/>
+                <a16:creationId xmlns:a16="http://schemas.microsoft.com/office/drawing/2014/main" id="{99D42325-AB3F-409A-031E-46B571C92256}"/>
               </a:ext>
             </a:extLst>
           </p:cNvPr>
@@ -15418,7 +15410,7 @@
           <p:cNvPr id="12" name="TextBox 11">
             <a:extLst>
               <a:ext uri="{FF2B5EF4-FFF2-40B4-BE49-F238E27FC236}">
-                <a16:creationId xmlns:a16="http://schemas.microsoft.com/office/drawing/2014/main" id="{CF2D69E7-F38F-BF75-B126-D289D28ECF42}"/>
+                <a16:creationId xmlns:a16="http://schemas.microsoft.com/office/drawing/2014/main" id="{0FAD346A-91EA-9A1B-CEC5-2916ADD0D12E}"/>
               </a:ext>
             </a:extLst>
           </p:cNvPr>
@@ -15462,7 +15454,7 @@
           <p:cNvPr id="13" name="TextBox 12">
             <a:extLst>
               <a:ext uri="{FF2B5EF4-FFF2-40B4-BE49-F238E27FC236}">
-                <a16:creationId xmlns:a16="http://schemas.microsoft.com/office/drawing/2014/main" id="{44E48710-7A61-6F97-955D-75BC82F2D22B}"/>
+                <a16:creationId xmlns:a16="http://schemas.microsoft.com/office/drawing/2014/main" id="{81382AAA-0FDE-15DD-E64E-710998131123}"/>
               </a:ext>
             </a:extLst>
           </p:cNvPr>
@@ -15506,7 +15498,7 @@
           <p:cNvPr id="14" name="TextBox 13">
             <a:extLst>
               <a:ext uri="{FF2B5EF4-FFF2-40B4-BE49-F238E27FC236}">
-                <a16:creationId xmlns:a16="http://schemas.microsoft.com/office/drawing/2014/main" id="{B0C0A869-2884-8FF0-74BF-B8F1A2CF24A9}"/>
+                <a16:creationId xmlns:a16="http://schemas.microsoft.com/office/drawing/2014/main" id="{07B044C3-B0A1-9A3D-BF86-0669CA4EFAE5}"/>
               </a:ext>
             </a:extLst>
           </p:cNvPr>
@@ -15515,7 +15507,7 @@
         </p:nvSpPr>
         <p:spPr>
           <a:xfrm>
-            <a:off x="735498" y="4662800"/>
+            <a:off x="735498" y="3602626"/>
             <a:ext cx="7871789" cy="138499"/>
           </a:xfrm>
           <a:prstGeom prst="rect">
@@ -15553,7 +15545,7 @@
           <p:cNvPr id="15" name="TextBox 14">
             <a:extLst>
               <a:ext uri="{FF2B5EF4-FFF2-40B4-BE49-F238E27FC236}">
-                <a16:creationId xmlns:a16="http://schemas.microsoft.com/office/drawing/2014/main" id="{230468B1-090E-7157-0FF2-D073409F1A50}"/>
+                <a16:creationId xmlns:a16="http://schemas.microsoft.com/office/drawing/2014/main" id="{BE0EC0FF-E451-E989-5902-73C540F7D9FB}"/>
               </a:ext>
             </a:extLst>
           </p:cNvPr>
@@ -15592,7 +15584,7 @@
           <p:cNvPr id="16" name="TextBox 15">
             <a:extLst>
               <a:ext uri="{FF2B5EF4-FFF2-40B4-BE49-F238E27FC236}">
-                <a16:creationId xmlns:a16="http://schemas.microsoft.com/office/drawing/2014/main" id="{A0663D90-A686-DE97-0E25-08CCF6B37F50}"/>
+                <a16:creationId xmlns:a16="http://schemas.microsoft.com/office/drawing/2014/main" id="{9F80A9C3-A5DE-9ED3-4893-9819121D92F8}"/>
               </a:ext>
             </a:extLst>
           </p:cNvPr>
@@ -15601,7 +15593,7 @@
         </p:nvSpPr>
         <p:spPr>
           <a:xfrm>
-            <a:off x="735498" y="4372668"/>
+            <a:off x="735498" y="3312494"/>
             <a:ext cx="3081128" cy="184666"/>
           </a:xfrm>
           <a:prstGeom prst="rect">
@@ -15629,7 +15621,7 @@
     </p:spTree>
     <p:extLst>
       <p:ext uri="{BB962C8B-B14F-4D97-AF65-F5344CB8AC3E}">
-        <p14:creationId xmlns:p14="http://schemas.microsoft.com/office/powerpoint/2010/main" val="1112911411"/>
+        <p14:creationId xmlns:p14="http://schemas.microsoft.com/office/powerpoint/2010/main" val="3921462322"/>
       </p:ext>
     </p:extLst>
   </p:cSld>
@@ -15659,7 +15651,7 @@
         <p:cNvPr id="1" name="">
           <a:extLst>
             <a:ext uri="{FF2B5EF4-FFF2-40B4-BE49-F238E27FC236}">
-              <a16:creationId xmlns:a16="http://schemas.microsoft.com/office/drawing/2014/main" id="{DBCD164E-9137-E6CB-DD48-8175B196CD73}"/>
+              <a16:creationId xmlns:a16="http://schemas.microsoft.com/office/drawing/2014/main" id="{6729E25F-F408-418B-69C6-D214357E3CE5}"/>
             </a:ext>
           </a:extLst>
         </p:cNvPr>
@@ -15679,7 +15671,7 @@
           <p:cNvPr id="7" name="Title 6">
             <a:extLst>
               <a:ext uri="{FF2B5EF4-FFF2-40B4-BE49-F238E27FC236}">
-                <a16:creationId xmlns:a16="http://schemas.microsoft.com/office/drawing/2014/main" id="{7CE9C6D0-3608-8ECD-42D7-B835F787B873}"/>
+                <a16:creationId xmlns:a16="http://schemas.microsoft.com/office/drawing/2014/main" id="{FEC0EDD8-38F8-EB8A-4E6B-D02082C42BF3}"/>
               </a:ext>
             </a:extLst>
           </p:cNvPr>
@@ -15718,7 +15710,7 @@
           <p:cNvPr id="4" name="Rectangle 3">
             <a:extLst>
               <a:ext uri="{FF2B5EF4-FFF2-40B4-BE49-F238E27FC236}">
-                <a16:creationId xmlns:a16="http://schemas.microsoft.com/office/drawing/2014/main" id="{2FF4D39B-2D8E-9A40-AB04-5EA23C9FFD75}"/>
+                <a16:creationId xmlns:a16="http://schemas.microsoft.com/office/drawing/2014/main" id="{4219080A-91A7-3D5E-08C0-E65FB6C4E7B4}"/>
               </a:ext>
             </a:extLst>
           </p:cNvPr>
@@ -15728,7 +15720,7 @@
         <p:spPr>
           <a:xfrm>
             <a:off x="632460" y="1086679"/>
-            <a:ext cx="8074218" cy="2849218"/>
+            <a:ext cx="8074218" cy="1809423"/>
           </a:xfrm>
           <a:prstGeom prst="rect">
             <a:avLst/>
@@ -15776,7 +15768,7 @@
           <p:cNvPr id="5" name="Rectangle 4">
             <a:extLst>
               <a:ext uri="{FF2B5EF4-FFF2-40B4-BE49-F238E27FC236}">
-                <a16:creationId xmlns:a16="http://schemas.microsoft.com/office/drawing/2014/main" id="{512B9C28-AC9A-F923-58EF-E7782EA24D53}"/>
+                <a16:creationId xmlns:a16="http://schemas.microsoft.com/office/drawing/2014/main" id="{3929D802-E649-A9AB-E76D-7479565FCC2F}"/>
               </a:ext>
             </a:extLst>
           </p:cNvPr>
@@ -15785,8 +15777,8 @@
         </p:nvSpPr>
         <p:spPr>
           <a:xfrm>
-            <a:off x="632460" y="4267201"/>
-            <a:ext cx="8074218" cy="2010664"/>
+            <a:off x="632460" y="3193774"/>
+            <a:ext cx="8074218" cy="3084091"/>
           </a:xfrm>
           <a:prstGeom prst="rect">
             <a:avLst/>
@@ -15843,7 +15835,7 @@
           <p:cNvPr id="6" name="Rectangle 5">
             <a:extLst>
               <a:ext uri="{FF2B5EF4-FFF2-40B4-BE49-F238E27FC236}">
-                <a16:creationId xmlns:a16="http://schemas.microsoft.com/office/drawing/2014/main" id="{973FAAA4-BE47-ACF4-53C8-88DFCDB7E183}"/>
+                <a16:creationId xmlns:a16="http://schemas.microsoft.com/office/drawing/2014/main" id="{0EA3A458-ECF8-4D90-E1D5-B0D155EC513B}"/>
               </a:ext>
             </a:extLst>
           </p:cNvPr>
@@ -15901,7 +15893,7 @@
           <p:cNvPr id="12" name="TextBox 11">
             <a:extLst>
               <a:ext uri="{FF2B5EF4-FFF2-40B4-BE49-F238E27FC236}">
-                <a16:creationId xmlns:a16="http://schemas.microsoft.com/office/drawing/2014/main" id="{F8443854-67C1-3CA3-679E-C90AC17D265F}"/>
+                <a16:creationId xmlns:a16="http://schemas.microsoft.com/office/drawing/2014/main" id="{F27C9B34-1F4B-B6FD-B496-4B744525C170}"/>
               </a:ext>
             </a:extLst>
           </p:cNvPr>
@@ -15945,7 +15937,7 @@
           <p:cNvPr id="13" name="TextBox 12">
             <a:extLst>
               <a:ext uri="{FF2B5EF4-FFF2-40B4-BE49-F238E27FC236}">
-                <a16:creationId xmlns:a16="http://schemas.microsoft.com/office/drawing/2014/main" id="{5E1532EF-B053-2FC7-F400-34CC65503748}"/>
+                <a16:creationId xmlns:a16="http://schemas.microsoft.com/office/drawing/2014/main" id="{1DD0E62B-9741-EC79-1507-111CFCF430BB}"/>
               </a:ext>
             </a:extLst>
           </p:cNvPr>
@@ -15989,7 +15981,7 @@
           <p:cNvPr id="14" name="TextBox 13">
             <a:extLst>
               <a:ext uri="{FF2B5EF4-FFF2-40B4-BE49-F238E27FC236}">
-                <a16:creationId xmlns:a16="http://schemas.microsoft.com/office/drawing/2014/main" id="{A8B1610C-C8CC-1A1B-88BF-8D7DB751B027}"/>
+                <a16:creationId xmlns:a16="http://schemas.microsoft.com/office/drawing/2014/main" id="{4C796618-51FF-8E31-DA35-DF5D915FC55D}"/>
               </a:ext>
             </a:extLst>
           </p:cNvPr>
@@ -15998,7 +15990,7 @@
         </p:nvSpPr>
         <p:spPr>
           <a:xfrm>
-            <a:off x="735498" y="4662800"/>
+            <a:off x="735498" y="3602626"/>
             <a:ext cx="7871789" cy="138499"/>
           </a:xfrm>
           <a:prstGeom prst="rect">
@@ -16036,7 +16028,7 @@
           <p:cNvPr id="15" name="TextBox 14">
             <a:extLst>
               <a:ext uri="{FF2B5EF4-FFF2-40B4-BE49-F238E27FC236}">
-                <a16:creationId xmlns:a16="http://schemas.microsoft.com/office/drawing/2014/main" id="{A75FEA27-6FDA-90BA-5717-CFA2A9079B08}"/>
+                <a16:creationId xmlns:a16="http://schemas.microsoft.com/office/drawing/2014/main" id="{DE9BFBD6-D1FB-5FA7-A880-E68946F6B911}"/>
               </a:ext>
             </a:extLst>
           </p:cNvPr>
@@ -16075,7 +16067,7 @@
           <p:cNvPr id="16" name="TextBox 15">
             <a:extLst>
               <a:ext uri="{FF2B5EF4-FFF2-40B4-BE49-F238E27FC236}">
-                <a16:creationId xmlns:a16="http://schemas.microsoft.com/office/drawing/2014/main" id="{DFC74813-7084-B38A-7A4A-97903FCD8FFC}"/>
+                <a16:creationId xmlns:a16="http://schemas.microsoft.com/office/drawing/2014/main" id="{3A2A88C9-C992-AFCC-A367-6D9AE307EDC7}"/>
               </a:ext>
             </a:extLst>
           </p:cNvPr>
@@ -16084,7 +16076,7 @@
         </p:nvSpPr>
         <p:spPr>
           <a:xfrm>
-            <a:off x="735498" y="4372668"/>
+            <a:off x="735498" y="3312494"/>
             <a:ext cx="3081128" cy="184666"/>
           </a:xfrm>
           <a:prstGeom prst="rect">
@@ -16112,7 +16104,7 @@
     </p:spTree>
     <p:extLst>
       <p:ext uri="{BB962C8B-B14F-4D97-AF65-F5344CB8AC3E}">
-        <p14:creationId xmlns:p14="http://schemas.microsoft.com/office/powerpoint/2010/main" val="3821805950"/>
+        <p14:creationId xmlns:p14="http://schemas.microsoft.com/office/powerpoint/2010/main" val="1253735540"/>
       </p:ext>
     </p:extLst>
   </p:cSld>
@@ -16142,7 +16134,7 @@
         <p:cNvPr id="1" name="">
           <a:extLst>
             <a:ext uri="{FF2B5EF4-FFF2-40B4-BE49-F238E27FC236}">
-              <a16:creationId xmlns:a16="http://schemas.microsoft.com/office/drawing/2014/main" id="{FD7F6AB0-A9EE-ADDA-8519-C5AC4004F279}"/>
+              <a16:creationId xmlns:a16="http://schemas.microsoft.com/office/drawing/2014/main" id="{7B0CBD45-EC45-58F1-5382-97028475F86E}"/>
             </a:ext>
           </a:extLst>
         </p:cNvPr>
@@ -16162,7 +16154,7 @@
           <p:cNvPr id="7" name="Title 6">
             <a:extLst>
               <a:ext uri="{FF2B5EF4-FFF2-40B4-BE49-F238E27FC236}">
-                <a16:creationId xmlns:a16="http://schemas.microsoft.com/office/drawing/2014/main" id="{F468EFB3-3D62-DC31-829C-04E440DFEDC0}"/>
+                <a16:creationId xmlns:a16="http://schemas.microsoft.com/office/drawing/2014/main" id="{5DBA2A59-C9C4-9F56-1B77-8A0783140291}"/>
               </a:ext>
             </a:extLst>
           </p:cNvPr>
@@ -16201,7 +16193,7 @@
           <p:cNvPr id="4" name="Rectangle 3">
             <a:extLst>
               <a:ext uri="{FF2B5EF4-FFF2-40B4-BE49-F238E27FC236}">
-                <a16:creationId xmlns:a16="http://schemas.microsoft.com/office/drawing/2014/main" id="{CBE877FA-2597-C605-47F8-005D97F0EDB2}"/>
+                <a16:creationId xmlns:a16="http://schemas.microsoft.com/office/drawing/2014/main" id="{5F83442A-5951-00B3-830C-0CE4A02A912B}"/>
               </a:ext>
             </a:extLst>
           </p:cNvPr>
@@ -16211,7 +16203,7 @@
         <p:spPr>
           <a:xfrm>
             <a:off x="632460" y="1086679"/>
-            <a:ext cx="8074218" cy="2849218"/>
+            <a:ext cx="8074218" cy="1809423"/>
           </a:xfrm>
           <a:prstGeom prst="rect">
             <a:avLst/>
@@ -16259,7 +16251,7 @@
           <p:cNvPr id="5" name="Rectangle 4">
             <a:extLst>
               <a:ext uri="{FF2B5EF4-FFF2-40B4-BE49-F238E27FC236}">
-                <a16:creationId xmlns:a16="http://schemas.microsoft.com/office/drawing/2014/main" id="{97907BA4-F062-95CA-A121-EF779F65EDF8}"/>
+                <a16:creationId xmlns:a16="http://schemas.microsoft.com/office/drawing/2014/main" id="{B4325004-A0C8-E60B-2827-38DA99410D8F}"/>
               </a:ext>
             </a:extLst>
           </p:cNvPr>
@@ -16268,8 +16260,8 @@
         </p:nvSpPr>
         <p:spPr>
           <a:xfrm>
-            <a:off x="632460" y="4267201"/>
-            <a:ext cx="8074218" cy="2010664"/>
+            <a:off x="632460" y="3193774"/>
+            <a:ext cx="8074218" cy="3084091"/>
           </a:xfrm>
           <a:prstGeom prst="rect">
             <a:avLst/>
@@ -16326,7 +16318,7 @@
           <p:cNvPr id="6" name="Rectangle 5">
             <a:extLst>
               <a:ext uri="{FF2B5EF4-FFF2-40B4-BE49-F238E27FC236}">
-                <a16:creationId xmlns:a16="http://schemas.microsoft.com/office/drawing/2014/main" id="{422239A6-9A2C-83FD-50CF-F0525B64D6CB}"/>
+                <a16:creationId xmlns:a16="http://schemas.microsoft.com/office/drawing/2014/main" id="{B93D3D76-B047-E08B-EA07-D46B5467279F}"/>
               </a:ext>
             </a:extLst>
           </p:cNvPr>
@@ -16384,7 +16376,7 @@
           <p:cNvPr id="12" name="TextBox 11">
             <a:extLst>
               <a:ext uri="{FF2B5EF4-FFF2-40B4-BE49-F238E27FC236}">
-                <a16:creationId xmlns:a16="http://schemas.microsoft.com/office/drawing/2014/main" id="{1027B317-0857-461B-1041-2ACD87DA6C6A}"/>
+                <a16:creationId xmlns:a16="http://schemas.microsoft.com/office/drawing/2014/main" id="{C0DC3182-2179-E0EA-3893-D7D5AE053944}"/>
               </a:ext>
             </a:extLst>
           </p:cNvPr>
@@ -16428,7 +16420,7 @@
           <p:cNvPr id="13" name="TextBox 12">
             <a:extLst>
               <a:ext uri="{FF2B5EF4-FFF2-40B4-BE49-F238E27FC236}">
-                <a16:creationId xmlns:a16="http://schemas.microsoft.com/office/drawing/2014/main" id="{6356DBF1-2D97-72F7-2B0C-30345E6869E4}"/>
+                <a16:creationId xmlns:a16="http://schemas.microsoft.com/office/drawing/2014/main" id="{1E78B615-555B-20A8-A93C-064B05EAD25E}"/>
               </a:ext>
             </a:extLst>
           </p:cNvPr>
@@ -16472,7 +16464,7 @@
           <p:cNvPr id="14" name="TextBox 13">
             <a:extLst>
               <a:ext uri="{FF2B5EF4-FFF2-40B4-BE49-F238E27FC236}">
-                <a16:creationId xmlns:a16="http://schemas.microsoft.com/office/drawing/2014/main" id="{3E0A06FF-8AE2-C266-1854-7DE6C924C772}"/>
+                <a16:creationId xmlns:a16="http://schemas.microsoft.com/office/drawing/2014/main" id="{590CE4C5-A592-1FDA-8EFE-F8D3ED6D41CE}"/>
               </a:ext>
             </a:extLst>
           </p:cNvPr>
@@ -16481,7 +16473,7 @@
         </p:nvSpPr>
         <p:spPr>
           <a:xfrm>
-            <a:off x="735498" y="4662800"/>
+            <a:off x="735498" y="3602626"/>
             <a:ext cx="7871789" cy="138499"/>
           </a:xfrm>
           <a:prstGeom prst="rect">
@@ -16519,7 +16511,7 @@
           <p:cNvPr id="15" name="TextBox 14">
             <a:extLst>
               <a:ext uri="{FF2B5EF4-FFF2-40B4-BE49-F238E27FC236}">
-                <a16:creationId xmlns:a16="http://schemas.microsoft.com/office/drawing/2014/main" id="{CF446B10-E51A-66C8-9D85-8232E9AC1227}"/>
+                <a16:creationId xmlns:a16="http://schemas.microsoft.com/office/drawing/2014/main" id="{DF0A526D-1B8B-6A03-0B9A-1ED82DFD406C}"/>
               </a:ext>
             </a:extLst>
           </p:cNvPr>
@@ -16558,7 +16550,7 @@
           <p:cNvPr id="16" name="TextBox 15">
             <a:extLst>
               <a:ext uri="{FF2B5EF4-FFF2-40B4-BE49-F238E27FC236}">
-                <a16:creationId xmlns:a16="http://schemas.microsoft.com/office/drawing/2014/main" id="{92D805F1-DAA6-295F-B0C0-211AD73A3ABF}"/>
+                <a16:creationId xmlns:a16="http://schemas.microsoft.com/office/drawing/2014/main" id="{DB238DF8-907C-E70A-2039-9071A5DAC6B7}"/>
               </a:ext>
             </a:extLst>
           </p:cNvPr>
@@ -16567,7 +16559,7 @@
         </p:nvSpPr>
         <p:spPr>
           <a:xfrm>
-            <a:off x="735498" y="4372668"/>
+            <a:off x="735498" y="3312494"/>
             <a:ext cx="3081128" cy="184666"/>
           </a:xfrm>
           <a:prstGeom prst="rect">
@@ -16595,7 +16587,7 @@
     </p:spTree>
     <p:extLst>
       <p:ext uri="{BB962C8B-B14F-4D97-AF65-F5344CB8AC3E}">
-        <p14:creationId xmlns:p14="http://schemas.microsoft.com/office/powerpoint/2010/main" val="3125919079"/>
+        <p14:creationId xmlns:p14="http://schemas.microsoft.com/office/powerpoint/2010/main" val="411584691"/>
       </p:ext>
     </p:extLst>
   </p:cSld>
@@ -16625,7 +16617,7 @@
         <p:cNvPr id="1" name="">
           <a:extLst>
             <a:ext uri="{FF2B5EF4-FFF2-40B4-BE49-F238E27FC236}">
-              <a16:creationId xmlns:a16="http://schemas.microsoft.com/office/drawing/2014/main" id="{7B7C675B-02E2-3024-50F3-50BB457751FF}"/>
+              <a16:creationId xmlns:a16="http://schemas.microsoft.com/office/drawing/2014/main" id="{4DB6C893-A3F6-58AD-4A66-2D45955575D9}"/>
             </a:ext>
           </a:extLst>
         </p:cNvPr>
@@ -16645,7 +16637,7 @@
           <p:cNvPr id="7" name="Title 6">
             <a:extLst>
               <a:ext uri="{FF2B5EF4-FFF2-40B4-BE49-F238E27FC236}">
-                <a16:creationId xmlns:a16="http://schemas.microsoft.com/office/drawing/2014/main" id="{F0C88613-0B5C-749A-E232-690624A051A4}"/>
+                <a16:creationId xmlns:a16="http://schemas.microsoft.com/office/drawing/2014/main" id="{CCB4FBFE-DA23-B14D-415C-C346149C9C45}"/>
               </a:ext>
             </a:extLst>
           </p:cNvPr>
@@ -16684,7 +16676,7 @@
           <p:cNvPr id="4" name="Rectangle 3">
             <a:extLst>
               <a:ext uri="{FF2B5EF4-FFF2-40B4-BE49-F238E27FC236}">
-                <a16:creationId xmlns:a16="http://schemas.microsoft.com/office/drawing/2014/main" id="{27F5F6D2-CDED-35E9-7E34-0A2D63422E4D}"/>
+                <a16:creationId xmlns:a16="http://schemas.microsoft.com/office/drawing/2014/main" id="{B00BA97C-B9EE-E7B4-CE11-4618D615FB30}"/>
               </a:ext>
             </a:extLst>
           </p:cNvPr>
@@ -16694,7 +16686,7 @@
         <p:spPr>
           <a:xfrm>
             <a:off x="632460" y="1086679"/>
-            <a:ext cx="8074218" cy="2849218"/>
+            <a:ext cx="8074218" cy="1809423"/>
           </a:xfrm>
           <a:prstGeom prst="rect">
             <a:avLst/>
@@ -16742,7 +16734,7 @@
           <p:cNvPr id="5" name="Rectangle 4">
             <a:extLst>
               <a:ext uri="{FF2B5EF4-FFF2-40B4-BE49-F238E27FC236}">
-                <a16:creationId xmlns:a16="http://schemas.microsoft.com/office/drawing/2014/main" id="{D6DE566D-8818-9289-91B6-46A445EA4A82}"/>
+                <a16:creationId xmlns:a16="http://schemas.microsoft.com/office/drawing/2014/main" id="{63D0E092-174A-6E60-350E-AB597492B02B}"/>
               </a:ext>
             </a:extLst>
           </p:cNvPr>
@@ -16751,8 +16743,8 @@
         </p:nvSpPr>
         <p:spPr>
           <a:xfrm>
-            <a:off x="632460" y="4267201"/>
-            <a:ext cx="8074218" cy="2010664"/>
+            <a:off x="632460" y="3193774"/>
+            <a:ext cx="8074218" cy="3084091"/>
           </a:xfrm>
           <a:prstGeom prst="rect">
             <a:avLst/>
@@ -16809,7 +16801,7 @@
           <p:cNvPr id="6" name="Rectangle 5">
             <a:extLst>
               <a:ext uri="{FF2B5EF4-FFF2-40B4-BE49-F238E27FC236}">
-                <a16:creationId xmlns:a16="http://schemas.microsoft.com/office/drawing/2014/main" id="{CC21FE6D-06CE-8D3C-6E60-3162F567BC37}"/>
+                <a16:creationId xmlns:a16="http://schemas.microsoft.com/office/drawing/2014/main" id="{B4AF84F3-7F51-8381-F147-7C7DB51AA15D}"/>
               </a:ext>
             </a:extLst>
           </p:cNvPr>
@@ -16867,7 +16859,7 @@
           <p:cNvPr id="12" name="TextBox 11">
             <a:extLst>
               <a:ext uri="{FF2B5EF4-FFF2-40B4-BE49-F238E27FC236}">
-                <a16:creationId xmlns:a16="http://schemas.microsoft.com/office/drawing/2014/main" id="{03DAB5E5-7F2B-1947-F580-B6C37D6744F2}"/>
+                <a16:creationId xmlns:a16="http://schemas.microsoft.com/office/drawing/2014/main" id="{07807F8C-BA6D-2496-2590-6A26826654F4}"/>
               </a:ext>
             </a:extLst>
           </p:cNvPr>
@@ -16911,7 +16903,7 @@
           <p:cNvPr id="13" name="TextBox 12">
             <a:extLst>
               <a:ext uri="{FF2B5EF4-FFF2-40B4-BE49-F238E27FC236}">
-                <a16:creationId xmlns:a16="http://schemas.microsoft.com/office/drawing/2014/main" id="{47A60BE0-59DD-E164-A3E4-D455067AE4B9}"/>
+                <a16:creationId xmlns:a16="http://schemas.microsoft.com/office/drawing/2014/main" id="{B2C3063A-0317-C6EB-A7FD-AE161B047648}"/>
               </a:ext>
             </a:extLst>
           </p:cNvPr>
@@ -16955,7 +16947,7 @@
           <p:cNvPr id="14" name="TextBox 13">
             <a:extLst>
               <a:ext uri="{FF2B5EF4-FFF2-40B4-BE49-F238E27FC236}">
-                <a16:creationId xmlns:a16="http://schemas.microsoft.com/office/drawing/2014/main" id="{60A85081-733D-4509-D31C-D848B75C77EE}"/>
+                <a16:creationId xmlns:a16="http://schemas.microsoft.com/office/drawing/2014/main" id="{FC73B6C1-0E74-4B3B-5C32-166B01C8FD71}"/>
               </a:ext>
             </a:extLst>
           </p:cNvPr>
@@ -16964,7 +16956,7 @@
         </p:nvSpPr>
         <p:spPr>
           <a:xfrm>
-            <a:off x="735498" y="4662800"/>
+            <a:off x="735498" y="3602626"/>
             <a:ext cx="7871789" cy="138499"/>
           </a:xfrm>
           <a:prstGeom prst="rect">
@@ -17002,7 +16994,7 @@
           <p:cNvPr id="15" name="TextBox 14">
             <a:extLst>
               <a:ext uri="{FF2B5EF4-FFF2-40B4-BE49-F238E27FC236}">
-                <a16:creationId xmlns:a16="http://schemas.microsoft.com/office/drawing/2014/main" id="{22C86655-32CE-0EE0-74A5-8CF2926CD870}"/>
+                <a16:creationId xmlns:a16="http://schemas.microsoft.com/office/drawing/2014/main" id="{02761073-ACF1-50E0-33DA-EEDA8123F926}"/>
               </a:ext>
             </a:extLst>
           </p:cNvPr>
@@ -17041,7 +17033,7 @@
           <p:cNvPr id="16" name="TextBox 15">
             <a:extLst>
               <a:ext uri="{FF2B5EF4-FFF2-40B4-BE49-F238E27FC236}">
-                <a16:creationId xmlns:a16="http://schemas.microsoft.com/office/drawing/2014/main" id="{4831E004-07FB-0E98-6448-554144EFF829}"/>
+                <a16:creationId xmlns:a16="http://schemas.microsoft.com/office/drawing/2014/main" id="{1CD984CB-6FE0-E216-C31E-06E623F9AF27}"/>
               </a:ext>
             </a:extLst>
           </p:cNvPr>
@@ -17050,7 +17042,7 @@
         </p:nvSpPr>
         <p:spPr>
           <a:xfrm>
-            <a:off x="735498" y="4372668"/>
+            <a:off x="735498" y="3312494"/>
             <a:ext cx="3081128" cy="184666"/>
           </a:xfrm>
           <a:prstGeom prst="rect">
@@ -17078,7 +17070,7 @@
     </p:spTree>
     <p:extLst>
       <p:ext uri="{BB962C8B-B14F-4D97-AF65-F5344CB8AC3E}">
-        <p14:creationId xmlns:p14="http://schemas.microsoft.com/office/powerpoint/2010/main" val="1231882058"/>
+        <p14:creationId xmlns:p14="http://schemas.microsoft.com/office/powerpoint/2010/main" val="2909365131"/>
       </p:ext>
     </p:extLst>
   </p:cSld>
@@ -17108,7 +17100,7 @@
         <p:cNvPr id="1" name="">
           <a:extLst>
             <a:ext uri="{FF2B5EF4-FFF2-40B4-BE49-F238E27FC236}">
-              <a16:creationId xmlns:a16="http://schemas.microsoft.com/office/drawing/2014/main" id="{C2A0EF16-C03E-FF9E-C55E-4B0ABEADC160}"/>
+              <a16:creationId xmlns:a16="http://schemas.microsoft.com/office/drawing/2014/main" id="{C93D2EC1-5A0C-118D-C57D-74415B71D917}"/>
             </a:ext>
           </a:extLst>
         </p:cNvPr>
@@ -17128,7 +17120,7 @@
           <p:cNvPr id="7" name="Title 6">
             <a:extLst>
               <a:ext uri="{FF2B5EF4-FFF2-40B4-BE49-F238E27FC236}">
-                <a16:creationId xmlns:a16="http://schemas.microsoft.com/office/drawing/2014/main" id="{3058E096-8D03-269F-6003-669459576E3D}"/>
+                <a16:creationId xmlns:a16="http://schemas.microsoft.com/office/drawing/2014/main" id="{FAF83C1D-E28E-3ED3-21C5-51CEF62ED589}"/>
               </a:ext>
             </a:extLst>
           </p:cNvPr>
@@ -17167,7 +17159,7 @@
           <p:cNvPr id="4" name="Rectangle 3">
             <a:extLst>
               <a:ext uri="{FF2B5EF4-FFF2-40B4-BE49-F238E27FC236}">
-                <a16:creationId xmlns:a16="http://schemas.microsoft.com/office/drawing/2014/main" id="{C5DE66BD-4323-AAE5-A685-EE2E0321BBB5}"/>
+                <a16:creationId xmlns:a16="http://schemas.microsoft.com/office/drawing/2014/main" id="{E84E3923-687F-E935-3CE2-6648CE3A7597}"/>
               </a:ext>
             </a:extLst>
           </p:cNvPr>
@@ -17177,7 +17169,7 @@
         <p:spPr>
           <a:xfrm>
             <a:off x="632460" y="1086679"/>
-            <a:ext cx="8074218" cy="2849218"/>
+            <a:ext cx="8074218" cy="1809423"/>
           </a:xfrm>
           <a:prstGeom prst="rect">
             <a:avLst/>
@@ -17225,7 +17217,7 @@
           <p:cNvPr id="5" name="Rectangle 4">
             <a:extLst>
               <a:ext uri="{FF2B5EF4-FFF2-40B4-BE49-F238E27FC236}">
-                <a16:creationId xmlns:a16="http://schemas.microsoft.com/office/drawing/2014/main" id="{43901970-2ED3-3E40-FA7A-E0102DB529EA}"/>
+                <a16:creationId xmlns:a16="http://schemas.microsoft.com/office/drawing/2014/main" id="{06CC5320-ABA1-31A6-CD59-3118FBEFFF2B}"/>
               </a:ext>
             </a:extLst>
           </p:cNvPr>
@@ -17234,8 +17226,8 @@
         </p:nvSpPr>
         <p:spPr>
           <a:xfrm>
-            <a:off x="632460" y="4267201"/>
-            <a:ext cx="8074218" cy="2010664"/>
+            <a:off x="632460" y="3193774"/>
+            <a:ext cx="8074218" cy="3084091"/>
           </a:xfrm>
           <a:prstGeom prst="rect">
             <a:avLst/>
@@ -17292,7 +17284,7 @@
           <p:cNvPr id="6" name="Rectangle 5">
             <a:extLst>
               <a:ext uri="{FF2B5EF4-FFF2-40B4-BE49-F238E27FC236}">
-                <a16:creationId xmlns:a16="http://schemas.microsoft.com/office/drawing/2014/main" id="{4E6CBCD8-2876-83B0-BC3A-75D2ABDE6A04}"/>
+                <a16:creationId xmlns:a16="http://schemas.microsoft.com/office/drawing/2014/main" id="{02B5451C-744F-D2F4-1F33-4731953BF193}"/>
               </a:ext>
             </a:extLst>
           </p:cNvPr>
@@ -17350,7 +17342,7 @@
           <p:cNvPr id="12" name="TextBox 11">
             <a:extLst>
               <a:ext uri="{FF2B5EF4-FFF2-40B4-BE49-F238E27FC236}">
-                <a16:creationId xmlns:a16="http://schemas.microsoft.com/office/drawing/2014/main" id="{ACF6F3AD-C5CA-D8B6-28A7-AE42A42E1EA6}"/>
+                <a16:creationId xmlns:a16="http://schemas.microsoft.com/office/drawing/2014/main" id="{A854EC8E-E78F-19FC-BFE9-824204495ABE}"/>
               </a:ext>
             </a:extLst>
           </p:cNvPr>
@@ -17394,7 +17386,7 @@
           <p:cNvPr id="13" name="TextBox 12">
             <a:extLst>
               <a:ext uri="{FF2B5EF4-FFF2-40B4-BE49-F238E27FC236}">
-                <a16:creationId xmlns:a16="http://schemas.microsoft.com/office/drawing/2014/main" id="{A382A061-AC44-3CAC-5C1D-8BF63E4152FF}"/>
+                <a16:creationId xmlns:a16="http://schemas.microsoft.com/office/drawing/2014/main" id="{0F45C8D0-21F6-1D4B-E148-74DAA4C3A0B7}"/>
               </a:ext>
             </a:extLst>
           </p:cNvPr>
@@ -17438,7 +17430,7 @@
           <p:cNvPr id="14" name="TextBox 13">
             <a:extLst>
               <a:ext uri="{FF2B5EF4-FFF2-40B4-BE49-F238E27FC236}">
-                <a16:creationId xmlns:a16="http://schemas.microsoft.com/office/drawing/2014/main" id="{35D7F963-BC3C-BB0A-D8E1-6AFF6F333AA2}"/>
+                <a16:creationId xmlns:a16="http://schemas.microsoft.com/office/drawing/2014/main" id="{73E58E27-AE38-1B26-2231-4D9C577EA8A8}"/>
               </a:ext>
             </a:extLst>
           </p:cNvPr>
@@ -17447,7 +17439,7 @@
         </p:nvSpPr>
         <p:spPr>
           <a:xfrm>
-            <a:off x="735498" y="4662800"/>
+            <a:off x="735498" y="3602626"/>
             <a:ext cx="7871789" cy="138499"/>
           </a:xfrm>
           <a:prstGeom prst="rect">
@@ -17485,7 +17477,7 @@
           <p:cNvPr id="15" name="TextBox 14">
             <a:extLst>
               <a:ext uri="{FF2B5EF4-FFF2-40B4-BE49-F238E27FC236}">
-                <a16:creationId xmlns:a16="http://schemas.microsoft.com/office/drawing/2014/main" id="{675163A2-CC43-B9D5-63F5-F0ABB00869C4}"/>
+                <a16:creationId xmlns:a16="http://schemas.microsoft.com/office/drawing/2014/main" id="{DF424973-2F1E-081C-72FA-368725840E99}"/>
               </a:ext>
             </a:extLst>
           </p:cNvPr>
@@ -17524,7 +17516,7 @@
           <p:cNvPr id="16" name="TextBox 15">
             <a:extLst>
               <a:ext uri="{FF2B5EF4-FFF2-40B4-BE49-F238E27FC236}">
-                <a16:creationId xmlns:a16="http://schemas.microsoft.com/office/drawing/2014/main" id="{D046F101-EDA7-BE96-BEF1-05BEB3B6108F}"/>
+                <a16:creationId xmlns:a16="http://schemas.microsoft.com/office/drawing/2014/main" id="{DC8D1B3A-33F5-1F38-3957-D585C5D80BE1}"/>
               </a:ext>
             </a:extLst>
           </p:cNvPr>
@@ -17533,7 +17525,7 @@
         </p:nvSpPr>
         <p:spPr>
           <a:xfrm>
-            <a:off x="735498" y="4372668"/>
+            <a:off x="735498" y="3312494"/>
             <a:ext cx="3081128" cy="184666"/>
           </a:xfrm>
           <a:prstGeom prst="rect">
@@ -17561,7 +17553,7 @@
     </p:spTree>
     <p:extLst>
       <p:ext uri="{BB962C8B-B14F-4D97-AF65-F5344CB8AC3E}">
-        <p14:creationId xmlns:p14="http://schemas.microsoft.com/office/powerpoint/2010/main" val="3098037544"/>
+        <p14:creationId xmlns:p14="http://schemas.microsoft.com/office/powerpoint/2010/main" val="3575892775"/>
       </p:ext>
     </p:extLst>
   </p:cSld>
@@ -17591,7 +17583,7 @@
         <p:cNvPr id="1" name="">
           <a:extLst>
             <a:ext uri="{FF2B5EF4-FFF2-40B4-BE49-F238E27FC236}">
-              <a16:creationId xmlns:a16="http://schemas.microsoft.com/office/drawing/2014/main" id="{36D47FB5-159C-C5CB-E069-567BE4E8F567}"/>
+              <a16:creationId xmlns:a16="http://schemas.microsoft.com/office/drawing/2014/main" id="{431916B9-8C33-1B6C-2D28-5D988D8201D9}"/>
             </a:ext>
           </a:extLst>
         </p:cNvPr>
@@ -17611,7 +17603,7 @@
           <p:cNvPr id="7" name="Title 6">
             <a:extLst>
               <a:ext uri="{FF2B5EF4-FFF2-40B4-BE49-F238E27FC236}">
-                <a16:creationId xmlns:a16="http://schemas.microsoft.com/office/drawing/2014/main" id="{EF8FFD68-1CBC-9B55-E310-D6E443C632DA}"/>
+                <a16:creationId xmlns:a16="http://schemas.microsoft.com/office/drawing/2014/main" id="{58E67AEF-ECC0-BF3F-2817-E254735B1BA2}"/>
               </a:ext>
             </a:extLst>
           </p:cNvPr>
@@ -17650,7 +17642,7 @@
           <p:cNvPr id="4" name="Rectangle 3">
             <a:extLst>
               <a:ext uri="{FF2B5EF4-FFF2-40B4-BE49-F238E27FC236}">
-                <a16:creationId xmlns:a16="http://schemas.microsoft.com/office/drawing/2014/main" id="{4BACD003-6F3B-3E96-C6D6-ED4A980E03B8}"/>
+                <a16:creationId xmlns:a16="http://schemas.microsoft.com/office/drawing/2014/main" id="{F6837CF6-86DA-9625-20FB-B713E0685BE7}"/>
               </a:ext>
             </a:extLst>
           </p:cNvPr>
@@ -17660,7 +17652,7 @@
         <p:spPr>
           <a:xfrm>
             <a:off x="632460" y="1086679"/>
-            <a:ext cx="8074218" cy="2849218"/>
+            <a:ext cx="8074218" cy="1809423"/>
           </a:xfrm>
           <a:prstGeom prst="rect">
             <a:avLst/>
@@ -17708,7 +17700,7 @@
           <p:cNvPr id="5" name="Rectangle 4">
             <a:extLst>
               <a:ext uri="{FF2B5EF4-FFF2-40B4-BE49-F238E27FC236}">
-                <a16:creationId xmlns:a16="http://schemas.microsoft.com/office/drawing/2014/main" id="{849D4230-046B-4DF0-AF18-CA916BDB35FA}"/>
+                <a16:creationId xmlns:a16="http://schemas.microsoft.com/office/drawing/2014/main" id="{75191BB4-0BF2-9EE9-181A-AA1DFCA8F059}"/>
               </a:ext>
             </a:extLst>
           </p:cNvPr>
@@ -17717,8 +17709,8 @@
         </p:nvSpPr>
         <p:spPr>
           <a:xfrm>
-            <a:off x="632460" y="4267201"/>
-            <a:ext cx="8074218" cy="2010664"/>
+            <a:off x="632460" y="3193774"/>
+            <a:ext cx="8074218" cy="3084091"/>
           </a:xfrm>
           <a:prstGeom prst="rect">
             <a:avLst/>
@@ -17775,7 +17767,7 @@
           <p:cNvPr id="6" name="Rectangle 5">
             <a:extLst>
               <a:ext uri="{FF2B5EF4-FFF2-40B4-BE49-F238E27FC236}">
-                <a16:creationId xmlns:a16="http://schemas.microsoft.com/office/drawing/2014/main" id="{B26282A3-0805-5236-4677-9DAF4D3EE8DE}"/>
+                <a16:creationId xmlns:a16="http://schemas.microsoft.com/office/drawing/2014/main" id="{2D0D0A02-F979-96BF-07CE-E52298B4B5DE}"/>
               </a:ext>
             </a:extLst>
           </p:cNvPr>
@@ -17833,7 +17825,7 @@
           <p:cNvPr id="12" name="TextBox 11">
             <a:extLst>
               <a:ext uri="{FF2B5EF4-FFF2-40B4-BE49-F238E27FC236}">
-                <a16:creationId xmlns:a16="http://schemas.microsoft.com/office/drawing/2014/main" id="{897149B3-A764-2ADA-F361-B3AB0081DB19}"/>
+                <a16:creationId xmlns:a16="http://schemas.microsoft.com/office/drawing/2014/main" id="{C40B21CC-D530-0916-1C06-CD2BFA6A3988}"/>
               </a:ext>
             </a:extLst>
           </p:cNvPr>
@@ -17877,7 +17869,7 @@
           <p:cNvPr id="13" name="TextBox 12">
             <a:extLst>
               <a:ext uri="{FF2B5EF4-FFF2-40B4-BE49-F238E27FC236}">
-                <a16:creationId xmlns:a16="http://schemas.microsoft.com/office/drawing/2014/main" id="{F75492D4-D554-EF42-2449-9B9BDA97FBBA}"/>
+                <a16:creationId xmlns:a16="http://schemas.microsoft.com/office/drawing/2014/main" id="{BFFC8450-970E-588B-DA9F-9650DA346AB1}"/>
               </a:ext>
             </a:extLst>
           </p:cNvPr>
@@ -17921,7 +17913,7 @@
           <p:cNvPr id="14" name="TextBox 13">
             <a:extLst>
               <a:ext uri="{FF2B5EF4-FFF2-40B4-BE49-F238E27FC236}">
-                <a16:creationId xmlns:a16="http://schemas.microsoft.com/office/drawing/2014/main" id="{5F2DC838-AACF-FE69-1F91-8992C9CF8758}"/>
+                <a16:creationId xmlns:a16="http://schemas.microsoft.com/office/drawing/2014/main" id="{13389EC6-B084-413B-D4AB-5069EAEDC0DE}"/>
               </a:ext>
             </a:extLst>
           </p:cNvPr>
@@ -17930,7 +17922,7 @@
         </p:nvSpPr>
         <p:spPr>
           <a:xfrm>
-            <a:off x="735498" y="4662800"/>
+            <a:off x="735498" y="3602626"/>
             <a:ext cx="7871789" cy="138499"/>
           </a:xfrm>
           <a:prstGeom prst="rect">
@@ -17968,7 +17960,7 @@
           <p:cNvPr id="15" name="TextBox 14">
             <a:extLst>
               <a:ext uri="{FF2B5EF4-FFF2-40B4-BE49-F238E27FC236}">
-                <a16:creationId xmlns:a16="http://schemas.microsoft.com/office/drawing/2014/main" id="{ED42750A-88B2-3350-ADCD-4D856A7C3286}"/>
+                <a16:creationId xmlns:a16="http://schemas.microsoft.com/office/drawing/2014/main" id="{334DC2D1-95DD-9A51-5727-0FFBE33A203B}"/>
               </a:ext>
             </a:extLst>
           </p:cNvPr>
@@ -18007,7 +17999,7 @@
           <p:cNvPr id="16" name="TextBox 15">
             <a:extLst>
               <a:ext uri="{FF2B5EF4-FFF2-40B4-BE49-F238E27FC236}">
-                <a16:creationId xmlns:a16="http://schemas.microsoft.com/office/drawing/2014/main" id="{7E0EE03C-1325-576D-D5FD-7F817B83F2AB}"/>
+                <a16:creationId xmlns:a16="http://schemas.microsoft.com/office/drawing/2014/main" id="{61615BA9-8955-8387-2B0A-4FF9EB6A0322}"/>
               </a:ext>
             </a:extLst>
           </p:cNvPr>
@@ -18016,7 +18008,7 @@
         </p:nvSpPr>
         <p:spPr>
           <a:xfrm>
-            <a:off x="735498" y="4372668"/>
+            <a:off x="735498" y="3312494"/>
             <a:ext cx="3081128" cy="184666"/>
           </a:xfrm>
           <a:prstGeom prst="rect">
@@ -18044,7 +18036,7 @@
     </p:spTree>
     <p:extLst>
       <p:ext uri="{BB962C8B-B14F-4D97-AF65-F5344CB8AC3E}">
-        <p14:creationId xmlns:p14="http://schemas.microsoft.com/office/powerpoint/2010/main" val="1149388472"/>
+        <p14:creationId xmlns:p14="http://schemas.microsoft.com/office/powerpoint/2010/main" val="2699360992"/>
       </p:ext>
     </p:extLst>
   </p:cSld>
@@ -18074,7 +18066,7 @@
         <p:cNvPr id="1" name="">
           <a:extLst>
             <a:ext uri="{FF2B5EF4-FFF2-40B4-BE49-F238E27FC236}">
-              <a16:creationId xmlns:a16="http://schemas.microsoft.com/office/drawing/2014/main" id="{08D23570-279B-A794-657E-295758395024}"/>
+              <a16:creationId xmlns:a16="http://schemas.microsoft.com/office/drawing/2014/main" id="{DD5EA7EE-7BDC-0F63-55F8-9E6162646A76}"/>
             </a:ext>
           </a:extLst>
         </p:cNvPr>
@@ -18094,7 +18086,7 @@
           <p:cNvPr id="7" name="Title 6">
             <a:extLst>
               <a:ext uri="{FF2B5EF4-FFF2-40B4-BE49-F238E27FC236}">
-                <a16:creationId xmlns:a16="http://schemas.microsoft.com/office/drawing/2014/main" id="{FBA4AD48-8715-3DD2-00D5-98CB2198AF8B}"/>
+                <a16:creationId xmlns:a16="http://schemas.microsoft.com/office/drawing/2014/main" id="{CA62807F-7764-4249-3E7D-4000437505C8}"/>
               </a:ext>
             </a:extLst>
           </p:cNvPr>
@@ -18133,7 +18125,7 @@
           <p:cNvPr id="4" name="Rectangle 3">
             <a:extLst>
               <a:ext uri="{FF2B5EF4-FFF2-40B4-BE49-F238E27FC236}">
-                <a16:creationId xmlns:a16="http://schemas.microsoft.com/office/drawing/2014/main" id="{21547BEC-CE89-F7D6-69E8-81A7957040DE}"/>
+                <a16:creationId xmlns:a16="http://schemas.microsoft.com/office/drawing/2014/main" id="{48BBC3AD-0DFC-968D-6AFD-38B20F2BFB2E}"/>
               </a:ext>
             </a:extLst>
           </p:cNvPr>
@@ -18143,7 +18135,7 @@
         <p:spPr>
           <a:xfrm>
             <a:off x="632460" y="1086679"/>
-            <a:ext cx="8074218" cy="2849218"/>
+            <a:ext cx="8074218" cy="1809423"/>
           </a:xfrm>
           <a:prstGeom prst="rect">
             <a:avLst/>
@@ -18191,7 +18183,7 @@
           <p:cNvPr id="5" name="Rectangle 4">
             <a:extLst>
               <a:ext uri="{FF2B5EF4-FFF2-40B4-BE49-F238E27FC236}">
-                <a16:creationId xmlns:a16="http://schemas.microsoft.com/office/drawing/2014/main" id="{047FB037-5553-B196-9D1F-28EEAA9BD1C6}"/>
+                <a16:creationId xmlns:a16="http://schemas.microsoft.com/office/drawing/2014/main" id="{AE039FE1-AB88-8AE4-C4B8-A930885C366B}"/>
               </a:ext>
             </a:extLst>
           </p:cNvPr>
@@ -18200,8 +18192,8 @@
         </p:nvSpPr>
         <p:spPr>
           <a:xfrm>
-            <a:off x="632460" y="4267201"/>
-            <a:ext cx="8074218" cy="2010664"/>
+            <a:off x="632460" y="3193774"/>
+            <a:ext cx="8074218" cy="3084091"/>
           </a:xfrm>
           <a:prstGeom prst="rect">
             <a:avLst/>
@@ -18258,7 +18250,7 @@
           <p:cNvPr id="6" name="Rectangle 5">
             <a:extLst>
               <a:ext uri="{FF2B5EF4-FFF2-40B4-BE49-F238E27FC236}">
-                <a16:creationId xmlns:a16="http://schemas.microsoft.com/office/drawing/2014/main" id="{1B361C40-8465-8E21-59BF-D0071BE1D640}"/>
+                <a16:creationId xmlns:a16="http://schemas.microsoft.com/office/drawing/2014/main" id="{CDDB44BE-ABF2-1477-1A56-3106102F64E2}"/>
               </a:ext>
             </a:extLst>
           </p:cNvPr>
@@ -18316,7 +18308,7 @@
           <p:cNvPr id="12" name="TextBox 11">
             <a:extLst>
               <a:ext uri="{FF2B5EF4-FFF2-40B4-BE49-F238E27FC236}">
-                <a16:creationId xmlns:a16="http://schemas.microsoft.com/office/drawing/2014/main" id="{9A8FB2CD-2F9B-1BE0-C89B-D8CBF05E83A9}"/>
+                <a16:creationId xmlns:a16="http://schemas.microsoft.com/office/drawing/2014/main" id="{889AD133-D808-B7A0-918C-005A57CE7745}"/>
               </a:ext>
             </a:extLst>
           </p:cNvPr>
@@ -18360,7 +18352,7 @@
           <p:cNvPr id="13" name="TextBox 12">
             <a:extLst>
               <a:ext uri="{FF2B5EF4-FFF2-40B4-BE49-F238E27FC236}">
-                <a16:creationId xmlns:a16="http://schemas.microsoft.com/office/drawing/2014/main" id="{C8BAC9A1-BD0B-3EC9-8FF6-928A9E5A75AD}"/>
+                <a16:creationId xmlns:a16="http://schemas.microsoft.com/office/drawing/2014/main" id="{5DD35AD1-6E9E-A31B-FBA4-5151BF926493}"/>
               </a:ext>
             </a:extLst>
           </p:cNvPr>
@@ -18404,7 +18396,7 @@
           <p:cNvPr id="14" name="TextBox 13">
             <a:extLst>
               <a:ext uri="{FF2B5EF4-FFF2-40B4-BE49-F238E27FC236}">
-                <a16:creationId xmlns:a16="http://schemas.microsoft.com/office/drawing/2014/main" id="{A31BA0ED-B93C-59DE-2BB4-78C92AD008E4}"/>
+                <a16:creationId xmlns:a16="http://schemas.microsoft.com/office/drawing/2014/main" id="{E2B4AAC2-0E1E-D734-5FF9-0D9AEC8AD92F}"/>
               </a:ext>
             </a:extLst>
           </p:cNvPr>
@@ -18413,7 +18405,7 @@
         </p:nvSpPr>
         <p:spPr>
           <a:xfrm>
-            <a:off x="735498" y="4662800"/>
+            <a:off x="735498" y="3602626"/>
             <a:ext cx="7871789" cy="138499"/>
           </a:xfrm>
           <a:prstGeom prst="rect">
@@ -18451,7 +18443,7 @@
           <p:cNvPr id="15" name="TextBox 14">
             <a:extLst>
               <a:ext uri="{FF2B5EF4-FFF2-40B4-BE49-F238E27FC236}">
-                <a16:creationId xmlns:a16="http://schemas.microsoft.com/office/drawing/2014/main" id="{98247682-B433-C635-8820-091A7F10D192}"/>
+                <a16:creationId xmlns:a16="http://schemas.microsoft.com/office/drawing/2014/main" id="{6B566833-26BA-FC83-BD52-3B3A068B237F}"/>
               </a:ext>
             </a:extLst>
           </p:cNvPr>
@@ -18490,7 +18482,7 @@
           <p:cNvPr id="16" name="TextBox 15">
             <a:extLst>
               <a:ext uri="{FF2B5EF4-FFF2-40B4-BE49-F238E27FC236}">
-                <a16:creationId xmlns:a16="http://schemas.microsoft.com/office/drawing/2014/main" id="{C6252C11-3384-123E-8D02-AB15F8EED1C6}"/>
+                <a16:creationId xmlns:a16="http://schemas.microsoft.com/office/drawing/2014/main" id="{AAFEAB43-C5CC-6A53-AC79-FD7F615419D9}"/>
               </a:ext>
             </a:extLst>
           </p:cNvPr>
@@ -18499,7 +18491,7 @@
         </p:nvSpPr>
         <p:spPr>
           <a:xfrm>
-            <a:off x="735498" y="4372668"/>
+            <a:off x="735498" y="3312494"/>
             <a:ext cx="3081128" cy="184666"/>
           </a:xfrm>
           <a:prstGeom prst="rect">
@@ -18527,7 +18519,7 @@
     </p:spTree>
     <p:extLst>
       <p:ext uri="{BB962C8B-B14F-4D97-AF65-F5344CB8AC3E}">
-        <p14:creationId xmlns:p14="http://schemas.microsoft.com/office/powerpoint/2010/main" val="2471208364"/>
+        <p14:creationId xmlns:p14="http://schemas.microsoft.com/office/powerpoint/2010/main" val="944826319"/>
       </p:ext>
     </p:extLst>
   </p:cSld>
@@ -18557,7 +18549,7 @@
         <p:cNvPr id="1" name="">
           <a:extLst>
             <a:ext uri="{FF2B5EF4-FFF2-40B4-BE49-F238E27FC236}">
-              <a16:creationId xmlns:a16="http://schemas.microsoft.com/office/drawing/2014/main" id="{4D57C5FB-D87E-4C90-3EE1-7366989E20BC}"/>
+              <a16:creationId xmlns:a16="http://schemas.microsoft.com/office/drawing/2014/main" id="{C8911DE9-2167-11FB-9F5A-41EC84C0EC98}"/>
             </a:ext>
           </a:extLst>
         </p:cNvPr>
@@ -18577,7 +18569,7 @@
           <p:cNvPr id="7" name="Title 6">
             <a:extLst>
               <a:ext uri="{FF2B5EF4-FFF2-40B4-BE49-F238E27FC236}">
-                <a16:creationId xmlns:a16="http://schemas.microsoft.com/office/drawing/2014/main" id="{AE5FFA08-1347-579F-5A28-72CE638F0FE1}"/>
+                <a16:creationId xmlns:a16="http://schemas.microsoft.com/office/drawing/2014/main" id="{3137FD51-1B23-D560-6439-4C9BE26DA573}"/>
               </a:ext>
             </a:extLst>
           </p:cNvPr>
@@ -18616,7 +18608,7 @@
           <p:cNvPr id="4" name="Rectangle 3">
             <a:extLst>
               <a:ext uri="{FF2B5EF4-FFF2-40B4-BE49-F238E27FC236}">
-                <a16:creationId xmlns:a16="http://schemas.microsoft.com/office/drawing/2014/main" id="{D226E3DC-71E7-14D1-1546-27012D234BDB}"/>
+                <a16:creationId xmlns:a16="http://schemas.microsoft.com/office/drawing/2014/main" id="{7BCB031A-22D4-AC6F-AE04-B780E2E28579}"/>
               </a:ext>
             </a:extLst>
           </p:cNvPr>
@@ -18626,7 +18618,7 @@
         <p:spPr>
           <a:xfrm>
             <a:off x="632460" y="1086679"/>
-            <a:ext cx="8074218" cy="2849218"/>
+            <a:ext cx="8074218" cy="1809423"/>
           </a:xfrm>
           <a:prstGeom prst="rect">
             <a:avLst/>
@@ -18674,7 +18666,7 @@
           <p:cNvPr id="5" name="Rectangle 4">
             <a:extLst>
               <a:ext uri="{FF2B5EF4-FFF2-40B4-BE49-F238E27FC236}">
-                <a16:creationId xmlns:a16="http://schemas.microsoft.com/office/drawing/2014/main" id="{6914F262-669C-8811-943D-4F1CD4102C72}"/>
+                <a16:creationId xmlns:a16="http://schemas.microsoft.com/office/drawing/2014/main" id="{68902F82-E7D1-473B-371C-50C298979601}"/>
               </a:ext>
             </a:extLst>
           </p:cNvPr>
@@ -18683,8 +18675,8 @@
         </p:nvSpPr>
         <p:spPr>
           <a:xfrm>
-            <a:off x="632460" y="4267201"/>
-            <a:ext cx="8074218" cy="2010664"/>
+            <a:off x="632460" y="3193774"/>
+            <a:ext cx="8074218" cy="3084091"/>
           </a:xfrm>
           <a:prstGeom prst="rect">
             <a:avLst/>
@@ -18741,7 +18733,7 @@
           <p:cNvPr id="6" name="Rectangle 5">
             <a:extLst>
               <a:ext uri="{FF2B5EF4-FFF2-40B4-BE49-F238E27FC236}">
-                <a16:creationId xmlns:a16="http://schemas.microsoft.com/office/drawing/2014/main" id="{E9437AAB-D448-2D4E-30C0-8BDF17173FF9}"/>
+                <a16:creationId xmlns:a16="http://schemas.microsoft.com/office/drawing/2014/main" id="{60F4B5DB-6501-2382-4CB1-6D58EF67EC8E}"/>
               </a:ext>
             </a:extLst>
           </p:cNvPr>
@@ -18799,7 +18791,7 @@
           <p:cNvPr id="12" name="TextBox 11">
             <a:extLst>
               <a:ext uri="{FF2B5EF4-FFF2-40B4-BE49-F238E27FC236}">
-                <a16:creationId xmlns:a16="http://schemas.microsoft.com/office/drawing/2014/main" id="{AB28C582-685C-5597-90AE-F1FB1E158C8C}"/>
+                <a16:creationId xmlns:a16="http://schemas.microsoft.com/office/drawing/2014/main" id="{766825AC-4E6A-AB9E-550E-F56C02DA6C2D}"/>
               </a:ext>
             </a:extLst>
           </p:cNvPr>
@@ -18843,7 +18835,7 @@
           <p:cNvPr id="13" name="TextBox 12">
             <a:extLst>
               <a:ext uri="{FF2B5EF4-FFF2-40B4-BE49-F238E27FC236}">
-                <a16:creationId xmlns:a16="http://schemas.microsoft.com/office/drawing/2014/main" id="{5B76E437-A09E-37DE-A7FA-8D131F642DA1}"/>
+                <a16:creationId xmlns:a16="http://schemas.microsoft.com/office/drawing/2014/main" id="{8A399D8D-CFA8-4D01-D574-BBF4F9381B92}"/>
               </a:ext>
             </a:extLst>
           </p:cNvPr>
@@ -18887,7 +18879,7 @@
           <p:cNvPr id="14" name="TextBox 13">
             <a:extLst>
               <a:ext uri="{FF2B5EF4-FFF2-40B4-BE49-F238E27FC236}">
-                <a16:creationId xmlns:a16="http://schemas.microsoft.com/office/drawing/2014/main" id="{19291483-7B02-5532-6E68-AFA002D0F301}"/>
+                <a16:creationId xmlns:a16="http://schemas.microsoft.com/office/drawing/2014/main" id="{D14D8F53-ECFD-2501-D332-95CE0D02304B}"/>
               </a:ext>
             </a:extLst>
           </p:cNvPr>
@@ -18896,7 +18888,7 @@
         </p:nvSpPr>
         <p:spPr>
           <a:xfrm>
-            <a:off x="735498" y="4662800"/>
+            <a:off x="735498" y="3602626"/>
             <a:ext cx="7871789" cy="138499"/>
           </a:xfrm>
           <a:prstGeom prst="rect">
@@ -18934,7 +18926,7 @@
           <p:cNvPr id="15" name="TextBox 14">
             <a:extLst>
               <a:ext uri="{FF2B5EF4-FFF2-40B4-BE49-F238E27FC236}">
-                <a16:creationId xmlns:a16="http://schemas.microsoft.com/office/drawing/2014/main" id="{CE7973D1-8149-6ACD-280E-99C181C89AF1}"/>
+                <a16:creationId xmlns:a16="http://schemas.microsoft.com/office/drawing/2014/main" id="{4BB5BC02-47FC-9E9C-D577-0F4E4FB45124}"/>
               </a:ext>
             </a:extLst>
           </p:cNvPr>
@@ -18973,7 +18965,7 @@
           <p:cNvPr id="16" name="TextBox 15">
             <a:extLst>
               <a:ext uri="{FF2B5EF4-FFF2-40B4-BE49-F238E27FC236}">
-                <a16:creationId xmlns:a16="http://schemas.microsoft.com/office/drawing/2014/main" id="{BDF3BD0B-24ED-32F4-F6F6-6C7B68A04EE7}"/>
+                <a16:creationId xmlns:a16="http://schemas.microsoft.com/office/drawing/2014/main" id="{CEE06035-92A6-7FD9-628B-AE424D43DE05}"/>
               </a:ext>
             </a:extLst>
           </p:cNvPr>
@@ -18982,7 +18974,7 @@
         </p:nvSpPr>
         <p:spPr>
           <a:xfrm>
-            <a:off x="735498" y="4372668"/>
+            <a:off x="735498" y="3312494"/>
             <a:ext cx="3081128" cy="184666"/>
           </a:xfrm>
           <a:prstGeom prst="rect">
@@ -19010,7 +19002,7 @@
     </p:spTree>
     <p:extLst>
       <p:ext uri="{BB962C8B-B14F-4D97-AF65-F5344CB8AC3E}">
-        <p14:creationId xmlns:p14="http://schemas.microsoft.com/office/powerpoint/2010/main" val="623369099"/>
+        <p14:creationId xmlns:p14="http://schemas.microsoft.com/office/powerpoint/2010/main" val="794197379"/>
       </p:ext>
     </p:extLst>
   </p:cSld>
@@ -19040,7 +19032,7 @@
         <p:cNvPr id="1" name="">
           <a:extLst>
             <a:ext uri="{FF2B5EF4-FFF2-40B4-BE49-F238E27FC236}">
-              <a16:creationId xmlns:a16="http://schemas.microsoft.com/office/drawing/2014/main" id="{BE5EEC98-6B30-81D8-1B65-677D8A0D1C5A}"/>
+              <a16:creationId xmlns:a16="http://schemas.microsoft.com/office/drawing/2014/main" id="{77EBA213-B82D-31BA-4EB3-2AA4C1503806}"/>
             </a:ext>
           </a:extLst>
         </p:cNvPr>
@@ -19060,7 +19052,7 @@
           <p:cNvPr id="7" name="Title 6">
             <a:extLst>
               <a:ext uri="{FF2B5EF4-FFF2-40B4-BE49-F238E27FC236}">
-                <a16:creationId xmlns:a16="http://schemas.microsoft.com/office/drawing/2014/main" id="{F58D5863-CA9E-6782-2BDA-33DEB3C9B0EB}"/>
+                <a16:creationId xmlns:a16="http://schemas.microsoft.com/office/drawing/2014/main" id="{B14BC942-0569-7285-2D59-020B865C45C8}"/>
               </a:ext>
             </a:extLst>
           </p:cNvPr>
@@ -19099,7 +19091,7 @@
           <p:cNvPr id="4" name="Rectangle 3">
             <a:extLst>
               <a:ext uri="{FF2B5EF4-FFF2-40B4-BE49-F238E27FC236}">
-                <a16:creationId xmlns:a16="http://schemas.microsoft.com/office/drawing/2014/main" id="{758CED1D-65FC-DEE2-A1E9-0F00DA310B42}"/>
+                <a16:creationId xmlns:a16="http://schemas.microsoft.com/office/drawing/2014/main" id="{2247C53F-F82E-FF89-96A7-6752E57B3570}"/>
               </a:ext>
             </a:extLst>
           </p:cNvPr>
@@ -19109,7 +19101,7 @@
         <p:spPr>
           <a:xfrm>
             <a:off x="632460" y="1086679"/>
-            <a:ext cx="8074218" cy="2849218"/>
+            <a:ext cx="8074218" cy="1809423"/>
           </a:xfrm>
           <a:prstGeom prst="rect">
             <a:avLst/>
@@ -19157,7 +19149,7 @@
           <p:cNvPr id="5" name="Rectangle 4">
             <a:extLst>
               <a:ext uri="{FF2B5EF4-FFF2-40B4-BE49-F238E27FC236}">
-                <a16:creationId xmlns:a16="http://schemas.microsoft.com/office/drawing/2014/main" id="{D191B35F-B642-BD5F-8AC9-F4A03AEDA8FB}"/>
+                <a16:creationId xmlns:a16="http://schemas.microsoft.com/office/drawing/2014/main" id="{5D5ACC42-749B-FAC9-5AA0-3516C44DE800}"/>
               </a:ext>
             </a:extLst>
           </p:cNvPr>
@@ -19166,8 +19158,8 @@
         </p:nvSpPr>
         <p:spPr>
           <a:xfrm>
-            <a:off x="632460" y="4267201"/>
-            <a:ext cx="8074218" cy="2010664"/>
+            <a:off x="632460" y="3193774"/>
+            <a:ext cx="8074218" cy="3084091"/>
           </a:xfrm>
           <a:prstGeom prst="rect">
             <a:avLst/>
@@ -19224,7 +19216,7 @@
           <p:cNvPr id="6" name="Rectangle 5">
             <a:extLst>
               <a:ext uri="{FF2B5EF4-FFF2-40B4-BE49-F238E27FC236}">
-                <a16:creationId xmlns:a16="http://schemas.microsoft.com/office/drawing/2014/main" id="{28F14656-60B3-9B3C-92B6-05805B67B984}"/>
+                <a16:creationId xmlns:a16="http://schemas.microsoft.com/office/drawing/2014/main" id="{0F01EC2B-DE3E-B056-B7DD-CFDEF7E89CCC}"/>
               </a:ext>
             </a:extLst>
           </p:cNvPr>
@@ -19282,7 +19274,7 @@
           <p:cNvPr id="12" name="TextBox 11">
             <a:extLst>
               <a:ext uri="{FF2B5EF4-FFF2-40B4-BE49-F238E27FC236}">
-                <a16:creationId xmlns:a16="http://schemas.microsoft.com/office/drawing/2014/main" id="{BCA309CA-7E91-C132-139E-A8753CD9E83A}"/>
+                <a16:creationId xmlns:a16="http://schemas.microsoft.com/office/drawing/2014/main" id="{F3FD658A-7A9E-21D8-E884-67DD255489B2}"/>
               </a:ext>
             </a:extLst>
           </p:cNvPr>
@@ -19326,7 +19318,7 @@
           <p:cNvPr id="13" name="TextBox 12">
             <a:extLst>
               <a:ext uri="{FF2B5EF4-FFF2-40B4-BE49-F238E27FC236}">
-                <a16:creationId xmlns:a16="http://schemas.microsoft.com/office/drawing/2014/main" id="{B86E5027-E201-5CA0-18D3-0BADDCFE9E49}"/>
+                <a16:creationId xmlns:a16="http://schemas.microsoft.com/office/drawing/2014/main" id="{02B7FCCE-A538-6BC4-B13A-91798C51566B}"/>
               </a:ext>
             </a:extLst>
           </p:cNvPr>
@@ -19370,7 +19362,7 @@
           <p:cNvPr id="14" name="TextBox 13">
             <a:extLst>
               <a:ext uri="{FF2B5EF4-FFF2-40B4-BE49-F238E27FC236}">
-                <a16:creationId xmlns:a16="http://schemas.microsoft.com/office/drawing/2014/main" id="{BFE8EF6D-8DE5-59B3-C425-79F797811E56}"/>
+                <a16:creationId xmlns:a16="http://schemas.microsoft.com/office/drawing/2014/main" id="{6A603F12-AC12-27D7-3268-049A9E38B8D9}"/>
               </a:ext>
             </a:extLst>
           </p:cNvPr>
@@ -19379,7 +19371,7 @@
         </p:nvSpPr>
         <p:spPr>
           <a:xfrm>
-            <a:off x="735498" y="4662800"/>
+            <a:off x="735498" y="3602626"/>
             <a:ext cx="7871789" cy="138499"/>
           </a:xfrm>
           <a:prstGeom prst="rect">
@@ -19417,7 +19409,7 @@
           <p:cNvPr id="15" name="TextBox 14">
             <a:extLst>
               <a:ext uri="{FF2B5EF4-FFF2-40B4-BE49-F238E27FC236}">
-                <a16:creationId xmlns:a16="http://schemas.microsoft.com/office/drawing/2014/main" id="{3254CF53-7CA4-D092-8F0C-F32CE126F55E}"/>
+                <a16:creationId xmlns:a16="http://schemas.microsoft.com/office/drawing/2014/main" id="{F0625E3D-4981-C4DC-28B9-D62520ABC214}"/>
               </a:ext>
             </a:extLst>
           </p:cNvPr>
@@ -19456,7 +19448,7 @@
           <p:cNvPr id="16" name="TextBox 15">
             <a:extLst>
               <a:ext uri="{FF2B5EF4-FFF2-40B4-BE49-F238E27FC236}">
-                <a16:creationId xmlns:a16="http://schemas.microsoft.com/office/drawing/2014/main" id="{A87A2D1F-F3B0-DA5C-B8AF-823C56F213C8}"/>
+                <a16:creationId xmlns:a16="http://schemas.microsoft.com/office/drawing/2014/main" id="{DCF45CD5-A2D9-A419-127C-8533317CBA4F}"/>
               </a:ext>
             </a:extLst>
           </p:cNvPr>
@@ -19465,7 +19457,7 @@
         </p:nvSpPr>
         <p:spPr>
           <a:xfrm>
-            <a:off x="735498" y="4372668"/>
+            <a:off x="735498" y="3312494"/>
             <a:ext cx="3081128" cy="184666"/>
           </a:xfrm>
           <a:prstGeom prst="rect">
@@ -19493,7 +19485,7 @@
     </p:spTree>
     <p:extLst>
       <p:ext uri="{BB962C8B-B14F-4D97-AF65-F5344CB8AC3E}">
-        <p14:creationId xmlns:p14="http://schemas.microsoft.com/office/powerpoint/2010/main" val="1086031528"/>
+        <p14:creationId xmlns:p14="http://schemas.microsoft.com/office/powerpoint/2010/main" val="2532180312"/>
       </p:ext>
     </p:extLst>
   </p:cSld>
@@ -19523,7 +19515,7 @@
         <p:cNvPr id="1" name="">
           <a:extLst>
             <a:ext uri="{FF2B5EF4-FFF2-40B4-BE49-F238E27FC236}">
-              <a16:creationId xmlns:a16="http://schemas.microsoft.com/office/drawing/2014/main" id="{E71CCF6D-AF99-0FFB-44FB-AE46DE4AA82A}"/>
+              <a16:creationId xmlns:a16="http://schemas.microsoft.com/office/drawing/2014/main" id="{F3C6ECDC-9295-EE8F-8DE3-2C003A488CB5}"/>
             </a:ext>
           </a:extLst>
         </p:cNvPr>
@@ -19543,7 +19535,7 @@
           <p:cNvPr id="7" name="Title 6">
             <a:extLst>
               <a:ext uri="{FF2B5EF4-FFF2-40B4-BE49-F238E27FC236}">
-                <a16:creationId xmlns:a16="http://schemas.microsoft.com/office/drawing/2014/main" id="{40578A23-56D4-4235-7CBF-CE6369376827}"/>
+                <a16:creationId xmlns:a16="http://schemas.microsoft.com/office/drawing/2014/main" id="{B4E755FD-3A0D-3D46-C577-19B2860D5114}"/>
               </a:ext>
             </a:extLst>
           </p:cNvPr>
@@ -19582,7 +19574,7 @@
           <p:cNvPr id="4" name="Rectangle 3">
             <a:extLst>
               <a:ext uri="{FF2B5EF4-FFF2-40B4-BE49-F238E27FC236}">
-                <a16:creationId xmlns:a16="http://schemas.microsoft.com/office/drawing/2014/main" id="{9B9E7FD9-7338-16B8-1CEE-B4DA303902E7}"/>
+                <a16:creationId xmlns:a16="http://schemas.microsoft.com/office/drawing/2014/main" id="{68134C57-8A05-B991-256C-779DB88D60EE}"/>
               </a:ext>
             </a:extLst>
           </p:cNvPr>
@@ -19592,7 +19584,7 @@
         <p:spPr>
           <a:xfrm>
             <a:off x="632460" y="1086679"/>
-            <a:ext cx="8074218" cy="2849218"/>
+            <a:ext cx="8074218" cy="1809423"/>
           </a:xfrm>
           <a:prstGeom prst="rect">
             <a:avLst/>
@@ -19640,7 +19632,7 @@
           <p:cNvPr id="5" name="Rectangle 4">
             <a:extLst>
               <a:ext uri="{FF2B5EF4-FFF2-40B4-BE49-F238E27FC236}">
-                <a16:creationId xmlns:a16="http://schemas.microsoft.com/office/drawing/2014/main" id="{7BC583AC-7D26-7F03-1EF4-D9B2E6C87DAD}"/>
+                <a16:creationId xmlns:a16="http://schemas.microsoft.com/office/drawing/2014/main" id="{2D1D2BCF-DF6C-574F-DF3E-458F09397798}"/>
               </a:ext>
             </a:extLst>
           </p:cNvPr>
@@ -19649,8 +19641,8 @@
         </p:nvSpPr>
         <p:spPr>
           <a:xfrm>
-            <a:off x="632460" y="4267201"/>
-            <a:ext cx="8074218" cy="2010664"/>
+            <a:off x="632460" y="3193774"/>
+            <a:ext cx="8074218" cy="3084091"/>
           </a:xfrm>
           <a:prstGeom prst="rect">
             <a:avLst/>
@@ -19707,7 +19699,7 @@
           <p:cNvPr id="6" name="Rectangle 5">
             <a:extLst>
               <a:ext uri="{FF2B5EF4-FFF2-40B4-BE49-F238E27FC236}">
-                <a16:creationId xmlns:a16="http://schemas.microsoft.com/office/drawing/2014/main" id="{EC45B3FD-3684-0AEE-D7C3-6C20291D7301}"/>
+                <a16:creationId xmlns:a16="http://schemas.microsoft.com/office/drawing/2014/main" id="{050304BC-DE2A-5D59-0201-72DC7FB2DD81}"/>
               </a:ext>
             </a:extLst>
           </p:cNvPr>
@@ -19765,7 +19757,7 @@
           <p:cNvPr id="12" name="TextBox 11">
             <a:extLst>
               <a:ext uri="{FF2B5EF4-FFF2-40B4-BE49-F238E27FC236}">
-                <a16:creationId xmlns:a16="http://schemas.microsoft.com/office/drawing/2014/main" id="{8D259F39-FAB2-0AB0-7B47-F730D2BC2DE2}"/>
+                <a16:creationId xmlns:a16="http://schemas.microsoft.com/office/drawing/2014/main" id="{D01DE16D-9201-7111-F87C-0C12AE3EAC29}"/>
               </a:ext>
             </a:extLst>
           </p:cNvPr>
@@ -19809,7 +19801,7 @@
           <p:cNvPr id="13" name="TextBox 12">
             <a:extLst>
               <a:ext uri="{FF2B5EF4-FFF2-40B4-BE49-F238E27FC236}">
-                <a16:creationId xmlns:a16="http://schemas.microsoft.com/office/drawing/2014/main" id="{4F1CBD81-AF01-44D6-01C5-5D1C420FA684}"/>
+                <a16:creationId xmlns:a16="http://schemas.microsoft.com/office/drawing/2014/main" id="{0336621C-E4A0-E0D2-0CEF-8DFCA28A56ED}"/>
               </a:ext>
             </a:extLst>
           </p:cNvPr>
@@ -19853,7 +19845,7 @@
           <p:cNvPr id="14" name="TextBox 13">
             <a:extLst>
               <a:ext uri="{FF2B5EF4-FFF2-40B4-BE49-F238E27FC236}">
-                <a16:creationId xmlns:a16="http://schemas.microsoft.com/office/drawing/2014/main" id="{95D4C371-E672-5FCF-E496-B102E0C6F6F3}"/>
+                <a16:creationId xmlns:a16="http://schemas.microsoft.com/office/drawing/2014/main" id="{B89531BE-11A3-7BB1-466F-DE11DAE0D7FA}"/>
               </a:ext>
             </a:extLst>
           </p:cNvPr>
@@ -19862,7 +19854,7 @@
         </p:nvSpPr>
         <p:spPr>
           <a:xfrm>
-            <a:off x="735498" y="4662800"/>
+            <a:off x="735498" y="3602626"/>
             <a:ext cx="7871789" cy="138499"/>
           </a:xfrm>
           <a:prstGeom prst="rect">
@@ -19900,7 +19892,7 @@
           <p:cNvPr id="15" name="TextBox 14">
             <a:extLst>
               <a:ext uri="{FF2B5EF4-FFF2-40B4-BE49-F238E27FC236}">
-                <a16:creationId xmlns:a16="http://schemas.microsoft.com/office/drawing/2014/main" id="{566E1202-9E46-096C-6C0A-1A2A3001F1BB}"/>
+                <a16:creationId xmlns:a16="http://schemas.microsoft.com/office/drawing/2014/main" id="{A696518F-59B9-EB7B-21A9-824753CB966E}"/>
               </a:ext>
             </a:extLst>
           </p:cNvPr>
@@ -19939,7 +19931,7 @@
           <p:cNvPr id="16" name="TextBox 15">
             <a:extLst>
               <a:ext uri="{FF2B5EF4-FFF2-40B4-BE49-F238E27FC236}">
-                <a16:creationId xmlns:a16="http://schemas.microsoft.com/office/drawing/2014/main" id="{47F3E2D8-E2E4-D512-971B-369427166407}"/>
+                <a16:creationId xmlns:a16="http://schemas.microsoft.com/office/drawing/2014/main" id="{547B2C67-20DB-BDC1-395A-DAA4321BE8E0}"/>
               </a:ext>
             </a:extLst>
           </p:cNvPr>
@@ -19948,7 +19940,7 @@
         </p:nvSpPr>
         <p:spPr>
           <a:xfrm>
-            <a:off x="735498" y="4372668"/>
+            <a:off x="735498" y="3312494"/>
             <a:ext cx="3081128" cy="184666"/>
           </a:xfrm>
           <a:prstGeom prst="rect">
@@ -19976,7 +19968,7 @@
     </p:spTree>
     <p:extLst>
       <p:ext uri="{BB962C8B-B14F-4D97-AF65-F5344CB8AC3E}">
-        <p14:creationId xmlns:p14="http://schemas.microsoft.com/office/powerpoint/2010/main" val="4169598617"/>
+        <p14:creationId xmlns:p14="http://schemas.microsoft.com/office/powerpoint/2010/main" val="2748873988"/>
       </p:ext>
     </p:extLst>
   </p:cSld>
@@ -20006,7 +19998,7 @@
         <p:cNvPr id="1" name="">
           <a:extLst>
             <a:ext uri="{FF2B5EF4-FFF2-40B4-BE49-F238E27FC236}">
-              <a16:creationId xmlns:a16="http://schemas.microsoft.com/office/drawing/2014/main" id="{6F98DB77-CD42-261F-8C7F-A0008F55A806}"/>
+              <a16:creationId xmlns:a16="http://schemas.microsoft.com/office/drawing/2014/main" id="{04BBF13C-0AD6-1F0E-EE63-6E28334C9F09}"/>
             </a:ext>
           </a:extLst>
         </p:cNvPr>
@@ -20026,7 +20018,7 @@
           <p:cNvPr id="7" name="Title 6">
             <a:extLst>
               <a:ext uri="{FF2B5EF4-FFF2-40B4-BE49-F238E27FC236}">
-                <a16:creationId xmlns:a16="http://schemas.microsoft.com/office/drawing/2014/main" id="{E361951A-69D7-AF12-BD23-470BA5E6AEF9}"/>
+                <a16:creationId xmlns:a16="http://schemas.microsoft.com/office/drawing/2014/main" id="{BC03EE73-5C15-9790-A749-8A80579C35B5}"/>
               </a:ext>
             </a:extLst>
           </p:cNvPr>
@@ -20065,7 +20057,7 @@
           <p:cNvPr id="4" name="Rectangle 3">
             <a:extLst>
               <a:ext uri="{FF2B5EF4-FFF2-40B4-BE49-F238E27FC236}">
-                <a16:creationId xmlns:a16="http://schemas.microsoft.com/office/drawing/2014/main" id="{1E5E4DA1-E048-F225-EFCD-1B52261A2072}"/>
+                <a16:creationId xmlns:a16="http://schemas.microsoft.com/office/drawing/2014/main" id="{C9E496F9-8BC9-9BD4-1141-74B5E4B7A911}"/>
               </a:ext>
             </a:extLst>
           </p:cNvPr>
@@ -20075,7 +20067,7 @@
         <p:spPr>
           <a:xfrm>
             <a:off x="632460" y="1086679"/>
-            <a:ext cx="8074218" cy="2849218"/>
+            <a:ext cx="8074218" cy="1809423"/>
           </a:xfrm>
           <a:prstGeom prst="rect">
             <a:avLst/>
@@ -20123,7 +20115,7 @@
           <p:cNvPr id="5" name="Rectangle 4">
             <a:extLst>
               <a:ext uri="{FF2B5EF4-FFF2-40B4-BE49-F238E27FC236}">
-                <a16:creationId xmlns:a16="http://schemas.microsoft.com/office/drawing/2014/main" id="{E6B0781A-2F7A-81C6-0C0D-8844E4055E96}"/>
+                <a16:creationId xmlns:a16="http://schemas.microsoft.com/office/drawing/2014/main" id="{95EAD778-4BB4-7F48-6729-4964B8B0CA8F}"/>
               </a:ext>
             </a:extLst>
           </p:cNvPr>
@@ -20132,8 +20124,8 @@
         </p:nvSpPr>
         <p:spPr>
           <a:xfrm>
-            <a:off x="632460" y="4267201"/>
-            <a:ext cx="8074218" cy="2010664"/>
+            <a:off x="632460" y="3193774"/>
+            <a:ext cx="8074218" cy="3084091"/>
           </a:xfrm>
           <a:prstGeom prst="rect">
             <a:avLst/>
@@ -20190,7 +20182,7 @@
           <p:cNvPr id="6" name="Rectangle 5">
             <a:extLst>
               <a:ext uri="{FF2B5EF4-FFF2-40B4-BE49-F238E27FC236}">
-                <a16:creationId xmlns:a16="http://schemas.microsoft.com/office/drawing/2014/main" id="{AAA86BEB-E77E-D337-6CE3-B95806F9563C}"/>
+                <a16:creationId xmlns:a16="http://schemas.microsoft.com/office/drawing/2014/main" id="{F8E0ABE2-0CC9-398A-F3BE-9D9A7FAC8994}"/>
               </a:ext>
             </a:extLst>
           </p:cNvPr>
@@ -20248,7 +20240,7 @@
           <p:cNvPr id="12" name="TextBox 11">
             <a:extLst>
               <a:ext uri="{FF2B5EF4-FFF2-40B4-BE49-F238E27FC236}">
-                <a16:creationId xmlns:a16="http://schemas.microsoft.com/office/drawing/2014/main" id="{40ADF09D-A546-FFEF-5EE9-129CAEAB7029}"/>
+                <a16:creationId xmlns:a16="http://schemas.microsoft.com/office/drawing/2014/main" id="{C536003E-DEFE-1EAE-90A6-FCBA65D97AEE}"/>
               </a:ext>
             </a:extLst>
           </p:cNvPr>
@@ -20292,7 +20284,7 @@
           <p:cNvPr id="13" name="TextBox 12">
             <a:extLst>
               <a:ext uri="{FF2B5EF4-FFF2-40B4-BE49-F238E27FC236}">
-                <a16:creationId xmlns:a16="http://schemas.microsoft.com/office/drawing/2014/main" id="{B08AB6B4-2E11-F272-249C-6329E488FD0D}"/>
+                <a16:creationId xmlns:a16="http://schemas.microsoft.com/office/drawing/2014/main" id="{4F3B08A6-AD67-ACBA-70AE-1F9AEC1E0558}"/>
               </a:ext>
             </a:extLst>
           </p:cNvPr>
@@ -20336,7 +20328,7 @@
           <p:cNvPr id="14" name="TextBox 13">
             <a:extLst>
               <a:ext uri="{FF2B5EF4-FFF2-40B4-BE49-F238E27FC236}">
-                <a16:creationId xmlns:a16="http://schemas.microsoft.com/office/drawing/2014/main" id="{400C9566-3BF4-7339-1F50-E3AD539370EB}"/>
+                <a16:creationId xmlns:a16="http://schemas.microsoft.com/office/drawing/2014/main" id="{63ED302F-C89C-D3B9-00C2-0069BDB74F67}"/>
               </a:ext>
             </a:extLst>
           </p:cNvPr>
@@ -20345,7 +20337,7 @@
         </p:nvSpPr>
         <p:spPr>
           <a:xfrm>
-            <a:off x="735498" y="4662800"/>
+            <a:off x="735498" y="3602626"/>
             <a:ext cx="7871789" cy="138499"/>
           </a:xfrm>
           <a:prstGeom prst="rect">
@@ -20383,7 +20375,7 @@
           <p:cNvPr id="15" name="TextBox 14">
             <a:extLst>
               <a:ext uri="{FF2B5EF4-FFF2-40B4-BE49-F238E27FC236}">
-                <a16:creationId xmlns:a16="http://schemas.microsoft.com/office/drawing/2014/main" id="{905DC769-DC00-79E0-5417-CFECB8B8C90D}"/>
+                <a16:creationId xmlns:a16="http://schemas.microsoft.com/office/drawing/2014/main" id="{D614AE7C-1D7A-B627-714C-6A7A86179AA9}"/>
               </a:ext>
             </a:extLst>
           </p:cNvPr>
@@ -20422,7 +20414,7 @@
           <p:cNvPr id="16" name="TextBox 15">
             <a:extLst>
               <a:ext uri="{FF2B5EF4-FFF2-40B4-BE49-F238E27FC236}">
-                <a16:creationId xmlns:a16="http://schemas.microsoft.com/office/drawing/2014/main" id="{87103246-51D6-CA35-0530-08CB450FB434}"/>
+                <a16:creationId xmlns:a16="http://schemas.microsoft.com/office/drawing/2014/main" id="{8E4B1A37-A1A2-1FD4-63B0-EC8D2FF28B69}"/>
               </a:ext>
             </a:extLst>
           </p:cNvPr>
@@ -20431,7 +20423,7 @@
         </p:nvSpPr>
         <p:spPr>
           <a:xfrm>
-            <a:off x="735498" y="4372668"/>
+            <a:off x="735498" y="3312494"/>
             <a:ext cx="3081128" cy="184666"/>
           </a:xfrm>
           <a:prstGeom prst="rect">
@@ -20459,7 +20451,7 @@
     </p:spTree>
     <p:extLst>
       <p:ext uri="{BB962C8B-B14F-4D97-AF65-F5344CB8AC3E}">
-        <p14:creationId xmlns:p14="http://schemas.microsoft.com/office/powerpoint/2010/main" val="4067267111"/>
+        <p14:creationId xmlns:p14="http://schemas.microsoft.com/office/powerpoint/2010/main" val="2696286582"/>
       </p:ext>
     </p:extLst>
   </p:cSld>
@@ -20489,7 +20481,7 @@
         <p:cNvPr id="1" name="">
           <a:extLst>
             <a:ext uri="{FF2B5EF4-FFF2-40B4-BE49-F238E27FC236}">
-              <a16:creationId xmlns:a16="http://schemas.microsoft.com/office/drawing/2014/main" id="{4B5ED3DB-2DE1-C306-8AB2-683948C017C8}"/>
+              <a16:creationId xmlns:a16="http://schemas.microsoft.com/office/drawing/2014/main" id="{DE555F25-6784-654D-93A3-98C3124BC0F8}"/>
             </a:ext>
           </a:extLst>
         </p:cNvPr>
@@ -20509,7 +20501,7 @@
           <p:cNvPr id="7" name="Title 6">
             <a:extLst>
               <a:ext uri="{FF2B5EF4-FFF2-40B4-BE49-F238E27FC236}">
-                <a16:creationId xmlns:a16="http://schemas.microsoft.com/office/drawing/2014/main" id="{6D962E8B-AAE4-6FA9-FBFC-9F93628FD605}"/>
+                <a16:creationId xmlns:a16="http://schemas.microsoft.com/office/drawing/2014/main" id="{1A83EB79-0814-D4EB-E619-AD6123651594}"/>
               </a:ext>
             </a:extLst>
           </p:cNvPr>
@@ -20548,7 +20540,7 @@
           <p:cNvPr id="4" name="Rectangle 3">
             <a:extLst>
               <a:ext uri="{FF2B5EF4-FFF2-40B4-BE49-F238E27FC236}">
-                <a16:creationId xmlns:a16="http://schemas.microsoft.com/office/drawing/2014/main" id="{C8BA05CC-08B4-4E55-8D9B-77D591B62D57}"/>
+                <a16:creationId xmlns:a16="http://schemas.microsoft.com/office/drawing/2014/main" id="{2C76F56E-D6FF-1FAA-2C6E-1522D76F21BC}"/>
               </a:ext>
             </a:extLst>
           </p:cNvPr>
@@ -20558,7 +20550,7 @@
         <p:spPr>
           <a:xfrm>
             <a:off x="632460" y="1086679"/>
-            <a:ext cx="8074218" cy="2849218"/>
+            <a:ext cx="8074218" cy="1809423"/>
           </a:xfrm>
           <a:prstGeom prst="rect">
             <a:avLst/>
@@ -20606,7 +20598,7 @@
           <p:cNvPr id="5" name="Rectangle 4">
             <a:extLst>
               <a:ext uri="{FF2B5EF4-FFF2-40B4-BE49-F238E27FC236}">
-                <a16:creationId xmlns:a16="http://schemas.microsoft.com/office/drawing/2014/main" id="{8222FC4B-59FD-6D73-6D03-0786C00B534F}"/>
+                <a16:creationId xmlns:a16="http://schemas.microsoft.com/office/drawing/2014/main" id="{E6F9F5D8-1701-8B2D-ADA8-2A4DAAD0E2B4}"/>
               </a:ext>
             </a:extLst>
           </p:cNvPr>
@@ -20615,8 +20607,8 @@
         </p:nvSpPr>
         <p:spPr>
           <a:xfrm>
-            <a:off x="632460" y="4267201"/>
-            <a:ext cx="8074218" cy="2010664"/>
+            <a:off x="632460" y="3193774"/>
+            <a:ext cx="8074218" cy="3084091"/>
           </a:xfrm>
           <a:prstGeom prst="rect">
             <a:avLst/>
@@ -20673,7 +20665,7 @@
           <p:cNvPr id="6" name="Rectangle 5">
             <a:extLst>
               <a:ext uri="{FF2B5EF4-FFF2-40B4-BE49-F238E27FC236}">
-                <a16:creationId xmlns:a16="http://schemas.microsoft.com/office/drawing/2014/main" id="{C2F89706-A149-79AC-A441-CF6A7FF68A10}"/>
+                <a16:creationId xmlns:a16="http://schemas.microsoft.com/office/drawing/2014/main" id="{03BE5B97-25DF-F9BD-C4F9-CA5390BA58D2}"/>
               </a:ext>
             </a:extLst>
           </p:cNvPr>
@@ -20731,7 +20723,7 @@
           <p:cNvPr id="12" name="TextBox 11">
             <a:extLst>
               <a:ext uri="{FF2B5EF4-FFF2-40B4-BE49-F238E27FC236}">
-                <a16:creationId xmlns:a16="http://schemas.microsoft.com/office/drawing/2014/main" id="{D33C00D0-1330-E7C8-4B17-2A9B010AEAAB}"/>
+                <a16:creationId xmlns:a16="http://schemas.microsoft.com/office/drawing/2014/main" id="{F5F166CE-E07E-37B4-38AA-440735676D5B}"/>
               </a:ext>
             </a:extLst>
           </p:cNvPr>
@@ -20775,7 +20767,7 @@
           <p:cNvPr id="13" name="TextBox 12">
             <a:extLst>
               <a:ext uri="{FF2B5EF4-FFF2-40B4-BE49-F238E27FC236}">
-                <a16:creationId xmlns:a16="http://schemas.microsoft.com/office/drawing/2014/main" id="{CE301F39-A4C7-A654-B314-46D0C890E7C6}"/>
+                <a16:creationId xmlns:a16="http://schemas.microsoft.com/office/drawing/2014/main" id="{4AEC7016-BECB-96BA-8D63-64D9EC9C449E}"/>
               </a:ext>
             </a:extLst>
           </p:cNvPr>
@@ -20819,7 +20811,7 @@
           <p:cNvPr id="14" name="TextBox 13">
             <a:extLst>
               <a:ext uri="{FF2B5EF4-FFF2-40B4-BE49-F238E27FC236}">
-                <a16:creationId xmlns:a16="http://schemas.microsoft.com/office/drawing/2014/main" id="{536E8D2B-B165-7218-716A-1D5C9F31FCA3}"/>
+                <a16:creationId xmlns:a16="http://schemas.microsoft.com/office/drawing/2014/main" id="{53189F6E-DFF1-761C-EB0B-58245CCE04FD}"/>
               </a:ext>
             </a:extLst>
           </p:cNvPr>
@@ -20828,7 +20820,7 @@
         </p:nvSpPr>
         <p:spPr>
           <a:xfrm>
-            <a:off x="735498" y="4662800"/>
+            <a:off x="735498" y="3602626"/>
             <a:ext cx="7871789" cy="138499"/>
           </a:xfrm>
           <a:prstGeom prst="rect">
@@ -20866,7 +20858,7 @@
           <p:cNvPr id="15" name="TextBox 14">
             <a:extLst>
               <a:ext uri="{FF2B5EF4-FFF2-40B4-BE49-F238E27FC236}">
-                <a16:creationId xmlns:a16="http://schemas.microsoft.com/office/drawing/2014/main" id="{8084ECEF-46A8-D9F4-422A-0E1E604A89CC}"/>
+                <a16:creationId xmlns:a16="http://schemas.microsoft.com/office/drawing/2014/main" id="{B06B2AAE-C129-EF26-F399-D72F4A44FDEB}"/>
               </a:ext>
             </a:extLst>
           </p:cNvPr>
@@ -20905,7 +20897,7 @@
           <p:cNvPr id="16" name="TextBox 15">
             <a:extLst>
               <a:ext uri="{FF2B5EF4-FFF2-40B4-BE49-F238E27FC236}">
-                <a16:creationId xmlns:a16="http://schemas.microsoft.com/office/drawing/2014/main" id="{110017DE-383E-2307-954D-227F99EA85ED}"/>
+                <a16:creationId xmlns:a16="http://schemas.microsoft.com/office/drawing/2014/main" id="{A13FA217-D360-560C-35FD-5202AB5AEA5B}"/>
               </a:ext>
             </a:extLst>
           </p:cNvPr>
@@ -20914,7 +20906,7 @@
         </p:nvSpPr>
         <p:spPr>
           <a:xfrm>
-            <a:off x="735498" y="4372668"/>
+            <a:off x="735498" y="3312494"/>
             <a:ext cx="3081128" cy="184666"/>
           </a:xfrm>
           <a:prstGeom prst="rect">
@@ -20942,7 +20934,7 @@
     </p:spTree>
     <p:extLst>
       <p:ext uri="{BB962C8B-B14F-4D97-AF65-F5344CB8AC3E}">
-        <p14:creationId xmlns:p14="http://schemas.microsoft.com/office/powerpoint/2010/main" val="3915164215"/>
+        <p14:creationId xmlns:p14="http://schemas.microsoft.com/office/powerpoint/2010/main" val="3890058726"/>
       </p:ext>
     </p:extLst>
   </p:cSld>
@@ -20972,7 +20964,7 @@
         <p:cNvPr id="1" name="">
           <a:extLst>
             <a:ext uri="{FF2B5EF4-FFF2-40B4-BE49-F238E27FC236}">
-              <a16:creationId xmlns:a16="http://schemas.microsoft.com/office/drawing/2014/main" id="{89B27D16-B774-C1B6-F2C4-F01D9A4E3D1B}"/>
+              <a16:creationId xmlns:a16="http://schemas.microsoft.com/office/drawing/2014/main" id="{77C5D911-6F41-8C4F-B0D1-B98FD258B0C2}"/>
             </a:ext>
           </a:extLst>
         </p:cNvPr>
@@ -20992,7 +20984,7 @@
           <p:cNvPr id="7" name="Title 6">
             <a:extLst>
               <a:ext uri="{FF2B5EF4-FFF2-40B4-BE49-F238E27FC236}">
-                <a16:creationId xmlns:a16="http://schemas.microsoft.com/office/drawing/2014/main" id="{5E90F8BA-99DF-78E1-B348-6764551A9879}"/>
+                <a16:creationId xmlns:a16="http://schemas.microsoft.com/office/drawing/2014/main" id="{679D337D-88C5-E83E-CC31-9D00E2222386}"/>
               </a:ext>
             </a:extLst>
           </p:cNvPr>
@@ -21031,7 +21023,7 @@
           <p:cNvPr id="4" name="Rectangle 3">
             <a:extLst>
               <a:ext uri="{FF2B5EF4-FFF2-40B4-BE49-F238E27FC236}">
-                <a16:creationId xmlns:a16="http://schemas.microsoft.com/office/drawing/2014/main" id="{25707078-02ED-45DC-D3BB-5EF560BFDAF2}"/>
+                <a16:creationId xmlns:a16="http://schemas.microsoft.com/office/drawing/2014/main" id="{7F0DA9ED-686A-D8DF-C309-2D9C8D7B0403}"/>
               </a:ext>
             </a:extLst>
           </p:cNvPr>
@@ -21041,7 +21033,7 @@
         <p:spPr>
           <a:xfrm>
             <a:off x="632460" y="1086679"/>
-            <a:ext cx="8074218" cy="2849218"/>
+            <a:ext cx="8074218" cy="1809423"/>
           </a:xfrm>
           <a:prstGeom prst="rect">
             <a:avLst/>
@@ -21089,7 +21081,7 @@
           <p:cNvPr id="5" name="Rectangle 4">
             <a:extLst>
               <a:ext uri="{FF2B5EF4-FFF2-40B4-BE49-F238E27FC236}">
-                <a16:creationId xmlns:a16="http://schemas.microsoft.com/office/drawing/2014/main" id="{C3095E7D-24B8-88BE-9174-6CDB4D8CE7AB}"/>
+                <a16:creationId xmlns:a16="http://schemas.microsoft.com/office/drawing/2014/main" id="{7B5C8001-453B-BAAA-3F80-CC1FFA1BD48D}"/>
               </a:ext>
             </a:extLst>
           </p:cNvPr>
@@ -21098,8 +21090,8 @@
         </p:nvSpPr>
         <p:spPr>
           <a:xfrm>
-            <a:off x="632460" y="4267201"/>
-            <a:ext cx="8074218" cy="2010664"/>
+            <a:off x="632460" y="3193774"/>
+            <a:ext cx="8074218" cy="3084091"/>
           </a:xfrm>
           <a:prstGeom prst="rect">
             <a:avLst/>
@@ -21156,7 +21148,7 @@
           <p:cNvPr id="6" name="Rectangle 5">
             <a:extLst>
               <a:ext uri="{FF2B5EF4-FFF2-40B4-BE49-F238E27FC236}">
-                <a16:creationId xmlns:a16="http://schemas.microsoft.com/office/drawing/2014/main" id="{527AE403-8425-9CCD-7AA5-27C94D526081}"/>
+                <a16:creationId xmlns:a16="http://schemas.microsoft.com/office/drawing/2014/main" id="{BC64ABA7-FE23-578F-8819-04E8EE8EF210}"/>
               </a:ext>
             </a:extLst>
           </p:cNvPr>
@@ -21214,7 +21206,7 @@
           <p:cNvPr id="12" name="TextBox 11">
             <a:extLst>
               <a:ext uri="{FF2B5EF4-FFF2-40B4-BE49-F238E27FC236}">
-                <a16:creationId xmlns:a16="http://schemas.microsoft.com/office/drawing/2014/main" id="{B6CE2B60-BFA3-13D1-5912-1DE8371DA119}"/>
+                <a16:creationId xmlns:a16="http://schemas.microsoft.com/office/drawing/2014/main" id="{9D21CA0E-BB09-FF2E-2EDD-4509F7DEFE54}"/>
               </a:ext>
             </a:extLst>
           </p:cNvPr>
@@ -21258,7 +21250,7 @@
           <p:cNvPr id="13" name="TextBox 12">
             <a:extLst>
               <a:ext uri="{FF2B5EF4-FFF2-40B4-BE49-F238E27FC236}">
-                <a16:creationId xmlns:a16="http://schemas.microsoft.com/office/drawing/2014/main" id="{3B354FD8-D610-C12C-1187-C2126341705B}"/>
+                <a16:creationId xmlns:a16="http://schemas.microsoft.com/office/drawing/2014/main" id="{1DCFDA23-61F3-84E5-4646-85A0B5C1B173}"/>
               </a:ext>
             </a:extLst>
           </p:cNvPr>
@@ -21302,7 +21294,7 @@
           <p:cNvPr id="14" name="TextBox 13">
             <a:extLst>
               <a:ext uri="{FF2B5EF4-FFF2-40B4-BE49-F238E27FC236}">
-                <a16:creationId xmlns:a16="http://schemas.microsoft.com/office/drawing/2014/main" id="{F4A39724-9488-CB94-C766-E1757AC6D074}"/>
+                <a16:creationId xmlns:a16="http://schemas.microsoft.com/office/drawing/2014/main" id="{F9375758-9F52-8BD8-6B86-D0DC723A6790}"/>
               </a:ext>
             </a:extLst>
           </p:cNvPr>
@@ -21311,7 +21303,7 @@
         </p:nvSpPr>
         <p:spPr>
           <a:xfrm>
-            <a:off x="735498" y="4662800"/>
+            <a:off x="735498" y="3602626"/>
             <a:ext cx="7871789" cy="138499"/>
           </a:xfrm>
           <a:prstGeom prst="rect">
@@ -21349,7 +21341,7 @@
           <p:cNvPr id="15" name="TextBox 14">
             <a:extLst>
               <a:ext uri="{FF2B5EF4-FFF2-40B4-BE49-F238E27FC236}">
-                <a16:creationId xmlns:a16="http://schemas.microsoft.com/office/drawing/2014/main" id="{DE84E00F-1DA9-C1FA-6FBC-963FA8B36BC8}"/>
+                <a16:creationId xmlns:a16="http://schemas.microsoft.com/office/drawing/2014/main" id="{FD66C12F-8412-0C7E-5B27-66B1CE4974AD}"/>
               </a:ext>
             </a:extLst>
           </p:cNvPr>
@@ -21388,7 +21380,7 @@
           <p:cNvPr id="16" name="TextBox 15">
             <a:extLst>
               <a:ext uri="{FF2B5EF4-FFF2-40B4-BE49-F238E27FC236}">
-                <a16:creationId xmlns:a16="http://schemas.microsoft.com/office/drawing/2014/main" id="{749AD20F-4662-F073-9199-DE6FF15C2567}"/>
+                <a16:creationId xmlns:a16="http://schemas.microsoft.com/office/drawing/2014/main" id="{3EC9BF15-1134-A81B-B96F-F36A32117CE0}"/>
               </a:ext>
             </a:extLst>
           </p:cNvPr>
@@ -21397,7 +21389,7 @@
         </p:nvSpPr>
         <p:spPr>
           <a:xfrm>
-            <a:off x="735498" y="4372668"/>
+            <a:off x="735498" y="3312494"/>
             <a:ext cx="3081128" cy="184666"/>
           </a:xfrm>
           <a:prstGeom prst="rect">
@@ -21425,7 +21417,7 @@
     </p:spTree>
     <p:extLst>
       <p:ext uri="{BB962C8B-B14F-4D97-AF65-F5344CB8AC3E}">
-        <p14:creationId xmlns:p14="http://schemas.microsoft.com/office/powerpoint/2010/main" val="1277505122"/>
+        <p14:creationId xmlns:p14="http://schemas.microsoft.com/office/powerpoint/2010/main" val="2055987300"/>
       </p:ext>
     </p:extLst>
   </p:cSld>
@@ -21455,7 +21447,7 @@
         <p:cNvPr id="1" name="">
           <a:extLst>
             <a:ext uri="{FF2B5EF4-FFF2-40B4-BE49-F238E27FC236}">
-              <a16:creationId xmlns:a16="http://schemas.microsoft.com/office/drawing/2014/main" id="{554A54E4-4B5A-BA03-3C74-75C47A6F3E1E}"/>
+              <a16:creationId xmlns:a16="http://schemas.microsoft.com/office/drawing/2014/main" id="{008CD40D-C4F2-24DC-7052-018263C662FE}"/>
             </a:ext>
           </a:extLst>
         </p:cNvPr>
@@ -21475,7 +21467,7 @@
           <p:cNvPr id="7" name="Title 6">
             <a:extLst>
               <a:ext uri="{FF2B5EF4-FFF2-40B4-BE49-F238E27FC236}">
-                <a16:creationId xmlns:a16="http://schemas.microsoft.com/office/drawing/2014/main" id="{921DA74E-6321-5647-B476-4962CD48842C}"/>
+                <a16:creationId xmlns:a16="http://schemas.microsoft.com/office/drawing/2014/main" id="{E31DF67F-7E70-BF01-8530-527E98E0548F}"/>
               </a:ext>
             </a:extLst>
           </p:cNvPr>
@@ -21514,7 +21506,7 @@
           <p:cNvPr id="4" name="Rectangle 3">
             <a:extLst>
               <a:ext uri="{FF2B5EF4-FFF2-40B4-BE49-F238E27FC236}">
-                <a16:creationId xmlns:a16="http://schemas.microsoft.com/office/drawing/2014/main" id="{E28353F3-7335-1490-D04D-8A98FC3156D4}"/>
+                <a16:creationId xmlns:a16="http://schemas.microsoft.com/office/drawing/2014/main" id="{746CCEF2-05D7-4F9F-D597-195E73BA9B88}"/>
               </a:ext>
             </a:extLst>
           </p:cNvPr>
@@ -21524,7 +21516,7 @@
         <p:spPr>
           <a:xfrm>
             <a:off x="632460" y="1086679"/>
-            <a:ext cx="8074218" cy="2849218"/>
+            <a:ext cx="8074218" cy="1809423"/>
           </a:xfrm>
           <a:prstGeom prst="rect">
             <a:avLst/>
@@ -21572,7 +21564,7 @@
           <p:cNvPr id="5" name="Rectangle 4">
             <a:extLst>
               <a:ext uri="{FF2B5EF4-FFF2-40B4-BE49-F238E27FC236}">
-                <a16:creationId xmlns:a16="http://schemas.microsoft.com/office/drawing/2014/main" id="{0547FCED-F5C6-3C34-6B56-48A87E882729}"/>
+                <a16:creationId xmlns:a16="http://schemas.microsoft.com/office/drawing/2014/main" id="{9467A7C0-D5D9-606E-EF6F-29C836BD8C25}"/>
               </a:ext>
             </a:extLst>
           </p:cNvPr>
@@ -21581,8 +21573,8 @@
         </p:nvSpPr>
         <p:spPr>
           <a:xfrm>
-            <a:off x="632460" y="4267201"/>
-            <a:ext cx="8074218" cy="2010664"/>
+            <a:off x="632460" y="3193774"/>
+            <a:ext cx="8074218" cy="3084091"/>
           </a:xfrm>
           <a:prstGeom prst="rect">
             <a:avLst/>
@@ -21639,7 +21631,7 @@
           <p:cNvPr id="6" name="Rectangle 5">
             <a:extLst>
               <a:ext uri="{FF2B5EF4-FFF2-40B4-BE49-F238E27FC236}">
-                <a16:creationId xmlns:a16="http://schemas.microsoft.com/office/drawing/2014/main" id="{46AD5A05-4B0D-E53D-EE4A-8EE4595C92E6}"/>
+                <a16:creationId xmlns:a16="http://schemas.microsoft.com/office/drawing/2014/main" id="{81380F6F-E974-0F1C-64C5-23BA7E84666F}"/>
               </a:ext>
             </a:extLst>
           </p:cNvPr>
@@ -21697,7 +21689,7 @@
           <p:cNvPr id="12" name="TextBox 11">
             <a:extLst>
               <a:ext uri="{FF2B5EF4-FFF2-40B4-BE49-F238E27FC236}">
-                <a16:creationId xmlns:a16="http://schemas.microsoft.com/office/drawing/2014/main" id="{4324D83C-8AEF-A2CD-8E9F-1EB2599DB308}"/>
+                <a16:creationId xmlns:a16="http://schemas.microsoft.com/office/drawing/2014/main" id="{5A44588D-487F-64AE-EE5E-3D41FA589D91}"/>
               </a:ext>
             </a:extLst>
           </p:cNvPr>
@@ -21741,7 +21733,7 @@
           <p:cNvPr id="13" name="TextBox 12">
             <a:extLst>
               <a:ext uri="{FF2B5EF4-FFF2-40B4-BE49-F238E27FC236}">
-                <a16:creationId xmlns:a16="http://schemas.microsoft.com/office/drawing/2014/main" id="{0BB3B95E-B701-D8DC-8606-EDA4C83AF3E6}"/>
+                <a16:creationId xmlns:a16="http://schemas.microsoft.com/office/drawing/2014/main" id="{33CE158F-8F44-D930-1B91-F6389A20FE68}"/>
               </a:ext>
             </a:extLst>
           </p:cNvPr>
@@ -21785,7 +21777,7 @@
           <p:cNvPr id="14" name="TextBox 13">
             <a:extLst>
               <a:ext uri="{FF2B5EF4-FFF2-40B4-BE49-F238E27FC236}">
-                <a16:creationId xmlns:a16="http://schemas.microsoft.com/office/drawing/2014/main" id="{8660CBCB-C87E-47ED-CD78-107D23323131}"/>
+                <a16:creationId xmlns:a16="http://schemas.microsoft.com/office/drawing/2014/main" id="{90DBA776-AAE5-2481-D54B-3895ADDE3A1F}"/>
               </a:ext>
             </a:extLst>
           </p:cNvPr>
@@ -21794,7 +21786,7 @@
         </p:nvSpPr>
         <p:spPr>
           <a:xfrm>
-            <a:off x="735498" y="4662800"/>
+            <a:off x="735498" y="3602626"/>
             <a:ext cx="7871789" cy="138499"/>
           </a:xfrm>
           <a:prstGeom prst="rect">
@@ -21832,7 +21824,7 @@
           <p:cNvPr id="15" name="TextBox 14">
             <a:extLst>
               <a:ext uri="{FF2B5EF4-FFF2-40B4-BE49-F238E27FC236}">
-                <a16:creationId xmlns:a16="http://schemas.microsoft.com/office/drawing/2014/main" id="{DDD64B12-F6EC-3769-F6DB-CC848B13B0C9}"/>
+                <a16:creationId xmlns:a16="http://schemas.microsoft.com/office/drawing/2014/main" id="{260BE783-89C3-9AB5-47A1-B0F75C69131B}"/>
               </a:ext>
             </a:extLst>
           </p:cNvPr>
@@ -21871,7 +21863,7 @@
           <p:cNvPr id="16" name="TextBox 15">
             <a:extLst>
               <a:ext uri="{FF2B5EF4-FFF2-40B4-BE49-F238E27FC236}">
-                <a16:creationId xmlns:a16="http://schemas.microsoft.com/office/drawing/2014/main" id="{094C7BB7-6BA4-174F-B392-3D4C2AEA7D42}"/>
+                <a16:creationId xmlns:a16="http://schemas.microsoft.com/office/drawing/2014/main" id="{0C114994-BFC5-2006-3ABB-89C767CA0B45}"/>
               </a:ext>
             </a:extLst>
           </p:cNvPr>
@@ -21880,7 +21872,7 @@
         </p:nvSpPr>
         <p:spPr>
           <a:xfrm>
-            <a:off x="735498" y="4372668"/>
+            <a:off x="735498" y="3312494"/>
             <a:ext cx="3081128" cy="184666"/>
           </a:xfrm>
           <a:prstGeom prst="rect">
@@ -21908,7 +21900,7 @@
     </p:spTree>
     <p:extLst>
       <p:ext uri="{BB962C8B-B14F-4D97-AF65-F5344CB8AC3E}">
-        <p14:creationId xmlns:p14="http://schemas.microsoft.com/office/powerpoint/2010/main" val="2343714662"/>
+        <p14:creationId xmlns:p14="http://schemas.microsoft.com/office/powerpoint/2010/main" val="2012829911"/>
       </p:ext>
     </p:extLst>
   </p:cSld>
@@ -21938,7 +21930,7 @@
         <p:cNvPr id="1" name="">
           <a:extLst>
             <a:ext uri="{FF2B5EF4-FFF2-40B4-BE49-F238E27FC236}">
-              <a16:creationId xmlns:a16="http://schemas.microsoft.com/office/drawing/2014/main" id="{B8FE74C9-77D5-8C67-4E88-07ABEE01F764}"/>
+              <a16:creationId xmlns:a16="http://schemas.microsoft.com/office/drawing/2014/main" id="{EC0B16F0-C191-9C14-1529-C58CE614029B}"/>
             </a:ext>
           </a:extLst>
         </p:cNvPr>
@@ -21958,7 +21950,7 @@
           <p:cNvPr id="7" name="Title 6">
             <a:extLst>
               <a:ext uri="{FF2B5EF4-FFF2-40B4-BE49-F238E27FC236}">
-                <a16:creationId xmlns:a16="http://schemas.microsoft.com/office/drawing/2014/main" id="{7A5D7558-945A-818A-051A-E2070C7F9AF7}"/>
+                <a16:creationId xmlns:a16="http://schemas.microsoft.com/office/drawing/2014/main" id="{EDD954F2-BB51-CC35-0480-EA56A8E05DB6}"/>
               </a:ext>
             </a:extLst>
           </p:cNvPr>
@@ -21997,7 +21989,7 @@
           <p:cNvPr id="4" name="Rectangle 3">
             <a:extLst>
               <a:ext uri="{FF2B5EF4-FFF2-40B4-BE49-F238E27FC236}">
-                <a16:creationId xmlns:a16="http://schemas.microsoft.com/office/drawing/2014/main" id="{D7C14915-7186-9F65-2C38-463D2188DBAE}"/>
+                <a16:creationId xmlns:a16="http://schemas.microsoft.com/office/drawing/2014/main" id="{5C2D20B5-383F-C968-53F9-90E651C61B2E}"/>
               </a:ext>
             </a:extLst>
           </p:cNvPr>
@@ -22007,7 +21999,7 @@
         <p:spPr>
           <a:xfrm>
             <a:off x="632460" y="1086679"/>
-            <a:ext cx="8074218" cy="2849218"/>
+            <a:ext cx="8074218" cy="1809423"/>
           </a:xfrm>
           <a:prstGeom prst="rect">
             <a:avLst/>
@@ -22055,7 +22047,7 @@
           <p:cNvPr id="5" name="Rectangle 4">
             <a:extLst>
               <a:ext uri="{FF2B5EF4-FFF2-40B4-BE49-F238E27FC236}">
-                <a16:creationId xmlns:a16="http://schemas.microsoft.com/office/drawing/2014/main" id="{A3F88A7D-5F07-8081-4572-9EB9B442CDD3}"/>
+                <a16:creationId xmlns:a16="http://schemas.microsoft.com/office/drawing/2014/main" id="{86228F3D-8340-3934-A2CC-C5A21D4D5CC5}"/>
               </a:ext>
             </a:extLst>
           </p:cNvPr>
@@ -22064,8 +22056,8 @@
         </p:nvSpPr>
         <p:spPr>
           <a:xfrm>
-            <a:off x="632460" y="4267201"/>
-            <a:ext cx="8074218" cy="2010664"/>
+            <a:off x="632460" y="3193774"/>
+            <a:ext cx="8074218" cy="3084091"/>
           </a:xfrm>
           <a:prstGeom prst="rect">
             <a:avLst/>
@@ -22122,7 +22114,7 @@
           <p:cNvPr id="6" name="Rectangle 5">
             <a:extLst>
               <a:ext uri="{FF2B5EF4-FFF2-40B4-BE49-F238E27FC236}">
-                <a16:creationId xmlns:a16="http://schemas.microsoft.com/office/drawing/2014/main" id="{7FB103A7-AC78-0952-2ADB-2DE7F2BBA4CD}"/>
+                <a16:creationId xmlns:a16="http://schemas.microsoft.com/office/drawing/2014/main" id="{0A9CF690-7D63-AFF6-EA8E-0FBAEBD147D6}"/>
               </a:ext>
             </a:extLst>
           </p:cNvPr>
@@ -22180,7 +22172,7 @@
           <p:cNvPr id="12" name="TextBox 11">
             <a:extLst>
               <a:ext uri="{FF2B5EF4-FFF2-40B4-BE49-F238E27FC236}">
-                <a16:creationId xmlns:a16="http://schemas.microsoft.com/office/drawing/2014/main" id="{FCF9AC4B-94D4-A449-3D6C-8F9ABE049374}"/>
+                <a16:creationId xmlns:a16="http://schemas.microsoft.com/office/drawing/2014/main" id="{2229E69B-6D75-5ED4-2D71-D93EB0798FED}"/>
               </a:ext>
             </a:extLst>
           </p:cNvPr>
@@ -22224,7 +22216,7 @@
           <p:cNvPr id="13" name="TextBox 12">
             <a:extLst>
               <a:ext uri="{FF2B5EF4-FFF2-40B4-BE49-F238E27FC236}">
-                <a16:creationId xmlns:a16="http://schemas.microsoft.com/office/drawing/2014/main" id="{2FEF9AC8-7BB2-D70C-A0A6-0359208E0C2C}"/>
+                <a16:creationId xmlns:a16="http://schemas.microsoft.com/office/drawing/2014/main" id="{1C9F42C9-AA15-9A83-1C55-5FDCE7F13F02}"/>
               </a:ext>
             </a:extLst>
           </p:cNvPr>
@@ -22268,7 +22260,7 @@
           <p:cNvPr id="14" name="TextBox 13">
             <a:extLst>
               <a:ext uri="{FF2B5EF4-FFF2-40B4-BE49-F238E27FC236}">
-                <a16:creationId xmlns:a16="http://schemas.microsoft.com/office/drawing/2014/main" id="{33131643-E5ED-04CC-055E-79BEA5C418FB}"/>
+                <a16:creationId xmlns:a16="http://schemas.microsoft.com/office/drawing/2014/main" id="{6A8D3315-7589-5D1D-86EA-DC2BD2C5B15B}"/>
               </a:ext>
             </a:extLst>
           </p:cNvPr>
@@ -22277,7 +22269,7 @@
         </p:nvSpPr>
         <p:spPr>
           <a:xfrm>
-            <a:off x="735498" y="4662800"/>
+            <a:off x="735498" y="3602626"/>
             <a:ext cx="7871789" cy="138499"/>
           </a:xfrm>
           <a:prstGeom prst="rect">
@@ -22315,7 +22307,7 @@
           <p:cNvPr id="15" name="TextBox 14">
             <a:extLst>
               <a:ext uri="{FF2B5EF4-FFF2-40B4-BE49-F238E27FC236}">
-                <a16:creationId xmlns:a16="http://schemas.microsoft.com/office/drawing/2014/main" id="{0F6E86F1-33BB-FB99-925A-EA2485EA0B6B}"/>
+                <a16:creationId xmlns:a16="http://schemas.microsoft.com/office/drawing/2014/main" id="{9E2F17EB-4FC4-A14C-99D0-9584C44F0813}"/>
               </a:ext>
             </a:extLst>
           </p:cNvPr>
@@ -22354,7 +22346,7 @@
           <p:cNvPr id="16" name="TextBox 15">
             <a:extLst>
               <a:ext uri="{FF2B5EF4-FFF2-40B4-BE49-F238E27FC236}">
-                <a16:creationId xmlns:a16="http://schemas.microsoft.com/office/drawing/2014/main" id="{0A6A8C2F-3851-3AE9-A714-281BB4458427}"/>
+                <a16:creationId xmlns:a16="http://schemas.microsoft.com/office/drawing/2014/main" id="{7D484D7C-3F49-3EFE-7C7F-C9D8FAA9D852}"/>
               </a:ext>
             </a:extLst>
           </p:cNvPr>
@@ -22363,7 +22355,7 @@
         </p:nvSpPr>
         <p:spPr>
           <a:xfrm>
-            <a:off x="735498" y="4372668"/>
+            <a:off x="735498" y="3312494"/>
             <a:ext cx="3081128" cy="184666"/>
           </a:xfrm>
           <a:prstGeom prst="rect">
@@ -22391,7 +22383,7 @@
     </p:spTree>
     <p:extLst>
       <p:ext uri="{BB962C8B-B14F-4D97-AF65-F5344CB8AC3E}">
-        <p14:creationId xmlns:p14="http://schemas.microsoft.com/office/powerpoint/2010/main" val="2464212068"/>
+        <p14:creationId xmlns:p14="http://schemas.microsoft.com/office/powerpoint/2010/main" val="2840299627"/>
       </p:ext>
     </p:extLst>
   </p:cSld>
@@ -22421,7 +22413,7 @@
         <p:cNvPr id="1" name="">
           <a:extLst>
             <a:ext uri="{FF2B5EF4-FFF2-40B4-BE49-F238E27FC236}">
-              <a16:creationId xmlns:a16="http://schemas.microsoft.com/office/drawing/2014/main" id="{0A73B839-B2C3-FB65-C453-881D0021BD9F}"/>
+              <a16:creationId xmlns:a16="http://schemas.microsoft.com/office/drawing/2014/main" id="{07FCEEBA-0A2D-F0C3-2A9A-D91735EB6CCD}"/>
             </a:ext>
           </a:extLst>
         </p:cNvPr>
@@ -22441,7 +22433,7 @@
           <p:cNvPr id="7" name="Title 6">
             <a:extLst>
               <a:ext uri="{FF2B5EF4-FFF2-40B4-BE49-F238E27FC236}">
-                <a16:creationId xmlns:a16="http://schemas.microsoft.com/office/drawing/2014/main" id="{B8448C91-0317-9FFE-DDF3-D940DBDC0239}"/>
+                <a16:creationId xmlns:a16="http://schemas.microsoft.com/office/drawing/2014/main" id="{FACA5610-FBD1-AF66-95A2-A9C3CED763C6}"/>
               </a:ext>
             </a:extLst>
           </p:cNvPr>
@@ -22480,7 +22472,7 @@
           <p:cNvPr id="4" name="Rectangle 3">
             <a:extLst>
               <a:ext uri="{FF2B5EF4-FFF2-40B4-BE49-F238E27FC236}">
-                <a16:creationId xmlns:a16="http://schemas.microsoft.com/office/drawing/2014/main" id="{D3447CFE-40D6-7D00-5219-7A122CD677F9}"/>
+                <a16:creationId xmlns:a16="http://schemas.microsoft.com/office/drawing/2014/main" id="{703FABF2-EF67-4A1F-ACF8-639DF173A764}"/>
               </a:ext>
             </a:extLst>
           </p:cNvPr>
@@ -22490,7 +22482,7 @@
         <p:spPr>
           <a:xfrm>
             <a:off x="632460" y="1086679"/>
-            <a:ext cx="8074218" cy="2849218"/>
+            <a:ext cx="8074218" cy="1809423"/>
           </a:xfrm>
           <a:prstGeom prst="rect">
             <a:avLst/>
@@ -22538,7 +22530,7 @@
           <p:cNvPr id="5" name="Rectangle 4">
             <a:extLst>
               <a:ext uri="{FF2B5EF4-FFF2-40B4-BE49-F238E27FC236}">
-                <a16:creationId xmlns:a16="http://schemas.microsoft.com/office/drawing/2014/main" id="{13BD6E25-102B-8E3F-9F06-879785329773}"/>
+                <a16:creationId xmlns:a16="http://schemas.microsoft.com/office/drawing/2014/main" id="{4592946B-FF3D-4921-EB74-CB068B3E0EAB}"/>
               </a:ext>
             </a:extLst>
           </p:cNvPr>
@@ -22547,8 +22539,8 @@
         </p:nvSpPr>
         <p:spPr>
           <a:xfrm>
-            <a:off x="632460" y="4267201"/>
-            <a:ext cx="8074218" cy="2010664"/>
+            <a:off x="632460" y="3193774"/>
+            <a:ext cx="8074218" cy="3084091"/>
           </a:xfrm>
           <a:prstGeom prst="rect">
             <a:avLst/>
@@ -22605,7 +22597,7 @@
           <p:cNvPr id="6" name="Rectangle 5">
             <a:extLst>
               <a:ext uri="{FF2B5EF4-FFF2-40B4-BE49-F238E27FC236}">
-                <a16:creationId xmlns:a16="http://schemas.microsoft.com/office/drawing/2014/main" id="{9984BF72-973E-73FE-5BBC-07981CFD056C}"/>
+                <a16:creationId xmlns:a16="http://schemas.microsoft.com/office/drawing/2014/main" id="{7C512A59-5AC9-F434-9FFE-55ED86714AF2}"/>
               </a:ext>
             </a:extLst>
           </p:cNvPr>
@@ -22663,7 +22655,7 @@
           <p:cNvPr id="12" name="TextBox 11">
             <a:extLst>
               <a:ext uri="{FF2B5EF4-FFF2-40B4-BE49-F238E27FC236}">
-                <a16:creationId xmlns:a16="http://schemas.microsoft.com/office/drawing/2014/main" id="{851D3B69-EF9A-E971-4903-58E10F28EED5}"/>
+                <a16:creationId xmlns:a16="http://schemas.microsoft.com/office/drawing/2014/main" id="{BD6B51AC-38FD-6A3E-49E3-5BDF99C71E42}"/>
               </a:ext>
             </a:extLst>
           </p:cNvPr>
@@ -22707,7 +22699,7 @@
           <p:cNvPr id="13" name="TextBox 12">
             <a:extLst>
               <a:ext uri="{FF2B5EF4-FFF2-40B4-BE49-F238E27FC236}">
-                <a16:creationId xmlns:a16="http://schemas.microsoft.com/office/drawing/2014/main" id="{21BB697E-112D-5FC3-D75E-2483B7D97066}"/>
+                <a16:creationId xmlns:a16="http://schemas.microsoft.com/office/drawing/2014/main" id="{C6F159F7-F6CA-B73F-EB26-CCA4CDD327F1}"/>
               </a:ext>
             </a:extLst>
           </p:cNvPr>
@@ -22751,7 +22743,7 @@
           <p:cNvPr id="14" name="TextBox 13">
             <a:extLst>
               <a:ext uri="{FF2B5EF4-FFF2-40B4-BE49-F238E27FC236}">
-                <a16:creationId xmlns:a16="http://schemas.microsoft.com/office/drawing/2014/main" id="{DFC3424D-C084-D6E6-1513-D5701CFEF5EB}"/>
+                <a16:creationId xmlns:a16="http://schemas.microsoft.com/office/drawing/2014/main" id="{6403F919-975C-A15F-812C-DE5F2629EA26}"/>
               </a:ext>
             </a:extLst>
           </p:cNvPr>
@@ -22760,7 +22752,7 @@
         </p:nvSpPr>
         <p:spPr>
           <a:xfrm>
-            <a:off x="735498" y="4662800"/>
+            <a:off x="735498" y="3602626"/>
             <a:ext cx="7871789" cy="138499"/>
           </a:xfrm>
           <a:prstGeom prst="rect">
@@ -22798,7 +22790,7 @@
           <p:cNvPr id="15" name="TextBox 14">
             <a:extLst>
               <a:ext uri="{FF2B5EF4-FFF2-40B4-BE49-F238E27FC236}">
-                <a16:creationId xmlns:a16="http://schemas.microsoft.com/office/drawing/2014/main" id="{447A3359-67BA-C701-3178-8E57E8DCA0D8}"/>
+                <a16:creationId xmlns:a16="http://schemas.microsoft.com/office/drawing/2014/main" id="{3FD8DB02-0980-8CA1-269E-A4AE747CD5AF}"/>
               </a:ext>
             </a:extLst>
           </p:cNvPr>
@@ -22837,7 +22829,7 @@
           <p:cNvPr id="16" name="TextBox 15">
             <a:extLst>
               <a:ext uri="{FF2B5EF4-FFF2-40B4-BE49-F238E27FC236}">
-                <a16:creationId xmlns:a16="http://schemas.microsoft.com/office/drawing/2014/main" id="{1C30D9E6-2882-C316-3170-7A0514F06102}"/>
+                <a16:creationId xmlns:a16="http://schemas.microsoft.com/office/drawing/2014/main" id="{FD1D4AD8-8957-ED80-0A30-A975D5E0278C}"/>
               </a:ext>
             </a:extLst>
           </p:cNvPr>
@@ -22846,7 +22838,7 @@
         </p:nvSpPr>
         <p:spPr>
           <a:xfrm>
-            <a:off x="735498" y="4372668"/>
+            <a:off x="735498" y="3312494"/>
             <a:ext cx="3081128" cy="184666"/>
           </a:xfrm>
           <a:prstGeom prst="rect">
@@ -22874,7 +22866,7 @@
     </p:spTree>
     <p:extLst>
       <p:ext uri="{BB962C8B-B14F-4D97-AF65-F5344CB8AC3E}">
-        <p14:creationId xmlns:p14="http://schemas.microsoft.com/office/powerpoint/2010/main" val="1124665378"/>
+        <p14:creationId xmlns:p14="http://schemas.microsoft.com/office/powerpoint/2010/main" val="984446939"/>
       </p:ext>
     </p:extLst>
   </p:cSld>
@@ -22904,7 +22896,7 @@
         <p:cNvPr id="1" name="">
           <a:extLst>
             <a:ext uri="{FF2B5EF4-FFF2-40B4-BE49-F238E27FC236}">
-              <a16:creationId xmlns:a16="http://schemas.microsoft.com/office/drawing/2014/main" id="{4C639D4C-4495-05A6-5B41-75E5A3551974}"/>
+              <a16:creationId xmlns:a16="http://schemas.microsoft.com/office/drawing/2014/main" id="{BCCF14C5-7597-00DD-DC6F-13CF5B90101C}"/>
             </a:ext>
           </a:extLst>
         </p:cNvPr>
@@ -22924,7 +22916,7 @@
           <p:cNvPr id="7" name="Title 6">
             <a:extLst>
               <a:ext uri="{FF2B5EF4-FFF2-40B4-BE49-F238E27FC236}">
-                <a16:creationId xmlns:a16="http://schemas.microsoft.com/office/drawing/2014/main" id="{E5CFA791-1082-0117-599E-10933E349662}"/>
+                <a16:creationId xmlns:a16="http://schemas.microsoft.com/office/drawing/2014/main" id="{7BB0AAA6-E5F1-9C3B-A716-06356E21419D}"/>
               </a:ext>
             </a:extLst>
           </p:cNvPr>
@@ -22963,7 +22955,7 @@
           <p:cNvPr id="4" name="Rectangle 3">
             <a:extLst>
               <a:ext uri="{FF2B5EF4-FFF2-40B4-BE49-F238E27FC236}">
-                <a16:creationId xmlns:a16="http://schemas.microsoft.com/office/drawing/2014/main" id="{E4E17A56-ECC9-F853-37E1-37E88A261358}"/>
+                <a16:creationId xmlns:a16="http://schemas.microsoft.com/office/drawing/2014/main" id="{5DD9C19C-33FC-3001-CCD4-80A99C9D31AC}"/>
               </a:ext>
             </a:extLst>
           </p:cNvPr>
@@ -22973,7 +22965,7 @@
         <p:spPr>
           <a:xfrm>
             <a:off x="632460" y="1086679"/>
-            <a:ext cx="8074218" cy="2849218"/>
+            <a:ext cx="8074218" cy="1809423"/>
           </a:xfrm>
           <a:prstGeom prst="rect">
             <a:avLst/>
@@ -23021,7 +23013,7 @@
           <p:cNvPr id="5" name="Rectangle 4">
             <a:extLst>
               <a:ext uri="{FF2B5EF4-FFF2-40B4-BE49-F238E27FC236}">
-                <a16:creationId xmlns:a16="http://schemas.microsoft.com/office/drawing/2014/main" id="{548309BF-0B4D-57DC-4D32-7774D0C8BA87}"/>
+                <a16:creationId xmlns:a16="http://schemas.microsoft.com/office/drawing/2014/main" id="{6AEA866B-0C49-2EBD-121A-375607B65608}"/>
               </a:ext>
             </a:extLst>
           </p:cNvPr>
@@ -23030,8 +23022,8 @@
         </p:nvSpPr>
         <p:spPr>
           <a:xfrm>
-            <a:off x="632460" y="4267201"/>
-            <a:ext cx="8074218" cy="2010664"/>
+            <a:off x="632460" y="3193774"/>
+            <a:ext cx="8074218" cy="3084091"/>
           </a:xfrm>
           <a:prstGeom prst="rect">
             <a:avLst/>
@@ -23088,7 +23080,7 @@
           <p:cNvPr id="6" name="Rectangle 5">
             <a:extLst>
               <a:ext uri="{FF2B5EF4-FFF2-40B4-BE49-F238E27FC236}">
-                <a16:creationId xmlns:a16="http://schemas.microsoft.com/office/drawing/2014/main" id="{94C8336E-79A5-AD6F-68FC-B5C490FA015B}"/>
+                <a16:creationId xmlns:a16="http://schemas.microsoft.com/office/drawing/2014/main" id="{3DC9CF8C-C92A-EBF4-168E-D0B62964D70C}"/>
               </a:ext>
             </a:extLst>
           </p:cNvPr>
@@ -23146,7 +23138,7 @@
           <p:cNvPr id="12" name="TextBox 11">
             <a:extLst>
               <a:ext uri="{FF2B5EF4-FFF2-40B4-BE49-F238E27FC236}">
-                <a16:creationId xmlns:a16="http://schemas.microsoft.com/office/drawing/2014/main" id="{34F531D6-1BDB-86FC-09FF-F7F55E789A39}"/>
+                <a16:creationId xmlns:a16="http://schemas.microsoft.com/office/drawing/2014/main" id="{8FB15FD5-C9AB-E4F5-4F77-B27F123BB4E1}"/>
               </a:ext>
             </a:extLst>
           </p:cNvPr>
@@ -23190,7 +23182,7 @@
           <p:cNvPr id="13" name="TextBox 12">
             <a:extLst>
               <a:ext uri="{FF2B5EF4-FFF2-40B4-BE49-F238E27FC236}">
-                <a16:creationId xmlns:a16="http://schemas.microsoft.com/office/drawing/2014/main" id="{A420CDE0-6BDF-5C97-4C79-78045B80825A}"/>
+                <a16:creationId xmlns:a16="http://schemas.microsoft.com/office/drawing/2014/main" id="{5B32E47A-F0F9-E918-60D0-1BEA9BDA36CA}"/>
               </a:ext>
             </a:extLst>
           </p:cNvPr>
@@ -23234,7 +23226,7 @@
           <p:cNvPr id="14" name="TextBox 13">
             <a:extLst>
               <a:ext uri="{FF2B5EF4-FFF2-40B4-BE49-F238E27FC236}">
-                <a16:creationId xmlns:a16="http://schemas.microsoft.com/office/drawing/2014/main" id="{EE7FADA8-271E-B261-C18D-F197E623DB60}"/>
+                <a16:creationId xmlns:a16="http://schemas.microsoft.com/office/drawing/2014/main" id="{B17E343D-46B7-6FE0-1535-F46025FC3A7A}"/>
               </a:ext>
             </a:extLst>
           </p:cNvPr>
@@ -23243,7 +23235,7 @@
         </p:nvSpPr>
         <p:spPr>
           <a:xfrm>
-            <a:off x="735498" y="4662800"/>
+            <a:off x="735498" y="3602626"/>
             <a:ext cx="7871789" cy="138499"/>
           </a:xfrm>
           <a:prstGeom prst="rect">
@@ -23281,7 +23273,7 @@
           <p:cNvPr id="15" name="TextBox 14">
             <a:extLst>
               <a:ext uri="{FF2B5EF4-FFF2-40B4-BE49-F238E27FC236}">
-                <a16:creationId xmlns:a16="http://schemas.microsoft.com/office/drawing/2014/main" id="{AA3C02D1-2C1F-5C8F-4DB4-5AC6715DC5A7}"/>
+                <a16:creationId xmlns:a16="http://schemas.microsoft.com/office/drawing/2014/main" id="{EBED2B78-A423-0071-34DE-32F6BDC4408B}"/>
               </a:ext>
             </a:extLst>
           </p:cNvPr>
@@ -23320,7 +23312,7 @@
           <p:cNvPr id="16" name="TextBox 15">
             <a:extLst>
               <a:ext uri="{FF2B5EF4-FFF2-40B4-BE49-F238E27FC236}">
-                <a16:creationId xmlns:a16="http://schemas.microsoft.com/office/drawing/2014/main" id="{92299F64-AE38-B3E6-3121-61C1ACB511A9}"/>
+                <a16:creationId xmlns:a16="http://schemas.microsoft.com/office/drawing/2014/main" id="{974EA35F-A325-CE3D-0D76-0AFB8DF600F7}"/>
               </a:ext>
             </a:extLst>
           </p:cNvPr>
@@ -23329,7 +23321,7 @@
         </p:nvSpPr>
         <p:spPr>
           <a:xfrm>
-            <a:off x="735498" y="4372668"/>
+            <a:off x="735498" y="3312494"/>
             <a:ext cx="3081128" cy="184666"/>
           </a:xfrm>
           <a:prstGeom prst="rect">
@@ -23357,7 +23349,7 @@
     </p:spTree>
     <p:extLst>
       <p:ext uri="{BB962C8B-B14F-4D97-AF65-F5344CB8AC3E}">
-        <p14:creationId xmlns:p14="http://schemas.microsoft.com/office/powerpoint/2010/main" val="3832054577"/>
+        <p14:creationId xmlns:p14="http://schemas.microsoft.com/office/powerpoint/2010/main" val="2911071874"/>
       </p:ext>
     </p:extLst>
   </p:cSld>
@@ -23387,7 +23379,7 @@
         <p:cNvPr id="1" name="">
           <a:extLst>
             <a:ext uri="{FF2B5EF4-FFF2-40B4-BE49-F238E27FC236}">
-              <a16:creationId xmlns:a16="http://schemas.microsoft.com/office/drawing/2014/main" id="{ADBC8726-2500-01FE-1680-B8527695FD3E}"/>
+              <a16:creationId xmlns:a16="http://schemas.microsoft.com/office/drawing/2014/main" id="{7C3D4273-7048-EA1B-F4B6-9C7AC5F9AD25}"/>
             </a:ext>
           </a:extLst>
         </p:cNvPr>
@@ -23407,7 +23399,7 @@
           <p:cNvPr id="7" name="Title 6">
             <a:extLst>
               <a:ext uri="{FF2B5EF4-FFF2-40B4-BE49-F238E27FC236}">
-                <a16:creationId xmlns:a16="http://schemas.microsoft.com/office/drawing/2014/main" id="{EFB2EA38-F0A7-241B-2753-7A82EEB2ED86}"/>
+                <a16:creationId xmlns:a16="http://schemas.microsoft.com/office/drawing/2014/main" id="{E782535B-0ABE-533F-0D96-CA97CFAA11AF}"/>
               </a:ext>
             </a:extLst>
           </p:cNvPr>
@@ -23446,7 +23438,7 @@
           <p:cNvPr id="4" name="Rectangle 3">
             <a:extLst>
               <a:ext uri="{FF2B5EF4-FFF2-40B4-BE49-F238E27FC236}">
-                <a16:creationId xmlns:a16="http://schemas.microsoft.com/office/drawing/2014/main" id="{C2484CAC-54A0-581B-B8D7-E21EE8E2DD9C}"/>
+                <a16:creationId xmlns:a16="http://schemas.microsoft.com/office/drawing/2014/main" id="{F8C6018D-C627-1F9A-8F58-EF51B80CE960}"/>
               </a:ext>
             </a:extLst>
           </p:cNvPr>
@@ -23456,7 +23448,7 @@
         <p:spPr>
           <a:xfrm>
             <a:off x="632460" y="1086679"/>
-            <a:ext cx="8074218" cy="2849218"/>
+            <a:ext cx="8074218" cy="1809423"/>
           </a:xfrm>
           <a:prstGeom prst="rect">
             <a:avLst/>
@@ -23504,7 +23496,7 @@
           <p:cNvPr id="5" name="Rectangle 4">
             <a:extLst>
               <a:ext uri="{FF2B5EF4-FFF2-40B4-BE49-F238E27FC236}">
-                <a16:creationId xmlns:a16="http://schemas.microsoft.com/office/drawing/2014/main" id="{38B4506D-0FFC-16B7-4D00-29F89A1BF103}"/>
+                <a16:creationId xmlns:a16="http://schemas.microsoft.com/office/drawing/2014/main" id="{2761C84C-A325-DC60-CC4B-BC40ADC1B12E}"/>
               </a:ext>
             </a:extLst>
           </p:cNvPr>
@@ -23513,8 +23505,8 @@
         </p:nvSpPr>
         <p:spPr>
           <a:xfrm>
-            <a:off x="632460" y="4267201"/>
-            <a:ext cx="8074218" cy="2010664"/>
+            <a:off x="632460" y="3193774"/>
+            <a:ext cx="8074218" cy="3084091"/>
           </a:xfrm>
           <a:prstGeom prst="rect">
             <a:avLst/>
@@ -23571,7 +23563,7 @@
           <p:cNvPr id="6" name="Rectangle 5">
             <a:extLst>
               <a:ext uri="{FF2B5EF4-FFF2-40B4-BE49-F238E27FC236}">
-                <a16:creationId xmlns:a16="http://schemas.microsoft.com/office/drawing/2014/main" id="{018219F2-A0DA-3C32-B481-BA80EA62BDCF}"/>
+                <a16:creationId xmlns:a16="http://schemas.microsoft.com/office/drawing/2014/main" id="{E570E0F0-DB05-E0FC-F2D1-2AC8DABDC21B}"/>
               </a:ext>
             </a:extLst>
           </p:cNvPr>
@@ -23629,7 +23621,7 @@
           <p:cNvPr id="12" name="TextBox 11">
             <a:extLst>
               <a:ext uri="{FF2B5EF4-FFF2-40B4-BE49-F238E27FC236}">
-                <a16:creationId xmlns:a16="http://schemas.microsoft.com/office/drawing/2014/main" id="{D8D60011-CCFC-2CC0-7B52-C8243D1C3410}"/>
+                <a16:creationId xmlns:a16="http://schemas.microsoft.com/office/drawing/2014/main" id="{0D33C2F3-3995-4D64-0C41-7C1683EBA6E9}"/>
               </a:ext>
             </a:extLst>
           </p:cNvPr>
@@ -23673,7 +23665,7 @@
           <p:cNvPr id="13" name="TextBox 12">
             <a:extLst>
               <a:ext uri="{FF2B5EF4-FFF2-40B4-BE49-F238E27FC236}">
-                <a16:creationId xmlns:a16="http://schemas.microsoft.com/office/drawing/2014/main" id="{F2EF589C-F7E1-4676-C8A2-07547F5DFDE0}"/>
+                <a16:creationId xmlns:a16="http://schemas.microsoft.com/office/drawing/2014/main" id="{217095FB-9828-B370-C257-0C7AA02DFFFA}"/>
               </a:ext>
             </a:extLst>
           </p:cNvPr>
@@ -23717,7 +23709,7 @@
           <p:cNvPr id="14" name="TextBox 13">
             <a:extLst>
               <a:ext uri="{FF2B5EF4-FFF2-40B4-BE49-F238E27FC236}">
-                <a16:creationId xmlns:a16="http://schemas.microsoft.com/office/drawing/2014/main" id="{D1C327B2-7873-51E6-8E36-2C1E4AD862F6}"/>
+                <a16:creationId xmlns:a16="http://schemas.microsoft.com/office/drawing/2014/main" id="{0037503F-BD9E-E178-E2A4-2EDAD83D1333}"/>
               </a:ext>
             </a:extLst>
           </p:cNvPr>
@@ -23726,7 +23718,7 @@
         </p:nvSpPr>
         <p:spPr>
           <a:xfrm>
-            <a:off x="735498" y="4662800"/>
+            <a:off x="735498" y="3602626"/>
             <a:ext cx="7871789" cy="138499"/>
           </a:xfrm>
           <a:prstGeom prst="rect">
@@ -23764,7 +23756,7 @@
           <p:cNvPr id="15" name="TextBox 14">
             <a:extLst>
               <a:ext uri="{FF2B5EF4-FFF2-40B4-BE49-F238E27FC236}">
-                <a16:creationId xmlns:a16="http://schemas.microsoft.com/office/drawing/2014/main" id="{734AA393-21E8-6795-17FE-0562AB591536}"/>
+                <a16:creationId xmlns:a16="http://schemas.microsoft.com/office/drawing/2014/main" id="{47BCBF18-EA8D-DEED-8000-7E48D36B4821}"/>
               </a:ext>
             </a:extLst>
           </p:cNvPr>
@@ -23803,7 +23795,7 @@
           <p:cNvPr id="16" name="TextBox 15">
             <a:extLst>
               <a:ext uri="{FF2B5EF4-FFF2-40B4-BE49-F238E27FC236}">
-                <a16:creationId xmlns:a16="http://schemas.microsoft.com/office/drawing/2014/main" id="{757F945D-3F1F-CD78-4628-770FEC39D69D}"/>
+                <a16:creationId xmlns:a16="http://schemas.microsoft.com/office/drawing/2014/main" id="{6DB9F5D2-98B0-2238-1ABA-90FDAA383D83}"/>
               </a:ext>
             </a:extLst>
           </p:cNvPr>
@@ -23812,7 +23804,7 @@
         </p:nvSpPr>
         <p:spPr>
           <a:xfrm>
-            <a:off x="735498" y="4372668"/>
+            <a:off x="735498" y="3312494"/>
             <a:ext cx="3081128" cy="184666"/>
           </a:xfrm>
           <a:prstGeom prst="rect">
@@ -23840,7 +23832,7 @@
     </p:spTree>
     <p:extLst>
       <p:ext uri="{BB962C8B-B14F-4D97-AF65-F5344CB8AC3E}">
-        <p14:creationId xmlns:p14="http://schemas.microsoft.com/office/powerpoint/2010/main" val="4104277501"/>
+        <p14:creationId xmlns:p14="http://schemas.microsoft.com/office/powerpoint/2010/main" val="170320736"/>
       </p:ext>
     </p:extLst>
   </p:cSld>
@@ -23870,7 +23862,7 @@
         <p:cNvPr id="1" name="">
           <a:extLst>
             <a:ext uri="{FF2B5EF4-FFF2-40B4-BE49-F238E27FC236}">
-              <a16:creationId xmlns:a16="http://schemas.microsoft.com/office/drawing/2014/main" id="{0F663021-64DF-23D4-2177-BC23B6BDA764}"/>
+              <a16:creationId xmlns:a16="http://schemas.microsoft.com/office/drawing/2014/main" id="{32714F89-2F24-5B4D-F431-B88EDC46EA85}"/>
             </a:ext>
           </a:extLst>
         </p:cNvPr>
@@ -23890,7 +23882,7 @@
           <p:cNvPr id="7" name="Title 6">
             <a:extLst>
               <a:ext uri="{FF2B5EF4-FFF2-40B4-BE49-F238E27FC236}">
-                <a16:creationId xmlns:a16="http://schemas.microsoft.com/office/drawing/2014/main" id="{B93E5BA2-7F22-472E-F349-30CFC4CF8956}"/>
+                <a16:creationId xmlns:a16="http://schemas.microsoft.com/office/drawing/2014/main" id="{DAB940A9-7686-64A8-AA4E-A7FC5080D41C}"/>
               </a:ext>
             </a:extLst>
           </p:cNvPr>
@@ -23929,7 +23921,7 @@
           <p:cNvPr id="4" name="Rectangle 3">
             <a:extLst>
               <a:ext uri="{FF2B5EF4-FFF2-40B4-BE49-F238E27FC236}">
-                <a16:creationId xmlns:a16="http://schemas.microsoft.com/office/drawing/2014/main" id="{E1201AB4-22A1-B0AB-0D55-119E12B7149F}"/>
+                <a16:creationId xmlns:a16="http://schemas.microsoft.com/office/drawing/2014/main" id="{1263665F-E3BE-4D92-EAA8-8D0FCCAF1877}"/>
               </a:ext>
             </a:extLst>
           </p:cNvPr>
@@ -23939,7 +23931,7 @@
         <p:spPr>
           <a:xfrm>
             <a:off x="632460" y="1086679"/>
-            <a:ext cx="8074218" cy="2849218"/>
+            <a:ext cx="8074218" cy="1809423"/>
           </a:xfrm>
           <a:prstGeom prst="rect">
             <a:avLst/>
@@ -23987,7 +23979,7 @@
           <p:cNvPr id="5" name="Rectangle 4">
             <a:extLst>
               <a:ext uri="{FF2B5EF4-FFF2-40B4-BE49-F238E27FC236}">
-                <a16:creationId xmlns:a16="http://schemas.microsoft.com/office/drawing/2014/main" id="{181C12E9-F36D-87EC-6983-7E9288CC0FA6}"/>
+                <a16:creationId xmlns:a16="http://schemas.microsoft.com/office/drawing/2014/main" id="{C794D38A-90EC-D984-4C49-803705DE9463}"/>
               </a:ext>
             </a:extLst>
           </p:cNvPr>
@@ -23996,8 +23988,8 @@
         </p:nvSpPr>
         <p:spPr>
           <a:xfrm>
-            <a:off x="632460" y="4267201"/>
-            <a:ext cx="8074218" cy="2010664"/>
+            <a:off x="632460" y="3193774"/>
+            <a:ext cx="8074218" cy="3084091"/>
           </a:xfrm>
           <a:prstGeom prst="rect">
             <a:avLst/>
@@ -24054,7 +24046,7 @@
           <p:cNvPr id="6" name="Rectangle 5">
             <a:extLst>
               <a:ext uri="{FF2B5EF4-FFF2-40B4-BE49-F238E27FC236}">
-                <a16:creationId xmlns:a16="http://schemas.microsoft.com/office/drawing/2014/main" id="{42B73541-CA22-4AD9-DF44-DC9C257CE2D8}"/>
+                <a16:creationId xmlns:a16="http://schemas.microsoft.com/office/drawing/2014/main" id="{FB108B34-3888-8263-AFCD-BEE278418E96}"/>
               </a:ext>
             </a:extLst>
           </p:cNvPr>
@@ -24112,7 +24104,7 @@
           <p:cNvPr id="12" name="TextBox 11">
             <a:extLst>
               <a:ext uri="{FF2B5EF4-FFF2-40B4-BE49-F238E27FC236}">
-                <a16:creationId xmlns:a16="http://schemas.microsoft.com/office/drawing/2014/main" id="{FE80C7E9-D612-252B-2ACB-A8EA9E6BFE66}"/>
+                <a16:creationId xmlns:a16="http://schemas.microsoft.com/office/drawing/2014/main" id="{A251F05E-3BE0-3E3A-37D6-DF0039FA9BDB}"/>
               </a:ext>
             </a:extLst>
           </p:cNvPr>
@@ -24156,7 +24148,7 @@
           <p:cNvPr id="13" name="TextBox 12">
             <a:extLst>
               <a:ext uri="{FF2B5EF4-FFF2-40B4-BE49-F238E27FC236}">
-                <a16:creationId xmlns:a16="http://schemas.microsoft.com/office/drawing/2014/main" id="{E39EC352-AE27-847E-DE6B-F8584477D7E7}"/>
+                <a16:creationId xmlns:a16="http://schemas.microsoft.com/office/drawing/2014/main" id="{47914B9D-93D0-F2E4-32C6-8C931D1918D7}"/>
               </a:ext>
             </a:extLst>
           </p:cNvPr>
@@ -24200,7 +24192,7 @@
           <p:cNvPr id="14" name="TextBox 13">
             <a:extLst>
               <a:ext uri="{FF2B5EF4-FFF2-40B4-BE49-F238E27FC236}">
-                <a16:creationId xmlns:a16="http://schemas.microsoft.com/office/drawing/2014/main" id="{2BDAB7CD-9061-A237-550B-B18B7BC7C647}"/>
+                <a16:creationId xmlns:a16="http://schemas.microsoft.com/office/drawing/2014/main" id="{8EF230E2-5F9A-458F-6F12-C64CC633088B}"/>
               </a:ext>
             </a:extLst>
           </p:cNvPr>
@@ -24209,7 +24201,7 @@
         </p:nvSpPr>
         <p:spPr>
           <a:xfrm>
-            <a:off x="735498" y="4662800"/>
+            <a:off x="735498" y="3602626"/>
             <a:ext cx="7871789" cy="138499"/>
           </a:xfrm>
           <a:prstGeom prst="rect">
@@ -24247,7 +24239,7 @@
           <p:cNvPr id="15" name="TextBox 14">
             <a:extLst>
               <a:ext uri="{FF2B5EF4-FFF2-40B4-BE49-F238E27FC236}">
-                <a16:creationId xmlns:a16="http://schemas.microsoft.com/office/drawing/2014/main" id="{9DB849B1-24CE-7449-10EC-F4FA8900A90F}"/>
+                <a16:creationId xmlns:a16="http://schemas.microsoft.com/office/drawing/2014/main" id="{A2899A43-0718-E076-2294-0D103C1605E5}"/>
               </a:ext>
             </a:extLst>
           </p:cNvPr>
@@ -24286,7 +24278,7 @@
           <p:cNvPr id="16" name="TextBox 15">
             <a:extLst>
               <a:ext uri="{FF2B5EF4-FFF2-40B4-BE49-F238E27FC236}">
-                <a16:creationId xmlns:a16="http://schemas.microsoft.com/office/drawing/2014/main" id="{399FBF97-E284-F96E-F839-F3319792BBBE}"/>
+                <a16:creationId xmlns:a16="http://schemas.microsoft.com/office/drawing/2014/main" id="{A0625726-2868-5E16-BD1F-FAD2CD203733}"/>
               </a:ext>
             </a:extLst>
           </p:cNvPr>
@@ -24295,7 +24287,7 @@
         </p:nvSpPr>
         <p:spPr>
           <a:xfrm>
-            <a:off x="735498" y="4372668"/>
+            <a:off x="735498" y="3312494"/>
             <a:ext cx="3081128" cy="184666"/>
           </a:xfrm>
           <a:prstGeom prst="rect">
@@ -24323,7 +24315,7 @@
     </p:spTree>
     <p:extLst>
       <p:ext uri="{BB962C8B-B14F-4D97-AF65-F5344CB8AC3E}">
-        <p14:creationId xmlns:p14="http://schemas.microsoft.com/office/powerpoint/2010/main" val="174135221"/>
+        <p14:creationId xmlns:p14="http://schemas.microsoft.com/office/powerpoint/2010/main" val="3128267697"/>
       </p:ext>
     </p:extLst>
   </p:cSld>
@@ -24353,7 +24345,7 @@
         <p:cNvPr id="1" name="">
           <a:extLst>
             <a:ext uri="{FF2B5EF4-FFF2-40B4-BE49-F238E27FC236}">
-              <a16:creationId xmlns:a16="http://schemas.microsoft.com/office/drawing/2014/main" id="{4524C2C9-7769-108F-3EB9-E3B6117BA2E0}"/>
+              <a16:creationId xmlns:a16="http://schemas.microsoft.com/office/drawing/2014/main" id="{2A1618A7-A075-B678-ED9E-33A2F7431382}"/>
             </a:ext>
           </a:extLst>
         </p:cNvPr>
@@ -24373,7 +24365,7 @@
           <p:cNvPr id="7" name="Title 6">
             <a:extLst>
               <a:ext uri="{FF2B5EF4-FFF2-40B4-BE49-F238E27FC236}">
-                <a16:creationId xmlns:a16="http://schemas.microsoft.com/office/drawing/2014/main" id="{851EE7FC-8909-6204-7447-83F9F5670037}"/>
+                <a16:creationId xmlns:a16="http://schemas.microsoft.com/office/drawing/2014/main" id="{8A256C82-3EBA-8E52-4B8E-F9C40E12D118}"/>
               </a:ext>
             </a:extLst>
           </p:cNvPr>
@@ -24412,7 +24404,7 @@
           <p:cNvPr id="4" name="Rectangle 3">
             <a:extLst>
               <a:ext uri="{FF2B5EF4-FFF2-40B4-BE49-F238E27FC236}">
-                <a16:creationId xmlns:a16="http://schemas.microsoft.com/office/drawing/2014/main" id="{38C4624A-9F4A-F96D-3A37-2F3A75E89259}"/>
+                <a16:creationId xmlns:a16="http://schemas.microsoft.com/office/drawing/2014/main" id="{0A895809-A099-0FA8-A75E-BB245B46F837}"/>
               </a:ext>
             </a:extLst>
           </p:cNvPr>
@@ -24422,7 +24414,7 @@
         <p:spPr>
           <a:xfrm>
             <a:off x="632460" y="1086679"/>
-            <a:ext cx="8074218" cy="2849218"/>
+            <a:ext cx="8074218" cy="1809423"/>
           </a:xfrm>
           <a:prstGeom prst="rect">
             <a:avLst/>
@@ -24470,7 +24462,7 @@
           <p:cNvPr id="5" name="Rectangle 4">
             <a:extLst>
               <a:ext uri="{FF2B5EF4-FFF2-40B4-BE49-F238E27FC236}">
-                <a16:creationId xmlns:a16="http://schemas.microsoft.com/office/drawing/2014/main" id="{A3F68B39-889A-91A5-88AF-454240C0DF9E}"/>
+                <a16:creationId xmlns:a16="http://schemas.microsoft.com/office/drawing/2014/main" id="{A571C25A-2F26-3D2A-2DEF-9A9D1F73330D}"/>
               </a:ext>
             </a:extLst>
           </p:cNvPr>
@@ -24479,8 +24471,8 @@
         </p:nvSpPr>
         <p:spPr>
           <a:xfrm>
-            <a:off x="632460" y="4267201"/>
-            <a:ext cx="8074218" cy="2010664"/>
+            <a:off x="632460" y="3193774"/>
+            <a:ext cx="8074218" cy="3084091"/>
           </a:xfrm>
           <a:prstGeom prst="rect">
             <a:avLst/>
@@ -24537,7 +24529,7 @@
           <p:cNvPr id="6" name="Rectangle 5">
             <a:extLst>
               <a:ext uri="{FF2B5EF4-FFF2-40B4-BE49-F238E27FC236}">
-                <a16:creationId xmlns:a16="http://schemas.microsoft.com/office/drawing/2014/main" id="{36B41721-1BB1-C8D5-0CC8-3E5FD01C724A}"/>
+                <a16:creationId xmlns:a16="http://schemas.microsoft.com/office/drawing/2014/main" id="{EE67F7B1-64D4-C729-7271-5241D42554B0}"/>
               </a:ext>
             </a:extLst>
           </p:cNvPr>
@@ -24595,7 +24587,7 @@
           <p:cNvPr id="12" name="TextBox 11">
             <a:extLst>
               <a:ext uri="{FF2B5EF4-FFF2-40B4-BE49-F238E27FC236}">
-                <a16:creationId xmlns:a16="http://schemas.microsoft.com/office/drawing/2014/main" id="{57C14E32-AA1F-B07A-FE9D-14891485515B}"/>
+                <a16:creationId xmlns:a16="http://schemas.microsoft.com/office/drawing/2014/main" id="{0230681E-9140-B575-D8B3-D7182E3F4568}"/>
               </a:ext>
             </a:extLst>
           </p:cNvPr>
@@ -24639,7 +24631,7 @@
           <p:cNvPr id="13" name="TextBox 12">
             <a:extLst>
               <a:ext uri="{FF2B5EF4-FFF2-40B4-BE49-F238E27FC236}">
-                <a16:creationId xmlns:a16="http://schemas.microsoft.com/office/drawing/2014/main" id="{62E856C2-0CE0-E034-F2F0-89E225B4A43E}"/>
+                <a16:creationId xmlns:a16="http://schemas.microsoft.com/office/drawing/2014/main" id="{142490E1-2C4B-DC7E-F9B6-A68AD8B06557}"/>
               </a:ext>
             </a:extLst>
           </p:cNvPr>
@@ -24683,7 +24675,7 @@
           <p:cNvPr id="14" name="TextBox 13">
             <a:extLst>
               <a:ext uri="{FF2B5EF4-FFF2-40B4-BE49-F238E27FC236}">
-                <a16:creationId xmlns:a16="http://schemas.microsoft.com/office/drawing/2014/main" id="{49B75ECB-E0A8-232F-B50E-4A25E59AD387}"/>
+                <a16:creationId xmlns:a16="http://schemas.microsoft.com/office/drawing/2014/main" id="{612BAE78-5C79-04DF-9B1F-49A2D1EFA338}"/>
               </a:ext>
             </a:extLst>
           </p:cNvPr>
@@ -24692,7 +24684,7 @@
         </p:nvSpPr>
         <p:spPr>
           <a:xfrm>
-            <a:off x="735498" y="4662800"/>
+            <a:off x="735498" y="3602626"/>
             <a:ext cx="7871789" cy="138499"/>
           </a:xfrm>
           <a:prstGeom prst="rect">
@@ -24730,7 +24722,7 @@
           <p:cNvPr id="15" name="TextBox 14">
             <a:extLst>
               <a:ext uri="{FF2B5EF4-FFF2-40B4-BE49-F238E27FC236}">
-                <a16:creationId xmlns:a16="http://schemas.microsoft.com/office/drawing/2014/main" id="{D9618102-FB11-7163-5F76-F79EB2A085C6}"/>
+                <a16:creationId xmlns:a16="http://schemas.microsoft.com/office/drawing/2014/main" id="{3F715E53-9941-CBC5-8875-A4717B9D5760}"/>
               </a:ext>
             </a:extLst>
           </p:cNvPr>
@@ -24769,7 +24761,7 @@
           <p:cNvPr id="16" name="TextBox 15">
             <a:extLst>
               <a:ext uri="{FF2B5EF4-FFF2-40B4-BE49-F238E27FC236}">
-                <a16:creationId xmlns:a16="http://schemas.microsoft.com/office/drawing/2014/main" id="{9BC87B5B-2E73-F473-202B-15657AFF3EDE}"/>
+                <a16:creationId xmlns:a16="http://schemas.microsoft.com/office/drawing/2014/main" id="{6FE65985-C187-84E6-5B8B-06D4244C1717}"/>
               </a:ext>
             </a:extLst>
           </p:cNvPr>
@@ -24778,7 +24770,7 @@
         </p:nvSpPr>
         <p:spPr>
           <a:xfrm>
-            <a:off x="735498" y="4372668"/>
+            <a:off x="735498" y="3312494"/>
             <a:ext cx="3081128" cy="184666"/>
           </a:xfrm>
           <a:prstGeom prst="rect">
@@ -24806,7 +24798,7 @@
     </p:spTree>
     <p:extLst>
       <p:ext uri="{BB962C8B-B14F-4D97-AF65-F5344CB8AC3E}">
-        <p14:creationId xmlns:p14="http://schemas.microsoft.com/office/powerpoint/2010/main" val="3409667613"/>
+        <p14:creationId xmlns:p14="http://schemas.microsoft.com/office/powerpoint/2010/main" val="832351696"/>
       </p:ext>
     </p:extLst>
   </p:cSld>
@@ -24836,7 +24828,7 @@
         <p:cNvPr id="1" name="">
           <a:extLst>
             <a:ext uri="{FF2B5EF4-FFF2-40B4-BE49-F238E27FC236}">
-              <a16:creationId xmlns:a16="http://schemas.microsoft.com/office/drawing/2014/main" id="{9252420E-1B42-14B6-875E-E2AE5360AEBF}"/>
+              <a16:creationId xmlns:a16="http://schemas.microsoft.com/office/drawing/2014/main" id="{E43FA8B4-2B53-DC86-3D1F-7E2E59919546}"/>
             </a:ext>
           </a:extLst>
         </p:cNvPr>
@@ -24856,7 +24848,7 @@
           <p:cNvPr id="7" name="Title 6">
             <a:extLst>
               <a:ext uri="{FF2B5EF4-FFF2-40B4-BE49-F238E27FC236}">
-                <a16:creationId xmlns:a16="http://schemas.microsoft.com/office/drawing/2014/main" id="{4EFF882F-C605-2C03-6AEE-B8F50F611725}"/>
+                <a16:creationId xmlns:a16="http://schemas.microsoft.com/office/drawing/2014/main" id="{C7F748CB-8B5E-97EA-E438-064BDCBDCFF8}"/>
               </a:ext>
             </a:extLst>
           </p:cNvPr>
@@ -24895,7 +24887,7 @@
           <p:cNvPr id="4" name="Rectangle 3">
             <a:extLst>
               <a:ext uri="{FF2B5EF4-FFF2-40B4-BE49-F238E27FC236}">
-                <a16:creationId xmlns:a16="http://schemas.microsoft.com/office/drawing/2014/main" id="{7116EFCE-3216-88F5-A970-37ED9098CF30}"/>
+                <a16:creationId xmlns:a16="http://schemas.microsoft.com/office/drawing/2014/main" id="{1D5C8659-1512-5192-DCAE-6DD98D20F9E3}"/>
               </a:ext>
             </a:extLst>
           </p:cNvPr>
@@ -24905,7 +24897,7 @@
         <p:spPr>
           <a:xfrm>
             <a:off x="632460" y="1086679"/>
-            <a:ext cx="8074218" cy="2849218"/>
+            <a:ext cx="8074218" cy="1809423"/>
           </a:xfrm>
           <a:prstGeom prst="rect">
             <a:avLst/>
@@ -24953,7 +24945,7 @@
           <p:cNvPr id="5" name="Rectangle 4">
             <a:extLst>
               <a:ext uri="{FF2B5EF4-FFF2-40B4-BE49-F238E27FC236}">
-                <a16:creationId xmlns:a16="http://schemas.microsoft.com/office/drawing/2014/main" id="{002109B2-92D1-A304-E643-040723878F22}"/>
+                <a16:creationId xmlns:a16="http://schemas.microsoft.com/office/drawing/2014/main" id="{8BCDAC47-E7F4-0799-DBBD-15A4CCF683CA}"/>
               </a:ext>
             </a:extLst>
           </p:cNvPr>
@@ -24962,8 +24954,8 @@
         </p:nvSpPr>
         <p:spPr>
           <a:xfrm>
-            <a:off x="632460" y="4267201"/>
-            <a:ext cx="8074218" cy="2010664"/>
+            <a:off x="632460" y="3193774"/>
+            <a:ext cx="8074218" cy="3084091"/>
           </a:xfrm>
           <a:prstGeom prst="rect">
             <a:avLst/>
@@ -25020,7 +25012,7 @@
           <p:cNvPr id="6" name="Rectangle 5">
             <a:extLst>
               <a:ext uri="{FF2B5EF4-FFF2-40B4-BE49-F238E27FC236}">
-                <a16:creationId xmlns:a16="http://schemas.microsoft.com/office/drawing/2014/main" id="{7CF119E0-A6A4-F6A1-751B-BBC7B439F426}"/>
+                <a16:creationId xmlns:a16="http://schemas.microsoft.com/office/drawing/2014/main" id="{3F963AFB-45E9-AF12-A688-76CE985E1941}"/>
               </a:ext>
             </a:extLst>
           </p:cNvPr>
@@ -25078,7 +25070,7 @@
           <p:cNvPr id="12" name="TextBox 11">
             <a:extLst>
               <a:ext uri="{FF2B5EF4-FFF2-40B4-BE49-F238E27FC236}">
-                <a16:creationId xmlns:a16="http://schemas.microsoft.com/office/drawing/2014/main" id="{F4F3F87D-2226-2854-3B8C-E9FC3DFFE94B}"/>
+                <a16:creationId xmlns:a16="http://schemas.microsoft.com/office/drawing/2014/main" id="{0F5D4C97-0381-3BEC-C78F-F0144CF7C1B6}"/>
               </a:ext>
             </a:extLst>
           </p:cNvPr>
@@ -25122,7 +25114,7 @@
           <p:cNvPr id="13" name="TextBox 12">
             <a:extLst>
               <a:ext uri="{FF2B5EF4-FFF2-40B4-BE49-F238E27FC236}">
-                <a16:creationId xmlns:a16="http://schemas.microsoft.com/office/drawing/2014/main" id="{DD10AABA-A8D5-4EEC-6A4C-18071C5CBF6B}"/>
+                <a16:creationId xmlns:a16="http://schemas.microsoft.com/office/drawing/2014/main" id="{B41BA5B7-AB5C-5135-11A1-43AE01361BC0}"/>
               </a:ext>
             </a:extLst>
           </p:cNvPr>
@@ -25166,7 +25158,7 @@
           <p:cNvPr id="14" name="TextBox 13">
             <a:extLst>
               <a:ext uri="{FF2B5EF4-FFF2-40B4-BE49-F238E27FC236}">
-                <a16:creationId xmlns:a16="http://schemas.microsoft.com/office/drawing/2014/main" id="{B46A0489-B2EF-F9A1-A093-E3BE754B7C2F}"/>
+                <a16:creationId xmlns:a16="http://schemas.microsoft.com/office/drawing/2014/main" id="{7DDB7601-100C-56F7-7510-3B1265009F11}"/>
               </a:ext>
             </a:extLst>
           </p:cNvPr>
@@ -25175,7 +25167,7 @@
         </p:nvSpPr>
         <p:spPr>
           <a:xfrm>
-            <a:off x="735498" y="4662800"/>
+            <a:off x="735498" y="3602626"/>
             <a:ext cx="7871789" cy="138499"/>
           </a:xfrm>
           <a:prstGeom prst="rect">
@@ -25213,7 +25205,7 @@
           <p:cNvPr id="15" name="TextBox 14">
             <a:extLst>
               <a:ext uri="{FF2B5EF4-FFF2-40B4-BE49-F238E27FC236}">
-                <a16:creationId xmlns:a16="http://schemas.microsoft.com/office/drawing/2014/main" id="{6498BB9B-EA32-A436-0790-2E5FC03E16B7}"/>
+                <a16:creationId xmlns:a16="http://schemas.microsoft.com/office/drawing/2014/main" id="{9595AECE-78B5-7D8D-D3AD-B9DA2911C30C}"/>
               </a:ext>
             </a:extLst>
           </p:cNvPr>
@@ -25252,7 +25244,7 @@
           <p:cNvPr id="16" name="TextBox 15">
             <a:extLst>
               <a:ext uri="{FF2B5EF4-FFF2-40B4-BE49-F238E27FC236}">
-                <a16:creationId xmlns:a16="http://schemas.microsoft.com/office/drawing/2014/main" id="{9611931A-93A7-E7D5-475F-88D2C61FF715}"/>
+                <a16:creationId xmlns:a16="http://schemas.microsoft.com/office/drawing/2014/main" id="{DA4E180D-53D7-4C37-49E3-18A4A5E52DD6}"/>
               </a:ext>
             </a:extLst>
           </p:cNvPr>
@@ -25261,7 +25253,7 @@
         </p:nvSpPr>
         <p:spPr>
           <a:xfrm>
-            <a:off x="735498" y="4372668"/>
+            <a:off x="735498" y="3312494"/>
             <a:ext cx="3081128" cy="184666"/>
           </a:xfrm>
           <a:prstGeom prst="rect">
@@ -25289,7 +25281,7 @@
     </p:spTree>
     <p:extLst>
       <p:ext uri="{BB962C8B-B14F-4D97-AF65-F5344CB8AC3E}">
-        <p14:creationId xmlns:p14="http://schemas.microsoft.com/office/powerpoint/2010/main" val="3240164499"/>
+        <p14:creationId xmlns:p14="http://schemas.microsoft.com/office/powerpoint/2010/main" val="2011943581"/>
       </p:ext>
     </p:extLst>
   </p:cSld>
@@ -25319,7 +25311,7 @@
         <p:cNvPr id="1" name="">
           <a:extLst>
             <a:ext uri="{FF2B5EF4-FFF2-40B4-BE49-F238E27FC236}">
-              <a16:creationId xmlns:a16="http://schemas.microsoft.com/office/drawing/2014/main" id="{7712D6D4-3C84-2F7B-3F12-DA443C147254}"/>
+              <a16:creationId xmlns:a16="http://schemas.microsoft.com/office/drawing/2014/main" id="{F719E491-A8B0-BB41-69C5-EF9DB5068A01}"/>
             </a:ext>
           </a:extLst>
         </p:cNvPr>
@@ -25339,7 +25331,7 @@
           <p:cNvPr id="7" name="Title 6">
             <a:extLst>
               <a:ext uri="{FF2B5EF4-FFF2-40B4-BE49-F238E27FC236}">
-                <a16:creationId xmlns:a16="http://schemas.microsoft.com/office/drawing/2014/main" id="{3016972B-3C00-DA4F-1B1B-A2EEF30946D1}"/>
+                <a16:creationId xmlns:a16="http://schemas.microsoft.com/office/drawing/2014/main" id="{27CCA341-DF56-B21A-5079-9D108177305F}"/>
               </a:ext>
             </a:extLst>
           </p:cNvPr>
@@ -25378,7 +25370,7 @@
           <p:cNvPr id="4" name="Rectangle 3">
             <a:extLst>
               <a:ext uri="{FF2B5EF4-FFF2-40B4-BE49-F238E27FC236}">
-                <a16:creationId xmlns:a16="http://schemas.microsoft.com/office/drawing/2014/main" id="{3F89A057-54F5-41B5-24A4-45C53366C110}"/>
+                <a16:creationId xmlns:a16="http://schemas.microsoft.com/office/drawing/2014/main" id="{B9B86C98-E98B-9648-1363-9996BD69E744}"/>
               </a:ext>
             </a:extLst>
           </p:cNvPr>
@@ -25388,7 +25380,7 @@
         <p:spPr>
           <a:xfrm>
             <a:off x="632460" y="1086679"/>
-            <a:ext cx="8074218" cy="2849218"/>
+            <a:ext cx="8074218" cy="1809423"/>
           </a:xfrm>
           <a:prstGeom prst="rect">
             <a:avLst/>
@@ -25436,7 +25428,7 @@
           <p:cNvPr id="5" name="Rectangle 4">
             <a:extLst>
               <a:ext uri="{FF2B5EF4-FFF2-40B4-BE49-F238E27FC236}">
-                <a16:creationId xmlns:a16="http://schemas.microsoft.com/office/drawing/2014/main" id="{7F6D4353-0AF1-BD08-913C-8FA4F32F52B2}"/>
+                <a16:creationId xmlns:a16="http://schemas.microsoft.com/office/drawing/2014/main" id="{5E4EF37B-2144-ED76-482B-90FF414A3DB3}"/>
               </a:ext>
             </a:extLst>
           </p:cNvPr>
@@ -25445,8 +25437,8 @@
         </p:nvSpPr>
         <p:spPr>
           <a:xfrm>
-            <a:off x="632460" y="4267201"/>
-            <a:ext cx="8074218" cy="2010664"/>
+            <a:off x="632460" y="3193774"/>
+            <a:ext cx="8074218" cy="3084091"/>
           </a:xfrm>
           <a:prstGeom prst="rect">
             <a:avLst/>
@@ -25503,7 +25495,7 @@
           <p:cNvPr id="6" name="Rectangle 5">
             <a:extLst>
               <a:ext uri="{FF2B5EF4-FFF2-40B4-BE49-F238E27FC236}">
-                <a16:creationId xmlns:a16="http://schemas.microsoft.com/office/drawing/2014/main" id="{AB8FEFEA-E4B5-F0D9-8E0E-A4C7E0F65556}"/>
+                <a16:creationId xmlns:a16="http://schemas.microsoft.com/office/drawing/2014/main" id="{E50C0E79-145C-BE9A-9F10-565216C701E2}"/>
               </a:ext>
             </a:extLst>
           </p:cNvPr>
@@ -25561,7 +25553,7 @@
           <p:cNvPr id="12" name="TextBox 11">
             <a:extLst>
               <a:ext uri="{FF2B5EF4-FFF2-40B4-BE49-F238E27FC236}">
-                <a16:creationId xmlns:a16="http://schemas.microsoft.com/office/drawing/2014/main" id="{3FCAF8C8-C2FB-F8F5-66C9-06E6DFD72A00}"/>
+                <a16:creationId xmlns:a16="http://schemas.microsoft.com/office/drawing/2014/main" id="{57BA135A-A096-2A7D-B55C-10DABBFCCC1E}"/>
               </a:ext>
             </a:extLst>
           </p:cNvPr>
@@ -25605,7 +25597,7 @@
           <p:cNvPr id="13" name="TextBox 12">
             <a:extLst>
               <a:ext uri="{FF2B5EF4-FFF2-40B4-BE49-F238E27FC236}">
-                <a16:creationId xmlns:a16="http://schemas.microsoft.com/office/drawing/2014/main" id="{B16CFDA8-3459-54DC-FCD8-5D22E457E2D5}"/>
+                <a16:creationId xmlns:a16="http://schemas.microsoft.com/office/drawing/2014/main" id="{2E4E3403-49AE-BF21-53F6-DF5164FA7CC8}"/>
               </a:ext>
             </a:extLst>
           </p:cNvPr>
@@ -25649,7 +25641,7 @@
           <p:cNvPr id="14" name="TextBox 13">
             <a:extLst>
               <a:ext uri="{FF2B5EF4-FFF2-40B4-BE49-F238E27FC236}">
-                <a16:creationId xmlns:a16="http://schemas.microsoft.com/office/drawing/2014/main" id="{70232250-5FF4-AED5-57BE-97362AA209BF}"/>
+                <a16:creationId xmlns:a16="http://schemas.microsoft.com/office/drawing/2014/main" id="{7A073BE3-80EB-2114-AD3D-B29FE9528D9B}"/>
               </a:ext>
             </a:extLst>
           </p:cNvPr>
@@ -25658,7 +25650,7 @@
         </p:nvSpPr>
         <p:spPr>
           <a:xfrm>
-            <a:off x="735498" y="4662800"/>
+            <a:off x="735498" y="3602626"/>
             <a:ext cx="7871789" cy="138499"/>
           </a:xfrm>
           <a:prstGeom prst="rect">
@@ -25696,7 +25688,7 @@
           <p:cNvPr id="15" name="TextBox 14">
             <a:extLst>
               <a:ext uri="{FF2B5EF4-FFF2-40B4-BE49-F238E27FC236}">
-                <a16:creationId xmlns:a16="http://schemas.microsoft.com/office/drawing/2014/main" id="{8D6A72CB-2C0D-5DEE-7414-08150846163E}"/>
+                <a16:creationId xmlns:a16="http://schemas.microsoft.com/office/drawing/2014/main" id="{56E33EC0-A649-B511-D34E-24E67936084E}"/>
               </a:ext>
             </a:extLst>
           </p:cNvPr>
@@ -25735,7 +25727,7 @@
           <p:cNvPr id="16" name="TextBox 15">
             <a:extLst>
               <a:ext uri="{FF2B5EF4-FFF2-40B4-BE49-F238E27FC236}">
-                <a16:creationId xmlns:a16="http://schemas.microsoft.com/office/drawing/2014/main" id="{71144D79-7255-1537-899E-B4435EDAE3D7}"/>
+                <a16:creationId xmlns:a16="http://schemas.microsoft.com/office/drawing/2014/main" id="{84C1E3C4-9EE3-F99A-D119-4477116600E0}"/>
               </a:ext>
             </a:extLst>
           </p:cNvPr>
@@ -25744,7 +25736,7 @@
         </p:nvSpPr>
         <p:spPr>
           <a:xfrm>
-            <a:off x="735498" y="4372668"/>
+            <a:off x="735498" y="3312494"/>
             <a:ext cx="3081128" cy="184666"/>
           </a:xfrm>
           <a:prstGeom prst="rect">
@@ -25772,7 +25764,7 @@
     </p:spTree>
     <p:extLst>
       <p:ext uri="{BB962C8B-B14F-4D97-AF65-F5344CB8AC3E}">
-        <p14:creationId xmlns:p14="http://schemas.microsoft.com/office/powerpoint/2010/main" val="1976747870"/>
+        <p14:creationId xmlns:p14="http://schemas.microsoft.com/office/powerpoint/2010/main" val="48851704"/>
       </p:ext>
     </p:extLst>
   </p:cSld>
@@ -25802,7 +25794,7 @@
         <p:cNvPr id="1" name="">
           <a:extLst>
             <a:ext uri="{FF2B5EF4-FFF2-40B4-BE49-F238E27FC236}">
-              <a16:creationId xmlns:a16="http://schemas.microsoft.com/office/drawing/2014/main" id="{46F2C3F4-B46B-05B8-3028-3C32FE63C7CE}"/>
+              <a16:creationId xmlns:a16="http://schemas.microsoft.com/office/drawing/2014/main" id="{AD07EFC4-6D81-BABC-0739-79C753E6E2E8}"/>
             </a:ext>
           </a:extLst>
         </p:cNvPr>
@@ -25822,7 +25814,7 @@
           <p:cNvPr id="7" name="Title 6">
             <a:extLst>
               <a:ext uri="{FF2B5EF4-FFF2-40B4-BE49-F238E27FC236}">
-                <a16:creationId xmlns:a16="http://schemas.microsoft.com/office/drawing/2014/main" id="{232CD1C7-2EED-46B1-129A-9605A64E8FB4}"/>
+                <a16:creationId xmlns:a16="http://schemas.microsoft.com/office/drawing/2014/main" id="{BD7D5516-86C0-E179-2209-3C5B3F307C3C}"/>
               </a:ext>
             </a:extLst>
           </p:cNvPr>
@@ -25861,7 +25853,7 @@
           <p:cNvPr id="4" name="Rectangle 3">
             <a:extLst>
               <a:ext uri="{FF2B5EF4-FFF2-40B4-BE49-F238E27FC236}">
-                <a16:creationId xmlns:a16="http://schemas.microsoft.com/office/drawing/2014/main" id="{34F569C7-3729-C169-6C18-C09F109847DC}"/>
+                <a16:creationId xmlns:a16="http://schemas.microsoft.com/office/drawing/2014/main" id="{8BEACE8F-78AE-DEBA-D157-42E5CA8F42C2}"/>
               </a:ext>
             </a:extLst>
           </p:cNvPr>
@@ -25871,7 +25863,7 @@
         <p:spPr>
           <a:xfrm>
             <a:off x="632460" y="1086679"/>
-            <a:ext cx="8074218" cy="2849218"/>
+            <a:ext cx="8074218" cy="1809423"/>
           </a:xfrm>
           <a:prstGeom prst="rect">
             <a:avLst/>
@@ -25919,7 +25911,7 @@
           <p:cNvPr id="5" name="Rectangle 4">
             <a:extLst>
               <a:ext uri="{FF2B5EF4-FFF2-40B4-BE49-F238E27FC236}">
-                <a16:creationId xmlns:a16="http://schemas.microsoft.com/office/drawing/2014/main" id="{4E497B56-1D03-33A8-0D3C-D3918376A699}"/>
+                <a16:creationId xmlns:a16="http://schemas.microsoft.com/office/drawing/2014/main" id="{1EDA1B8A-F1E9-06C0-B49D-2E5C04DEC2D9}"/>
               </a:ext>
             </a:extLst>
           </p:cNvPr>
@@ -25928,8 +25920,8 @@
         </p:nvSpPr>
         <p:spPr>
           <a:xfrm>
-            <a:off x="632460" y="4267201"/>
-            <a:ext cx="8074218" cy="2010664"/>
+            <a:off x="632460" y="3193774"/>
+            <a:ext cx="8074218" cy="3084091"/>
           </a:xfrm>
           <a:prstGeom prst="rect">
             <a:avLst/>
@@ -25986,7 +25978,7 @@
           <p:cNvPr id="6" name="Rectangle 5">
             <a:extLst>
               <a:ext uri="{FF2B5EF4-FFF2-40B4-BE49-F238E27FC236}">
-                <a16:creationId xmlns:a16="http://schemas.microsoft.com/office/drawing/2014/main" id="{D690BAEE-E086-1DD7-254A-DEBD9F410DE9}"/>
+                <a16:creationId xmlns:a16="http://schemas.microsoft.com/office/drawing/2014/main" id="{78E47DDB-F4F8-8342-67DD-825677DFD841}"/>
               </a:ext>
             </a:extLst>
           </p:cNvPr>
@@ -26044,7 +26036,7 @@
           <p:cNvPr id="12" name="TextBox 11">
             <a:extLst>
               <a:ext uri="{FF2B5EF4-FFF2-40B4-BE49-F238E27FC236}">
-                <a16:creationId xmlns:a16="http://schemas.microsoft.com/office/drawing/2014/main" id="{0175C5E6-772C-D193-3D3B-5C4E80A57564}"/>
+                <a16:creationId xmlns:a16="http://schemas.microsoft.com/office/drawing/2014/main" id="{C562E4C3-11A4-81D9-F9B8-D9EA20EC865F}"/>
               </a:ext>
             </a:extLst>
           </p:cNvPr>
@@ -26088,7 +26080,7 @@
           <p:cNvPr id="13" name="TextBox 12">
             <a:extLst>
               <a:ext uri="{FF2B5EF4-FFF2-40B4-BE49-F238E27FC236}">
-                <a16:creationId xmlns:a16="http://schemas.microsoft.com/office/drawing/2014/main" id="{CD05A491-CAB6-D52F-12E1-34F54837B3B3}"/>
+                <a16:creationId xmlns:a16="http://schemas.microsoft.com/office/drawing/2014/main" id="{D221ECB5-148E-EF30-AB28-A91F8800E90F}"/>
               </a:ext>
             </a:extLst>
           </p:cNvPr>
@@ -26132,7 +26124,7 @@
           <p:cNvPr id="14" name="TextBox 13">
             <a:extLst>
               <a:ext uri="{FF2B5EF4-FFF2-40B4-BE49-F238E27FC236}">
-                <a16:creationId xmlns:a16="http://schemas.microsoft.com/office/drawing/2014/main" id="{A69F8E4F-BC41-CF26-4E2D-E71E52AD205E}"/>
+                <a16:creationId xmlns:a16="http://schemas.microsoft.com/office/drawing/2014/main" id="{9959B875-C0EA-90F9-D8E6-25BD98148047}"/>
               </a:ext>
             </a:extLst>
           </p:cNvPr>
@@ -26141,7 +26133,7 @@
         </p:nvSpPr>
         <p:spPr>
           <a:xfrm>
-            <a:off x="735498" y="4662800"/>
+            <a:off x="735498" y="3602626"/>
             <a:ext cx="7871789" cy="138499"/>
           </a:xfrm>
           <a:prstGeom prst="rect">
@@ -26179,7 +26171,7 @@
           <p:cNvPr id="15" name="TextBox 14">
             <a:extLst>
               <a:ext uri="{FF2B5EF4-FFF2-40B4-BE49-F238E27FC236}">
-                <a16:creationId xmlns:a16="http://schemas.microsoft.com/office/drawing/2014/main" id="{D0549E25-F270-566F-CF00-CF82BD81EB0A}"/>
+                <a16:creationId xmlns:a16="http://schemas.microsoft.com/office/drawing/2014/main" id="{EB0A122F-10DC-C1B8-0AEA-A139D04B1F90}"/>
               </a:ext>
             </a:extLst>
           </p:cNvPr>
@@ -26218,7 +26210,7 @@
           <p:cNvPr id="16" name="TextBox 15">
             <a:extLst>
               <a:ext uri="{FF2B5EF4-FFF2-40B4-BE49-F238E27FC236}">
-                <a16:creationId xmlns:a16="http://schemas.microsoft.com/office/drawing/2014/main" id="{6928A444-59AD-D89F-C090-07F4CA10BC08}"/>
+                <a16:creationId xmlns:a16="http://schemas.microsoft.com/office/drawing/2014/main" id="{CFD302D5-2558-5EA7-4F2C-2EF56ABFB6A8}"/>
               </a:ext>
             </a:extLst>
           </p:cNvPr>
@@ -26227,7 +26219,7 @@
         </p:nvSpPr>
         <p:spPr>
           <a:xfrm>
-            <a:off x="735498" y="4372668"/>
+            <a:off x="735498" y="3312494"/>
             <a:ext cx="3081128" cy="184666"/>
           </a:xfrm>
           <a:prstGeom prst="rect">
@@ -26255,7 +26247,7 @@
     </p:spTree>
     <p:extLst>
       <p:ext uri="{BB962C8B-B14F-4D97-AF65-F5344CB8AC3E}">
-        <p14:creationId xmlns:p14="http://schemas.microsoft.com/office/powerpoint/2010/main" val="87750992"/>
+        <p14:creationId xmlns:p14="http://schemas.microsoft.com/office/powerpoint/2010/main" val="1136952046"/>
       </p:ext>
     </p:extLst>
   </p:cSld>
@@ -26285,7 +26277,7 @@
         <p:cNvPr id="1" name="">
           <a:extLst>
             <a:ext uri="{FF2B5EF4-FFF2-40B4-BE49-F238E27FC236}">
-              <a16:creationId xmlns:a16="http://schemas.microsoft.com/office/drawing/2014/main" id="{E1D2CB80-7E96-E22A-2617-C9EC0C16FED8}"/>
+              <a16:creationId xmlns:a16="http://schemas.microsoft.com/office/drawing/2014/main" id="{70B41C94-A555-D9A0-7CE1-C9589284FA7B}"/>
             </a:ext>
           </a:extLst>
         </p:cNvPr>
@@ -26305,7 +26297,7 @@
           <p:cNvPr id="7" name="Title 6">
             <a:extLst>
               <a:ext uri="{FF2B5EF4-FFF2-40B4-BE49-F238E27FC236}">
-                <a16:creationId xmlns:a16="http://schemas.microsoft.com/office/drawing/2014/main" id="{65055865-A5E5-C983-8C7D-40416BEC73C6}"/>
+                <a16:creationId xmlns:a16="http://schemas.microsoft.com/office/drawing/2014/main" id="{DC7B4450-0547-D54E-987D-C777BAAC76DC}"/>
               </a:ext>
             </a:extLst>
           </p:cNvPr>
@@ -26344,7 +26336,7 @@
           <p:cNvPr id="4" name="Rectangle 3">
             <a:extLst>
               <a:ext uri="{FF2B5EF4-FFF2-40B4-BE49-F238E27FC236}">
-                <a16:creationId xmlns:a16="http://schemas.microsoft.com/office/drawing/2014/main" id="{9CF44666-C1CD-BE58-9366-66A7CE79E158}"/>
+                <a16:creationId xmlns:a16="http://schemas.microsoft.com/office/drawing/2014/main" id="{1ACB6F7A-10CA-89AC-D606-5366FB50BC04}"/>
               </a:ext>
             </a:extLst>
           </p:cNvPr>
@@ -26354,7 +26346,7 @@
         <p:spPr>
           <a:xfrm>
             <a:off x="632460" y="1086679"/>
-            <a:ext cx="8074218" cy="2849218"/>
+            <a:ext cx="8074218" cy="1809423"/>
           </a:xfrm>
           <a:prstGeom prst="rect">
             <a:avLst/>
@@ -26402,7 +26394,7 @@
           <p:cNvPr id="5" name="Rectangle 4">
             <a:extLst>
               <a:ext uri="{FF2B5EF4-FFF2-40B4-BE49-F238E27FC236}">
-                <a16:creationId xmlns:a16="http://schemas.microsoft.com/office/drawing/2014/main" id="{A7985FBB-A103-48EB-7584-2D25552DB19D}"/>
+                <a16:creationId xmlns:a16="http://schemas.microsoft.com/office/drawing/2014/main" id="{2DB36059-822D-45A7-6DB1-16AFC8DE1070}"/>
               </a:ext>
             </a:extLst>
           </p:cNvPr>
@@ -26411,8 +26403,8 @@
         </p:nvSpPr>
         <p:spPr>
           <a:xfrm>
-            <a:off x="632460" y="4267201"/>
-            <a:ext cx="8074218" cy="2010664"/>
+            <a:off x="632460" y="3193774"/>
+            <a:ext cx="8074218" cy="3084091"/>
           </a:xfrm>
           <a:prstGeom prst="rect">
             <a:avLst/>
@@ -26469,7 +26461,7 @@
           <p:cNvPr id="6" name="Rectangle 5">
             <a:extLst>
               <a:ext uri="{FF2B5EF4-FFF2-40B4-BE49-F238E27FC236}">
-                <a16:creationId xmlns:a16="http://schemas.microsoft.com/office/drawing/2014/main" id="{1C849692-68DC-9D8D-EEE3-8F3B667EC94C}"/>
+                <a16:creationId xmlns:a16="http://schemas.microsoft.com/office/drawing/2014/main" id="{DEE1446F-F990-3C91-6AAD-C5751CB6F3A1}"/>
               </a:ext>
             </a:extLst>
           </p:cNvPr>
@@ -26527,7 +26519,7 @@
           <p:cNvPr id="12" name="TextBox 11">
             <a:extLst>
               <a:ext uri="{FF2B5EF4-FFF2-40B4-BE49-F238E27FC236}">
-                <a16:creationId xmlns:a16="http://schemas.microsoft.com/office/drawing/2014/main" id="{F7D361BA-4D8A-3AF6-1CA6-602FA746A6DD}"/>
+                <a16:creationId xmlns:a16="http://schemas.microsoft.com/office/drawing/2014/main" id="{11B19979-6D72-4631-87C6-0973C2A2D210}"/>
               </a:ext>
             </a:extLst>
           </p:cNvPr>
@@ -26571,7 +26563,7 @@
           <p:cNvPr id="13" name="TextBox 12">
             <a:extLst>
               <a:ext uri="{FF2B5EF4-FFF2-40B4-BE49-F238E27FC236}">
-                <a16:creationId xmlns:a16="http://schemas.microsoft.com/office/drawing/2014/main" id="{2297A50A-AEBD-F8CB-1B95-903104F36F12}"/>
+                <a16:creationId xmlns:a16="http://schemas.microsoft.com/office/drawing/2014/main" id="{FED28325-DEFD-2E9B-D18C-8F51FDA64D7A}"/>
               </a:ext>
             </a:extLst>
           </p:cNvPr>
@@ -26615,7 +26607,7 @@
           <p:cNvPr id="14" name="TextBox 13">
             <a:extLst>
               <a:ext uri="{FF2B5EF4-FFF2-40B4-BE49-F238E27FC236}">
-                <a16:creationId xmlns:a16="http://schemas.microsoft.com/office/drawing/2014/main" id="{7D64B517-5B07-DA19-7E9F-3C2C6B600B9B}"/>
+                <a16:creationId xmlns:a16="http://schemas.microsoft.com/office/drawing/2014/main" id="{0CBCF49C-76B0-6803-AF63-F4087121410D}"/>
               </a:ext>
             </a:extLst>
           </p:cNvPr>
@@ -26624,7 +26616,7 @@
         </p:nvSpPr>
         <p:spPr>
           <a:xfrm>
-            <a:off x="735498" y="4662800"/>
+            <a:off x="735498" y="3602626"/>
             <a:ext cx="7871789" cy="138499"/>
           </a:xfrm>
           <a:prstGeom prst="rect">
@@ -26662,7 +26654,7 @@
           <p:cNvPr id="15" name="TextBox 14">
             <a:extLst>
               <a:ext uri="{FF2B5EF4-FFF2-40B4-BE49-F238E27FC236}">
-                <a16:creationId xmlns:a16="http://schemas.microsoft.com/office/drawing/2014/main" id="{607F538F-A524-634E-79F0-6A0242EB35E1}"/>
+                <a16:creationId xmlns:a16="http://schemas.microsoft.com/office/drawing/2014/main" id="{632D11D4-6DBA-4729-3475-4855557D9B07}"/>
               </a:ext>
             </a:extLst>
           </p:cNvPr>
@@ -26701,7 +26693,7 @@
           <p:cNvPr id="16" name="TextBox 15">
             <a:extLst>
               <a:ext uri="{FF2B5EF4-FFF2-40B4-BE49-F238E27FC236}">
-                <a16:creationId xmlns:a16="http://schemas.microsoft.com/office/drawing/2014/main" id="{97A1F52A-9148-DC2C-4C95-BEE8F80AC815}"/>
+                <a16:creationId xmlns:a16="http://schemas.microsoft.com/office/drawing/2014/main" id="{0933C8B2-7433-1675-041E-22583D270D2B}"/>
               </a:ext>
             </a:extLst>
           </p:cNvPr>
@@ -26710,7 +26702,7 @@
         </p:nvSpPr>
         <p:spPr>
           <a:xfrm>
-            <a:off x="735498" y="4372668"/>
+            <a:off x="735498" y="3312494"/>
             <a:ext cx="3081128" cy="184666"/>
           </a:xfrm>
           <a:prstGeom prst="rect">
@@ -26738,7 +26730,7 @@
     </p:spTree>
     <p:extLst>
       <p:ext uri="{BB962C8B-B14F-4D97-AF65-F5344CB8AC3E}">
-        <p14:creationId xmlns:p14="http://schemas.microsoft.com/office/powerpoint/2010/main" val="4220143230"/>
+        <p14:creationId xmlns:p14="http://schemas.microsoft.com/office/powerpoint/2010/main" val="302535494"/>
       </p:ext>
     </p:extLst>
   </p:cSld>
@@ -26768,7 +26760,7 @@
         <p:cNvPr id="1" name="">
           <a:extLst>
             <a:ext uri="{FF2B5EF4-FFF2-40B4-BE49-F238E27FC236}">
-              <a16:creationId xmlns:a16="http://schemas.microsoft.com/office/drawing/2014/main" id="{1BD49C2C-2E23-1ADA-52E8-03D795F40BCA}"/>
+              <a16:creationId xmlns:a16="http://schemas.microsoft.com/office/drawing/2014/main" id="{7DD425DC-D4DB-2A56-8A9B-5CE867F55467}"/>
             </a:ext>
           </a:extLst>
         </p:cNvPr>
@@ -26788,7 +26780,7 @@
           <p:cNvPr id="7" name="Title 6">
             <a:extLst>
               <a:ext uri="{FF2B5EF4-FFF2-40B4-BE49-F238E27FC236}">
-                <a16:creationId xmlns:a16="http://schemas.microsoft.com/office/drawing/2014/main" id="{87C8BE13-74F9-90B7-802C-DEDAF2018C70}"/>
+                <a16:creationId xmlns:a16="http://schemas.microsoft.com/office/drawing/2014/main" id="{70F45E6E-DC7D-29D3-846B-994282497A5F}"/>
               </a:ext>
             </a:extLst>
           </p:cNvPr>
@@ -26827,7 +26819,7 @@
           <p:cNvPr id="4" name="Rectangle 3">
             <a:extLst>
               <a:ext uri="{FF2B5EF4-FFF2-40B4-BE49-F238E27FC236}">
-                <a16:creationId xmlns:a16="http://schemas.microsoft.com/office/drawing/2014/main" id="{342873EC-D818-D437-373B-54F073345C37}"/>
+                <a16:creationId xmlns:a16="http://schemas.microsoft.com/office/drawing/2014/main" id="{C2E846AB-DF23-F3D2-9540-2127D7CF5736}"/>
               </a:ext>
             </a:extLst>
           </p:cNvPr>
@@ -26837,7 +26829,7 @@
         <p:spPr>
           <a:xfrm>
             <a:off x="632460" y="1086679"/>
-            <a:ext cx="8074218" cy="2849218"/>
+            <a:ext cx="8074218" cy="1809423"/>
           </a:xfrm>
           <a:prstGeom prst="rect">
             <a:avLst/>
@@ -26885,7 +26877,7 @@
           <p:cNvPr id="5" name="Rectangle 4">
             <a:extLst>
               <a:ext uri="{FF2B5EF4-FFF2-40B4-BE49-F238E27FC236}">
-                <a16:creationId xmlns:a16="http://schemas.microsoft.com/office/drawing/2014/main" id="{4E366EC2-064E-EAB5-EDDE-9B6EE54C9D53}"/>
+                <a16:creationId xmlns:a16="http://schemas.microsoft.com/office/drawing/2014/main" id="{689FE2E9-F2A7-4CB6-12C1-BA928472F8E2}"/>
               </a:ext>
             </a:extLst>
           </p:cNvPr>
@@ -26894,8 +26886,8 @@
         </p:nvSpPr>
         <p:spPr>
           <a:xfrm>
-            <a:off x="632460" y="4267201"/>
-            <a:ext cx="8074218" cy="2010664"/>
+            <a:off x="632460" y="3193774"/>
+            <a:ext cx="8074218" cy="3084091"/>
           </a:xfrm>
           <a:prstGeom prst="rect">
             <a:avLst/>
@@ -26952,7 +26944,7 @@
           <p:cNvPr id="6" name="Rectangle 5">
             <a:extLst>
               <a:ext uri="{FF2B5EF4-FFF2-40B4-BE49-F238E27FC236}">
-                <a16:creationId xmlns:a16="http://schemas.microsoft.com/office/drawing/2014/main" id="{75E406A6-56C9-CCDB-271F-9B0CB590028A}"/>
+                <a16:creationId xmlns:a16="http://schemas.microsoft.com/office/drawing/2014/main" id="{F85FAA64-F7BB-8A14-DEDE-9CCFCD210F8B}"/>
               </a:ext>
             </a:extLst>
           </p:cNvPr>
@@ -27010,7 +27002,7 @@
           <p:cNvPr id="12" name="TextBox 11">
             <a:extLst>
               <a:ext uri="{FF2B5EF4-FFF2-40B4-BE49-F238E27FC236}">
-                <a16:creationId xmlns:a16="http://schemas.microsoft.com/office/drawing/2014/main" id="{7C676BE2-D3D0-2AE5-2662-7CF31397F197}"/>
+                <a16:creationId xmlns:a16="http://schemas.microsoft.com/office/drawing/2014/main" id="{DA1E7002-E78F-1B97-1EA2-555950444E58}"/>
               </a:ext>
             </a:extLst>
           </p:cNvPr>
@@ -27054,7 +27046,7 @@
           <p:cNvPr id="13" name="TextBox 12">
             <a:extLst>
               <a:ext uri="{FF2B5EF4-FFF2-40B4-BE49-F238E27FC236}">
-                <a16:creationId xmlns:a16="http://schemas.microsoft.com/office/drawing/2014/main" id="{1268B9D9-FAC5-552D-0349-101844283C6D}"/>
+                <a16:creationId xmlns:a16="http://schemas.microsoft.com/office/drawing/2014/main" id="{B04FB0B0-970D-B1CE-F5BD-2F440E86A199}"/>
               </a:ext>
             </a:extLst>
           </p:cNvPr>
@@ -27098,7 +27090,7 @@
           <p:cNvPr id="14" name="TextBox 13">
             <a:extLst>
               <a:ext uri="{FF2B5EF4-FFF2-40B4-BE49-F238E27FC236}">
-                <a16:creationId xmlns:a16="http://schemas.microsoft.com/office/drawing/2014/main" id="{374B3D76-3687-DA4E-71F8-73E19AB4FE2B}"/>
+                <a16:creationId xmlns:a16="http://schemas.microsoft.com/office/drawing/2014/main" id="{BE24F51C-159B-59F0-2710-605521397B05}"/>
               </a:ext>
             </a:extLst>
           </p:cNvPr>
@@ -27107,7 +27099,7 @@
         </p:nvSpPr>
         <p:spPr>
           <a:xfrm>
-            <a:off x="735498" y="4662800"/>
+            <a:off x="735498" y="3602626"/>
             <a:ext cx="7871789" cy="138499"/>
           </a:xfrm>
           <a:prstGeom prst="rect">
@@ -27145,7 +27137,7 @@
           <p:cNvPr id="15" name="TextBox 14">
             <a:extLst>
               <a:ext uri="{FF2B5EF4-FFF2-40B4-BE49-F238E27FC236}">
-                <a16:creationId xmlns:a16="http://schemas.microsoft.com/office/drawing/2014/main" id="{13B3A947-1071-AEA6-A199-5668829603DA}"/>
+                <a16:creationId xmlns:a16="http://schemas.microsoft.com/office/drawing/2014/main" id="{165B10F9-1D26-A7FE-6BBF-F0A50DC71CCB}"/>
               </a:ext>
             </a:extLst>
           </p:cNvPr>
@@ -27184,7 +27176,7 @@
           <p:cNvPr id="16" name="TextBox 15">
             <a:extLst>
               <a:ext uri="{FF2B5EF4-FFF2-40B4-BE49-F238E27FC236}">
-                <a16:creationId xmlns:a16="http://schemas.microsoft.com/office/drawing/2014/main" id="{623CF2B8-57F0-F8B2-82DE-6903EFFBC6A6}"/>
+                <a16:creationId xmlns:a16="http://schemas.microsoft.com/office/drawing/2014/main" id="{CF2AF750-ACD7-FEA4-8666-F134F9F2AF85}"/>
               </a:ext>
             </a:extLst>
           </p:cNvPr>
@@ -27193,7 +27185,7 @@
         </p:nvSpPr>
         <p:spPr>
           <a:xfrm>
-            <a:off x="735498" y="4372668"/>
+            <a:off x="735498" y="3312494"/>
             <a:ext cx="3081128" cy="184666"/>
           </a:xfrm>
           <a:prstGeom prst="rect">
@@ -27221,7 +27213,7 @@
     </p:spTree>
     <p:extLst>
       <p:ext uri="{BB962C8B-B14F-4D97-AF65-F5344CB8AC3E}">
-        <p14:creationId xmlns:p14="http://schemas.microsoft.com/office/powerpoint/2010/main" val="1620972164"/>
+        <p14:creationId xmlns:p14="http://schemas.microsoft.com/office/powerpoint/2010/main" val="2096752976"/>
       </p:ext>
     </p:extLst>
   </p:cSld>
@@ -27251,7 +27243,7 @@
         <p:cNvPr id="1" name="">
           <a:extLst>
             <a:ext uri="{FF2B5EF4-FFF2-40B4-BE49-F238E27FC236}">
-              <a16:creationId xmlns:a16="http://schemas.microsoft.com/office/drawing/2014/main" id="{75F73AF5-0DDE-2E5A-90EA-3268681407F0}"/>
+              <a16:creationId xmlns:a16="http://schemas.microsoft.com/office/drawing/2014/main" id="{562D51B6-1E89-C3A4-BF94-1AB1598CC411}"/>
             </a:ext>
           </a:extLst>
         </p:cNvPr>
@@ -27271,7 +27263,7 @@
           <p:cNvPr id="7" name="Title 6">
             <a:extLst>
               <a:ext uri="{FF2B5EF4-FFF2-40B4-BE49-F238E27FC236}">
-                <a16:creationId xmlns:a16="http://schemas.microsoft.com/office/drawing/2014/main" id="{BA947D4B-D65C-466A-FE6A-0E6687C67F58}"/>
+                <a16:creationId xmlns:a16="http://schemas.microsoft.com/office/drawing/2014/main" id="{962AC624-365C-ECF3-68DD-EE044C6AD6DC}"/>
               </a:ext>
             </a:extLst>
           </p:cNvPr>
@@ -27310,7 +27302,7 @@
           <p:cNvPr id="4" name="Rectangle 3">
             <a:extLst>
               <a:ext uri="{FF2B5EF4-FFF2-40B4-BE49-F238E27FC236}">
-                <a16:creationId xmlns:a16="http://schemas.microsoft.com/office/drawing/2014/main" id="{A67025D1-1AB9-4EB6-2293-B2E680771DFF}"/>
+                <a16:creationId xmlns:a16="http://schemas.microsoft.com/office/drawing/2014/main" id="{BA257663-84B6-95E1-E2E6-BF57E29A830E}"/>
               </a:ext>
             </a:extLst>
           </p:cNvPr>
@@ -27320,7 +27312,7 @@
         <p:spPr>
           <a:xfrm>
             <a:off x="632460" y="1086679"/>
-            <a:ext cx="8074218" cy="2849218"/>
+            <a:ext cx="8074218" cy="1809423"/>
           </a:xfrm>
           <a:prstGeom prst="rect">
             <a:avLst/>
@@ -27368,7 +27360,7 @@
           <p:cNvPr id="5" name="Rectangle 4">
             <a:extLst>
               <a:ext uri="{FF2B5EF4-FFF2-40B4-BE49-F238E27FC236}">
-                <a16:creationId xmlns:a16="http://schemas.microsoft.com/office/drawing/2014/main" id="{28D180AD-C168-B98E-4BC8-3E4C41B8212E}"/>
+                <a16:creationId xmlns:a16="http://schemas.microsoft.com/office/drawing/2014/main" id="{1124CA08-072F-A4FC-F909-51A59338DF77}"/>
               </a:ext>
             </a:extLst>
           </p:cNvPr>
@@ -27377,8 +27369,8 @@
         </p:nvSpPr>
         <p:spPr>
           <a:xfrm>
-            <a:off x="632460" y="4267201"/>
-            <a:ext cx="8074218" cy="2010664"/>
+            <a:off x="632460" y="3193774"/>
+            <a:ext cx="8074218" cy="3084091"/>
           </a:xfrm>
           <a:prstGeom prst="rect">
             <a:avLst/>
@@ -27435,7 +27427,7 @@
           <p:cNvPr id="6" name="Rectangle 5">
             <a:extLst>
               <a:ext uri="{FF2B5EF4-FFF2-40B4-BE49-F238E27FC236}">
-                <a16:creationId xmlns:a16="http://schemas.microsoft.com/office/drawing/2014/main" id="{FB6925D2-7C47-7913-40C8-D1A63335B3DD}"/>
+                <a16:creationId xmlns:a16="http://schemas.microsoft.com/office/drawing/2014/main" id="{97DBE6E0-62A9-F995-25BD-AC1E62230D12}"/>
               </a:ext>
             </a:extLst>
           </p:cNvPr>
@@ -27493,7 +27485,7 @@
           <p:cNvPr id="12" name="TextBox 11">
             <a:extLst>
               <a:ext uri="{FF2B5EF4-FFF2-40B4-BE49-F238E27FC236}">
-                <a16:creationId xmlns:a16="http://schemas.microsoft.com/office/drawing/2014/main" id="{E68B6BA0-B23B-E2A0-378C-9DA45E918521}"/>
+                <a16:creationId xmlns:a16="http://schemas.microsoft.com/office/drawing/2014/main" id="{66183ABC-4DB4-56AE-5476-D1AF228364C9}"/>
               </a:ext>
             </a:extLst>
           </p:cNvPr>
@@ -27537,7 +27529,7 @@
           <p:cNvPr id="13" name="TextBox 12">
             <a:extLst>
               <a:ext uri="{FF2B5EF4-FFF2-40B4-BE49-F238E27FC236}">
-                <a16:creationId xmlns:a16="http://schemas.microsoft.com/office/drawing/2014/main" id="{43AD761A-BB85-E728-3BE6-2FD02606016E}"/>
+                <a16:creationId xmlns:a16="http://schemas.microsoft.com/office/drawing/2014/main" id="{BFA2D523-FAE7-601E-9179-5DDE8742CE04}"/>
               </a:ext>
             </a:extLst>
           </p:cNvPr>
@@ -27581,7 +27573,7 @@
           <p:cNvPr id="14" name="TextBox 13">
             <a:extLst>
               <a:ext uri="{FF2B5EF4-FFF2-40B4-BE49-F238E27FC236}">
-                <a16:creationId xmlns:a16="http://schemas.microsoft.com/office/drawing/2014/main" id="{C887EAB8-FA1A-947F-D65A-749A001073EB}"/>
+                <a16:creationId xmlns:a16="http://schemas.microsoft.com/office/drawing/2014/main" id="{0D0A1AB6-CDF4-45A8-F515-F23B1400C292}"/>
               </a:ext>
             </a:extLst>
           </p:cNvPr>
@@ -27590,7 +27582,7 @@
         </p:nvSpPr>
         <p:spPr>
           <a:xfrm>
-            <a:off x="735498" y="4662800"/>
+            <a:off x="735498" y="3602626"/>
             <a:ext cx="7871789" cy="138499"/>
           </a:xfrm>
           <a:prstGeom prst="rect">
@@ -27628,7 +27620,7 @@
           <p:cNvPr id="15" name="TextBox 14">
             <a:extLst>
               <a:ext uri="{FF2B5EF4-FFF2-40B4-BE49-F238E27FC236}">
-                <a16:creationId xmlns:a16="http://schemas.microsoft.com/office/drawing/2014/main" id="{FE7D65C0-3344-B771-0D84-8A6F86338CA1}"/>
+                <a16:creationId xmlns:a16="http://schemas.microsoft.com/office/drawing/2014/main" id="{7B49DE37-E548-154E-2C2E-999AADB45D4D}"/>
               </a:ext>
             </a:extLst>
           </p:cNvPr>
@@ -27667,7 +27659,7 @@
           <p:cNvPr id="16" name="TextBox 15">
             <a:extLst>
               <a:ext uri="{FF2B5EF4-FFF2-40B4-BE49-F238E27FC236}">
-                <a16:creationId xmlns:a16="http://schemas.microsoft.com/office/drawing/2014/main" id="{9A0515B1-D544-C6AC-4A4A-D72EE4A66E48}"/>
+                <a16:creationId xmlns:a16="http://schemas.microsoft.com/office/drawing/2014/main" id="{C409DBF5-4FC7-2DF3-74FB-72EA99161FF3}"/>
               </a:ext>
             </a:extLst>
           </p:cNvPr>
@@ -27676,7 +27668,7 @@
         </p:nvSpPr>
         <p:spPr>
           <a:xfrm>
-            <a:off x="735498" y="4372668"/>
+            <a:off x="735498" y="3312494"/>
             <a:ext cx="3081128" cy="184666"/>
           </a:xfrm>
           <a:prstGeom prst="rect">
@@ -27704,7 +27696,7 @@
     </p:spTree>
     <p:extLst>
       <p:ext uri="{BB962C8B-B14F-4D97-AF65-F5344CB8AC3E}">
-        <p14:creationId xmlns:p14="http://schemas.microsoft.com/office/powerpoint/2010/main" val="1045912628"/>
+        <p14:creationId xmlns:p14="http://schemas.microsoft.com/office/powerpoint/2010/main" val="1236895280"/>
       </p:ext>
     </p:extLst>
   </p:cSld>
@@ -27734,7 +27726,7 @@
         <p:cNvPr id="1" name="">
           <a:extLst>
             <a:ext uri="{FF2B5EF4-FFF2-40B4-BE49-F238E27FC236}">
-              <a16:creationId xmlns:a16="http://schemas.microsoft.com/office/drawing/2014/main" id="{7CD0165B-2D73-246A-8DDB-158695BC29B5}"/>
+              <a16:creationId xmlns:a16="http://schemas.microsoft.com/office/drawing/2014/main" id="{61356A34-610D-E07E-FBE4-9F8A08770FB0}"/>
             </a:ext>
           </a:extLst>
         </p:cNvPr>
@@ -27754,7 +27746,7 @@
           <p:cNvPr id="7" name="Title 6">
             <a:extLst>
               <a:ext uri="{FF2B5EF4-FFF2-40B4-BE49-F238E27FC236}">
-                <a16:creationId xmlns:a16="http://schemas.microsoft.com/office/drawing/2014/main" id="{07C876AE-FD85-E2B4-F34C-808DDDE7CFB5}"/>
+                <a16:creationId xmlns:a16="http://schemas.microsoft.com/office/drawing/2014/main" id="{5E1F1057-E85C-5905-DC14-6552F5E39240}"/>
               </a:ext>
             </a:extLst>
           </p:cNvPr>
@@ -27793,7 +27785,7 @@
           <p:cNvPr id="4" name="Rectangle 3">
             <a:extLst>
               <a:ext uri="{FF2B5EF4-FFF2-40B4-BE49-F238E27FC236}">
-                <a16:creationId xmlns:a16="http://schemas.microsoft.com/office/drawing/2014/main" id="{08BA86F0-9168-98F8-3A03-05EAD172BF95}"/>
+                <a16:creationId xmlns:a16="http://schemas.microsoft.com/office/drawing/2014/main" id="{03E36764-FA12-69F0-770C-CD9D0258BB14}"/>
               </a:ext>
             </a:extLst>
           </p:cNvPr>
@@ -27803,7 +27795,7 @@
         <p:spPr>
           <a:xfrm>
             <a:off x="632460" y="1086679"/>
-            <a:ext cx="8074218" cy="2849218"/>
+            <a:ext cx="8074218" cy="1809423"/>
           </a:xfrm>
           <a:prstGeom prst="rect">
             <a:avLst/>
@@ -27851,7 +27843,7 @@
           <p:cNvPr id="5" name="Rectangle 4">
             <a:extLst>
               <a:ext uri="{FF2B5EF4-FFF2-40B4-BE49-F238E27FC236}">
-                <a16:creationId xmlns:a16="http://schemas.microsoft.com/office/drawing/2014/main" id="{B78A2162-4D8A-7FD2-2E1D-0CC1B9B4AE8F}"/>
+                <a16:creationId xmlns:a16="http://schemas.microsoft.com/office/drawing/2014/main" id="{F0E2F860-D2FF-92F7-EB7B-EE76C6216069}"/>
               </a:ext>
             </a:extLst>
           </p:cNvPr>
@@ -27860,8 +27852,8 @@
         </p:nvSpPr>
         <p:spPr>
           <a:xfrm>
-            <a:off x="632460" y="4267201"/>
-            <a:ext cx="8074218" cy="2010664"/>
+            <a:off x="632460" y="3193774"/>
+            <a:ext cx="8074218" cy="3084091"/>
           </a:xfrm>
           <a:prstGeom prst="rect">
             <a:avLst/>
@@ -27918,7 +27910,7 @@
           <p:cNvPr id="6" name="Rectangle 5">
             <a:extLst>
               <a:ext uri="{FF2B5EF4-FFF2-40B4-BE49-F238E27FC236}">
-                <a16:creationId xmlns:a16="http://schemas.microsoft.com/office/drawing/2014/main" id="{4A9203B9-557E-0B77-21B1-2E552B3542AC}"/>
+                <a16:creationId xmlns:a16="http://schemas.microsoft.com/office/drawing/2014/main" id="{0630DCA3-427F-F523-0EC0-F92EDEA3A967}"/>
               </a:ext>
             </a:extLst>
           </p:cNvPr>
@@ -27976,7 +27968,7 @@
           <p:cNvPr id="12" name="TextBox 11">
             <a:extLst>
               <a:ext uri="{FF2B5EF4-FFF2-40B4-BE49-F238E27FC236}">
-                <a16:creationId xmlns:a16="http://schemas.microsoft.com/office/drawing/2014/main" id="{1C8058A6-B76D-8DC8-8C5E-9213150BF01C}"/>
+                <a16:creationId xmlns:a16="http://schemas.microsoft.com/office/drawing/2014/main" id="{B13F3B6E-A9B3-4773-0901-60E3A0B063BF}"/>
               </a:ext>
             </a:extLst>
           </p:cNvPr>
@@ -28020,7 +28012,7 @@
           <p:cNvPr id="13" name="TextBox 12">
             <a:extLst>
               <a:ext uri="{FF2B5EF4-FFF2-40B4-BE49-F238E27FC236}">
-                <a16:creationId xmlns:a16="http://schemas.microsoft.com/office/drawing/2014/main" id="{CCC985D0-4D86-F12C-6341-6C4FF370BE85}"/>
+                <a16:creationId xmlns:a16="http://schemas.microsoft.com/office/drawing/2014/main" id="{0C158BF7-01E9-C265-6BA1-F7AD31C689BD}"/>
               </a:ext>
             </a:extLst>
           </p:cNvPr>
@@ -28064,7 +28056,7 @@
           <p:cNvPr id="14" name="TextBox 13">
             <a:extLst>
               <a:ext uri="{FF2B5EF4-FFF2-40B4-BE49-F238E27FC236}">
-                <a16:creationId xmlns:a16="http://schemas.microsoft.com/office/drawing/2014/main" id="{AC79A184-7083-3947-E7E1-15F2489D8557}"/>
+                <a16:creationId xmlns:a16="http://schemas.microsoft.com/office/drawing/2014/main" id="{D3463E4B-4F89-BD47-202B-6F52C997E71C}"/>
               </a:ext>
             </a:extLst>
           </p:cNvPr>
@@ -28073,7 +28065,7 @@
         </p:nvSpPr>
         <p:spPr>
           <a:xfrm>
-            <a:off x="735498" y="4662800"/>
+            <a:off x="735498" y="3602626"/>
             <a:ext cx="7871789" cy="138499"/>
           </a:xfrm>
           <a:prstGeom prst="rect">
@@ -28111,7 +28103,7 @@
           <p:cNvPr id="15" name="TextBox 14">
             <a:extLst>
               <a:ext uri="{FF2B5EF4-FFF2-40B4-BE49-F238E27FC236}">
-                <a16:creationId xmlns:a16="http://schemas.microsoft.com/office/drawing/2014/main" id="{03D280BC-809F-6058-E0F0-746B33165610}"/>
+                <a16:creationId xmlns:a16="http://schemas.microsoft.com/office/drawing/2014/main" id="{1A963F2A-6114-5D59-7DFF-80FE688CAEF0}"/>
               </a:ext>
             </a:extLst>
           </p:cNvPr>
@@ -28150,7 +28142,7 @@
           <p:cNvPr id="16" name="TextBox 15">
             <a:extLst>
               <a:ext uri="{FF2B5EF4-FFF2-40B4-BE49-F238E27FC236}">
-                <a16:creationId xmlns:a16="http://schemas.microsoft.com/office/drawing/2014/main" id="{4DF0AE5C-68CE-95D5-A719-03CA54A6DADC}"/>
+                <a16:creationId xmlns:a16="http://schemas.microsoft.com/office/drawing/2014/main" id="{23924525-DB21-E02E-3873-2DE8F7BA9F41}"/>
               </a:ext>
             </a:extLst>
           </p:cNvPr>
@@ -28159,7 +28151,7 @@
         </p:nvSpPr>
         <p:spPr>
           <a:xfrm>
-            <a:off x="735498" y="4372668"/>
+            <a:off x="735498" y="3312494"/>
             <a:ext cx="3081128" cy="184666"/>
           </a:xfrm>
           <a:prstGeom prst="rect">
@@ -28187,7 +28179,7 @@
     </p:spTree>
     <p:extLst>
       <p:ext uri="{BB962C8B-B14F-4D97-AF65-F5344CB8AC3E}">
-        <p14:creationId xmlns:p14="http://schemas.microsoft.com/office/powerpoint/2010/main" val="1432586580"/>
+        <p14:creationId xmlns:p14="http://schemas.microsoft.com/office/powerpoint/2010/main" val="92629045"/>
       </p:ext>
     </p:extLst>
   </p:cSld>
@@ -28217,7 +28209,7 @@
         <p:cNvPr id="1" name="">
           <a:extLst>
             <a:ext uri="{FF2B5EF4-FFF2-40B4-BE49-F238E27FC236}">
-              <a16:creationId xmlns:a16="http://schemas.microsoft.com/office/drawing/2014/main" id="{CC23A570-BC44-5BA6-701C-B43627228E82}"/>
+              <a16:creationId xmlns:a16="http://schemas.microsoft.com/office/drawing/2014/main" id="{7CE076F3-478E-EEA4-1278-685277FD9F80}"/>
             </a:ext>
           </a:extLst>
         </p:cNvPr>
@@ -28237,7 +28229,7 @@
           <p:cNvPr id="7" name="Title 6">
             <a:extLst>
               <a:ext uri="{FF2B5EF4-FFF2-40B4-BE49-F238E27FC236}">
-                <a16:creationId xmlns:a16="http://schemas.microsoft.com/office/drawing/2014/main" id="{99F32C7A-E632-C851-9998-12E740003705}"/>
+                <a16:creationId xmlns:a16="http://schemas.microsoft.com/office/drawing/2014/main" id="{2ABEC841-60FA-53CA-A1F8-00969D606AD6}"/>
               </a:ext>
             </a:extLst>
           </p:cNvPr>
@@ -28276,7 +28268,7 @@
           <p:cNvPr id="4" name="Rectangle 3">
             <a:extLst>
               <a:ext uri="{FF2B5EF4-FFF2-40B4-BE49-F238E27FC236}">
-                <a16:creationId xmlns:a16="http://schemas.microsoft.com/office/drawing/2014/main" id="{CAC76896-B64D-718F-DF40-E51F664EB77E}"/>
+                <a16:creationId xmlns:a16="http://schemas.microsoft.com/office/drawing/2014/main" id="{0D676013-D8C2-AAAC-BCAC-6BE0EC607C55}"/>
               </a:ext>
             </a:extLst>
           </p:cNvPr>
@@ -28286,7 +28278,7 @@
         <p:spPr>
           <a:xfrm>
             <a:off x="632460" y="1086679"/>
-            <a:ext cx="8074218" cy="2849218"/>
+            <a:ext cx="8074218" cy="1809423"/>
           </a:xfrm>
           <a:prstGeom prst="rect">
             <a:avLst/>
@@ -28334,7 +28326,7 @@
           <p:cNvPr id="5" name="Rectangle 4">
             <a:extLst>
               <a:ext uri="{FF2B5EF4-FFF2-40B4-BE49-F238E27FC236}">
-                <a16:creationId xmlns:a16="http://schemas.microsoft.com/office/drawing/2014/main" id="{A9C71F22-FA35-898C-EEA2-A6A59B2A9793}"/>
+                <a16:creationId xmlns:a16="http://schemas.microsoft.com/office/drawing/2014/main" id="{077192EB-53C9-B8F3-02DF-2D96C8FC6EEF}"/>
               </a:ext>
             </a:extLst>
           </p:cNvPr>
@@ -28343,8 +28335,8 @@
         </p:nvSpPr>
         <p:spPr>
           <a:xfrm>
-            <a:off x="632460" y="4267201"/>
-            <a:ext cx="8074218" cy="2010664"/>
+            <a:off x="632460" y="3193774"/>
+            <a:ext cx="8074218" cy="3084091"/>
           </a:xfrm>
           <a:prstGeom prst="rect">
             <a:avLst/>
@@ -28401,7 +28393,7 @@
           <p:cNvPr id="6" name="Rectangle 5">
             <a:extLst>
               <a:ext uri="{FF2B5EF4-FFF2-40B4-BE49-F238E27FC236}">
-                <a16:creationId xmlns:a16="http://schemas.microsoft.com/office/drawing/2014/main" id="{5FE2F9BF-BB64-AF72-3CDD-42FB2DD3196B}"/>
+                <a16:creationId xmlns:a16="http://schemas.microsoft.com/office/drawing/2014/main" id="{B6FFC73B-9F29-146B-DA6B-437F9982F387}"/>
               </a:ext>
             </a:extLst>
           </p:cNvPr>
@@ -28459,7 +28451,7 @@
           <p:cNvPr id="12" name="TextBox 11">
             <a:extLst>
               <a:ext uri="{FF2B5EF4-FFF2-40B4-BE49-F238E27FC236}">
-                <a16:creationId xmlns:a16="http://schemas.microsoft.com/office/drawing/2014/main" id="{33562EC2-017E-F2CC-B6FE-5AF03F099EA8}"/>
+                <a16:creationId xmlns:a16="http://schemas.microsoft.com/office/drawing/2014/main" id="{1DAAE6B8-4053-A4F5-7ED4-85ADDCFE8CE7}"/>
               </a:ext>
             </a:extLst>
           </p:cNvPr>
@@ -28503,7 +28495,7 @@
           <p:cNvPr id="13" name="TextBox 12">
             <a:extLst>
               <a:ext uri="{FF2B5EF4-FFF2-40B4-BE49-F238E27FC236}">
-                <a16:creationId xmlns:a16="http://schemas.microsoft.com/office/drawing/2014/main" id="{FEAB8540-9DDA-6B64-9555-9660DAFFE70B}"/>
+                <a16:creationId xmlns:a16="http://schemas.microsoft.com/office/drawing/2014/main" id="{89AD2C89-3302-A989-76FA-B784D4E0F50A}"/>
               </a:ext>
             </a:extLst>
           </p:cNvPr>
@@ -28547,7 +28539,7 @@
           <p:cNvPr id="14" name="TextBox 13">
             <a:extLst>
               <a:ext uri="{FF2B5EF4-FFF2-40B4-BE49-F238E27FC236}">
-                <a16:creationId xmlns:a16="http://schemas.microsoft.com/office/drawing/2014/main" id="{D30A99E1-C951-2F47-A234-75483AFA418A}"/>
+                <a16:creationId xmlns:a16="http://schemas.microsoft.com/office/drawing/2014/main" id="{6CBF7F81-96C4-547B-573F-F401CD0ADD10}"/>
               </a:ext>
             </a:extLst>
           </p:cNvPr>
@@ -28556,7 +28548,7 @@
         </p:nvSpPr>
         <p:spPr>
           <a:xfrm>
-            <a:off x="735498" y="4662800"/>
+            <a:off x="735498" y="3602626"/>
             <a:ext cx="7871789" cy="138499"/>
           </a:xfrm>
           <a:prstGeom prst="rect">
@@ -28594,7 +28586,7 @@
           <p:cNvPr id="15" name="TextBox 14">
             <a:extLst>
               <a:ext uri="{FF2B5EF4-FFF2-40B4-BE49-F238E27FC236}">
-                <a16:creationId xmlns:a16="http://schemas.microsoft.com/office/drawing/2014/main" id="{0E907FDD-194E-10B9-CA73-4A664ACCA9D9}"/>
+                <a16:creationId xmlns:a16="http://schemas.microsoft.com/office/drawing/2014/main" id="{CBD8C445-34F9-F162-FCF5-D89001DFE5E2}"/>
               </a:ext>
             </a:extLst>
           </p:cNvPr>
@@ -28633,7 +28625,7 @@
           <p:cNvPr id="16" name="TextBox 15">
             <a:extLst>
               <a:ext uri="{FF2B5EF4-FFF2-40B4-BE49-F238E27FC236}">
-                <a16:creationId xmlns:a16="http://schemas.microsoft.com/office/drawing/2014/main" id="{0EFE5FD0-6CCF-7803-3B3F-942F49BB3EB5}"/>
+                <a16:creationId xmlns:a16="http://schemas.microsoft.com/office/drawing/2014/main" id="{5D3DB3F5-F6F8-2B31-F598-6B2EE0F6FE70}"/>
               </a:ext>
             </a:extLst>
           </p:cNvPr>
@@ -28642,7 +28634,7 @@
         </p:nvSpPr>
         <p:spPr>
           <a:xfrm>
-            <a:off x="735498" y="4372668"/>
+            <a:off x="735498" y="3312494"/>
             <a:ext cx="3081128" cy="184666"/>
           </a:xfrm>
           <a:prstGeom prst="rect">
@@ -28670,7 +28662,7 @@
     </p:spTree>
     <p:extLst>
       <p:ext uri="{BB962C8B-B14F-4D97-AF65-F5344CB8AC3E}">
-        <p14:creationId xmlns:p14="http://schemas.microsoft.com/office/powerpoint/2010/main" val="2250969742"/>
+        <p14:creationId xmlns:p14="http://schemas.microsoft.com/office/powerpoint/2010/main" val="1877000233"/>
       </p:ext>
     </p:extLst>
   </p:cSld>
@@ -28700,7 +28692,7 @@
         <p:cNvPr id="1" name="">
           <a:extLst>
             <a:ext uri="{FF2B5EF4-FFF2-40B4-BE49-F238E27FC236}">
-              <a16:creationId xmlns:a16="http://schemas.microsoft.com/office/drawing/2014/main" id="{13FC1647-38E1-197A-6D09-18F22255AAF6}"/>
+              <a16:creationId xmlns:a16="http://schemas.microsoft.com/office/drawing/2014/main" id="{81A581FC-CF09-0785-F577-4E2247870A77}"/>
             </a:ext>
           </a:extLst>
         </p:cNvPr>
@@ -28720,7 +28712,7 @@
           <p:cNvPr id="7" name="Title 6">
             <a:extLst>
               <a:ext uri="{FF2B5EF4-FFF2-40B4-BE49-F238E27FC236}">
-                <a16:creationId xmlns:a16="http://schemas.microsoft.com/office/drawing/2014/main" id="{2285B1CB-3A48-85A6-510B-5180DF90CB98}"/>
+                <a16:creationId xmlns:a16="http://schemas.microsoft.com/office/drawing/2014/main" id="{2A9BEAAD-7A05-1360-58AB-BEE3A6002BA1}"/>
               </a:ext>
             </a:extLst>
           </p:cNvPr>
@@ -28759,7 +28751,7 @@
           <p:cNvPr id="4" name="Rectangle 3">
             <a:extLst>
               <a:ext uri="{FF2B5EF4-FFF2-40B4-BE49-F238E27FC236}">
-                <a16:creationId xmlns:a16="http://schemas.microsoft.com/office/drawing/2014/main" id="{2348F8B8-B3C2-4F9C-689E-54BF2B0EEBFE}"/>
+                <a16:creationId xmlns:a16="http://schemas.microsoft.com/office/drawing/2014/main" id="{8465B47D-46B3-5F46-481A-C143362C11F5}"/>
               </a:ext>
             </a:extLst>
           </p:cNvPr>
@@ -28769,7 +28761,7 @@
         <p:spPr>
           <a:xfrm>
             <a:off x="632460" y="1086679"/>
-            <a:ext cx="8074218" cy="2849218"/>
+            <a:ext cx="8074218" cy="1809423"/>
           </a:xfrm>
           <a:prstGeom prst="rect">
             <a:avLst/>
@@ -28817,7 +28809,7 @@
           <p:cNvPr id="5" name="Rectangle 4">
             <a:extLst>
               <a:ext uri="{FF2B5EF4-FFF2-40B4-BE49-F238E27FC236}">
-                <a16:creationId xmlns:a16="http://schemas.microsoft.com/office/drawing/2014/main" id="{B02FA71E-6750-0090-3AD3-D40E95620561}"/>
+                <a16:creationId xmlns:a16="http://schemas.microsoft.com/office/drawing/2014/main" id="{69356815-D4D3-DE3D-F921-7373DA963D33}"/>
               </a:ext>
             </a:extLst>
           </p:cNvPr>
@@ -28826,8 +28818,8 @@
         </p:nvSpPr>
         <p:spPr>
           <a:xfrm>
-            <a:off x="632460" y="4267201"/>
-            <a:ext cx="8074218" cy="2010664"/>
+            <a:off x="632460" y="3193774"/>
+            <a:ext cx="8074218" cy="3084091"/>
           </a:xfrm>
           <a:prstGeom prst="rect">
             <a:avLst/>
@@ -28884,7 +28876,7 @@
           <p:cNvPr id="6" name="Rectangle 5">
             <a:extLst>
               <a:ext uri="{FF2B5EF4-FFF2-40B4-BE49-F238E27FC236}">
-                <a16:creationId xmlns:a16="http://schemas.microsoft.com/office/drawing/2014/main" id="{A63D8402-1954-78ED-D849-F96CE3D0916D}"/>
+                <a16:creationId xmlns:a16="http://schemas.microsoft.com/office/drawing/2014/main" id="{CC92C718-0F8F-BA7C-BD6A-EDB1312DE603}"/>
               </a:ext>
             </a:extLst>
           </p:cNvPr>
@@ -28942,7 +28934,7 @@
           <p:cNvPr id="12" name="TextBox 11">
             <a:extLst>
               <a:ext uri="{FF2B5EF4-FFF2-40B4-BE49-F238E27FC236}">
-                <a16:creationId xmlns:a16="http://schemas.microsoft.com/office/drawing/2014/main" id="{39C26C4D-6AED-8B7D-1BAB-2F9637A260EE}"/>
+                <a16:creationId xmlns:a16="http://schemas.microsoft.com/office/drawing/2014/main" id="{50152E7C-4F5A-9BD0-5AF4-5A5385DD4F1D}"/>
               </a:ext>
             </a:extLst>
           </p:cNvPr>
@@ -28986,7 +28978,7 @@
           <p:cNvPr id="13" name="TextBox 12">
             <a:extLst>
               <a:ext uri="{FF2B5EF4-FFF2-40B4-BE49-F238E27FC236}">
-                <a16:creationId xmlns:a16="http://schemas.microsoft.com/office/drawing/2014/main" id="{51B5DFE7-80C7-F534-FB83-E9294CF33CCC}"/>
+                <a16:creationId xmlns:a16="http://schemas.microsoft.com/office/drawing/2014/main" id="{1AE9ED86-DF08-9146-DF68-FAE695CE51AA}"/>
               </a:ext>
             </a:extLst>
           </p:cNvPr>
@@ -29030,7 +29022,7 @@
           <p:cNvPr id="14" name="TextBox 13">
             <a:extLst>
               <a:ext uri="{FF2B5EF4-FFF2-40B4-BE49-F238E27FC236}">
-                <a16:creationId xmlns:a16="http://schemas.microsoft.com/office/drawing/2014/main" id="{3967D72E-23F9-1AB6-679C-72A1A9725187}"/>
+                <a16:creationId xmlns:a16="http://schemas.microsoft.com/office/drawing/2014/main" id="{4F71E626-A9E2-EB76-4134-299DA7B79457}"/>
               </a:ext>
             </a:extLst>
           </p:cNvPr>
@@ -29039,7 +29031,7 @@
         </p:nvSpPr>
         <p:spPr>
           <a:xfrm>
-            <a:off x="735498" y="4662800"/>
+            <a:off x="735498" y="3602626"/>
             <a:ext cx="7871789" cy="138499"/>
           </a:xfrm>
           <a:prstGeom prst="rect">
@@ -29077,7 +29069,7 @@
           <p:cNvPr id="15" name="TextBox 14">
             <a:extLst>
               <a:ext uri="{FF2B5EF4-FFF2-40B4-BE49-F238E27FC236}">
-                <a16:creationId xmlns:a16="http://schemas.microsoft.com/office/drawing/2014/main" id="{E2756619-29A8-096B-A793-055ED7B5B2F0}"/>
+                <a16:creationId xmlns:a16="http://schemas.microsoft.com/office/drawing/2014/main" id="{5A185017-9270-668A-4FB1-E8B2C318744A}"/>
               </a:ext>
             </a:extLst>
           </p:cNvPr>
@@ -29116,7 +29108,7 @@
           <p:cNvPr id="16" name="TextBox 15">
             <a:extLst>
               <a:ext uri="{FF2B5EF4-FFF2-40B4-BE49-F238E27FC236}">
-                <a16:creationId xmlns:a16="http://schemas.microsoft.com/office/drawing/2014/main" id="{526BFDA8-5E1A-D445-0AF7-E2467EAABF2D}"/>
+                <a16:creationId xmlns:a16="http://schemas.microsoft.com/office/drawing/2014/main" id="{964FB748-0B4D-C261-98CB-D778A4225C6A}"/>
               </a:ext>
             </a:extLst>
           </p:cNvPr>
@@ -29125,7 +29117,7 @@
         </p:nvSpPr>
         <p:spPr>
           <a:xfrm>
-            <a:off x="735498" y="4372668"/>
+            <a:off x="735498" y="3312494"/>
             <a:ext cx="3081128" cy="184666"/>
           </a:xfrm>
           <a:prstGeom prst="rect">
@@ -29153,7 +29145,7 @@
     </p:spTree>
     <p:extLst>
       <p:ext uri="{BB962C8B-B14F-4D97-AF65-F5344CB8AC3E}">
-        <p14:creationId xmlns:p14="http://schemas.microsoft.com/office/powerpoint/2010/main" val="912018414"/>
+        <p14:creationId xmlns:p14="http://schemas.microsoft.com/office/powerpoint/2010/main" val="2257346100"/>
       </p:ext>
     </p:extLst>
   </p:cSld>
@@ -29183,7 +29175,7 @@
         <p:cNvPr id="1" name="">
           <a:extLst>
             <a:ext uri="{FF2B5EF4-FFF2-40B4-BE49-F238E27FC236}">
-              <a16:creationId xmlns:a16="http://schemas.microsoft.com/office/drawing/2014/main" id="{7EC05883-689D-075D-8369-9295163441B4}"/>
+              <a16:creationId xmlns:a16="http://schemas.microsoft.com/office/drawing/2014/main" id="{C9E75414-C1C2-ED26-E86D-4ACA3467AB9C}"/>
             </a:ext>
           </a:extLst>
         </p:cNvPr>
@@ -29203,7 +29195,7 @@
           <p:cNvPr id="7" name="Title 6">
             <a:extLst>
               <a:ext uri="{FF2B5EF4-FFF2-40B4-BE49-F238E27FC236}">
-                <a16:creationId xmlns:a16="http://schemas.microsoft.com/office/drawing/2014/main" id="{BF11BBB5-BB3F-1604-0720-F74AF5106267}"/>
+                <a16:creationId xmlns:a16="http://schemas.microsoft.com/office/drawing/2014/main" id="{C2CCF937-CBE7-B448-A25D-295A32CCB0D4}"/>
               </a:ext>
             </a:extLst>
           </p:cNvPr>
@@ -29242,7 +29234,7 @@
           <p:cNvPr id="4" name="Rectangle 3">
             <a:extLst>
               <a:ext uri="{FF2B5EF4-FFF2-40B4-BE49-F238E27FC236}">
-                <a16:creationId xmlns:a16="http://schemas.microsoft.com/office/drawing/2014/main" id="{E50EFCAB-05A0-5979-73C2-82B6C3F87E5D}"/>
+                <a16:creationId xmlns:a16="http://schemas.microsoft.com/office/drawing/2014/main" id="{9F098CA7-6E86-F159-7BEB-8D768508973A}"/>
               </a:ext>
             </a:extLst>
           </p:cNvPr>
@@ -29252,7 +29244,7 @@
         <p:spPr>
           <a:xfrm>
             <a:off x="632460" y="1086679"/>
-            <a:ext cx="8074218" cy="2849218"/>
+            <a:ext cx="8074218" cy="1809423"/>
           </a:xfrm>
           <a:prstGeom prst="rect">
             <a:avLst/>
@@ -29300,7 +29292,7 @@
           <p:cNvPr id="5" name="Rectangle 4">
             <a:extLst>
               <a:ext uri="{FF2B5EF4-FFF2-40B4-BE49-F238E27FC236}">
-                <a16:creationId xmlns:a16="http://schemas.microsoft.com/office/drawing/2014/main" id="{53EB8202-9C0C-DCA3-2950-110F7DE5AAAC}"/>
+                <a16:creationId xmlns:a16="http://schemas.microsoft.com/office/drawing/2014/main" id="{84CC177A-8252-7344-44FF-CC9623609533}"/>
               </a:ext>
             </a:extLst>
           </p:cNvPr>
@@ -29309,8 +29301,8 @@
         </p:nvSpPr>
         <p:spPr>
           <a:xfrm>
-            <a:off x="632460" y="4267201"/>
-            <a:ext cx="8074218" cy="2010664"/>
+            <a:off x="632460" y="3193774"/>
+            <a:ext cx="8074218" cy="3084091"/>
           </a:xfrm>
           <a:prstGeom prst="rect">
             <a:avLst/>
@@ -29367,7 +29359,7 @@
           <p:cNvPr id="6" name="Rectangle 5">
             <a:extLst>
               <a:ext uri="{FF2B5EF4-FFF2-40B4-BE49-F238E27FC236}">
-                <a16:creationId xmlns:a16="http://schemas.microsoft.com/office/drawing/2014/main" id="{87A9D087-3F06-15F1-E2B3-13FBF695EC9A}"/>
+                <a16:creationId xmlns:a16="http://schemas.microsoft.com/office/drawing/2014/main" id="{FB6C12A2-7CC1-E483-9444-47ACA7EF96A5}"/>
               </a:ext>
             </a:extLst>
           </p:cNvPr>
@@ -29425,7 +29417,7 @@
           <p:cNvPr id="12" name="TextBox 11">
             <a:extLst>
               <a:ext uri="{FF2B5EF4-FFF2-40B4-BE49-F238E27FC236}">
-                <a16:creationId xmlns:a16="http://schemas.microsoft.com/office/drawing/2014/main" id="{F93521A3-3987-B80C-BED9-4F79C5CB3B5E}"/>
+                <a16:creationId xmlns:a16="http://schemas.microsoft.com/office/drawing/2014/main" id="{FA441DA6-AAD6-F7EA-F0F3-4DE415A8C32E}"/>
               </a:ext>
             </a:extLst>
           </p:cNvPr>
@@ -29469,7 +29461,7 @@
           <p:cNvPr id="13" name="TextBox 12">
             <a:extLst>
               <a:ext uri="{FF2B5EF4-FFF2-40B4-BE49-F238E27FC236}">
-                <a16:creationId xmlns:a16="http://schemas.microsoft.com/office/drawing/2014/main" id="{B0F937BF-1424-41F0-34B9-29AFB9B5DE3D}"/>
+                <a16:creationId xmlns:a16="http://schemas.microsoft.com/office/drawing/2014/main" id="{932FDED3-1D0A-1C89-85CC-62BC63D608EC}"/>
               </a:ext>
             </a:extLst>
           </p:cNvPr>
@@ -29513,7 +29505,7 @@
           <p:cNvPr id="14" name="TextBox 13">
             <a:extLst>
               <a:ext uri="{FF2B5EF4-FFF2-40B4-BE49-F238E27FC236}">
-                <a16:creationId xmlns:a16="http://schemas.microsoft.com/office/drawing/2014/main" id="{39899BB9-4C15-4E90-ABBA-46A3C975A0D6}"/>
+                <a16:creationId xmlns:a16="http://schemas.microsoft.com/office/drawing/2014/main" id="{6A6039BD-065C-8A4D-4BC6-454E0BD5C9A2}"/>
               </a:ext>
             </a:extLst>
           </p:cNvPr>
@@ -29522,7 +29514,7 @@
         </p:nvSpPr>
         <p:spPr>
           <a:xfrm>
-            <a:off x="735498" y="4662800"/>
+            <a:off x="735498" y="3602626"/>
             <a:ext cx="7871789" cy="138499"/>
           </a:xfrm>
           <a:prstGeom prst="rect">
@@ -29560,7 +29552,7 @@
           <p:cNvPr id="15" name="TextBox 14">
             <a:extLst>
               <a:ext uri="{FF2B5EF4-FFF2-40B4-BE49-F238E27FC236}">
-                <a16:creationId xmlns:a16="http://schemas.microsoft.com/office/drawing/2014/main" id="{4586919F-A28D-4A8E-0EF5-D9BB5AA1FC1F}"/>
+                <a16:creationId xmlns:a16="http://schemas.microsoft.com/office/drawing/2014/main" id="{5646CF38-24F8-5C5A-6B96-3BD58111FC14}"/>
               </a:ext>
             </a:extLst>
           </p:cNvPr>
@@ -29599,7 +29591,7 @@
           <p:cNvPr id="16" name="TextBox 15">
             <a:extLst>
               <a:ext uri="{FF2B5EF4-FFF2-40B4-BE49-F238E27FC236}">
-                <a16:creationId xmlns:a16="http://schemas.microsoft.com/office/drawing/2014/main" id="{C83AB784-4CEF-FB5A-F6B5-EB66DC5BB5EB}"/>
+                <a16:creationId xmlns:a16="http://schemas.microsoft.com/office/drawing/2014/main" id="{371E239F-C3C4-DA2D-F854-BDE512DC7FC1}"/>
               </a:ext>
             </a:extLst>
           </p:cNvPr>
@@ -29608,7 +29600,7 @@
         </p:nvSpPr>
         <p:spPr>
           <a:xfrm>
-            <a:off x="735498" y="4372668"/>
+            <a:off x="735498" y="3312494"/>
             <a:ext cx="3081128" cy="184666"/>
           </a:xfrm>
           <a:prstGeom prst="rect">
@@ -29636,7 +29628,7 @@
     </p:spTree>
     <p:extLst>
       <p:ext uri="{BB962C8B-B14F-4D97-AF65-F5344CB8AC3E}">
-        <p14:creationId xmlns:p14="http://schemas.microsoft.com/office/powerpoint/2010/main" val="2189349073"/>
+        <p14:creationId xmlns:p14="http://schemas.microsoft.com/office/powerpoint/2010/main" val="3698624889"/>
       </p:ext>
     </p:extLst>
   </p:cSld>
@@ -29666,7 +29658,7 @@
         <p:cNvPr id="1" name="">
           <a:extLst>
             <a:ext uri="{FF2B5EF4-FFF2-40B4-BE49-F238E27FC236}">
-              <a16:creationId xmlns:a16="http://schemas.microsoft.com/office/drawing/2014/main" id="{1820D13A-8F03-8801-36B9-B6AE99831D4B}"/>
+              <a16:creationId xmlns:a16="http://schemas.microsoft.com/office/drawing/2014/main" id="{56E6FCC2-0980-90CC-BE8F-E2991C3AD185}"/>
             </a:ext>
           </a:extLst>
         </p:cNvPr>
@@ -29686,7 +29678,7 @@
           <p:cNvPr id="7" name="Title 6">
             <a:extLst>
               <a:ext uri="{FF2B5EF4-FFF2-40B4-BE49-F238E27FC236}">
-                <a16:creationId xmlns:a16="http://schemas.microsoft.com/office/drawing/2014/main" id="{396AD0A8-33EC-920F-4E94-B48DB14326C6}"/>
+                <a16:creationId xmlns:a16="http://schemas.microsoft.com/office/drawing/2014/main" id="{77DCFD4C-4323-1E0C-A2FD-3B6BA7DB9D42}"/>
               </a:ext>
             </a:extLst>
           </p:cNvPr>
@@ -29725,7 +29717,7 @@
           <p:cNvPr id="4" name="Rectangle 3">
             <a:extLst>
               <a:ext uri="{FF2B5EF4-FFF2-40B4-BE49-F238E27FC236}">
-                <a16:creationId xmlns:a16="http://schemas.microsoft.com/office/drawing/2014/main" id="{48B6AF19-86BC-1A83-FB37-0447AD74E9E4}"/>
+                <a16:creationId xmlns:a16="http://schemas.microsoft.com/office/drawing/2014/main" id="{42C4EBF8-81F7-47AB-844F-A0ACC434ACCD}"/>
               </a:ext>
             </a:extLst>
           </p:cNvPr>
@@ -29735,7 +29727,7 @@
         <p:spPr>
           <a:xfrm>
             <a:off x="632460" y="1086679"/>
-            <a:ext cx="8074218" cy="2849218"/>
+            <a:ext cx="8074218" cy="1809423"/>
           </a:xfrm>
           <a:prstGeom prst="rect">
             <a:avLst/>
@@ -29783,7 +29775,7 @@
           <p:cNvPr id="5" name="Rectangle 4">
             <a:extLst>
               <a:ext uri="{FF2B5EF4-FFF2-40B4-BE49-F238E27FC236}">
-                <a16:creationId xmlns:a16="http://schemas.microsoft.com/office/drawing/2014/main" id="{E75B41AE-5393-9338-4CD0-F2D0967245AB}"/>
+                <a16:creationId xmlns:a16="http://schemas.microsoft.com/office/drawing/2014/main" id="{1F54DEB7-65C4-165E-78C2-20534B25C32E}"/>
               </a:ext>
             </a:extLst>
           </p:cNvPr>
@@ -29792,8 +29784,8 @@
         </p:nvSpPr>
         <p:spPr>
           <a:xfrm>
-            <a:off x="632460" y="4267201"/>
-            <a:ext cx="8074218" cy="2010664"/>
+            <a:off x="632460" y="3193774"/>
+            <a:ext cx="8074218" cy="3084091"/>
           </a:xfrm>
           <a:prstGeom prst="rect">
             <a:avLst/>
@@ -29850,7 +29842,7 @@
           <p:cNvPr id="6" name="Rectangle 5">
             <a:extLst>
               <a:ext uri="{FF2B5EF4-FFF2-40B4-BE49-F238E27FC236}">
-                <a16:creationId xmlns:a16="http://schemas.microsoft.com/office/drawing/2014/main" id="{421B295C-C2CF-34D7-9237-BBE4B8FD8CF1}"/>
+                <a16:creationId xmlns:a16="http://schemas.microsoft.com/office/drawing/2014/main" id="{E029F6A2-5194-46A1-5E00-EE782CAD36A8}"/>
               </a:ext>
             </a:extLst>
           </p:cNvPr>
@@ -29908,7 +29900,7 @@
           <p:cNvPr id="12" name="TextBox 11">
             <a:extLst>
               <a:ext uri="{FF2B5EF4-FFF2-40B4-BE49-F238E27FC236}">
-                <a16:creationId xmlns:a16="http://schemas.microsoft.com/office/drawing/2014/main" id="{868E3259-AA0E-B5BC-7723-256753425D53}"/>
+                <a16:creationId xmlns:a16="http://schemas.microsoft.com/office/drawing/2014/main" id="{612F41AB-5DB0-C1A3-CBBF-559AB37558A6}"/>
               </a:ext>
             </a:extLst>
           </p:cNvPr>
@@ -29952,7 +29944,7 @@
           <p:cNvPr id="13" name="TextBox 12">
             <a:extLst>
               <a:ext uri="{FF2B5EF4-FFF2-40B4-BE49-F238E27FC236}">
-                <a16:creationId xmlns:a16="http://schemas.microsoft.com/office/drawing/2014/main" id="{02234815-DFAB-A9A6-138B-34C938C1E8FD}"/>
+                <a16:creationId xmlns:a16="http://schemas.microsoft.com/office/drawing/2014/main" id="{A9E287B6-4029-738B-D8D5-78F6692E5283}"/>
               </a:ext>
             </a:extLst>
           </p:cNvPr>
@@ -29996,7 +29988,7 @@
           <p:cNvPr id="14" name="TextBox 13">
             <a:extLst>
               <a:ext uri="{FF2B5EF4-FFF2-40B4-BE49-F238E27FC236}">
-                <a16:creationId xmlns:a16="http://schemas.microsoft.com/office/drawing/2014/main" id="{CA72F14E-95E8-3AF2-1A33-BE1110B23B73}"/>
+                <a16:creationId xmlns:a16="http://schemas.microsoft.com/office/drawing/2014/main" id="{1E8518C0-9495-9D05-430B-0049A4924695}"/>
               </a:ext>
             </a:extLst>
           </p:cNvPr>
@@ -30005,7 +29997,7 @@
         </p:nvSpPr>
         <p:spPr>
           <a:xfrm>
-            <a:off x="735498" y="4662800"/>
+            <a:off x="735498" y="3602626"/>
             <a:ext cx="7871789" cy="138499"/>
           </a:xfrm>
           <a:prstGeom prst="rect">
@@ -30043,7 +30035,7 @@
           <p:cNvPr id="15" name="TextBox 14">
             <a:extLst>
               <a:ext uri="{FF2B5EF4-FFF2-40B4-BE49-F238E27FC236}">
-                <a16:creationId xmlns:a16="http://schemas.microsoft.com/office/drawing/2014/main" id="{D736F61F-19A2-FA0E-8345-29A6271D6383}"/>
+                <a16:creationId xmlns:a16="http://schemas.microsoft.com/office/drawing/2014/main" id="{B5FF5842-558A-0038-A7D3-434CEE90F222}"/>
               </a:ext>
             </a:extLst>
           </p:cNvPr>
@@ -30082,7 +30074,7 @@
           <p:cNvPr id="16" name="TextBox 15">
             <a:extLst>
               <a:ext uri="{FF2B5EF4-FFF2-40B4-BE49-F238E27FC236}">
-                <a16:creationId xmlns:a16="http://schemas.microsoft.com/office/drawing/2014/main" id="{F3C04ADF-58FB-39E4-5A2E-41E4C605AA40}"/>
+                <a16:creationId xmlns:a16="http://schemas.microsoft.com/office/drawing/2014/main" id="{E924855C-9020-6A3A-2786-F9C9C93EDF6E}"/>
               </a:ext>
             </a:extLst>
           </p:cNvPr>
@@ -30091,7 +30083,7 @@
         </p:nvSpPr>
         <p:spPr>
           <a:xfrm>
-            <a:off x="735498" y="4372668"/>
+            <a:off x="735498" y="3312494"/>
             <a:ext cx="3081128" cy="184666"/>
           </a:xfrm>
           <a:prstGeom prst="rect">
@@ -30119,7 +30111,7 @@
     </p:spTree>
     <p:extLst>
       <p:ext uri="{BB962C8B-B14F-4D97-AF65-F5344CB8AC3E}">
-        <p14:creationId xmlns:p14="http://schemas.microsoft.com/office/powerpoint/2010/main" val="2051431538"/>
+        <p14:creationId xmlns:p14="http://schemas.microsoft.com/office/powerpoint/2010/main" val="2787901522"/>
       </p:ext>
     </p:extLst>
   </p:cSld>
@@ -30149,7 +30141,7 @@
         <p:cNvPr id="1" name="">
           <a:extLst>
             <a:ext uri="{FF2B5EF4-FFF2-40B4-BE49-F238E27FC236}">
-              <a16:creationId xmlns:a16="http://schemas.microsoft.com/office/drawing/2014/main" id="{85AC8B2A-BBDD-8A15-790B-AF3F0AF21BBD}"/>
+              <a16:creationId xmlns:a16="http://schemas.microsoft.com/office/drawing/2014/main" id="{C896FE6B-50EA-CE3D-C2DE-30E9BEA5F51A}"/>
             </a:ext>
           </a:extLst>
         </p:cNvPr>
@@ -30169,7 +30161,7 @@
           <p:cNvPr id="7" name="Title 6">
             <a:extLst>
               <a:ext uri="{FF2B5EF4-FFF2-40B4-BE49-F238E27FC236}">
-                <a16:creationId xmlns:a16="http://schemas.microsoft.com/office/drawing/2014/main" id="{1885FC78-CAE3-731E-5621-DF91EA6DA2C6}"/>
+                <a16:creationId xmlns:a16="http://schemas.microsoft.com/office/drawing/2014/main" id="{6F87F803-936F-7807-23C9-A87937BC9FBF}"/>
               </a:ext>
             </a:extLst>
           </p:cNvPr>
@@ -30208,7 +30200,7 @@
           <p:cNvPr id="4" name="Rectangle 3">
             <a:extLst>
               <a:ext uri="{FF2B5EF4-FFF2-40B4-BE49-F238E27FC236}">
-                <a16:creationId xmlns:a16="http://schemas.microsoft.com/office/drawing/2014/main" id="{CEB53093-058C-C21C-6F75-2A88D4960FD4}"/>
+                <a16:creationId xmlns:a16="http://schemas.microsoft.com/office/drawing/2014/main" id="{52199140-66B6-5C78-B578-D09F836C1CAC}"/>
               </a:ext>
             </a:extLst>
           </p:cNvPr>
@@ -30218,7 +30210,7 @@
         <p:spPr>
           <a:xfrm>
             <a:off x="632460" y="1086679"/>
-            <a:ext cx="8074218" cy="2849218"/>
+            <a:ext cx="8074218" cy="1809423"/>
           </a:xfrm>
           <a:prstGeom prst="rect">
             <a:avLst/>
@@ -30266,7 +30258,7 @@
           <p:cNvPr id="5" name="Rectangle 4">
             <a:extLst>
               <a:ext uri="{FF2B5EF4-FFF2-40B4-BE49-F238E27FC236}">
-                <a16:creationId xmlns:a16="http://schemas.microsoft.com/office/drawing/2014/main" id="{58718D27-6D97-9F4B-643B-4FAE31A9A9FF}"/>
+                <a16:creationId xmlns:a16="http://schemas.microsoft.com/office/drawing/2014/main" id="{92EFD3D2-2E73-35C5-E6D4-045A6184A2D2}"/>
               </a:ext>
             </a:extLst>
           </p:cNvPr>
@@ -30275,8 +30267,8 @@
         </p:nvSpPr>
         <p:spPr>
           <a:xfrm>
-            <a:off x="632460" y="4267201"/>
-            <a:ext cx="8074218" cy="2010664"/>
+            <a:off x="632460" y="3193774"/>
+            <a:ext cx="8074218" cy="3084091"/>
           </a:xfrm>
           <a:prstGeom prst="rect">
             <a:avLst/>
@@ -30333,7 +30325,7 @@
           <p:cNvPr id="6" name="Rectangle 5">
             <a:extLst>
               <a:ext uri="{FF2B5EF4-FFF2-40B4-BE49-F238E27FC236}">
-                <a16:creationId xmlns:a16="http://schemas.microsoft.com/office/drawing/2014/main" id="{2D330609-1FAF-8DD0-5042-730DBAA71E5E}"/>
+                <a16:creationId xmlns:a16="http://schemas.microsoft.com/office/drawing/2014/main" id="{420E3931-5D3A-D8E8-E11B-49D7A3EC373A}"/>
               </a:ext>
             </a:extLst>
           </p:cNvPr>
@@ -30391,7 +30383,7 @@
           <p:cNvPr id="12" name="TextBox 11">
             <a:extLst>
               <a:ext uri="{FF2B5EF4-FFF2-40B4-BE49-F238E27FC236}">
-                <a16:creationId xmlns:a16="http://schemas.microsoft.com/office/drawing/2014/main" id="{BFCCBDFA-402B-B560-FC7D-8317B1149DC8}"/>
+                <a16:creationId xmlns:a16="http://schemas.microsoft.com/office/drawing/2014/main" id="{B2BD427B-7F79-F1E1-6A47-3FED9FA1DC75}"/>
               </a:ext>
             </a:extLst>
           </p:cNvPr>
@@ -30435,7 +30427,7 @@
           <p:cNvPr id="13" name="TextBox 12">
             <a:extLst>
               <a:ext uri="{FF2B5EF4-FFF2-40B4-BE49-F238E27FC236}">
-                <a16:creationId xmlns:a16="http://schemas.microsoft.com/office/drawing/2014/main" id="{B7DA6471-70CE-0E2D-EF59-7E4705321C96}"/>
+                <a16:creationId xmlns:a16="http://schemas.microsoft.com/office/drawing/2014/main" id="{B7975404-0682-C836-4376-B31E8C104163}"/>
               </a:ext>
             </a:extLst>
           </p:cNvPr>
@@ -30479,7 +30471,7 @@
           <p:cNvPr id="14" name="TextBox 13">
             <a:extLst>
               <a:ext uri="{FF2B5EF4-FFF2-40B4-BE49-F238E27FC236}">
-                <a16:creationId xmlns:a16="http://schemas.microsoft.com/office/drawing/2014/main" id="{09F7989B-3753-D74B-A25C-FC23773346B2}"/>
+                <a16:creationId xmlns:a16="http://schemas.microsoft.com/office/drawing/2014/main" id="{DE5F5DEE-E37E-BEB7-4F5E-80D50CFB624D}"/>
               </a:ext>
             </a:extLst>
           </p:cNvPr>
@@ -30488,7 +30480,7 @@
         </p:nvSpPr>
         <p:spPr>
           <a:xfrm>
-            <a:off x="735498" y="4662800"/>
+            <a:off x="735498" y="3602626"/>
             <a:ext cx="7871789" cy="138499"/>
           </a:xfrm>
           <a:prstGeom prst="rect">
@@ -30526,7 +30518,7 @@
           <p:cNvPr id="15" name="TextBox 14">
             <a:extLst>
               <a:ext uri="{FF2B5EF4-FFF2-40B4-BE49-F238E27FC236}">
-                <a16:creationId xmlns:a16="http://schemas.microsoft.com/office/drawing/2014/main" id="{DA30A97E-BCD2-85EA-33F4-1F058F956F6C}"/>
+                <a16:creationId xmlns:a16="http://schemas.microsoft.com/office/drawing/2014/main" id="{1C302DC8-5A3F-32C1-4E5D-B615C4487459}"/>
               </a:ext>
             </a:extLst>
           </p:cNvPr>
@@ -30565,7 +30557,7 @@
           <p:cNvPr id="16" name="TextBox 15">
             <a:extLst>
               <a:ext uri="{FF2B5EF4-FFF2-40B4-BE49-F238E27FC236}">
-                <a16:creationId xmlns:a16="http://schemas.microsoft.com/office/drawing/2014/main" id="{F4D00BAE-028C-3FE3-22D9-DDC494F002D1}"/>
+                <a16:creationId xmlns:a16="http://schemas.microsoft.com/office/drawing/2014/main" id="{A57BE6B4-4D99-A8CE-9EF5-674206A56FFB}"/>
               </a:ext>
             </a:extLst>
           </p:cNvPr>
@@ -30574,7 +30566,7 @@
         </p:nvSpPr>
         <p:spPr>
           <a:xfrm>
-            <a:off x="735498" y="4372668"/>
+            <a:off x="735498" y="3312494"/>
             <a:ext cx="3081128" cy="184666"/>
           </a:xfrm>
           <a:prstGeom prst="rect">
@@ -30602,7 +30594,7 @@
     </p:spTree>
     <p:extLst>
       <p:ext uri="{BB962C8B-B14F-4D97-AF65-F5344CB8AC3E}">
-        <p14:creationId xmlns:p14="http://schemas.microsoft.com/office/powerpoint/2010/main" val="38806967"/>
+        <p14:creationId xmlns:p14="http://schemas.microsoft.com/office/powerpoint/2010/main" val="2826971016"/>
       </p:ext>
     </p:extLst>
   </p:cSld>
@@ -30632,7 +30624,7 @@
         <p:cNvPr id="1" name="">
           <a:extLst>
             <a:ext uri="{FF2B5EF4-FFF2-40B4-BE49-F238E27FC236}">
-              <a16:creationId xmlns:a16="http://schemas.microsoft.com/office/drawing/2014/main" id="{94DDD2EA-B3A5-44E1-7F39-C6ECBA736416}"/>
+              <a16:creationId xmlns:a16="http://schemas.microsoft.com/office/drawing/2014/main" id="{A6BB2D39-9890-3A6B-D6AD-7D9768530DA3}"/>
             </a:ext>
           </a:extLst>
         </p:cNvPr>
@@ -30652,7 +30644,7 @@
           <p:cNvPr id="7" name="Title 6">
             <a:extLst>
               <a:ext uri="{FF2B5EF4-FFF2-40B4-BE49-F238E27FC236}">
-                <a16:creationId xmlns:a16="http://schemas.microsoft.com/office/drawing/2014/main" id="{AF8D192A-BEF5-3914-1125-D6A7FD26DF56}"/>
+                <a16:creationId xmlns:a16="http://schemas.microsoft.com/office/drawing/2014/main" id="{7A3E9CE3-9740-70E2-F5BC-B68FB10021AF}"/>
               </a:ext>
             </a:extLst>
           </p:cNvPr>
@@ -30691,7 +30683,7 @@
           <p:cNvPr id="4" name="Rectangle 3">
             <a:extLst>
               <a:ext uri="{FF2B5EF4-FFF2-40B4-BE49-F238E27FC236}">
-                <a16:creationId xmlns:a16="http://schemas.microsoft.com/office/drawing/2014/main" id="{A80E10AC-0209-A5B8-09F5-6DFACE515245}"/>
+                <a16:creationId xmlns:a16="http://schemas.microsoft.com/office/drawing/2014/main" id="{21B5F4B4-4A47-2076-18D0-AE2E225F8E73}"/>
               </a:ext>
             </a:extLst>
           </p:cNvPr>
@@ -30701,7 +30693,7 @@
         <p:spPr>
           <a:xfrm>
             <a:off x="632460" y="1086679"/>
-            <a:ext cx="8074218" cy="2849218"/>
+            <a:ext cx="8074218" cy="1809423"/>
           </a:xfrm>
           <a:prstGeom prst="rect">
             <a:avLst/>
@@ -30749,7 +30741,7 @@
           <p:cNvPr id="5" name="Rectangle 4">
             <a:extLst>
               <a:ext uri="{FF2B5EF4-FFF2-40B4-BE49-F238E27FC236}">
-                <a16:creationId xmlns:a16="http://schemas.microsoft.com/office/drawing/2014/main" id="{C8A1F099-D4CF-68E1-0D1A-A33644A7510D}"/>
+                <a16:creationId xmlns:a16="http://schemas.microsoft.com/office/drawing/2014/main" id="{E5C4EA9C-D852-4418-54FE-EE99420EF386}"/>
               </a:ext>
             </a:extLst>
           </p:cNvPr>
@@ -30758,8 +30750,8 @@
         </p:nvSpPr>
         <p:spPr>
           <a:xfrm>
-            <a:off x="632460" y="4267201"/>
-            <a:ext cx="8074218" cy="2010664"/>
+            <a:off x="632460" y="3193774"/>
+            <a:ext cx="8074218" cy="3084091"/>
           </a:xfrm>
           <a:prstGeom prst="rect">
             <a:avLst/>
@@ -30816,7 +30808,7 @@
           <p:cNvPr id="6" name="Rectangle 5">
             <a:extLst>
               <a:ext uri="{FF2B5EF4-FFF2-40B4-BE49-F238E27FC236}">
-                <a16:creationId xmlns:a16="http://schemas.microsoft.com/office/drawing/2014/main" id="{F67F2DB0-BB32-7415-DC28-AFD7A0B9B476}"/>
+                <a16:creationId xmlns:a16="http://schemas.microsoft.com/office/drawing/2014/main" id="{F3BDD72B-D684-2077-6EE6-5F80E8009624}"/>
               </a:ext>
             </a:extLst>
           </p:cNvPr>
@@ -30874,7 +30866,7 @@
           <p:cNvPr id="12" name="TextBox 11">
             <a:extLst>
               <a:ext uri="{FF2B5EF4-FFF2-40B4-BE49-F238E27FC236}">
-                <a16:creationId xmlns:a16="http://schemas.microsoft.com/office/drawing/2014/main" id="{B062C6C0-C8AF-B129-2874-B7E205E63362}"/>
+                <a16:creationId xmlns:a16="http://schemas.microsoft.com/office/drawing/2014/main" id="{BC42370F-C84B-03EE-CCB2-024674EB2583}"/>
               </a:ext>
             </a:extLst>
           </p:cNvPr>
@@ -30918,7 +30910,7 @@
           <p:cNvPr id="13" name="TextBox 12">
             <a:extLst>
               <a:ext uri="{FF2B5EF4-FFF2-40B4-BE49-F238E27FC236}">
-                <a16:creationId xmlns:a16="http://schemas.microsoft.com/office/drawing/2014/main" id="{9ADB0488-64B1-4F2E-BE35-5185B94A8428}"/>
+                <a16:creationId xmlns:a16="http://schemas.microsoft.com/office/drawing/2014/main" id="{8BFEC7B5-5F1A-17D7-8E29-C511C32BA94C}"/>
               </a:ext>
             </a:extLst>
           </p:cNvPr>
@@ -30962,7 +30954,7 @@
           <p:cNvPr id="14" name="TextBox 13">
             <a:extLst>
               <a:ext uri="{FF2B5EF4-FFF2-40B4-BE49-F238E27FC236}">
-                <a16:creationId xmlns:a16="http://schemas.microsoft.com/office/drawing/2014/main" id="{1603640E-7FAB-3FAC-AD4E-89A4BC8E040E}"/>
+                <a16:creationId xmlns:a16="http://schemas.microsoft.com/office/drawing/2014/main" id="{DA326493-3968-7F99-4985-672B68086216}"/>
               </a:ext>
             </a:extLst>
           </p:cNvPr>
@@ -30971,7 +30963,7 @@
         </p:nvSpPr>
         <p:spPr>
           <a:xfrm>
-            <a:off x="735498" y="4662800"/>
+            <a:off x="735498" y="3602626"/>
             <a:ext cx="7871789" cy="138499"/>
           </a:xfrm>
           <a:prstGeom prst="rect">
@@ -31009,7 +31001,7 @@
           <p:cNvPr id="15" name="TextBox 14">
             <a:extLst>
               <a:ext uri="{FF2B5EF4-FFF2-40B4-BE49-F238E27FC236}">
-                <a16:creationId xmlns:a16="http://schemas.microsoft.com/office/drawing/2014/main" id="{3BCF8914-01ED-1660-3CC3-0C377C14BCB5}"/>
+                <a16:creationId xmlns:a16="http://schemas.microsoft.com/office/drawing/2014/main" id="{056171D3-4EE6-9CCD-EC15-E793AABA2EE0}"/>
               </a:ext>
             </a:extLst>
           </p:cNvPr>
@@ -31048,7 +31040,7 @@
           <p:cNvPr id="16" name="TextBox 15">
             <a:extLst>
               <a:ext uri="{FF2B5EF4-FFF2-40B4-BE49-F238E27FC236}">
-                <a16:creationId xmlns:a16="http://schemas.microsoft.com/office/drawing/2014/main" id="{F71E5911-6CE8-5C4A-AF6D-56B80BBF3422}"/>
+                <a16:creationId xmlns:a16="http://schemas.microsoft.com/office/drawing/2014/main" id="{ED4CFC63-7779-C77C-DB41-4C2B8E2A6FC3}"/>
               </a:ext>
             </a:extLst>
           </p:cNvPr>
@@ -31057,7 +31049,7 @@
         </p:nvSpPr>
         <p:spPr>
           <a:xfrm>
-            <a:off x="735498" y="4372668"/>
+            <a:off x="735498" y="3312494"/>
             <a:ext cx="3081128" cy="184666"/>
           </a:xfrm>
           <a:prstGeom prst="rect">
@@ -31085,7 +31077,7 @@
     </p:spTree>
     <p:extLst>
       <p:ext uri="{BB962C8B-B14F-4D97-AF65-F5344CB8AC3E}">
-        <p14:creationId xmlns:p14="http://schemas.microsoft.com/office/powerpoint/2010/main" val="1606979212"/>
+        <p14:creationId xmlns:p14="http://schemas.microsoft.com/office/powerpoint/2010/main" val="1152264669"/>
       </p:ext>
     </p:extLst>
   </p:cSld>
@@ -31784,17 +31776,6 @@
 </file>
 
 <file path=customXml/item1.xml><?xml version="1.0" encoding="utf-8"?>
-<p:properties xmlns:p="http://schemas.microsoft.com/office/2006/metadata/properties" xmlns:xsi="http://www.w3.org/2001/XMLSchema-instance" xmlns:pc="http://schemas.microsoft.com/office/infopath/2007/PartnerControls">
-  <documentManagement>
-    <TaxCatchAll xmlns="9bea065c-4598-471b-a0d8-b208471d6a41" xsi:nil="true"/>
-    <lcf76f155ced4ddcb4097134ff3c332f xmlns="737cdb0d-9f15-48ec-9529-975a91239bb1">
-      <Terms xmlns="http://schemas.microsoft.com/office/infopath/2007/PartnerControls"/>
-    </lcf76f155ced4ddcb4097134ff3c332f>
-  </documentManagement>
-</p:properties>
-</file>
-
-<file path=customXml/item2.xml><?xml version="1.0" encoding="utf-8"?>
 <ct:contentTypeSchema xmlns:ct="http://schemas.microsoft.com/office/2006/metadata/contentType" xmlns:ma="http://schemas.microsoft.com/office/2006/metadata/properties/metaAttributes" ct:_="" ma:_="" ma:contentTypeName="Document" ma:contentTypeID="0x010100A2CD2B7DD7D5E348A4B5B847AD49C1E4" ma:contentTypeVersion="15" ma:contentTypeDescription="Create a new document." ma:contentTypeScope="" ma:versionID="8e0e392dcf65750e3ad704a59f705fb3">
   <xsd:schema xmlns:xsd="http://www.w3.org/2001/XMLSchema" xmlns:xs="http://www.w3.org/2001/XMLSchema" xmlns:p="http://schemas.microsoft.com/office/2006/metadata/properties" xmlns:ns2="737cdb0d-9f15-48ec-9529-975a91239bb1" xmlns:ns3="9bea065c-4598-471b-a0d8-b208471d6a41" targetNamespace="http://schemas.microsoft.com/office/2006/metadata/properties" ma:root="true" ma:fieldsID="16d7d9ff6e2e2d483fddd166083c89fa" ns2:_="" ns3:_="">
     <xsd:import namespace="737cdb0d-9f15-48ec-9529-975a91239bb1"/>
@@ -32029,7 +32010,7 @@
 </ct:contentTypeSchema>
 </file>
 
-<file path=customXml/item3.xml><?xml version="1.0" encoding="utf-8"?>
+<file path=customXml/item2.xml><?xml version="1.0" encoding="utf-8"?>
 <?mso-contentType ?>
 <FormTemplates xmlns="http://schemas.microsoft.com/sharepoint/v3/contenttype/forms">
   <Display>DocumentLibraryForm</Display>
@@ -32038,24 +32019,18 @@
 </FormTemplates>
 </file>
 
-<file path=customXml/itemProps1.xml><?xml version="1.0" encoding="utf-8"?>
-<ds:datastoreItem xmlns:ds="http://schemas.openxmlformats.org/officeDocument/2006/customXml" ds:itemID="{9674E985-4D59-45AB-8970-AD8E2C92CE21}">
-  <ds:schemaRefs>
-    <ds:schemaRef ds:uri="http://purl.org/dc/terms/"/>
-    <ds:schemaRef ds:uri="http://schemas.microsoft.com/office/2006/documentManagement/types"/>
-    <ds:schemaRef ds:uri="http://schemas.microsoft.com/office/2006/metadata/properties"/>
-    <ds:schemaRef ds:uri="http://purl.org/dc/dcmitype/"/>
-    <ds:schemaRef ds:uri="http://purl.org/dc/elements/1.1/"/>
-    <ds:schemaRef ds:uri="737cdb0d-9f15-48ec-9529-975a91239bb1"/>
-    <ds:schemaRef ds:uri="http://schemas.microsoft.com/office/infopath/2007/PartnerControls"/>
-    <ds:schemaRef ds:uri="http://schemas.openxmlformats.org/package/2006/metadata/core-properties"/>
-    <ds:schemaRef ds:uri="9bea065c-4598-471b-a0d8-b208471d6a41"/>
-    <ds:schemaRef ds:uri="http://www.w3.org/XML/1998/namespace"/>
-  </ds:schemaRefs>
-</ds:datastoreItem>
+<file path=customXml/item3.xml><?xml version="1.0" encoding="utf-8"?>
+<p:properties xmlns:p="http://schemas.microsoft.com/office/2006/metadata/properties" xmlns:xsi="http://www.w3.org/2001/XMLSchema-instance" xmlns:pc="http://schemas.microsoft.com/office/infopath/2007/PartnerControls">
+  <documentManagement>
+    <TaxCatchAll xmlns="9bea065c-4598-471b-a0d8-b208471d6a41" xsi:nil="true"/>
+    <lcf76f155ced4ddcb4097134ff3c332f xmlns="737cdb0d-9f15-48ec-9529-975a91239bb1">
+      <Terms xmlns="http://schemas.microsoft.com/office/infopath/2007/PartnerControls"/>
+    </lcf76f155ced4ddcb4097134ff3c332f>
+  </documentManagement>
+</p:properties>
 </file>
 
-<file path=customXml/itemProps2.xml><?xml version="1.0" encoding="utf-8"?>
+<file path=customXml/itemProps1.xml><?xml version="1.0" encoding="utf-8"?>
 <ds:datastoreItem xmlns:ds="http://schemas.openxmlformats.org/officeDocument/2006/customXml" ds:itemID="{C4D443D4-D2BB-47D9-93BA-F264F5B47780}">
   <ds:schemaRefs>
     <ds:schemaRef ds:uri="737cdb0d-9f15-48ec-9529-975a91239bb1"/>
@@ -32074,10 +32049,27 @@
 </ds:datastoreItem>
 </file>
 
-<file path=customXml/itemProps3.xml><?xml version="1.0" encoding="utf-8"?>
+<file path=customXml/itemProps2.xml><?xml version="1.0" encoding="utf-8"?>
 <ds:datastoreItem xmlns:ds="http://schemas.openxmlformats.org/officeDocument/2006/customXml" ds:itemID="{3BB299B6-1159-4940-B296-E198453C8E80}">
   <ds:schemaRefs>
     <ds:schemaRef ds:uri="http://schemas.microsoft.com/sharepoint/v3/contenttype/forms"/>
   </ds:schemaRefs>
 </ds:datastoreItem>
+</file>
+
+<file path=customXml/itemProps3.xml><?xml version="1.0" encoding="utf-8"?>
+<ds:datastoreItem xmlns:ds="http://schemas.openxmlformats.org/officeDocument/2006/customXml" ds:itemID="{9674E985-4D59-45AB-8970-AD8E2C92CE21}">
+  <ds:schemaRefs>
+    <ds:schemaRef ds:uri="http://purl.org/dc/elements/1.1/"/>
+    <ds:schemaRef ds:uri="9bea065c-4598-471b-a0d8-b208471d6a41"/>
+    <ds:schemaRef ds:uri="http://purl.org/dc/dcmitype/"/>
+    <ds:schemaRef ds:uri="http://www.w3.org/XML/1998/namespace"/>
+    <ds:schemaRef ds:uri="http://purl.org/dc/terms/"/>
+    <ds:schemaRef ds:uri="http://schemas.microsoft.com/office/2006/documentManagement/types"/>
+    <ds:schemaRef ds:uri="http://schemas.microsoft.com/office/infopath/2007/PartnerControls"/>
+    <ds:schemaRef ds:uri="http://schemas.openxmlformats.org/package/2006/metadata/core-properties"/>
+    <ds:schemaRef ds:uri="737cdb0d-9f15-48ec-9529-975a91239bb1"/>
+    <ds:schemaRef ds:uri="http://schemas.microsoft.com/office/2006/metadata/properties"/>
+  </ds:schemaRefs>
+</ds:datastoreItem>
 </file>